--- a/elasticsearch short introduction.pptx
+++ b/elasticsearch short introduction.pptx
@@ -6,16 +6,24 @@
     <p:sldMasterId id="2147483662" r:id="rId5"/>
   </p:sldMasterIdLst>
   <p:notesMasterIdLst>
-    <p:notesMasterId r:id="rId13"/>
+    <p:notesMasterId r:id="rId21"/>
   </p:notesMasterIdLst>
   <p:sldIdLst>
     <p:sldId id="257" r:id="rId6"/>
-    <p:sldId id="259" r:id="rId7"/>
-    <p:sldId id="260" r:id="rId8"/>
-    <p:sldId id="264" r:id="rId9"/>
-    <p:sldId id="261" r:id="rId10"/>
-    <p:sldId id="262" r:id="rId11"/>
-    <p:sldId id="263" r:id="rId12"/>
+    <p:sldId id="267" r:id="rId7"/>
+    <p:sldId id="259" r:id="rId8"/>
+    <p:sldId id="260" r:id="rId9"/>
+    <p:sldId id="265" r:id="rId10"/>
+    <p:sldId id="266" r:id="rId11"/>
+    <p:sldId id="264" r:id="rId12"/>
+    <p:sldId id="261" r:id="rId13"/>
+    <p:sldId id="262" r:id="rId14"/>
+    <p:sldId id="263" r:id="rId15"/>
+    <p:sldId id="268" r:id="rId16"/>
+    <p:sldId id="269" r:id="rId17"/>
+    <p:sldId id="270" r:id="rId18"/>
+    <p:sldId id="271" r:id="rId19"/>
+    <p:sldId id="272" r:id="rId20"/>
   </p:sldIdLst>
   <p:sldSz cx="12192000" cy="6858000"/>
   <p:notesSz cx="6858000" cy="9144000"/>
@@ -204,7 +212,7 @@
           <a:p>
             <a:fld id="{AF96A753-1D98-4AE6-8E67-140FF97975C3}" type="datetimeFigureOut">
               <a:rPr lang="en-US" smtClean="0"/>
-              <a:t>7/22/2018</a:t>
+              <a:t>7/24/2018</a:t>
             </a:fld>
             <a:endParaRPr lang="en-US"/>
           </a:p>
@@ -548,7 +556,7 @@
           <a:p>
             <a:fld id="{83F17A60-5211-564C-AE51-C5EE6D827C53}" type="slidenum">
               <a:rPr lang="en-US" smtClean="0"/>
-              <a:t>2</a:t>
+              <a:t>3</a:t>
             </a:fld>
             <a:endParaRPr lang="en-US"/>
           </a:p>
@@ -4279,6 +4287,939 @@
 </p:sld>
 </file>
 
+<file path=ppt/slides/slide10.xml><?xml version="1.0" encoding="utf-8"?>
+<p:sld xmlns:a="http://schemas.openxmlformats.org/drawingml/2006/main" xmlns:r="http://schemas.openxmlformats.org/officeDocument/2006/relationships" xmlns:p="http://schemas.openxmlformats.org/presentationml/2006/main">
+  <p:cSld>
+    <p:spTree>
+      <p:nvGrpSpPr>
+        <p:cNvPr id="1" name=""/>
+        <p:cNvGrpSpPr/>
+        <p:nvPr/>
+      </p:nvGrpSpPr>
+      <p:grpSpPr>
+        <a:xfrm>
+          <a:off x="0" y="0"/>
+          <a:ext cx="0" cy="0"/>
+          <a:chOff x="0" y="0"/>
+          <a:chExt cx="0" cy="0"/>
+        </a:xfrm>
+      </p:grpSpPr>
+      <p:sp>
+        <p:nvSpPr>
+          <p:cNvPr id="2" name="Text Placeholder 1">
+            <a:extLst>
+              <a:ext uri="{FF2B5EF4-FFF2-40B4-BE49-F238E27FC236}">
+                <a16:creationId xmlns:a16="http://schemas.microsoft.com/office/drawing/2014/main" id="{566C9DD0-F82E-4FB5-A17E-8C5484B99C06}"/>
+              </a:ext>
+            </a:extLst>
+          </p:cNvPr>
+          <p:cNvSpPr>
+            <a:spLocks noGrp="1"/>
+          </p:cNvSpPr>
+          <p:nvPr>
+            <p:ph type="body" sz="quarter" idx="10"/>
+          </p:nvPr>
+        </p:nvSpPr>
+        <p:spPr>
+          <a:xfrm>
+            <a:off x="960293" y="528246"/>
+            <a:ext cx="10524898" cy="1080861"/>
+          </a:xfrm>
+        </p:spPr>
+        <p:txBody>
+          <a:bodyPr/>
+          <a:lstStyle/>
+          <a:p>
+            <a:r>
+              <a:rPr lang="pl-PL" dirty="0"/>
+              <a:t>Scoring calculations </a:t>
+            </a:r>
+          </a:p>
+        </p:txBody>
+      </p:sp>
+      <p:sp>
+        <p:nvSpPr>
+          <p:cNvPr id="3" name="Text Placeholder 2">
+            <a:extLst>
+              <a:ext uri="{FF2B5EF4-FFF2-40B4-BE49-F238E27FC236}">
+                <a16:creationId xmlns:a16="http://schemas.microsoft.com/office/drawing/2014/main" id="{640310AD-7255-494D-AAFA-A7C3448D3E0B}"/>
+              </a:ext>
+            </a:extLst>
+          </p:cNvPr>
+          <p:cNvSpPr>
+            <a:spLocks noGrp="1"/>
+          </p:cNvSpPr>
+          <p:nvPr>
+            <p:ph type="body" sz="quarter" idx="11"/>
+          </p:nvPr>
+        </p:nvSpPr>
+        <p:spPr>
+          <a:xfrm>
+            <a:off x="960293" y="1423009"/>
+            <a:ext cx="10524898" cy="4749191"/>
+          </a:xfrm>
+        </p:spPr>
+        <p:txBody>
+          <a:bodyPr/>
+          <a:lstStyle/>
+          <a:p>
+            <a:r>
+              <a:rPr lang="pl-PL" dirty="0"/>
+              <a:t>Inverted index is used for finding documents but also scorring calculation – to put results in the correct order </a:t>
+            </a:r>
+          </a:p>
+          <a:p>
+            <a:pPr marL="457200" indent="-457200">
+              <a:buFont typeface="Arial" panose="020B0604020202020204" pitchFamily="34" charset="0"/>
+              <a:buChar char="•"/>
+            </a:pPr>
+            <a:r>
+              <a:rPr lang="pl-PL" dirty="0"/>
+              <a:t>Term Frequency - h</a:t>
+            </a:r>
+            <a:r>
+              <a:rPr lang="en-US" dirty="0"/>
+              <a:t>ow often does the term appear in this document</a:t>
+            </a:r>
+            <a:r>
+              <a:rPr lang="pl-PL" dirty="0"/>
+              <a:t> ?  </a:t>
+            </a:r>
+            <a:r>
+              <a:rPr lang="en-US" dirty="0"/>
+              <a:t>more often</a:t>
+            </a:r>
+            <a:r>
+              <a:rPr lang="pl-PL" dirty="0"/>
+              <a:t>, score is </a:t>
+            </a:r>
+            <a:r>
+              <a:rPr lang="pl-PL" b="1" dirty="0"/>
+              <a:t>higher</a:t>
+            </a:r>
+            <a:r>
+              <a:rPr lang="pl-PL" dirty="0"/>
+              <a:t> </a:t>
+            </a:r>
+          </a:p>
+          <a:p>
+            <a:pPr marL="457200" indent="-457200">
+              <a:buFont typeface="Arial" panose="020B0604020202020204" pitchFamily="34" charset="0"/>
+              <a:buChar char="•"/>
+            </a:pPr>
+            <a:r>
+              <a:rPr lang="en-US" dirty="0"/>
+              <a:t>Inverse Document Frequency</a:t>
+            </a:r>
+            <a:r>
+              <a:rPr lang="pl-PL" dirty="0"/>
+              <a:t> - h</a:t>
+            </a:r>
+            <a:r>
+              <a:rPr lang="en-US" dirty="0"/>
+              <a:t>ow often does each term appear in</a:t>
+            </a:r>
+            <a:r>
+              <a:rPr lang="pl-PL" dirty="0"/>
+              <a:t> all documents in the</a:t>
+            </a:r>
+            <a:r>
+              <a:rPr lang="en-US" dirty="0"/>
+              <a:t> index? The more often,</a:t>
+            </a:r>
+            <a:r>
+              <a:rPr lang="pl-PL" dirty="0"/>
+              <a:t> score is </a:t>
+            </a:r>
+            <a:r>
+              <a:rPr lang="pl-PL" b="1" dirty="0"/>
+              <a:t>lower</a:t>
+            </a:r>
+            <a:r>
+              <a:rPr lang="pl-PL" dirty="0"/>
+              <a:t> </a:t>
+            </a:r>
+            <a:r>
+              <a:rPr lang="en-US" dirty="0"/>
+              <a:t> </a:t>
+            </a:r>
+            <a:endParaRPr lang="pl-PL" dirty="0"/>
+          </a:p>
+          <a:p>
+            <a:pPr marL="457200" indent="-457200">
+              <a:buFont typeface="Arial" panose="020B0604020202020204" pitchFamily="34" charset="0"/>
+              <a:buChar char="•"/>
+            </a:pPr>
+            <a:r>
+              <a:rPr lang="pl-PL" dirty="0"/>
+              <a:t>Field-length norm – h</a:t>
+            </a:r>
+            <a:r>
+              <a:rPr lang="en-US" dirty="0"/>
+              <a:t>ow long is the field? The longer it is, the less likely it is that words in the field will be relevant</a:t>
+            </a:r>
+            <a:endParaRPr lang="pl-PL" dirty="0"/>
+          </a:p>
+          <a:p>
+            <a:br>
+              <a:rPr lang="en-US" dirty="0"/>
+            </a:br>
+            <a:endParaRPr lang="pl-PL" dirty="0"/>
+          </a:p>
+        </p:txBody>
+      </p:sp>
+      <p:sp>
+        <p:nvSpPr>
+          <p:cNvPr id="4" name="TextBox 3">
+            <a:extLst>
+              <a:ext uri="{FF2B5EF4-FFF2-40B4-BE49-F238E27FC236}">
+                <a16:creationId xmlns:a16="http://schemas.microsoft.com/office/drawing/2014/main" id="{A2EE7B88-E16E-4DAA-B954-E64DD6FDB314}"/>
+              </a:ext>
+            </a:extLst>
+          </p:cNvPr>
+          <p:cNvSpPr txBox="1"/>
+          <p:nvPr/>
+        </p:nvSpPr>
+        <p:spPr>
+          <a:xfrm>
+            <a:off x="1091006" y="5127205"/>
+            <a:ext cx="10009987" cy="923330"/>
+          </a:xfrm>
+          <a:prstGeom prst="rect">
+            <a:avLst/>
+          </a:prstGeom>
+          <a:noFill/>
+          <a:ln>
+            <a:solidFill>
+              <a:schemeClr val="tx1"/>
+            </a:solidFill>
+          </a:ln>
+        </p:spPr>
+        <p:txBody>
+          <a:bodyPr wrap="square" rtlCol="0">
+            <a:spAutoFit/>
+          </a:bodyPr>
+          <a:lstStyle/>
+          <a:p>
+            <a:r>
+              <a:rPr lang="pl-PL" dirty="0"/>
+              <a:t>Use explain query paramter to get details </a:t>
+            </a:r>
+          </a:p>
+          <a:p>
+            <a:endParaRPr lang="pl-PL" dirty="0"/>
+          </a:p>
+          <a:p>
+            <a:r>
+              <a:rPr lang="en-US" dirty="0"/>
+              <a:t>localhost:9200/</a:t>
+            </a:r>
+            <a:r>
+              <a:rPr lang="en-US" dirty="0" err="1"/>
+              <a:t>shakespeare</a:t>
+            </a:r>
+            <a:r>
+              <a:rPr lang="en-US" dirty="0"/>
+              <a:t>/_</a:t>
+            </a:r>
+            <a:r>
+              <a:rPr lang="en-US" dirty="0" err="1"/>
+              <a:t>search?</a:t>
+            </a:r>
+            <a:r>
+              <a:rPr lang="en-US" b="1" dirty="0" err="1"/>
+              <a:t>explain</a:t>
+            </a:r>
+            <a:r>
+              <a:rPr lang="en-US" b="1" dirty="0"/>
+              <a:t>=true</a:t>
+            </a:r>
+          </a:p>
+        </p:txBody>
+      </p:sp>
+    </p:spTree>
+    <p:extLst>
+      <p:ext uri="{BB962C8B-B14F-4D97-AF65-F5344CB8AC3E}">
+        <p14:creationId xmlns:p14="http://schemas.microsoft.com/office/powerpoint/2010/main" val="3327384960"/>
+      </p:ext>
+    </p:extLst>
+  </p:cSld>
+  <p:clrMapOvr>
+    <a:masterClrMapping/>
+  </p:clrMapOvr>
+  <p:transition>
+    <p:fade/>
+  </p:transition>
+</p:sld>
+</file>
+
+<file path=ppt/slides/slide11.xml><?xml version="1.0" encoding="utf-8"?>
+<p:sld xmlns:a="http://schemas.openxmlformats.org/drawingml/2006/main" xmlns:r="http://schemas.openxmlformats.org/officeDocument/2006/relationships" xmlns:p="http://schemas.openxmlformats.org/presentationml/2006/main">
+  <p:cSld>
+    <p:spTree>
+      <p:nvGrpSpPr>
+        <p:cNvPr id="1" name=""/>
+        <p:cNvGrpSpPr/>
+        <p:nvPr/>
+      </p:nvGrpSpPr>
+      <p:grpSpPr>
+        <a:xfrm>
+          <a:off x="0" y="0"/>
+          <a:ext cx="0" cy="0"/>
+          <a:chOff x="0" y="0"/>
+          <a:chExt cx="0" cy="0"/>
+        </a:xfrm>
+      </p:grpSpPr>
+      <p:sp>
+        <p:nvSpPr>
+          <p:cNvPr id="2" name="Text Placeholder 1">
+            <a:extLst>
+              <a:ext uri="{FF2B5EF4-FFF2-40B4-BE49-F238E27FC236}">
+                <a16:creationId xmlns:a16="http://schemas.microsoft.com/office/drawing/2014/main" id="{EB30FF78-F9B7-47E4-BEA5-5449DA3D0232}"/>
+              </a:ext>
+            </a:extLst>
+          </p:cNvPr>
+          <p:cNvSpPr>
+            <a:spLocks noGrp="1"/>
+          </p:cNvSpPr>
+          <p:nvPr>
+            <p:ph type="body" sz="quarter" idx="10"/>
+          </p:nvPr>
+        </p:nvSpPr>
+        <p:spPr>
+          <a:xfrm>
+            <a:off x="949162" y="366621"/>
+            <a:ext cx="10524898" cy="1080861"/>
+          </a:xfrm>
+        </p:spPr>
+        <p:txBody>
+          <a:bodyPr/>
+          <a:lstStyle/>
+          <a:p>
+            <a:r>
+              <a:rPr lang="pl-PL" dirty="0"/>
+              <a:t>Speed up search – filters </a:t>
+            </a:r>
+          </a:p>
+        </p:txBody>
+      </p:sp>
+      <p:sp>
+        <p:nvSpPr>
+          <p:cNvPr id="3" name="Text Placeholder 2">
+            <a:extLst>
+              <a:ext uri="{FF2B5EF4-FFF2-40B4-BE49-F238E27FC236}">
+                <a16:creationId xmlns:a16="http://schemas.microsoft.com/office/drawing/2014/main" id="{94C0FCD8-DEE0-4243-88F2-4E47E8038196}"/>
+              </a:ext>
+            </a:extLst>
+          </p:cNvPr>
+          <p:cNvSpPr>
+            <a:spLocks noGrp="1"/>
+          </p:cNvSpPr>
+          <p:nvPr>
+            <p:ph type="body" sz="quarter" idx="11"/>
+          </p:nvPr>
+        </p:nvSpPr>
+        <p:spPr>
+          <a:xfrm>
+            <a:off x="1007886" y="1354152"/>
+            <a:ext cx="10524898" cy="4803367"/>
+          </a:xfrm>
+        </p:spPr>
+        <p:txBody>
+          <a:bodyPr/>
+          <a:lstStyle/>
+          <a:p>
+            <a:pPr marL="514350" indent="-514350">
+              <a:buFont typeface="+mj-lt"/>
+              <a:buAutoNum type="arabicPeriod"/>
+            </a:pPr>
+            <a:r>
+              <a:rPr lang="pl-PL" dirty="0"/>
+              <a:t>Produces boolean outcome, without scorring </a:t>
+            </a:r>
+          </a:p>
+          <a:p>
+            <a:pPr marL="514350" indent="-514350">
+              <a:buFont typeface="+mj-lt"/>
+              <a:buAutoNum type="arabicPeriod"/>
+            </a:pPr>
+            <a:r>
+              <a:rPr lang="pl-PL" dirty="0"/>
+              <a:t>Frequently used for filtering structured data, like single terms, ranges etc  </a:t>
+            </a:r>
+          </a:p>
+          <a:p>
+            <a:pPr marL="514350" indent="-514350">
+              <a:buFont typeface="+mj-lt"/>
+              <a:buAutoNum type="arabicPeriod"/>
+            </a:pPr>
+            <a:r>
+              <a:rPr lang="pl-PL" dirty="0"/>
+              <a:t>If request contains query and filters </a:t>
+            </a:r>
+          </a:p>
+          <a:p>
+            <a:pPr marL="1200150" lvl="1" indent="-514350">
+              <a:buFont typeface="+mj-lt"/>
+              <a:buAutoNum type="alphaLcParenR"/>
+            </a:pPr>
+            <a:r>
+              <a:rPr lang="pl-PL" dirty="0"/>
+              <a:t>First filters are applied </a:t>
+            </a:r>
+          </a:p>
+          <a:p>
+            <a:pPr marL="1200150" lvl="1" indent="-514350">
+              <a:buFont typeface="+mj-lt"/>
+              <a:buAutoNum type="alphaLcParenR"/>
+            </a:pPr>
+            <a:r>
+              <a:rPr lang="pl-PL" dirty="0"/>
+              <a:t>After it, on data which left, query with scorring is applied </a:t>
+            </a:r>
+          </a:p>
+          <a:p>
+            <a:pPr marL="514350" indent="-514350">
+              <a:buFont typeface="+mj-lt"/>
+              <a:buAutoNum type="arabicPeriod"/>
+            </a:pPr>
+            <a:r>
+              <a:rPr lang="pl-PL" dirty="0"/>
+              <a:t>Frequently used filters are cached </a:t>
+            </a:r>
+          </a:p>
+        </p:txBody>
+      </p:sp>
+      <p:pic>
+        <p:nvPicPr>
+          <p:cNvPr id="5" name="Picture 4">
+            <a:extLst>
+              <a:ext uri="{FF2B5EF4-FFF2-40B4-BE49-F238E27FC236}">
+                <a16:creationId xmlns:a16="http://schemas.microsoft.com/office/drawing/2014/main" id="{2C7B4ECA-8E18-485A-BBEF-DAEC8173CCED}"/>
+              </a:ext>
+            </a:extLst>
+          </p:cNvPr>
+          <p:cNvPicPr>
+            <a:picLocks noChangeAspect="1"/>
+          </p:cNvPicPr>
+          <p:nvPr/>
+        </p:nvPicPr>
+        <p:blipFill>
+          <a:blip r:embed="rId2"/>
+          <a:stretch>
+            <a:fillRect/>
+          </a:stretch>
+        </p:blipFill>
+        <p:spPr>
+          <a:xfrm>
+            <a:off x="2543876" y="4476418"/>
+            <a:ext cx="5611008" cy="2381582"/>
+          </a:xfrm>
+          <a:prstGeom prst="rect">
+            <a:avLst/>
+          </a:prstGeom>
+        </p:spPr>
+      </p:pic>
+    </p:spTree>
+    <p:extLst>
+      <p:ext uri="{BB962C8B-B14F-4D97-AF65-F5344CB8AC3E}">
+        <p14:creationId xmlns:p14="http://schemas.microsoft.com/office/powerpoint/2010/main" val="2233960778"/>
+      </p:ext>
+    </p:extLst>
+  </p:cSld>
+  <p:clrMapOvr>
+    <a:masterClrMapping/>
+  </p:clrMapOvr>
+  <p:transition>
+    <p:fade/>
+  </p:transition>
+</p:sld>
+</file>
+
+<file path=ppt/slides/slide12.xml><?xml version="1.0" encoding="utf-8"?>
+<p:sld xmlns:a="http://schemas.openxmlformats.org/drawingml/2006/main" xmlns:r="http://schemas.openxmlformats.org/officeDocument/2006/relationships" xmlns:p="http://schemas.openxmlformats.org/presentationml/2006/main">
+  <p:cSld>
+    <p:spTree>
+      <p:nvGrpSpPr>
+        <p:cNvPr id="1" name=""/>
+        <p:cNvGrpSpPr/>
+        <p:nvPr/>
+      </p:nvGrpSpPr>
+      <p:grpSpPr>
+        <a:xfrm>
+          <a:off x="0" y="0"/>
+          <a:ext cx="0" cy="0"/>
+          <a:chOff x="0" y="0"/>
+          <a:chExt cx="0" cy="0"/>
+        </a:xfrm>
+      </p:grpSpPr>
+      <p:sp>
+        <p:nvSpPr>
+          <p:cNvPr id="2" name="Text Placeholder 1">
+            <a:extLst>
+              <a:ext uri="{FF2B5EF4-FFF2-40B4-BE49-F238E27FC236}">
+                <a16:creationId xmlns:a16="http://schemas.microsoft.com/office/drawing/2014/main" id="{C9DF8A16-A3A0-4CFC-9D7B-684076441BC2}"/>
+              </a:ext>
+            </a:extLst>
+          </p:cNvPr>
+          <p:cNvSpPr>
+            <a:spLocks noGrp="1"/>
+          </p:cNvSpPr>
+          <p:nvPr>
+            <p:ph type="body" sz="quarter" idx="10"/>
+          </p:nvPr>
+        </p:nvSpPr>
+        <p:spPr>
+          <a:xfrm>
+            <a:off x="957551" y="400177"/>
+            <a:ext cx="10524898" cy="1080861"/>
+          </a:xfrm>
+        </p:spPr>
+        <p:txBody>
+          <a:bodyPr/>
+          <a:lstStyle/>
+          <a:p>
+            <a:r>
+              <a:rPr lang="pl-PL" dirty="0"/>
+              <a:t>CRUD – create index </a:t>
+            </a:r>
+          </a:p>
+        </p:txBody>
+      </p:sp>
+      <p:sp>
+        <p:nvSpPr>
+          <p:cNvPr id="3" name="Text Placeholder 2">
+            <a:extLst>
+              <a:ext uri="{FF2B5EF4-FFF2-40B4-BE49-F238E27FC236}">
+                <a16:creationId xmlns:a16="http://schemas.microsoft.com/office/drawing/2014/main" id="{17D120CB-1F4D-4EED-A678-4591783AB65F}"/>
+              </a:ext>
+            </a:extLst>
+          </p:cNvPr>
+          <p:cNvSpPr>
+            <a:spLocks noGrp="1"/>
+          </p:cNvSpPr>
+          <p:nvPr>
+            <p:ph type="body" sz="quarter" idx="11"/>
+          </p:nvPr>
+        </p:nvSpPr>
+        <p:spPr>
+          <a:xfrm>
+            <a:off x="1057013" y="1328985"/>
+            <a:ext cx="10425436" cy="4660754"/>
+          </a:xfrm>
+        </p:spPr>
+        <p:txBody>
+          <a:bodyPr/>
+          <a:lstStyle/>
+          <a:p>
+            <a:r>
+              <a:rPr lang="en-US" dirty="0"/>
+              <a:t>PUT /test HTTP/1.1</a:t>
+            </a:r>
+            <a:endParaRPr lang="pl-PL" dirty="0"/>
+          </a:p>
+          <a:p>
+            <a:r>
+              <a:rPr lang="en-US" dirty="0"/>
+              <a:t>Host: localhost:9200</a:t>
+            </a:r>
+            <a:endParaRPr lang="pl-PL" dirty="0"/>
+          </a:p>
+          <a:p>
+            <a:endParaRPr lang="pl-PL" dirty="0"/>
+          </a:p>
+          <a:p>
+            <a:endParaRPr lang="pl-PL" dirty="0"/>
+          </a:p>
+        </p:txBody>
+      </p:sp>
+      <p:pic>
+        <p:nvPicPr>
+          <p:cNvPr id="5" name="Picture 4">
+            <a:extLst>
+              <a:ext uri="{FF2B5EF4-FFF2-40B4-BE49-F238E27FC236}">
+                <a16:creationId xmlns:a16="http://schemas.microsoft.com/office/drawing/2014/main" id="{B933ADB9-B4B6-4714-8283-1A7FBB42B2ED}"/>
+              </a:ext>
+            </a:extLst>
+          </p:cNvPr>
+          <p:cNvPicPr>
+            <a:picLocks noChangeAspect="1"/>
+          </p:cNvPicPr>
+          <p:nvPr/>
+        </p:nvPicPr>
+        <p:blipFill>
+          <a:blip r:embed="rId2"/>
+          <a:stretch>
+            <a:fillRect/>
+          </a:stretch>
+        </p:blipFill>
+        <p:spPr>
+          <a:xfrm>
+            <a:off x="1140125" y="2484050"/>
+            <a:ext cx="3620005" cy="3505689"/>
+          </a:xfrm>
+          <a:prstGeom prst="rect">
+            <a:avLst/>
+          </a:prstGeom>
+        </p:spPr>
+      </p:pic>
+    </p:spTree>
+    <p:extLst>
+      <p:ext uri="{BB962C8B-B14F-4D97-AF65-F5344CB8AC3E}">
+        <p14:creationId xmlns:p14="http://schemas.microsoft.com/office/powerpoint/2010/main" val="521248468"/>
+      </p:ext>
+    </p:extLst>
+  </p:cSld>
+  <p:clrMapOvr>
+    <a:masterClrMapping/>
+  </p:clrMapOvr>
+  <p:transition>
+    <p:fade/>
+  </p:transition>
+</p:sld>
+</file>
+
+<file path=ppt/slides/slide13.xml><?xml version="1.0" encoding="utf-8"?>
+<p:sld xmlns:a="http://schemas.openxmlformats.org/drawingml/2006/main" xmlns:r="http://schemas.openxmlformats.org/officeDocument/2006/relationships" xmlns:p="http://schemas.openxmlformats.org/presentationml/2006/main">
+  <p:cSld>
+    <p:spTree>
+      <p:nvGrpSpPr>
+        <p:cNvPr id="1" name=""/>
+        <p:cNvGrpSpPr/>
+        <p:nvPr/>
+      </p:nvGrpSpPr>
+      <p:grpSpPr>
+        <a:xfrm>
+          <a:off x="0" y="0"/>
+          <a:ext cx="0" cy="0"/>
+          <a:chOff x="0" y="0"/>
+          <a:chExt cx="0" cy="0"/>
+        </a:xfrm>
+      </p:grpSpPr>
+      <p:sp>
+        <p:nvSpPr>
+          <p:cNvPr id="2" name="Text Placeholder 1">
+            <a:extLst>
+              <a:ext uri="{FF2B5EF4-FFF2-40B4-BE49-F238E27FC236}">
+                <a16:creationId xmlns:a16="http://schemas.microsoft.com/office/drawing/2014/main" id="{8BB1E443-5131-4503-822B-41BE7CEA9FAA}"/>
+              </a:ext>
+            </a:extLst>
+          </p:cNvPr>
+          <p:cNvSpPr>
+            <a:spLocks noGrp="1"/>
+          </p:cNvSpPr>
+          <p:nvPr>
+            <p:ph type="body" sz="quarter" idx="10"/>
+          </p:nvPr>
+        </p:nvSpPr>
+        <p:spPr>
+          <a:xfrm>
+            <a:off x="957551" y="383399"/>
+            <a:ext cx="10524898" cy="1080861"/>
+          </a:xfrm>
+        </p:spPr>
+        <p:txBody>
+          <a:bodyPr/>
+          <a:lstStyle/>
+          <a:p>
+            <a:r>
+              <a:rPr lang="pl-PL" dirty="0"/>
+              <a:t>CRUD – create document </a:t>
+            </a:r>
+          </a:p>
+        </p:txBody>
+      </p:sp>
+      <p:sp>
+        <p:nvSpPr>
+          <p:cNvPr id="3" name="Text Placeholder 2">
+            <a:extLst>
+              <a:ext uri="{FF2B5EF4-FFF2-40B4-BE49-F238E27FC236}">
+                <a16:creationId xmlns:a16="http://schemas.microsoft.com/office/drawing/2014/main" id="{67F9BE48-35E4-4E87-B2D6-28624CEFFF2F}"/>
+              </a:ext>
+            </a:extLst>
+          </p:cNvPr>
+          <p:cNvSpPr>
+            <a:spLocks noGrp="1"/>
+          </p:cNvSpPr>
+          <p:nvPr>
+            <p:ph type="body" sz="quarter" idx="11"/>
+          </p:nvPr>
+        </p:nvSpPr>
+        <p:spPr>
+          <a:xfrm>
+            <a:off x="1024663" y="1228317"/>
+            <a:ext cx="10524898" cy="4635588"/>
+          </a:xfrm>
+        </p:spPr>
+        <p:txBody>
+          <a:bodyPr/>
+          <a:lstStyle/>
+          <a:p>
+            <a:pPr marL="514350" indent="-514350">
+              <a:buFont typeface="+mj-lt"/>
+              <a:buAutoNum type="arabicPeriod"/>
+            </a:pPr>
+            <a:r>
+              <a:rPr lang="pl-PL" dirty="0"/>
+              <a:t>POST – auto generated id </a:t>
+            </a:r>
+          </a:p>
+          <a:p>
+            <a:pPr marL="514350" indent="-514350">
+              <a:buFont typeface="+mj-lt"/>
+              <a:buAutoNum type="arabicPeriod"/>
+            </a:pPr>
+            <a:r>
+              <a:rPr lang="pl-PL" dirty="0"/>
+              <a:t>PUT – option to manually create id </a:t>
+            </a:r>
+          </a:p>
+          <a:p>
+            <a:pPr marL="514350" indent="-514350">
+              <a:buFont typeface="+mj-lt"/>
+              <a:buAutoNum type="arabicPeriod"/>
+            </a:pPr>
+            <a:endParaRPr lang="pl-PL" dirty="0"/>
+          </a:p>
+          <a:p>
+            <a:r>
+              <a:rPr lang="pl-PL" dirty="0"/>
+              <a:t>POST /test/type HTTP/1.1</a:t>
+            </a:r>
+          </a:p>
+          <a:p>
+            <a:r>
+              <a:rPr lang="pl-PL" dirty="0"/>
+              <a:t>Host: localhost:9200</a:t>
+            </a:r>
+          </a:p>
+          <a:p>
+            <a:r>
+              <a:rPr lang="pl-PL" dirty="0"/>
+              <a:t>Content-Type: application/json</a:t>
+            </a:r>
+          </a:p>
+          <a:p>
+            <a:r>
+              <a:rPr lang="pl-PL" dirty="0"/>
+              <a:t>{ "textField" : "This is text field"}</a:t>
+            </a:r>
+          </a:p>
+        </p:txBody>
+      </p:sp>
+    </p:spTree>
+    <p:extLst>
+      <p:ext uri="{BB962C8B-B14F-4D97-AF65-F5344CB8AC3E}">
+        <p14:creationId xmlns:p14="http://schemas.microsoft.com/office/powerpoint/2010/main" val="687965556"/>
+      </p:ext>
+    </p:extLst>
+  </p:cSld>
+  <p:clrMapOvr>
+    <a:masterClrMapping/>
+  </p:clrMapOvr>
+  <p:transition>
+    <p:fade/>
+  </p:transition>
+</p:sld>
+</file>
+
+<file path=ppt/slides/slide14.xml><?xml version="1.0" encoding="utf-8"?>
+<p:sld xmlns:a="http://schemas.openxmlformats.org/drawingml/2006/main" xmlns:r="http://schemas.openxmlformats.org/officeDocument/2006/relationships" xmlns:p="http://schemas.openxmlformats.org/presentationml/2006/main">
+  <p:cSld>
+    <p:spTree>
+      <p:nvGrpSpPr>
+        <p:cNvPr id="1" name=""/>
+        <p:cNvGrpSpPr/>
+        <p:nvPr/>
+      </p:nvGrpSpPr>
+      <p:grpSpPr>
+        <a:xfrm>
+          <a:off x="0" y="0"/>
+          <a:ext cx="0" cy="0"/>
+          <a:chOff x="0" y="0"/>
+          <a:chExt cx="0" cy="0"/>
+        </a:xfrm>
+      </p:grpSpPr>
+      <p:sp>
+        <p:nvSpPr>
+          <p:cNvPr id="2" name="Text Placeholder 1">
+            <a:extLst>
+              <a:ext uri="{FF2B5EF4-FFF2-40B4-BE49-F238E27FC236}">
+                <a16:creationId xmlns:a16="http://schemas.microsoft.com/office/drawing/2014/main" id="{0666409E-3EDA-40A1-9B7F-38E1232F0C2E}"/>
+              </a:ext>
+            </a:extLst>
+          </p:cNvPr>
+          <p:cNvSpPr>
+            <a:spLocks noGrp="1"/>
+          </p:cNvSpPr>
+          <p:nvPr>
+            <p:ph type="body" sz="quarter" idx="10"/>
+          </p:nvPr>
+        </p:nvSpPr>
+        <p:spPr>
+          <a:xfrm>
+            <a:off x="982718" y="358232"/>
+            <a:ext cx="10524898" cy="1080861"/>
+          </a:xfrm>
+        </p:spPr>
+        <p:txBody>
+          <a:bodyPr/>
+          <a:lstStyle/>
+          <a:p>
+            <a:r>
+              <a:rPr lang="pl-PL" dirty="0"/>
+              <a:t>CRUD – delete document</a:t>
+            </a:r>
+          </a:p>
+        </p:txBody>
+      </p:sp>
+      <p:sp>
+        <p:nvSpPr>
+          <p:cNvPr id="3" name="Text Placeholder 2">
+            <a:extLst>
+              <a:ext uri="{FF2B5EF4-FFF2-40B4-BE49-F238E27FC236}">
+                <a16:creationId xmlns:a16="http://schemas.microsoft.com/office/drawing/2014/main" id="{FD5FB16C-B30C-4D9E-9F3E-096E5D6C0B1C}"/>
+              </a:ext>
+            </a:extLst>
+          </p:cNvPr>
+          <p:cNvSpPr>
+            <a:spLocks noGrp="1"/>
+          </p:cNvSpPr>
+          <p:nvPr>
+            <p:ph type="body" sz="quarter" idx="11"/>
+          </p:nvPr>
+        </p:nvSpPr>
+        <p:spPr>
+          <a:xfrm>
+            <a:off x="982718" y="2835478"/>
+            <a:ext cx="10199807" cy="1333851"/>
+          </a:xfrm>
+        </p:spPr>
+        <p:txBody>
+          <a:bodyPr/>
+          <a:lstStyle/>
+          <a:p>
+            <a:r>
+              <a:rPr lang="pl-PL" dirty="0"/>
+              <a:t>DELETE /test/type/G8qPzGQB6Ajb09J74sPs HTTP/1.1</a:t>
+            </a:r>
+          </a:p>
+          <a:p>
+            <a:r>
+              <a:rPr lang="pl-PL" dirty="0"/>
+              <a:t>Host: localhost:9200</a:t>
+            </a:r>
+          </a:p>
+          <a:p>
+            <a:endParaRPr lang="pl-PL" dirty="0"/>
+          </a:p>
+          <a:p>
+            <a:endParaRPr lang="pl-PL" dirty="0"/>
+          </a:p>
+          <a:p>
+            <a:endParaRPr lang="pl-PL" dirty="0"/>
+          </a:p>
+        </p:txBody>
+      </p:sp>
+    </p:spTree>
+    <p:extLst>
+      <p:ext uri="{BB962C8B-B14F-4D97-AF65-F5344CB8AC3E}">
+        <p14:creationId xmlns:p14="http://schemas.microsoft.com/office/powerpoint/2010/main" val="3246701872"/>
+      </p:ext>
+    </p:extLst>
+  </p:cSld>
+  <p:clrMapOvr>
+    <a:masterClrMapping/>
+  </p:clrMapOvr>
+  <p:transition>
+    <p:fade/>
+  </p:transition>
+</p:sld>
+</file>
+
+<file path=ppt/slides/slide15.xml><?xml version="1.0" encoding="utf-8"?>
+<p:sld xmlns:a="http://schemas.openxmlformats.org/drawingml/2006/main" xmlns:r="http://schemas.openxmlformats.org/officeDocument/2006/relationships" xmlns:p="http://schemas.openxmlformats.org/presentationml/2006/main">
+  <p:cSld>
+    <p:spTree>
+      <p:nvGrpSpPr>
+        <p:cNvPr id="1" name=""/>
+        <p:cNvGrpSpPr/>
+        <p:nvPr/>
+      </p:nvGrpSpPr>
+      <p:grpSpPr>
+        <a:xfrm>
+          <a:off x="0" y="0"/>
+          <a:ext cx="0" cy="0"/>
+          <a:chOff x="0" y="0"/>
+          <a:chExt cx="0" cy="0"/>
+        </a:xfrm>
+      </p:grpSpPr>
+      <p:sp>
+        <p:nvSpPr>
+          <p:cNvPr id="2" name="Text Placeholder 1">
+            <a:extLst>
+              <a:ext uri="{FF2B5EF4-FFF2-40B4-BE49-F238E27FC236}">
+                <a16:creationId xmlns:a16="http://schemas.microsoft.com/office/drawing/2014/main" id="{4A398FB1-AA8A-4C09-BC0B-38A769BED7E2}"/>
+              </a:ext>
+            </a:extLst>
+          </p:cNvPr>
+          <p:cNvSpPr>
+            <a:spLocks noGrp="1"/>
+          </p:cNvSpPr>
+          <p:nvPr>
+            <p:ph type="body" sz="quarter" idx="10"/>
+          </p:nvPr>
+        </p:nvSpPr>
+        <p:spPr/>
+        <p:txBody>
+          <a:bodyPr/>
+          <a:lstStyle/>
+          <a:p>
+            <a:endParaRPr lang="pl-PL"/>
+          </a:p>
+        </p:txBody>
+      </p:sp>
+      <p:sp>
+        <p:nvSpPr>
+          <p:cNvPr id="3" name="Text Placeholder 2">
+            <a:extLst>
+              <a:ext uri="{FF2B5EF4-FFF2-40B4-BE49-F238E27FC236}">
+                <a16:creationId xmlns:a16="http://schemas.microsoft.com/office/drawing/2014/main" id="{440E2B2C-AEFE-496C-A46C-6ACC01D8406F}"/>
+              </a:ext>
+            </a:extLst>
+          </p:cNvPr>
+          <p:cNvSpPr>
+            <a:spLocks noGrp="1"/>
+          </p:cNvSpPr>
+          <p:nvPr>
+            <p:ph type="body" sz="quarter" idx="11"/>
+          </p:nvPr>
+        </p:nvSpPr>
+        <p:spPr/>
+        <p:txBody>
+          <a:bodyPr/>
+          <a:lstStyle/>
+          <a:p>
+            <a:endParaRPr lang="pl-PL"/>
+          </a:p>
+        </p:txBody>
+      </p:sp>
+    </p:spTree>
+    <p:extLst>
+      <p:ext uri="{BB962C8B-B14F-4D97-AF65-F5344CB8AC3E}">
+        <p14:creationId xmlns:p14="http://schemas.microsoft.com/office/powerpoint/2010/main" val="1134642614"/>
+      </p:ext>
+    </p:extLst>
+  </p:cSld>
+  <p:clrMapOvr>
+    <a:masterClrMapping/>
+  </p:clrMapOvr>
+  <p:transition>
+    <p:fade/>
+  </p:transition>
+</p:sld>
+</file>
+
 <file path=ppt/slides/slide2.xml><?xml version="1.0" encoding="utf-8"?>
 <p:sld xmlns:a="http://schemas.openxmlformats.org/drawingml/2006/main" xmlns:r="http://schemas.openxmlformats.org/officeDocument/2006/relationships" xmlns:p="http://schemas.openxmlformats.org/presentationml/2006/main">
   <p:cSld>
@@ -4298,6 +5239,142 @@
       </p:grpSpPr>
       <p:sp>
         <p:nvSpPr>
+          <p:cNvPr id="3" name="Text Placeholder 2">
+            <a:extLst>
+              <a:ext uri="{FF2B5EF4-FFF2-40B4-BE49-F238E27FC236}">
+                <a16:creationId xmlns:a16="http://schemas.microsoft.com/office/drawing/2014/main" id="{BDCD8140-5EF5-4A31-826A-A67F02528231}"/>
+              </a:ext>
+            </a:extLst>
+          </p:cNvPr>
+          <p:cNvSpPr>
+            <a:spLocks noGrp="1"/>
+          </p:cNvSpPr>
+          <p:nvPr>
+            <p:ph type="body" sz="quarter" idx="11"/>
+          </p:nvPr>
+        </p:nvSpPr>
+        <p:spPr>
+          <a:xfrm>
+            <a:off x="1142109" y="1505154"/>
+            <a:ext cx="10524898" cy="4635587"/>
+          </a:xfrm>
+        </p:spPr>
+        <p:txBody>
+          <a:bodyPr/>
+          <a:lstStyle/>
+          <a:p>
+            <a:r>
+              <a:rPr lang="pl-PL" dirty="0">
+                <a:hlinkClick r:id="rId2"/>
+              </a:rPr>
+              <a:t>https://github.com/jakubgw/elasticsearch-short-intruduction</a:t>
+            </a:r>
+            <a:endParaRPr lang="pl-PL" dirty="0"/>
+          </a:p>
+          <a:p>
+            <a:endParaRPr lang="pl-PL" dirty="0"/>
+          </a:p>
+          <a:p>
+            <a:pPr marL="514350" indent="-514350">
+              <a:buFont typeface="+mj-lt"/>
+              <a:buAutoNum type="arabicPeriod"/>
+            </a:pPr>
+            <a:r>
+              <a:rPr lang="pl-PL" dirty="0"/>
+              <a:t>Docker compose with elasticsearch cluster working on two nodes </a:t>
+            </a:r>
+          </a:p>
+          <a:p>
+            <a:pPr marL="514350" indent="-514350">
+              <a:buFont typeface="+mj-lt"/>
+              <a:buAutoNum type="arabicPeriod"/>
+            </a:pPr>
+            <a:r>
+              <a:rPr lang="pl-PL" dirty="0"/>
+              <a:t>Sample collections data to insert </a:t>
+            </a:r>
+          </a:p>
+          <a:p>
+            <a:pPr marL="514350" indent="-514350">
+              <a:buFont typeface="+mj-lt"/>
+              <a:buAutoNum type="arabicPeriod"/>
+            </a:pPr>
+            <a:r>
+              <a:rPr lang="pl-PL" dirty="0"/>
+              <a:t>Postman collection with all calls </a:t>
+            </a:r>
+          </a:p>
+          <a:p>
+            <a:pPr marL="514350" indent="-514350">
+              <a:buFont typeface="+mj-lt"/>
+              <a:buAutoNum type="arabicPeriod"/>
+            </a:pPr>
+            <a:r>
+              <a:rPr lang="pl-PL" dirty="0"/>
+              <a:t>This presentation </a:t>
+            </a:r>
+            <a:r>
+              <a:rPr lang="pl-PL" dirty="0">
+                <a:sym typeface="Wingdings" panose="05000000000000000000" pitchFamily="2" charset="2"/>
+              </a:rPr>
+              <a:t> </a:t>
+            </a:r>
+            <a:endParaRPr lang="pl-PL" dirty="0"/>
+          </a:p>
+          <a:p>
+            <a:pPr marL="514350" indent="-514350">
+              <a:buFont typeface="+mj-lt"/>
+              <a:buAutoNum type="arabicPeriod"/>
+            </a:pPr>
+            <a:endParaRPr lang="pl-PL" dirty="0"/>
+          </a:p>
+          <a:p>
+            <a:pPr marL="514350" indent="-514350">
+              <a:buFont typeface="+mj-lt"/>
+              <a:buAutoNum type="arabicPeriod"/>
+            </a:pPr>
+            <a:endParaRPr lang="pl-PL" dirty="0"/>
+          </a:p>
+          <a:p>
+            <a:endParaRPr lang="pl-PL" dirty="0"/>
+          </a:p>
+        </p:txBody>
+      </p:sp>
+    </p:spTree>
+    <p:extLst>
+      <p:ext uri="{BB962C8B-B14F-4D97-AF65-F5344CB8AC3E}">
+        <p14:creationId xmlns:p14="http://schemas.microsoft.com/office/powerpoint/2010/main" val="2381219924"/>
+      </p:ext>
+    </p:extLst>
+  </p:cSld>
+  <p:clrMapOvr>
+    <a:masterClrMapping/>
+  </p:clrMapOvr>
+  <p:transition>
+    <p:fade/>
+  </p:transition>
+</p:sld>
+</file>
+
+<file path=ppt/slides/slide3.xml><?xml version="1.0" encoding="utf-8"?>
+<p:sld xmlns:a="http://schemas.openxmlformats.org/drawingml/2006/main" xmlns:r="http://schemas.openxmlformats.org/officeDocument/2006/relationships" xmlns:p="http://schemas.openxmlformats.org/presentationml/2006/main">
+  <p:cSld>
+    <p:spTree>
+      <p:nvGrpSpPr>
+        <p:cNvPr id="1" name=""/>
+        <p:cNvGrpSpPr/>
+        <p:nvPr/>
+      </p:nvGrpSpPr>
+      <p:grpSpPr>
+        <a:xfrm>
+          <a:off x="0" y="0"/>
+          <a:ext cx="0" cy="0"/>
+          <a:chOff x="0" y="0"/>
+          <a:chExt cx="0" cy="0"/>
+        </a:xfrm>
+      </p:grpSpPr>
+      <p:sp>
+        <p:nvSpPr>
           <p:cNvPr id="2" name="Slide Number Placeholder 1"/>
           <p:cNvSpPr>
             <a:spLocks noGrp="1"/>
@@ -4314,7 +5391,7 @@
             <a:fld id="{3847DB54-D037-B84F-B6F1-2E8DA40D09AD}" type="slidenum">
               <a:rPr lang="en-US" smtClean="0"/>
               <a:pPr/>
-              <a:t>2</a:t>
+              <a:t>3</a:t>
             </a:fld>
             <a:endParaRPr lang="en-US"/>
           </a:p>
@@ -4588,7 +5665,7 @@
 </p:sld>
 </file>
 
-<file path=ppt/slides/slide3.xml><?xml version="1.0" encoding="utf-8"?>
+<file path=ppt/slides/slide4.xml><?xml version="1.0" encoding="utf-8"?>
 <p:sld xmlns:a="http://schemas.openxmlformats.org/drawingml/2006/main" xmlns:r="http://schemas.openxmlformats.org/officeDocument/2006/relationships" xmlns:p="http://schemas.openxmlformats.org/presentationml/2006/main">
   <p:cSld>
     <p:spTree>
@@ -4633,7 +5710,7 @@
           <a:p>
             <a:r>
               <a:rPr lang="pl-PL" dirty="0"/>
-              <a:t>Example uses cases </a:t>
+              <a:t>Uses cases </a:t>
             </a:r>
           </a:p>
         </p:txBody>
@@ -4725,7 +5802,337 @@
 </p:sld>
 </file>
 
-<file path=ppt/slides/slide4.xml><?xml version="1.0" encoding="utf-8"?>
+<file path=ppt/slides/slide5.xml><?xml version="1.0" encoding="utf-8"?>
+<p:sld xmlns:a="http://schemas.openxmlformats.org/drawingml/2006/main" xmlns:r="http://schemas.openxmlformats.org/officeDocument/2006/relationships" xmlns:p="http://schemas.openxmlformats.org/presentationml/2006/main">
+  <p:cSld>
+    <p:spTree>
+      <p:nvGrpSpPr>
+        <p:cNvPr id="1" name=""/>
+        <p:cNvGrpSpPr/>
+        <p:nvPr/>
+      </p:nvGrpSpPr>
+      <p:grpSpPr>
+        <a:xfrm>
+          <a:off x="0" y="0"/>
+          <a:ext cx="0" cy="0"/>
+          <a:chOff x="0" y="0"/>
+          <a:chExt cx="0" cy="0"/>
+        </a:xfrm>
+      </p:grpSpPr>
+      <p:sp>
+        <p:nvSpPr>
+          <p:cNvPr id="2" name="Text Placeholder 1">
+            <a:extLst>
+              <a:ext uri="{FF2B5EF4-FFF2-40B4-BE49-F238E27FC236}">
+                <a16:creationId xmlns:a16="http://schemas.microsoft.com/office/drawing/2014/main" id="{132D5FFC-5C0D-4C12-A9A8-6B67749B9C1D}"/>
+              </a:ext>
+            </a:extLst>
+          </p:cNvPr>
+          <p:cNvSpPr>
+            <a:spLocks noGrp="1"/>
+          </p:cNvSpPr>
+          <p:nvPr>
+            <p:ph type="body" sz="quarter" idx="10"/>
+          </p:nvPr>
+        </p:nvSpPr>
+        <p:spPr>
+          <a:xfrm>
+            <a:off x="1011024" y="387322"/>
+            <a:ext cx="10524898" cy="1080861"/>
+          </a:xfrm>
+        </p:spPr>
+        <p:txBody>
+          <a:bodyPr/>
+          <a:lstStyle/>
+          <a:p>
+            <a:r>
+              <a:rPr lang="pl-PL" dirty="0"/>
+              <a:t>Architecture – basic concepts </a:t>
+            </a:r>
+          </a:p>
+        </p:txBody>
+      </p:sp>
+      <p:pic>
+        <p:nvPicPr>
+          <p:cNvPr id="4" name="Picture 3">
+            <a:extLst>
+              <a:ext uri="{FF2B5EF4-FFF2-40B4-BE49-F238E27FC236}">
+                <a16:creationId xmlns:a16="http://schemas.microsoft.com/office/drawing/2014/main" id="{11514FC3-924F-45F1-997A-2826842BE162}"/>
+              </a:ext>
+            </a:extLst>
+          </p:cNvPr>
+          <p:cNvPicPr>
+            <a:picLocks noChangeAspect="1"/>
+          </p:cNvPicPr>
+          <p:nvPr/>
+        </p:nvPicPr>
+        <p:blipFill>
+          <a:blip r:embed="rId2"/>
+          <a:stretch>
+            <a:fillRect/>
+          </a:stretch>
+        </p:blipFill>
+        <p:spPr>
+          <a:xfrm>
+            <a:off x="1979544" y="2775417"/>
+            <a:ext cx="7864522" cy="2895851"/>
+          </a:xfrm>
+          <a:prstGeom prst="rect">
+            <a:avLst/>
+          </a:prstGeom>
+        </p:spPr>
+      </p:pic>
+      <p:sp>
+        <p:nvSpPr>
+          <p:cNvPr id="3" name="Text Placeholder 2">
+            <a:extLst>
+              <a:ext uri="{FF2B5EF4-FFF2-40B4-BE49-F238E27FC236}">
+                <a16:creationId xmlns:a16="http://schemas.microsoft.com/office/drawing/2014/main" id="{043AB1AA-4AFA-4346-A9DE-059B4CB7DA14}"/>
+              </a:ext>
+            </a:extLst>
+          </p:cNvPr>
+          <p:cNvSpPr>
+            <a:spLocks noGrp="1"/>
+          </p:cNvSpPr>
+          <p:nvPr>
+            <p:ph type="body" sz="quarter" idx="11"/>
+          </p:nvPr>
+        </p:nvSpPr>
+        <p:spPr>
+          <a:xfrm>
+            <a:off x="1063651" y="1333933"/>
+            <a:ext cx="10524898" cy="4218251"/>
+          </a:xfrm>
+        </p:spPr>
+        <p:txBody>
+          <a:bodyPr/>
+          <a:lstStyle/>
+          <a:p>
+            <a:r>
+              <a:rPr lang="en-US" dirty="0"/>
+              <a:t>A cluster is a collection of one or more nodes (servers) that together holds entire data and provides indexing and search capabilities across all nodes. </a:t>
+            </a:r>
+            <a:endParaRPr lang="pl-PL" dirty="0"/>
+          </a:p>
+        </p:txBody>
+      </p:sp>
+    </p:spTree>
+    <p:extLst>
+      <p:ext uri="{BB962C8B-B14F-4D97-AF65-F5344CB8AC3E}">
+        <p14:creationId xmlns:p14="http://schemas.microsoft.com/office/powerpoint/2010/main" val="1458379388"/>
+      </p:ext>
+    </p:extLst>
+  </p:cSld>
+  <p:clrMapOvr>
+    <a:masterClrMapping/>
+  </p:clrMapOvr>
+  <p:transition>
+    <p:fade/>
+  </p:transition>
+</p:sld>
+</file>
+
+<file path=ppt/slides/slide6.xml><?xml version="1.0" encoding="utf-8"?>
+<p:sld xmlns:a="http://schemas.openxmlformats.org/drawingml/2006/main" xmlns:r="http://schemas.openxmlformats.org/officeDocument/2006/relationships" xmlns:p="http://schemas.openxmlformats.org/presentationml/2006/main">
+  <p:cSld>
+    <p:spTree>
+      <p:nvGrpSpPr>
+        <p:cNvPr id="1" name=""/>
+        <p:cNvGrpSpPr/>
+        <p:nvPr/>
+      </p:nvGrpSpPr>
+      <p:grpSpPr>
+        <a:xfrm>
+          <a:off x="0" y="0"/>
+          <a:ext cx="0" cy="0"/>
+          <a:chOff x="0" y="0"/>
+          <a:chExt cx="0" cy="0"/>
+        </a:xfrm>
+      </p:grpSpPr>
+      <p:sp>
+        <p:nvSpPr>
+          <p:cNvPr id="2" name="Text Placeholder 1">
+            <a:extLst>
+              <a:ext uri="{FF2B5EF4-FFF2-40B4-BE49-F238E27FC236}">
+                <a16:creationId xmlns:a16="http://schemas.microsoft.com/office/drawing/2014/main" id="{B901AAA6-5103-4C3E-A8AA-AA7D16C6E6A6}"/>
+              </a:ext>
+            </a:extLst>
+          </p:cNvPr>
+          <p:cNvSpPr>
+            <a:spLocks noGrp="1"/>
+          </p:cNvSpPr>
+          <p:nvPr>
+            <p:ph type="body" sz="quarter" idx="10"/>
+          </p:nvPr>
+        </p:nvSpPr>
+        <p:spPr>
+          <a:xfrm>
+            <a:off x="932082" y="367586"/>
+            <a:ext cx="10524898" cy="1080861"/>
+          </a:xfrm>
+        </p:spPr>
+        <p:txBody>
+          <a:bodyPr/>
+          <a:lstStyle/>
+          <a:p>
+            <a:r>
+              <a:rPr lang="pl-PL" dirty="0"/>
+              <a:t>Architecture – basic concepts </a:t>
+            </a:r>
+          </a:p>
+          <a:p>
+            <a:endParaRPr lang="pl-PL" dirty="0"/>
+          </a:p>
+        </p:txBody>
+      </p:sp>
+      <p:sp>
+        <p:nvSpPr>
+          <p:cNvPr id="3" name="Text Placeholder 2">
+            <a:extLst>
+              <a:ext uri="{FF2B5EF4-FFF2-40B4-BE49-F238E27FC236}">
+                <a16:creationId xmlns:a16="http://schemas.microsoft.com/office/drawing/2014/main" id="{6100AB08-9469-4848-B05E-516F41BB76E1}"/>
+              </a:ext>
+            </a:extLst>
+          </p:cNvPr>
+          <p:cNvSpPr>
+            <a:spLocks noGrp="1"/>
+          </p:cNvSpPr>
+          <p:nvPr>
+            <p:ph type="body" sz="quarter" idx="11"/>
+          </p:nvPr>
+        </p:nvSpPr>
+        <p:spPr>
+          <a:xfrm>
+            <a:off x="932082" y="1848535"/>
+            <a:ext cx="10524898" cy="3348415"/>
+          </a:xfrm>
+        </p:spPr>
+        <p:txBody>
+          <a:bodyPr/>
+          <a:lstStyle/>
+          <a:p>
+            <a:pPr marL="514350" indent="-514350">
+              <a:buFont typeface="+mj-lt"/>
+              <a:buAutoNum type="arabicPeriod"/>
+            </a:pPr>
+            <a:r>
+              <a:rPr lang="pl-PL" dirty="0"/>
+              <a:t>Index – single collection of documents </a:t>
+            </a:r>
+          </a:p>
+          <a:p>
+            <a:pPr marL="514350" indent="-514350">
+              <a:buFont typeface="+mj-lt"/>
+              <a:buAutoNum type="arabicPeriod"/>
+            </a:pPr>
+            <a:r>
+              <a:rPr lang="pl-PL" dirty="0"/>
+              <a:t>Shard -  index can be bigger than one server</a:t>
+            </a:r>
+          </a:p>
+          <a:p>
+            <a:pPr marL="1200150" lvl="1" indent="-514350">
+              <a:buFont typeface="+mj-lt"/>
+              <a:buAutoNum type="alphaLcParenR"/>
+            </a:pPr>
+            <a:r>
+              <a:rPr lang="pl-PL" dirty="0"/>
+              <a:t>shards solve problem of horizontal scalling </a:t>
+            </a:r>
+          </a:p>
+          <a:p>
+            <a:pPr marL="1200150" lvl="1" indent="-514350">
+              <a:buFont typeface="+mj-lt"/>
+              <a:buAutoNum type="alphaLcParenR"/>
+            </a:pPr>
+            <a:r>
+              <a:rPr lang="pl-PL" dirty="0"/>
+              <a:t>allsows distribute and paralize </a:t>
+            </a:r>
+          </a:p>
+          <a:p>
+            <a:pPr marL="1200150" lvl="1" indent="-514350">
+              <a:buFont typeface="+mj-lt"/>
+              <a:buAutoNum type="alphaLcParenR"/>
+            </a:pPr>
+            <a:r>
+              <a:rPr lang="pl-PL" dirty="0"/>
+              <a:t>Under the hood e</a:t>
+            </a:r>
+            <a:r>
+              <a:rPr lang="en-US" dirty="0" err="1"/>
+              <a:t>ach</a:t>
+            </a:r>
+            <a:r>
+              <a:rPr lang="en-US" dirty="0"/>
+              <a:t> shard is a Lucene index</a:t>
+            </a:r>
+            <a:r>
+              <a:rPr lang="pl-PL" dirty="0"/>
+              <a:t> </a:t>
+            </a:r>
+          </a:p>
+          <a:p>
+            <a:pPr marL="514350" indent="-514350">
+              <a:buFont typeface="+mj-lt"/>
+              <a:buAutoNum type="arabicPeriod"/>
+            </a:pPr>
+            <a:r>
+              <a:rPr lang="pl-PL" dirty="0"/>
+              <a:t>Replica – copy of the shard </a:t>
+            </a:r>
+          </a:p>
+          <a:p>
+            <a:pPr marL="1200150" lvl="1" indent="-514350">
+              <a:buFont typeface="+mj-lt"/>
+              <a:buAutoNum type="alphaLcParenR"/>
+            </a:pPr>
+            <a:r>
+              <a:rPr lang="pl-PL" dirty="0"/>
+              <a:t>provides high avability, if any shard fail </a:t>
+            </a:r>
+          </a:p>
+          <a:p>
+            <a:pPr marL="1200150" lvl="1" indent="-514350">
+              <a:buFont typeface="+mj-lt"/>
+              <a:buAutoNum type="alphaLcParenR"/>
+            </a:pPr>
+            <a:r>
+              <a:rPr lang="en-US" dirty="0"/>
+              <a:t>allows scale out search throughput </a:t>
+            </a:r>
+            <a:r>
+              <a:rPr lang="pl-PL" dirty="0"/>
+              <a:t>- </a:t>
+            </a:r>
+            <a:r>
+              <a:rPr lang="en-US" dirty="0"/>
+              <a:t>searches can be executed on all replicas in parallel.</a:t>
+            </a:r>
+            <a:endParaRPr lang="pl-PL" dirty="0"/>
+          </a:p>
+          <a:p>
+            <a:endParaRPr lang="pl-PL" dirty="0"/>
+          </a:p>
+        </p:txBody>
+      </p:sp>
+    </p:spTree>
+    <p:extLst>
+      <p:ext uri="{BB962C8B-B14F-4D97-AF65-F5344CB8AC3E}">
+        <p14:creationId xmlns:p14="http://schemas.microsoft.com/office/powerpoint/2010/main" val="2090838046"/>
+      </p:ext>
+    </p:extLst>
+  </p:cSld>
+  <p:clrMapOvr>
+    <a:masterClrMapping/>
+  </p:clrMapOvr>
+  <p:transition>
+    <p:fade/>
+  </p:transition>
+</p:sld>
+</file>
+
+<file path=ppt/slides/slide7.xml><?xml version="1.0" encoding="utf-8"?>
 <p:sld xmlns:a="http://schemas.openxmlformats.org/drawingml/2006/main" xmlns:r="http://schemas.openxmlformats.org/officeDocument/2006/relationships" xmlns:p="http://schemas.openxmlformats.org/presentationml/2006/main">
   <p:cSld>
     <p:spTree>
@@ -4984,7 +6391,7 @@
 </p:sld>
 </file>
 
-<file path=ppt/slides/slide5.xml><?xml version="1.0" encoding="utf-8"?>
+<file path=ppt/slides/slide8.xml><?xml version="1.0" encoding="utf-8"?>
 <p:sld xmlns:a="http://schemas.openxmlformats.org/drawingml/2006/main" xmlns:r="http://schemas.openxmlformats.org/officeDocument/2006/relationships" xmlns:p="http://schemas.openxmlformats.org/presentationml/2006/main">
   <p:cSld>
     <p:spTree>
@@ -5201,7 +6608,7 @@
 </p:sld>
 </file>
 
-<file path=ppt/slides/slide6.xml><?xml version="1.0" encoding="utf-8"?>
+<file path=ppt/slides/slide9.xml><?xml version="1.0" encoding="utf-8"?>
 <p:sld xmlns:a="http://schemas.openxmlformats.org/drawingml/2006/main" xmlns:r="http://schemas.openxmlformats.org/officeDocument/2006/relationships" xmlns:p="http://schemas.openxmlformats.org/presentationml/2006/main">
   <p:cSld>
     <p:spTree>
@@ -5277,272 +6684,6 @@
     <p:extLst>
       <p:ext uri="{BB962C8B-B14F-4D97-AF65-F5344CB8AC3E}">
         <p14:creationId xmlns:p14="http://schemas.microsoft.com/office/powerpoint/2010/main" val="3895638589"/>
-      </p:ext>
-    </p:extLst>
-  </p:cSld>
-  <p:clrMapOvr>
-    <a:masterClrMapping/>
-  </p:clrMapOvr>
-  <p:transition>
-    <p:fade/>
-  </p:transition>
-</p:sld>
-</file>
-
-<file path=ppt/slides/slide7.xml><?xml version="1.0" encoding="utf-8"?>
-<p:sld xmlns:a="http://schemas.openxmlformats.org/drawingml/2006/main" xmlns:r="http://schemas.openxmlformats.org/officeDocument/2006/relationships" xmlns:p="http://schemas.openxmlformats.org/presentationml/2006/main">
-  <p:cSld>
-    <p:spTree>
-      <p:nvGrpSpPr>
-        <p:cNvPr id="1" name=""/>
-        <p:cNvGrpSpPr/>
-        <p:nvPr/>
-      </p:nvGrpSpPr>
-      <p:grpSpPr>
-        <a:xfrm>
-          <a:off x="0" y="0"/>
-          <a:ext cx="0" cy="0"/>
-          <a:chOff x="0" y="0"/>
-          <a:chExt cx="0" cy="0"/>
-        </a:xfrm>
-      </p:grpSpPr>
-      <p:sp>
-        <p:nvSpPr>
-          <p:cNvPr id="2" name="Text Placeholder 1">
-            <a:extLst>
-              <a:ext uri="{FF2B5EF4-FFF2-40B4-BE49-F238E27FC236}">
-                <a16:creationId xmlns:a16="http://schemas.microsoft.com/office/drawing/2014/main" id="{566C9DD0-F82E-4FB5-A17E-8C5484B99C06}"/>
-              </a:ext>
-            </a:extLst>
-          </p:cNvPr>
-          <p:cNvSpPr>
-            <a:spLocks noGrp="1"/>
-          </p:cNvSpPr>
-          <p:nvPr>
-            <p:ph type="body" sz="quarter" idx="10"/>
-          </p:nvPr>
-        </p:nvSpPr>
-        <p:spPr>
-          <a:xfrm>
-            <a:off x="960293" y="528246"/>
-            <a:ext cx="10524898" cy="1080861"/>
-          </a:xfrm>
-        </p:spPr>
-        <p:txBody>
-          <a:bodyPr/>
-          <a:lstStyle/>
-          <a:p>
-            <a:r>
-              <a:rPr lang="pl-PL" dirty="0"/>
-              <a:t>Scoring calculations </a:t>
-            </a:r>
-          </a:p>
-        </p:txBody>
-      </p:sp>
-      <p:sp>
-        <p:nvSpPr>
-          <p:cNvPr id="3" name="Text Placeholder 2">
-            <a:extLst>
-              <a:ext uri="{FF2B5EF4-FFF2-40B4-BE49-F238E27FC236}">
-                <a16:creationId xmlns:a16="http://schemas.microsoft.com/office/drawing/2014/main" id="{640310AD-7255-494D-AAFA-A7C3448D3E0B}"/>
-              </a:ext>
-            </a:extLst>
-          </p:cNvPr>
-          <p:cNvSpPr>
-            <a:spLocks noGrp="1"/>
-          </p:cNvSpPr>
-          <p:nvPr>
-            <p:ph type="body" sz="quarter" idx="11"/>
-          </p:nvPr>
-        </p:nvSpPr>
-        <p:spPr>
-          <a:xfrm>
-            <a:off x="960293" y="1423009"/>
-            <a:ext cx="10524898" cy="4749191"/>
-          </a:xfrm>
-        </p:spPr>
-        <p:txBody>
-          <a:bodyPr/>
-          <a:lstStyle/>
-          <a:p>
-            <a:r>
-              <a:rPr lang="pl-PL" dirty="0"/>
-              <a:t>Inverted index is used for finding documents buy also scorring calculation – to put results in the correct order </a:t>
-            </a:r>
-          </a:p>
-          <a:p>
-            <a:pPr marL="457200" indent="-457200">
-              <a:buFont typeface="Arial" panose="020B0604020202020204" pitchFamily="34" charset="0"/>
-              <a:buChar char="•"/>
-            </a:pPr>
-            <a:r>
-              <a:rPr lang="pl-PL" dirty="0"/>
-              <a:t>Term Frequency - h</a:t>
-            </a:r>
-            <a:r>
-              <a:rPr lang="en-US" dirty="0"/>
-              <a:t>ow often does the term appear in this document</a:t>
-            </a:r>
-            <a:r>
-              <a:rPr lang="pl-PL" dirty="0"/>
-              <a:t> ?  </a:t>
-            </a:r>
-            <a:r>
-              <a:rPr lang="en-US" dirty="0"/>
-              <a:t>more often</a:t>
-            </a:r>
-            <a:r>
-              <a:rPr lang="pl-PL" dirty="0"/>
-              <a:t>, score is </a:t>
-            </a:r>
-            <a:r>
-              <a:rPr lang="pl-PL" b="1" dirty="0"/>
-              <a:t>higher</a:t>
-            </a:r>
-            <a:r>
-              <a:rPr lang="pl-PL" dirty="0"/>
-              <a:t> </a:t>
-            </a:r>
-          </a:p>
-          <a:p>
-            <a:pPr marL="457200" indent="-457200">
-              <a:buFont typeface="Arial" panose="020B0604020202020204" pitchFamily="34" charset="0"/>
-              <a:buChar char="•"/>
-            </a:pPr>
-            <a:r>
-              <a:rPr lang="en-US" dirty="0"/>
-              <a:t>Inverse Document Frequency</a:t>
-            </a:r>
-            <a:r>
-              <a:rPr lang="pl-PL" dirty="0"/>
-              <a:t> - h</a:t>
-            </a:r>
-            <a:r>
-              <a:rPr lang="en-US" dirty="0"/>
-              <a:t>ow often does each term appear in</a:t>
-            </a:r>
-            <a:r>
-              <a:rPr lang="pl-PL" dirty="0"/>
-              <a:t> all documents in the</a:t>
-            </a:r>
-            <a:r>
-              <a:rPr lang="en-US" dirty="0"/>
-              <a:t> index? The more often,</a:t>
-            </a:r>
-            <a:r>
-              <a:rPr lang="pl-PL" dirty="0"/>
-              <a:t> score is </a:t>
-            </a:r>
-            <a:r>
-              <a:rPr lang="pl-PL" b="1" dirty="0"/>
-              <a:t>lower</a:t>
-            </a:r>
-            <a:r>
-              <a:rPr lang="pl-PL" dirty="0"/>
-              <a:t> </a:t>
-            </a:r>
-            <a:r>
-              <a:rPr lang="en-US" dirty="0"/>
-              <a:t> </a:t>
-            </a:r>
-            <a:endParaRPr lang="pl-PL" dirty="0"/>
-          </a:p>
-          <a:p>
-            <a:pPr marL="457200" indent="-457200">
-              <a:buFont typeface="Arial" panose="020B0604020202020204" pitchFamily="34" charset="0"/>
-              <a:buChar char="•"/>
-            </a:pPr>
-            <a:r>
-              <a:rPr lang="pl-PL" dirty="0"/>
-              <a:t>Field-length norm – h</a:t>
-            </a:r>
-            <a:r>
-              <a:rPr lang="en-US" dirty="0"/>
-              <a:t>ow long is the field? The longer it is, the less likely it is that words in the field will be relevant</a:t>
-            </a:r>
-            <a:endParaRPr lang="pl-PL" dirty="0"/>
-          </a:p>
-          <a:p>
-            <a:br>
-              <a:rPr lang="en-US" dirty="0"/>
-            </a:br>
-            <a:endParaRPr lang="pl-PL" dirty="0"/>
-          </a:p>
-        </p:txBody>
-      </p:sp>
-      <p:sp>
-        <p:nvSpPr>
-          <p:cNvPr id="4" name="TextBox 3">
-            <a:extLst>
-              <a:ext uri="{FF2B5EF4-FFF2-40B4-BE49-F238E27FC236}">
-                <a16:creationId xmlns:a16="http://schemas.microsoft.com/office/drawing/2014/main" id="{A2EE7B88-E16E-4DAA-B954-E64DD6FDB314}"/>
-              </a:ext>
-            </a:extLst>
-          </p:cNvPr>
-          <p:cNvSpPr txBox="1"/>
-          <p:nvPr/>
-        </p:nvSpPr>
-        <p:spPr>
-          <a:xfrm>
-            <a:off x="1091006" y="5127205"/>
-            <a:ext cx="10009987" cy="923330"/>
-          </a:xfrm>
-          <a:prstGeom prst="rect">
-            <a:avLst/>
-          </a:prstGeom>
-          <a:noFill/>
-          <a:ln>
-            <a:solidFill>
-              <a:schemeClr val="tx1"/>
-            </a:solidFill>
-          </a:ln>
-        </p:spPr>
-        <p:txBody>
-          <a:bodyPr wrap="square" rtlCol="0">
-            <a:spAutoFit/>
-          </a:bodyPr>
-          <a:lstStyle/>
-          <a:p>
-            <a:r>
-              <a:rPr lang="pl-PL" dirty="0"/>
-              <a:t>Use explain query paramter to get details </a:t>
-            </a:r>
-          </a:p>
-          <a:p>
-            <a:endParaRPr lang="pl-PL" dirty="0"/>
-          </a:p>
-          <a:p>
-            <a:r>
-              <a:rPr lang="en-US" dirty="0"/>
-              <a:t>localhost:9200/</a:t>
-            </a:r>
-            <a:r>
-              <a:rPr lang="en-US" dirty="0" err="1"/>
-              <a:t>shakespeare</a:t>
-            </a:r>
-            <a:r>
-              <a:rPr lang="en-US" dirty="0"/>
-              <a:t>/_</a:t>
-            </a:r>
-            <a:r>
-              <a:rPr lang="en-US" dirty="0" err="1"/>
-              <a:t>search?</a:t>
-            </a:r>
-            <a:r>
-              <a:rPr lang="en-US" b="1" dirty="0" err="1"/>
-              <a:t>explain</a:t>
-            </a:r>
-            <a:r>
-              <a:rPr lang="en-US" b="1" dirty="0"/>
-              <a:t>=true</a:t>
-            </a:r>
-          </a:p>
-        </p:txBody>
-      </p:sp>
-    </p:spTree>
-    <p:extLst>
-      <p:ext uri="{BB962C8B-B14F-4D97-AF65-F5344CB8AC3E}">
-        <p14:creationId xmlns:p14="http://schemas.microsoft.com/office/powerpoint/2010/main" val="3327384960"/>
       </p:ext>
     </p:extLst>
   </p:cSld>
@@ -6253,12 +7394,21 @@
 </file>
 
 <file path=customXml/item1.xml><?xml version="1.0" encoding="utf-8"?>
+<?mso-contentType ?>
+<FormTemplates xmlns="http://schemas.microsoft.com/sharepoint/v3/contenttype/forms">
+  <Display>DocumentLibraryForm</Display>
+  <Edit>DocumentLibraryForm</Edit>
+  <New>DocumentLibraryForm</New>
+</FormTemplates>
+</file>
+
+<file path=customXml/item2.xml><?xml version="1.0" encoding="utf-8"?>
 <p:properties xmlns:p="http://schemas.microsoft.com/office/2006/metadata/properties" xmlns:xsi="http://www.w3.org/2001/XMLSchema-instance" xmlns:pc="http://schemas.microsoft.com/office/infopath/2007/PartnerControls">
   <documentManagement/>
 </p:properties>
 </file>
 
-<file path=customXml/item2.xml><?xml version="1.0" encoding="utf-8"?>
+<file path=customXml/item3.xml><?xml version="1.0" encoding="utf-8"?>
 <ct:contentTypeSchema xmlns:ct="http://schemas.microsoft.com/office/2006/metadata/contentType" xmlns:ma="http://schemas.microsoft.com/office/2006/metadata/properties/metaAttributes" ct:_="" ma:_="" ma:contentTypeName="Document" ma:contentTypeID="0x010100E3FE0192A8E73A4CBE9024D002920532" ma:contentTypeVersion="4" ma:contentTypeDescription="Create a new document." ma:contentTypeScope="" ma:versionID="0d8d7d6300e8a4bc3e35ba2e8abe715d">
   <xsd:schema xmlns:xsd="http://www.w3.org/2001/XMLSchema" xmlns:xs="http://www.w3.org/2001/XMLSchema" xmlns:p="http://schemas.microsoft.com/office/2006/metadata/properties" xmlns:ns2="71731efb-d95f-4b9c-81d3-edf9a8533796" xmlns:ns3="32d2e7c2-c546-45d1-9dfa-a2156753f9aa" targetNamespace="http://schemas.microsoft.com/office/2006/metadata/properties" ma:root="true" ma:fieldsID="81d01d78a55cc593d64bbd371c420f74" ns2:_="" ns3:_="">
     <xsd:import namespace="71731efb-d95f-4b9c-81d3-edf9a8533796"/>
@@ -6423,33 +7573,32 @@
 </ct:contentTypeSchema>
 </file>
 
-<file path=customXml/item3.xml><?xml version="1.0" encoding="utf-8"?>
-<?mso-contentType ?>
-<FormTemplates xmlns="http://schemas.microsoft.com/sharepoint/v3/contenttype/forms">
-  <Display>DocumentLibraryForm</Display>
-  <Edit>DocumentLibraryForm</Edit>
-  <New>DocumentLibraryForm</New>
-</FormTemplates>
-</file>
-
 <file path=customXml/itemProps1.xml><?xml version="1.0" encoding="utf-8"?>
-<ds:datastoreItem xmlns:ds="http://schemas.openxmlformats.org/officeDocument/2006/customXml" ds:itemID="{2D640949-F722-4E85-A66F-2ADFE25CD1C4}">
+<ds:datastoreItem xmlns:ds="http://schemas.openxmlformats.org/officeDocument/2006/customXml" ds:itemID="{CBD2056B-6A60-4370-9126-72E2651EF596}">
   <ds:schemaRefs>
-    <ds:schemaRef ds:uri="http://purl.org/dc/elements/1.1/"/>
-    <ds:schemaRef ds:uri="http://schemas.microsoft.com/office/2006/metadata/properties"/>
-    <ds:schemaRef ds:uri="71731efb-d95f-4b9c-81d3-edf9a8533796"/>
-    <ds:schemaRef ds:uri="http://purl.org/dc/terms/"/>
-    <ds:schemaRef ds:uri="http://schemas.microsoft.com/office/2006/documentManagement/types"/>
-    <ds:schemaRef ds:uri="http://purl.org/dc/dcmitype/"/>
-    <ds:schemaRef ds:uri="32d2e7c2-c546-45d1-9dfa-a2156753f9aa"/>
-    <ds:schemaRef ds:uri="http://schemas.microsoft.com/office/infopath/2007/PartnerControls"/>
-    <ds:schemaRef ds:uri="http://schemas.openxmlformats.org/package/2006/metadata/core-properties"/>
-    <ds:schemaRef ds:uri="http://www.w3.org/XML/1998/namespace"/>
+    <ds:schemaRef ds:uri="http://schemas.microsoft.com/sharepoint/v3/contenttype/forms"/>
   </ds:schemaRefs>
 </ds:datastoreItem>
 </file>
 
 <file path=customXml/itemProps2.xml><?xml version="1.0" encoding="utf-8"?>
+<ds:datastoreItem xmlns:ds="http://schemas.openxmlformats.org/officeDocument/2006/customXml" ds:itemID="{2D640949-F722-4E85-A66F-2ADFE25CD1C4}">
+  <ds:schemaRefs>
+    <ds:schemaRef ds:uri="http://purl.org/dc/terms/"/>
+    <ds:schemaRef ds:uri="http://schemas.openxmlformats.org/package/2006/metadata/core-properties"/>
+    <ds:schemaRef ds:uri="http://schemas.microsoft.com/office/2006/documentManagement/types"/>
+    <ds:schemaRef ds:uri="32d2e7c2-c546-45d1-9dfa-a2156753f9aa"/>
+    <ds:schemaRef ds:uri="http://purl.org/dc/elements/1.1/"/>
+    <ds:schemaRef ds:uri="http://schemas.microsoft.com/office/2006/metadata/properties"/>
+    <ds:schemaRef ds:uri="71731efb-d95f-4b9c-81d3-edf9a8533796"/>
+    <ds:schemaRef ds:uri="http://schemas.microsoft.com/office/infopath/2007/PartnerControls"/>
+    <ds:schemaRef ds:uri="http://www.w3.org/XML/1998/namespace"/>
+    <ds:schemaRef ds:uri="http://purl.org/dc/dcmitype/"/>
+  </ds:schemaRefs>
+</ds:datastoreItem>
+</file>
+
+<file path=customXml/itemProps3.xml><?xml version="1.0" encoding="utf-8"?>
 <ds:datastoreItem xmlns:ds="http://schemas.openxmlformats.org/officeDocument/2006/customXml" ds:itemID="{04B8785A-4ABD-4BEC-BCA3-A6686A129790}">
   <ds:schemaRefs>
     <ds:schemaRef ds:uri="http://schemas.microsoft.com/office/2006/metadata/contentType"/>
@@ -6466,12 +7615,4 @@
     <ds:schemaRef ds:uri="http://schemas.microsoft.com/internal/obd"/>
   </ds:schemaRefs>
 </ds:datastoreItem>
-</file>
-
-<file path=customXml/itemProps3.xml><?xml version="1.0" encoding="utf-8"?>
-<ds:datastoreItem xmlns:ds="http://schemas.openxmlformats.org/officeDocument/2006/customXml" ds:itemID="{CBD2056B-6A60-4370-9126-72E2651EF596}">
-  <ds:schemaRefs>
-    <ds:schemaRef ds:uri="http://schemas.microsoft.com/sharepoint/v3/contenttype/forms"/>
-  </ds:schemaRefs>
-</ds:datastoreItem>
 </file>
--- a/elasticsearch short introduction.pptx
+++ b/elasticsearch short introduction.pptx
@@ -6,7 +6,7 @@
     <p:sldMasterId id="2147483662" r:id="rId5"/>
   </p:sldMasterIdLst>
   <p:notesMasterIdLst>
-    <p:notesMasterId r:id="rId21"/>
+    <p:notesMasterId r:id="rId34"/>
   </p:notesMasterIdLst>
   <p:sldIdLst>
     <p:sldId id="257" r:id="rId6"/>
@@ -18,12 +18,25 @@
     <p:sldId id="264" r:id="rId12"/>
     <p:sldId id="261" r:id="rId13"/>
     <p:sldId id="262" r:id="rId14"/>
-    <p:sldId id="263" r:id="rId15"/>
-    <p:sldId id="268" r:id="rId16"/>
-    <p:sldId id="269" r:id="rId17"/>
-    <p:sldId id="270" r:id="rId18"/>
-    <p:sldId id="271" r:id="rId19"/>
-    <p:sldId id="272" r:id="rId20"/>
+    <p:sldId id="284" r:id="rId15"/>
+    <p:sldId id="263" r:id="rId16"/>
+    <p:sldId id="268" r:id="rId17"/>
+    <p:sldId id="273" r:id="rId18"/>
+    <p:sldId id="269" r:id="rId19"/>
+    <p:sldId id="270" r:id="rId20"/>
+    <p:sldId id="278" r:id="rId21"/>
+    <p:sldId id="279" r:id="rId22"/>
+    <p:sldId id="271" r:id="rId23"/>
+    <p:sldId id="272" r:id="rId24"/>
+    <p:sldId id="280" r:id="rId25"/>
+    <p:sldId id="274" r:id="rId26"/>
+    <p:sldId id="281" r:id="rId27"/>
+    <p:sldId id="282" r:id="rId28"/>
+    <p:sldId id="275" r:id="rId29"/>
+    <p:sldId id="277" r:id="rId30"/>
+    <p:sldId id="276" r:id="rId31"/>
+    <p:sldId id="283" r:id="rId32"/>
+    <p:sldId id="285" r:id="rId33"/>
   </p:sldIdLst>
   <p:sldSz cx="12192000" cy="6858000"/>
   <p:notesSz cx="6858000" cy="9144000"/>
@@ -212,7 +225,7 @@
           <a:p>
             <a:fld id="{AF96A753-1D98-4AE6-8E67-140FF97975C3}" type="datetimeFigureOut">
               <a:rPr lang="en-US" smtClean="0"/>
-              <a:t>7/24/2018</a:t>
+              <a:t>8/6/2018</a:t>
             </a:fld>
             <a:endParaRPr lang="en-US"/>
           </a:p>
@@ -1655,6 +1668,36 @@
               <a:rPr lang="en-US"/>
               <a:t>Click to edit Master text styles</a:t>
             </a:r>
+          </a:p>
+        </p:txBody>
+      </p:sp>
+      <p:sp>
+        <p:nvSpPr>
+          <p:cNvPr id="2" name="Slide Number Placeholder 1">
+            <a:extLst>
+              <a:ext uri="{FF2B5EF4-FFF2-40B4-BE49-F238E27FC236}">
+                <a16:creationId xmlns:a16="http://schemas.microsoft.com/office/drawing/2014/main" id="{F5D69F59-5B36-48D4-89B6-6767BE7F9D93}"/>
+              </a:ext>
+            </a:extLst>
+          </p:cNvPr>
+          <p:cNvSpPr>
+            <a:spLocks noGrp="1"/>
+          </p:cNvSpPr>
+          <p:nvPr>
+            <p:ph type="sldNum" sz="quarter" idx="12"/>
+          </p:nvPr>
+        </p:nvSpPr>
+        <p:spPr/>
+        <p:txBody>
+          <a:bodyPr/>
+          <a:lstStyle/>
+          <a:p>
+            <a:fld id="{3847DB54-D037-B84F-B6F1-2E8DA40D09AD}" type="slidenum">
+              <a:rPr lang="en-US" smtClean="0"/>
+              <a:pPr/>
+              <a:t>‹#›</a:t>
+            </a:fld>
+            <a:endParaRPr lang="en-US"/>
           </a:p>
         </p:txBody>
       </p:sp>
@@ -3816,62 +3859,6 @@
       </p:sp>
       <p:sp>
         <p:nvSpPr>
-          <p:cNvPr id="9" name="TextBox 8"/>
-          <p:cNvSpPr txBox="1"/>
-          <p:nvPr userDrawn="1"/>
-        </p:nvSpPr>
-        <p:spPr>
-          <a:xfrm>
-            <a:off x="8514496" y="6274700"/>
-            <a:ext cx="2777072" cy="200055"/>
-          </a:xfrm>
-          <a:prstGeom prst="rect">
-            <a:avLst/>
-          </a:prstGeom>
-          <a:noFill/>
-        </p:spPr>
-        <p:txBody>
-          <a:bodyPr wrap="square" rtlCol="0">
-            <a:spAutoFit/>
-          </a:bodyPr>
-          <a:lstStyle/>
-          <a:p>
-            <a:pPr algn="r"/>
-            <a:r>
-              <a:rPr lang="en-US" sz="700">
-                <a:solidFill>
-                  <a:srgbClr val="FF5800"/>
-                </a:solidFill>
-              </a:rPr>
-              <a:t>&lt;Highly Confidential&gt; </a:t>
-            </a:r>
-            <a:r>
-              <a:rPr lang="en-US" sz="700">
-                <a:solidFill>
-                  <a:srgbClr val="464646"/>
-                </a:solidFill>
-              </a:rPr>
-              <a:t>See Avanade’s </a:t>
-            </a:r>
-            <a:r>
-              <a:rPr lang="en-US" sz="700">
-                <a:solidFill>
-                  <a:srgbClr val="FF5800"/>
-                </a:solidFill>
-                <a:hlinkClick r:id="rId13"/>
-              </a:rPr>
-              <a:t>Data Management Policy</a:t>
-            </a:r>
-            <a:endParaRPr lang="en-US" sz="700">
-              <a:solidFill>
-                <a:srgbClr val="FF5800"/>
-              </a:solidFill>
-            </a:endParaRPr>
-          </a:p>
-        </p:txBody>
-      </p:sp>
-      <p:sp>
-        <p:nvSpPr>
           <p:cNvPr id="10" name="Rectangle 9"/>
           <p:cNvSpPr/>
           <p:nvPr userDrawn="1"/>
@@ -4258,7 +4245,12 @@
             <p:ph type="body" sz="quarter" idx="10"/>
           </p:nvPr>
         </p:nvSpPr>
-        <p:spPr/>
+        <p:spPr>
+          <a:xfrm>
+            <a:off x="1083386" y="2789175"/>
+            <a:ext cx="10524898" cy="1080861"/>
+          </a:xfrm>
+        </p:spPr>
         <p:txBody>
           <a:bodyPr/>
           <a:lstStyle/>
@@ -4309,7 +4301,7 @@
           <p:cNvPr id="2" name="Text Placeholder 1">
             <a:extLst>
               <a:ext uri="{FF2B5EF4-FFF2-40B4-BE49-F238E27FC236}">
-                <a16:creationId xmlns:a16="http://schemas.microsoft.com/office/drawing/2014/main" id="{566C9DD0-F82E-4FB5-A17E-8C5484B99C06}"/>
+                <a16:creationId xmlns:a16="http://schemas.microsoft.com/office/drawing/2014/main" id="{6D0A266C-A800-4CD7-943E-6D0EE742D872}"/>
               </a:ext>
             </a:extLst>
           </p:cNvPr>
@@ -4322,7 +4314,7 @@
         </p:nvSpPr>
         <p:spPr>
           <a:xfrm>
-            <a:off x="960293" y="528246"/>
+            <a:off x="986671" y="325546"/>
             <a:ext cx="10524898" cy="1080861"/>
           </a:xfrm>
         </p:spPr>
@@ -4332,7 +4324,7 @@
           <a:p>
             <a:r>
               <a:rPr lang="pl-PL" dirty="0"/>
-              <a:t>Scoring calculations </a:t>
+              <a:t>Apache Lucene		</a:t>
             </a:r>
           </a:p>
         </p:txBody>
@@ -4342,7 +4334,7 @@
           <p:cNvPr id="3" name="Text Placeholder 2">
             <a:extLst>
               <a:ext uri="{FF2B5EF4-FFF2-40B4-BE49-F238E27FC236}">
-                <a16:creationId xmlns:a16="http://schemas.microsoft.com/office/drawing/2014/main" id="{640310AD-7255-494D-AAFA-A7C3448D3E0B}"/>
+                <a16:creationId xmlns:a16="http://schemas.microsoft.com/office/drawing/2014/main" id="{26603AE4-A331-49FE-A643-078959E70557}"/>
               </a:ext>
             </a:extLst>
           </p:cNvPr>
@@ -4355,8 +4347,8 @@
         </p:nvSpPr>
         <p:spPr>
           <a:xfrm>
-            <a:off x="960293" y="1423009"/>
-            <a:ext cx="10524898" cy="4749191"/>
+            <a:off x="986671" y="1688296"/>
+            <a:ext cx="10524898" cy="1092819"/>
           </a:xfrm>
         </p:spPr>
         <p:txBody>
@@ -4365,182 +4357,139 @@
           <a:p>
             <a:r>
               <a:rPr lang="pl-PL" dirty="0"/>
-              <a:t>Inverted index is used for finding documents but also scorring calculation – to put results in the correct order </a:t>
-            </a:r>
-          </a:p>
-          <a:p>
-            <a:pPr marL="457200" indent="-457200">
-              <a:buFont typeface="Arial" panose="020B0604020202020204" pitchFamily="34" charset="0"/>
-              <a:buChar char="•"/>
-            </a:pPr>
-            <a:r>
-              <a:rPr lang="pl-PL" dirty="0"/>
-              <a:t>Term Frequency - h</a:t>
-            </a:r>
-            <a:r>
-              <a:rPr lang="en-US" dirty="0"/>
-              <a:t>ow often does the term appear in this document</a:t>
-            </a:r>
-            <a:r>
-              <a:rPr lang="pl-PL" dirty="0"/>
-              <a:t> ?  </a:t>
-            </a:r>
-            <a:r>
-              <a:rPr lang="en-US" dirty="0"/>
-              <a:t>more often</a:t>
-            </a:r>
-            <a:r>
-              <a:rPr lang="pl-PL" dirty="0"/>
-              <a:t>, score is </a:t>
-            </a:r>
-            <a:r>
-              <a:rPr lang="pl-PL" b="1" dirty="0"/>
-              <a:t>higher</a:t>
-            </a:r>
-            <a:r>
-              <a:rPr lang="pl-PL" dirty="0"/>
-              <a:t> </a:t>
-            </a:r>
-          </a:p>
-          <a:p>
-            <a:pPr marL="457200" indent="-457200">
-              <a:buFont typeface="Arial" panose="020B0604020202020204" pitchFamily="34" charset="0"/>
-              <a:buChar char="•"/>
-            </a:pPr>
-            <a:r>
-              <a:rPr lang="en-US" dirty="0"/>
-              <a:t>Inverse Document Frequency</a:t>
-            </a:r>
-            <a:r>
-              <a:rPr lang="pl-PL" dirty="0"/>
-              <a:t> - h</a:t>
-            </a:r>
-            <a:r>
-              <a:rPr lang="en-US" dirty="0"/>
-              <a:t>ow often does each term appear in</a:t>
-            </a:r>
-            <a:r>
-              <a:rPr lang="pl-PL" dirty="0"/>
-              <a:t> all documents in the</a:t>
-            </a:r>
-            <a:r>
-              <a:rPr lang="en-US" dirty="0"/>
-              <a:t> index? The more often,</a:t>
-            </a:r>
-            <a:r>
-              <a:rPr lang="pl-PL" dirty="0"/>
-              <a:t> score is </a:t>
-            </a:r>
-            <a:r>
-              <a:rPr lang="pl-PL" b="1" dirty="0"/>
-              <a:t>lower</a:t>
-            </a:r>
-            <a:r>
-              <a:rPr lang="pl-PL" dirty="0"/>
-              <a:t> </a:t>
-            </a:r>
-            <a:r>
-              <a:rPr lang="en-US" dirty="0"/>
-              <a:t> </a:t>
-            </a:r>
-            <a:endParaRPr lang="pl-PL" dirty="0"/>
-          </a:p>
-          <a:p>
-            <a:pPr marL="457200" indent="-457200">
-              <a:buFont typeface="Arial" panose="020B0604020202020204" pitchFamily="34" charset="0"/>
-              <a:buChar char="•"/>
-            </a:pPr>
-            <a:r>
-              <a:rPr lang="pl-PL" dirty="0"/>
-              <a:t>Field-length norm – h</a:t>
-            </a:r>
-            <a:r>
-              <a:rPr lang="en-US" dirty="0"/>
-              <a:t>ow long is the field? The longer it is, the less likely it is that words in the field will be relevant</a:t>
-            </a:r>
-            <a:endParaRPr lang="pl-PL" dirty="0"/>
-          </a:p>
-          <a:p>
-            <a:br>
-              <a:rPr lang="en-US" dirty="0"/>
-            </a:br>
-            <a:endParaRPr lang="pl-PL" dirty="0"/>
-          </a:p>
-        </p:txBody>
-      </p:sp>
-      <p:sp>
-        <p:nvSpPr>
-          <p:cNvPr id="4" name="TextBox 3">
+              <a:t>Elasticsearch uses apache lucene as inverted index</a:t>
+            </a:r>
+          </a:p>
+        </p:txBody>
+      </p:sp>
+      <p:sp>
+        <p:nvSpPr>
+          <p:cNvPr id="4" name="Slide Number Placeholder 3">
             <a:extLst>
               <a:ext uri="{FF2B5EF4-FFF2-40B4-BE49-F238E27FC236}">
-                <a16:creationId xmlns:a16="http://schemas.microsoft.com/office/drawing/2014/main" id="{A2EE7B88-E16E-4DAA-B954-E64DD6FDB314}"/>
+                <a16:creationId xmlns:a16="http://schemas.microsoft.com/office/drawing/2014/main" id="{D4FDD880-522E-4FCC-8566-3358DC252A60}"/>
               </a:ext>
             </a:extLst>
           </p:cNvPr>
-          <p:cNvSpPr txBox="1"/>
+          <p:cNvSpPr>
+            <a:spLocks noGrp="1"/>
+          </p:cNvSpPr>
+          <p:nvPr>
+            <p:ph type="sldNum" sz="quarter" idx="12"/>
+          </p:nvPr>
+        </p:nvSpPr>
+        <p:spPr/>
+        <p:txBody>
+          <a:bodyPr/>
+          <a:lstStyle/>
+          <a:p>
+            <a:fld id="{3847DB54-D037-B84F-B6F1-2E8DA40D09AD}" type="slidenum">
+              <a:rPr lang="en-US" smtClean="0"/>
+              <a:pPr/>
+              <a:t>10</a:t>
+            </a:fld>
+            <a:endParaRPr lang="en-US"/>
+          </a:p>
+        </p:txBody>
+      </p:sp>
+      <p:pic>
+        <p:nvPicPr>
+          <p:cNvPr id="1026" name="Picture 2" descr="solar-elastic-lucene">
+            <a:extLst>
+              <a:ext uri="{FF2B5EF4-FFF2-40B4-BE49-F238E27FC236}">
+                <a16:creationId xmlns:a16="http://schemas.microsoft.com/office/drawing/2014/main" id="{4ADA16AB-0364-4E2A-AA13-C6FC0E64C1CE}"/>
+              </a:ext>
+            </a:extLst>
+          </p:cNvPr>
+          <p:cNvPicPr>
+            <a:picLocks noChangeAspect="1" noChangeArrowheads="1"/>
+          </p:cNvPicPr>
           <p:nvPr/>
-        </p:nvSpPr>
-        <p:spPr>
-          <a:xfrm>
-            <a:off x="1091006" y="5127205"/>
-            <a:ext cx="10009987" cy="923330"/>
+        </p:nvPicPr>
+        <p:blipFill>
+          <a:blip r:embed="rId2">
+            <a:extLst>
+              <a:ext uri="{28A0092B-C50C-407E-A947-70E740481C1C}">
+                <a14:useLocalDpi xmlns:a14="http://schemas.microsoft.com/office/drawing/2010/main" val="0"/>
+              </a:ext>
+            </a:extLst>
+          </a:blip>
+          <a:srcRect/>
+          <a:stretch>
+            <a:fillRect/>
+          </a:stretch>
+        </p:blipFill>
+        <p:spPr bwMode="auto">
+          <a:xfrm>
+            <a:off x="1907931" y="2552516"/>
+            <a:ext cx="7203338" cy="3266341"/>
           </a:xfrm>
           <a:prstGeom prst="rect">
             <a:avLst/>
           </a:prstGeom>
           <a:noFill/>
-          <a:ln>
-            <a:solidFill>
-              <a:schemeClr val="tx1"/>
-            </a:solidFill>
-          </a:ln>
-        </p:spPr>
-        <p:txBody>
-          <a:bodyPr wrap="square" rtlCol="0">
-            <a:spAutoFit/>
-          </a:bodyPr>
-          <a:lstStyle/>
-          <a:p>
-            <a:r>
-              <a:rPr lang="pl-PL" dirty="0"/>
-              <a:t>Use explain query paramter to get details </a:t>
-            </a:r>
-          </a:p>
-          <a:p>
-            <a:endParaRPr lang="pl-PL" dirty="0"/>
-          </a:p>
-          <a:p>
-            <a:r>
-              <a:rPr lang="en-US" dirty="0"/>
-              <a:t>localhost:9200/</a:t>
-            </a:r>
-            <a:r>
-              <a:rPr lang="en-US" dirty="0" err="1"/>
-              <a:t>shakespeare</a:t>
-            </a:r>
-            <a:r>
-              <a:rPr lang="en-US" dirty="0"/>
-              <a:t>/_</a:t>
-            </a:r>
-            <a:r>
-              <a:rPr lang="en-US" dirty="0" err="1"/>
-              <a:t>search?</a:t>
-            </a:r>
-            <a:r>
-              <a:rPr lang="en-US" b="1" dirty="0" err="1"/>
-              <a:t>explain</a:t>
-            </a:r>
-            <a:r>
-              <a:rPr lang="en-US" b="1" dirty="0"/>
-              <a:t>=true</a:t>
-            </a:r>
-          </a:p>
-        </p:txBody>
-      </p:sp>
+          <a:extLst>
+            <a:ext uri="{909E8E84-426E-40DD-AFC4-6F175D3DCCD1}">
+              <a14:hiddenFill xmlns:a14="http://schemas.microsoft.com/office/drawing/2010/main">
+                <a:solidFill>
+                  <a:srgbClr val="FFFFFF"/>
+                </a:solidFill>
+              </a14:hiddenFill>
+            </a:ext>
+          </a:extLst>
+        </p:spPr>
+      </p:pic>
+      <p:pic>
+        <p:nvPicPr>
+          <p:cNvPr id="1028" name="Picture 4" descr="Lucene Logo">
+            <a:extLst>
+              <a:ext uri="{FF2B5EF4-FFF2-40B4-BE49-F238E27FC236}">
+                <a16:creationId xmlns:a16="http://schemas.microsoft.com/office/drawing/2014/main" id="{D928CFA6-FC9B-4CBA-9B81-C8B49C2E3636}"/>
+              </a:ext>
+            </a:extLst>
+          </p:cNvPr>
+          <p:cNvPicPr>
+            <a:picLocks noChangeAspect="1" noChangeArrowheads="1"/>
+          </p:cNvPicPr>
+          <p:nvPr/>
+        </p:nvPicPr>
+        <p:blipFill>
+          <a:blip r:embed="rId3">
+            <a:extLst>
+              <a:ext uri="{28A0092B-C50C-407E-A947-70E740481C1C}">
+                <a14:useLocalDpi xmlns:a14="http://schemas.microsoft.com/office/drawing/2010/main" val="0"/>
+              </a:ext>
+            </a:extLst>
+          </a:blip>
+          <a:srcRect/>
+          <a:stretch>
+            <a:fillRect/>
+          </a:stretch>
+        </p:blipFill>
+        <p:spPr bwMode="auto">
+          <a:xfrm>
+            <a:off x="5665176" y="427826"/>
+            <a:ext cx="2857500" cy="438150"/>
+          </a:xfrm>
+          <a:prstGeom prst="rect">
+            <a:avLst/>
+          </a:prstGeom>
+          <a:noFill/>
+          <a:extLst>
+            <a:ext uri="{909E8E84-426E-40DD-AFC4-6F175D3DCCD1}">
+              <a14:hiddenFill xmlns:a14="http://schemas.microsoft.com/office/drawing/2010/main">
+                <a:solidFill>
+                  <a:srgbClr val="FFFFFF"/>
+                </a:solidFill>
+              </a14:hiddenFill>
+            </a:ext>
+          </a:extLst>
+        </p:spPr>
+      </p:pic>
     </p:spTree>
     <p:extLst>
       <p:ext uri="{BB962C8B-B14F-4D97-AF65-F5344CB8AC3E}">
-        <p14:creationId xmlns:p14="http://schemas.microsoft.com/office/powerpoint/2010/main" val="3327384960"/>
+        <p14:creationId xmlns:p14="http://schemas.microsoft.com/office/powerpoint/2010/main" val="731969616"/>
       </p:ext>
     </p:extLst>
   </p:cSld>
@@ -4575,7 +4524,7 @@
           <p:cNvPr id="2" name="Text Placeholder 1">
             <a:extLst>
               <a:ext uri="{FF2B5EF4-FFF2-40B4-BE49-F238E27FC236}">
-                <a16:creationId xmlns:a16="http://schemas.microsoft.com/office/drawing/2014/main" id="{EB30FF78-F9B7-47E4-BEA5-5449DA3D0232}"/>
+                <a16:creationId xmlns:a16="http://schemas.microsoft.com/office/drawing/2014/main" id="{566C9DD0-F82E-4FB5-A17E-8C5484B99C06}"/>
               </a:ext>
             </a:extLst>
           </p:cNvPr>
@@ -4588,7 +4537,7 @@
         </p:nvSpPr>
         <p:spPr>
           <a:xfrm>
-            <a:off x="949162" y="366621"/>
+            <a:off x="960293" y="528246"/>
             <a:ext cx="10524898" cy="1080861"/>
           </a:xfrm>
         </p:spPr>
@@ -4598,7 +4547,7 @@
           <a:p>
             <a:r>
               <a:rPr lang="pl-PL" dirty="0"/>
-              <a:t>Speed up search – filters </a:t>
+              <a:t>Scoring calculations </a:t>
             </a:r>
           </a:p>
         </p:txBody>
@@ -4608,7 +4557,7 @@
           <p:cNvPr id="3" name="Text Placeholder 2">
             <a:extLst>
               <a:ext uri="{FF2B5EF4-FFF2-40B4-BE49-F238E27FC236}">
-                <a16:creationId xmlns:a16="http://schemas.microsoft.com/office/drawing/2014/main" id="{94C0FCD8-DEE0-4243-88F2-4E47E8038196}"/>
+                <a16:creationId xmlns:a16="http://schemas.microsoft.com/office/drawing/2014/main" id="{640310AD-7255-494D-AAFA-A7C3448D3E0B}"/>
               </a:ext>
             </a:extLst>
           </p:cNvPr>
@@ -4621,109 +4570,192 @@
         </p:nvSpPr>
         <p:spPr>
           <a:xfrm>
-            <a:off x="1007886" y="1354152"/>
-            <a:ext cx="10524898" cy="4803367"/>
+            <a:off x="960293" y="1423009"/>
+            <a:ext cx="10524898" cy="4749191"/>
           </a:xfrm>
         </p:spPr>
         <p:txBody>
           <a:bodyPr/>
           <a:lstStyle/>
           <a:p>
-            <a:pPr marL="514350" indent="-514350">
-              <a:buFont typeface="+mj-lt"/>
-              <a:buAutoNum type="arabicPeriod"/>
+            <a:r>
+              <a:rPr lang="pl-PL" dirty="0"/>
+              <a:t>Inverted index is used for finding documents but also scorring calculation – to put results in the correct order </a:t>
+            </a:r>
+          </a:p>
+          <a:p>
+            <a:pPr marL="457200" indent="-457200">
+              <a:buFont typeface="Arial" panose="020B0604020202020204" pitchFamily="34" charset="0"/>
+              <a:buChar char="•"/>
             </a:pPr>
             <a:r>
               <a:rPr lang="pl-PL" dirty="0"/>
-              <a:t>Produces boolean outcome, without scorring </a:t>
-            </a:r>
-          </a:p>
-          <a:p>
-            <a:pPr marL="514350" indent="-514350">
-              <a:buFont typeface="+mj-lt"/>
-              <a:buAutoNum type="arabicPeriod"/>
+              <a:t>Term Frequency - h</a:t>
+            </a:r>
+            <a:r>
+              <a:rPr lang="en-US" dirty="0"/>
+              <a:t>ow often does the term appear in this document</a:t>
+            </a:r>
+            <a:r>
+              <a:rPr lang="pl-PL" dirty="0"/>
+              <a:t> ?  </a:t>
+            </a:r>
+            <a:r>
+              <a:rPr lang="en-US" dirty="0"/>
+              <a:t>more often</a:t>
+            </a:r>
+            <a:r>
+              <a:rPr lang="pl-PL" dirty="0"/>
+              <a:t>, score is </a:t>
+            </a:r>
+            <a:r>
+              <a:rPr lang="pl-PL" b="1" dirty="0"/>
+              <a:t>higher</a:t>
+            </a:r>
+            <a:r>
+              <a:rPr lang="pl-PL" dirty="0"/>
+              <a:t> </a:t>
+            </a:r>
+          </a:p>
+          <a:p>
+            <a:pPr marL="457200" indent="-457200">
+              <a:buFont typeface="Arial" panose="020B0604020202020204" pitchFamily="34" charset="0"/>
+              <a:buChar char="•"/>
             </a:pPr>
             <a:r>
-              <a:rPr lang="pl-PL" dirty="0"/>
-              <a:t>Frequently used for filtering structured data, like single terms, ranges etc  </a:t>
-            </a:r>
-          </a:p>
-          <a:p>
-            <a:pPr marL="514350" indent="-514350">
-              <a:buFont typeface="+mj-lt"/>
-              <a:buAutoNum type="arabicPeriod"/>
+              <a:rPr lang="en-US" dirty="0"/>
+              <a:t>Inverse Document Frequency</a:t>
+            </a:r>
+            <a:r>
+              <a:rPr lang="pl-PL" dirty="0"/>
+              <a:t> - h</a:t>
+            </a:r>
+            <a:r>
+              <a:rPr lang="en-US" dirty="0"/>
+              <a:t>ow often does each term appear in</a:t>
+            </a:r>
+            <a:r>
+              <a:rPr lang="pl-PL" dirty="0"/>
+              <a:t> all documents in the</a:t>
+            </a:r>
+            <a:r>
+              <a:rPr lang="en-US" dirty="0"/>
+              <a:t> index? The more often,</a:t>
+            </a:r>
+            <a:r>
+              <a:rPr lang="pl-PL" dirty="0"/>
+              <a:t> score is </a:t>
+            </a:r>
+            <a:r>
+              <a:rPr lang="pl-PL" b="1" dirty="0"/>
+              <a:t>lower</a:t>
+            </a:r>
+            <a:r>
+              <a:rPr lang="pl-PL" dirty="0"/>
+              <a:t> </a:t>
+            </a:r>
+            <a:r>
+              <a:rPr lang="en-US" dirty="0"/>
+              <a:t> </a:t>
+            </a:r>
+            <a:endParaRPr lang="pl-PL" dirty="0"/>
+          </a:p>
+          <a:p>
+            <a:pPr marL="457200" indent="-457200">
+              <a:buFont typeface="Arial" panose="020B0604020202020204" pitchFamily="34" charset="0"/>
+              <a:buChar char="•"/>
             </a:pPr>
             <a:r>
               <a:rPr lang="pl-PL" dirty="0"/>
-              <a:t>If request contains query and filters </a:t>
-            </a:r>
-          </a:p>
-          <a:p>
-            <a:pPr marL="1200150" lvl="1" indent="-514350">
-              <a:buFont typeface="+mj-lt"/>
-              <a:buAutoNum type="alphaLcParenR"/>
-            </a:pPr>
-            <a:r>
-              <a:rPr lang="pl-PL" dirty="0"/>
-              <a:t>First filters are applied </a:t>
-            </a:r>
-          </a:p>
-          <a:p>
-            <a:pPr marL="1200150" lvl="1" indent="-514350">
-              <a:buFont typeface="+mj-lt"/>
-              <a:buAutoNum type="alphaLcParenR"/>
-            </a:pPr>
-            <a:r>
-              <a:rPr lang="pl-PL" dirty="0"/>
-              <a:t>After it, on data which left, query with scorring is applied </a:t>
-            </a:r>
-          </a:p>
-          <a:p>
-            <a:pPr marL="514350" indent="-514350">
-              <a:buFont typeface="+mj-lt"/>
-              <a:buAutoNum type="arabicPeriod"/>
-            </a:pPr>
-            <a:r>
-              <a:rPr lang="pl-PL" dirty="0"/>
-              <a:t>Frequently used filters are cached </a:t>
-            </a:r>
-          </a:p>
-        </p:txBody>
-      </p:sp>
-      <p:pic>
-        <p:nvPicPr>
-          <p:cNvPr id="5" name="Picture 4">
+              <a:t>Field-length norm – h</a:t>
+            </a:r>
+            <a:r>
+              <a:rPr lang="en-US" dirty="0"/>
+              <a:t>ow long is the field? The longer it is, the less likely it is that words in the field will be relevant</a:t>
+            </a:r>
+            <a:endParaRPr lang="pl-PL" dirty="0"/>
+          </a:p>
+          <a:p>
+            <a:br>
+              <a:rPr lang="en-US" dirty="0"/>
+            </a:br>
+            <a:endParaRPr lang="pl-PL" dirty="0"/>
+          </a:p>
+        </p:txBody>
+      </p:sp>
+      <p:sp>
+        <p:nvSpPr>
+          <p:cNvPr id="4" name="TextBox 3">
             <a:extLst>
               <a:ext uri="{FF2B5EF4-FFF2-40B4-BE49-F238E27FC236}">
-                <a16:creationId xmlns:a16="http://schemas.microsoft.com/office/drawing/2014/main" id="{2C7B4ECA-8E18-485A-BBEF-DAEC8173CCED}"/>
+                <a16:creationId xmlns:a16="http://schemas.microsoft.com/office/drawing/2014/main" id="{A2EE7B88-E16E-4DAA-B954-E64DD6FDB314}"/>
               </a:ext>
             </a:extLst>
           </p:cNvPr>
-          <p:cNvPicPr>
-            <a:picLocks noChangeAspect="1"/>
-          </p:cNvPicPr>
+          <p:cNvSpPr txBox="1"/>
           <p:nvPr/>
-        </p:nvPicPr>
-        <p:blipFill>
-          <a:blip r:embed="rId2"/>
-          <a:stretch>
-            <a:fillRect/>
-          </a:stretch>
-        </p:blipFill>
+        </p:nvSpPr>
         <p:spPr>
           <a:xfrm>
-            <a:off x="2543876" y="4476418"/>
-            <a:ext cx="5611008" cy="2381582"/>
+            <a:off x="1091006" y="5127205"/>
+            <a:ext cx="10009987" cy="923330"/>
           </a:xfrm>
           <a:prstGeom prst="rect">
             <a:avLst/>
           </a:prstGeom>
-        </p:spPr>
-      </p:pic>
+          <a:noFill/>
+          <a:ln>
+            <a:solidFill>
+              <a:schemeClr val="tx1"/>
+            </a:solidFill>
+          </a:ln>
+        </p:spPr>
+        <p:txBody>
+          <a:bodyPr wrap="square" rtlCol="0">
+            <a:spAutoFit/>
+          </a:bodyPr>
+          <a:lstStyle/>
+          <a:p>
+            <a:r>
+              <a:rPr lang="pl-PL" dirty="0"/>
+              <a:t>Use explain query paramter to get details </a:t>
+            </a:r>
+          </a:p>
+          <a:p>
+            <a:endParaRPr lang="pl-PL" dirty="0"/>
+          </a:p>
+          <a:p>
+            <a:r>
+              <a:rPr lang="en-US" dirty="0"/>
+              <a:t>localhost:9200/</a:t>
+            </a:r>
+            <a:r>
+              <a:rPr lang="en-US" dirty="0" err="1"/>
+              <a:t>shakespeare</a:t>
+            </a:r>
+            <a:r>
+              <a:rPr lang="en-US" dirty="0"/>
+              <a:t>/_</a:t>
+            </a:r>
+            <a:r>
+              <a:rPr lang="en-US" dirty="0" err="1"/>
+              <a:t>search?</a:t>
+            </a:r>
+            <a:r>
+              <a:rPr lang="en-US" b="1" dirty="0" err="1"/>
+              <a:t>explain</a:t>
+            </a:r>
+            <a:r>
+              <a:rPr lang="en-US" b="1" dirty="0"/>
+              <a:t>=true</a:t>
+            </a:r>
+          </a:p>
+        </p:txBody>
+      </p:sp>
     </p:spTree>
     <p:extLst>
       <p:ext uri="{BB962C8B-B14F-4D97-AF65-F5344CB8AC3E}">
-        <p14:creationId xmlns:p14="http://schemas.microsoft.com/office/powerpoint/2010/main" val="2233960778"/>
+        <p14:creationId xmlns:p14="http://schemas.microsoft.com/office/powerpoint/2010/main" val="3327384960"/>
       </p:ext>
     </p:extLst>
   </p:cSld>
@@ -4758,7 +4790,7 @@
           <p:cNvPr id="2" name="Text Placeholder 1">
             <a:extLst>
               <a:ext uri="{FF2B5EF4-FFF2-40B4-BE49-F238E27FC236}">
-                <a16:creationId xmlns:a16="http://schemas.microsoft.com/office/drawing/2014/main" id="{C9DF8A16-A3A0-4CFC-9D7B-684076441BC2}"/>
+                <a16:creationId xmlns:a16="http://schemas.microsoft.com/office/drawing/2014/main" id="{EB30FF78-F9B7-47E4-BEA5-5449DA3D0232}"/>
               </a:ext>
             </a:extLst>
           </p:cNvPr>
@@ -4771,7 +4803,7 @@
         </p:nvSpPr>
         <p:spPr>
           <a:xfrm>
-            <a:off x="957551" y="400177"/>
+            <a:off x="949162" y="366621"/>
             <a:ext cx="10524898" cy="1080861"/>
           </a:xfrm>
         </p:spPr>
@@ -4781,7 +4813,7 @@
           <a:p>
             <a:r>
               <a:rPr lang="pl-PL" dirty="0"/>
-              <a:t>CRUD – create index </a:t>
+              <a:t>Speed up search – filters </a:t>
             </a:r>
           </a:p>
         </p:txBody>
@@ -4791,7 +4823,7 @@
           <p:cNvPr id="3" name="Text Placeholder 2">
             <a:extLst>
               <a:ext uri="{FF2B5EF4-FFF2-40B4-BE49-F238E27FC236}">
-                <a16:creationId xmlns:a16="http://schemas.microsoft.com/office/drawing/2014/main" id="{17D120CB-1F4D-4EED-A678-4591783AB65F}"/>
+                <a16:creationId xmlns:a16="http://schemas.microsoft.com/office/drawing/2014/main" id="{94C0FCD8-DEE0-4243-88F2-4E47E8038196}"/>
               </a:ext>
             </a:extLst>
           </p:cNvPr>
@@ -4804,32 +4836,72 @@
         </p:nvSpPr>
         <p:spPr>
           <a:xfrm>
-            <a:off x="1057013" y="1328985"/>
-            <a:ext cx="10425436" cy="4660754"/>
+            <a:off x="1007886" y="1354152"/>
+            <a:ext cx="10524898" cy="4803367"/>
           </a:xfrm>
         </p:spPr>
         <p:txBody>
           <a:bodyPr/>
           <a:lstStyle/>
           <a:p>
-            <a:r>
-              <a:rPr lang="en-US" dirty="0"/>
-              <a:t>PUT /test HTTP/1.1</a:t>
-            </a:r>
-            <a:endParaRPr lang="pl-PL" dirty="0"/>
-          </a:p>
-          <a:p>
-            <a:r>
-              <a:rPr lang="en-US" dirty="0"/>
-              <a:t>Host: localhost:9200</a:t>
-            </a:r>
-            <a:endParaRPr lang="pl-PL" dirty="0"/>
-          </a:p>
-          <a:p>
-            <a:endParaRPr lang="pl-PL" dirty="0"/>
-          </a:p>
-          <a:p>
-            <a:endParaRPr lang="pl-PL" dirty="0"/>
+            <a:pPr marL="514350" indent="-514350">
+              <a:buFont typeface="+mj-lt"/>
+              <a:buAutoNum type="arabicPeriod"/>
+            </a:pPr>
+            <a:r>
+              <a:rPr lang="pl-PL" dirty="0"/>
+              <a:t>Produces boolean outcome, without scorring </a:t>
+            </a:r>
+          </a:p>
+          <a:p>
+            <a:pPr marL="514350" indent="-514350">
+              <a:buFont typeface="+mj-lt"/>
+              <a:buAutoNum type="arabicPeriod"/>
+            </a:pPr>
+            <a:r>
+              <a:rPr lang="pl-PL" dirty="0"/>
+              <a:t>Frequently used for filtering structured data, like single terms, ranges etc  </a:t>
+            </a:r>
+          </a:p>
+          <a:p>
+            <a:pPr marL="514350" indent="-514350">
+              <a:buFont typeface="+mj-lt"/>
+              <a:buAutoNum type="arabicPeriod"/>
+            </a:pPr>
+            <a:r>
+              <a:rPr lang="pl-PL" dirty="0"/>
+              <a:t>If request contains query and filters </a:t>
+            </a:r>
+          </a:p>
+          <a:p>
+            <a:pPr marL="1200150" lvl="1" indent="-514350">
+              <a:buFont typeface="+mj-lt"/>
+              <a:buAutoNum type="alphaLcParenR"/>
+            </a:pPr>
+            <a:r>
+              <a:rPr lang="pl-PL" dirty="0"/>
+              <a:t>First filters are applied </a:t>
+            </a:r>
+          </a:p>
+          <a:p>
+            <a:pPr marL="1200150" lvl="1" indent="-514350">
+              <a:buFont typeface="+mj-lt"/>
+              <a:buAutoNum type="alphaLcParenR"/>
+            </a:pPr>
+            <a:r>
+              <a:rPr lang="pl-PL" dirty="0"/>
+              <a:t>After it, on data which left, query with scorring is applied </a:t>
+            </a:r>
+          </a:p>
+          <a:p>
+            <a:pPr marL="514350" indent="-514350">
+              <a:buFont typeface="+mj-lt"/>
+              <a:buAutoNum type="arabicPeriod"/>
+            </a:pPr>
+            <a:r>
+              <a:rPr lang="pl-PL" dirty="0"/>
+              <a:t>Frequently used filters are cached </a:t>
+            </a:r>
           </a:p>
         </p:txBody>
       </p:sp>
@@ -4838,7 +4910,7 @@
           <p:cNvPr id="5" name="Picture 4">
             <a:extLst>
               <a:ext uri="{FF2B5EF4-FFF2-40B4-BE49-F238E27FC236}">
-                <a16:creationId xmlns:a16="http://schemas.microsoft.com/office/drawing/2014/main" id="{B933ADB9-B4B6-4714-8283-1A7FBB42B2ED}"/>
+                <a16:creationId xmlns:a16="http://schemas.microsoft.com/office/drawing/2014/main" id="{2C7B4ECA-8E18-485A-BBEF-DAEC8173CCED}"/>
               </a:ext>
             </a:extLst>
           </p:cNvPr>
@@ -4855,8 +4927,8 @@
         </p:blipFill>
         <p:spPr>
           <a:xfrm>
-            <a:off x="1140125" y="2484050"/>
-            <a:ext cx="3620005" cy="3505689"/>
+            <a:off x="2543876" y="4476418"/>
+            <a:ext cx="5611008" cy="2381582"/>
           </a:xfrm>
           <a:prstGeom prst="rect">
             <a:avLst/>
@@ -4866,7 +4938,7 @@
     </p:spTree>
     <p:extLst>
       <p:ext uri="{BB962C8B-B14F-4D97-AF65-F5344CB8AC3E}">
-        <p14:creationId xmlns:p14="http://schemas.microsoft.com/office/powerpoint/2010/main" val="521248468"/>
+        <p14:creationId xmlns:p14="http://schemas.microsoft.com/office/powerpoint/2010/main" val="2233960778"/>
       </p:ext>
     </p:extLst>
   </p:cSld>
@@ -4901,7 +4973,7 @@
           <p:cNvPr id="2" name="Text Placeholder 1">
             <a:extLst>
               <a:ext uri="{FF2B5EF4-FFF2-40B4-BE49-F238E27FC236}">
-                <a16:creationId xmlns:a16="http://schemas.microsoft.com/office/drawing/2014/main" id="{8BB1E443-5131-4503-822B-41BE7CEA9FAA}"/>
+                <a16:creationId xmlns:a16="http://schemas.microsoft.com/office/drawing/2014/main" id="{BE260B02-F0B5-48BD-B150-F730018DE66E}"/>
               </a:ext>
             </a:extLst>
           </p:cNvPr>
@@ -4914,7 +4986,7 @@
         </p:nvSpPr>
         <p:spPr>
           <a:xfrm>
-            <a:off x="957551" y="383399"/>
+            <a:off x="1024663" y="416955"/>
             <a:ext cx="10524898" cy="1080861"/>
           </a:xfrm>
         </p:spPr>
@@ -4924,7 +4996,23 @@
           <a:p>
             <a:r>
               <a:rPr lang="pl-PL" dirty="0"/>
-              <a:t>CRUD – create document </a:t>
+              <a:t>N</a:t>
+            </a:r>
+            <a:r>
+              <a:rPr lang="en-US" dirty="0"/>
+              <a:t>ear</a:t>
+            </a:r>
+            <a:r>
+              <a:rPr lang="pl-PL" dirty="0"/>
+              <a:t> to</a:t>
+            </a:r>
+            <a:r>
+              <a:rPr lang="en-US" dirty="0"/>
+              <a:t> real time</a:t>
+            </a:r>
+            <a:r>
+              <a:rPr lang="pl-PL" dirty="0"/>
+              <a:t> update</a:t>
             </a:r>
           </a:p>
         </p:txBody>
@@ -4934,7 +5022,7 @@
           <p:cNvPr id="3" name="Text Placeholder 2">
             <a:extLst>
               <a:ext uri="{FF2B5EF4-FFF2-40B4-BE49-F238E27FC236}">
-                <a16:creationId xmlns:a16="http://schemas.microsoft.com/office/drawing/2014/main" id="{67F9BE48-35E4-4E87-B2D6-28624CEFFF2F}"/>
+                <a16:creationId xmlns:a16="http://schemas.microsoft.com/office/drawing/2014/main" id="{3CEEA983-AF7C-4163-A473-4D20604B7781}"/>
               </a:ext>
             </a:extLst>
           </p:cNvPr>
@@ -4947,8 +5035,8 @@
         </p:nvSpPr>
         <p:spPr>
           <a:xfrm>
-            <a:off x="1024663" y="1228317"/>
-            <a:ext cx="10524898" cy="4635588"/>
+            <a:off x="1024663" y="1253484"/>
+            <a:ext cx="10524898" cy="4811756"/>
           </a:xfrm>
         </p:spPr>
         <p:txBody>
@@ -4960,9 +5048,10 @@
               <a:buAutoNum type="arabicPeriod"/>
             </a:pPr>
             <a:r>
-              <a:rPr lang="pl-PL" dirty="0"/>
-              <a:t>POST – auto generated id </a:t>
-            </a:r>
+              <a:rPr lang="en-US" dirty="0"/>
+              <a:t>Elasticsearch provides data manipulation and search capabilities in near real time. </a:t>
+            </a:r>
+            <a:endParaRPr lang="pl-PL" dirty="0"/>
           </a:p>
           <a:p>
             <a:pPr marL="514350" indent="-514350">
@@ -4971,46 +5060,84 @@
             </a:pPr>
             <a:r>
               <a:rPr lang="pl-PL" dirty="0"/>
-              <a:t>PUT – option to manually create id </a:t>
-            </a:r>
+              <a:t>We</a:t>
+            </a:r>
+            <a:r>
+              <a:rPr lang="en-US" dirty="0"/>
+              <a:t> can expect a one second delay (refresh interval) from the time </a:t>
+            </a:r>
+            <a:r>
+              <a:rPr lang="pl-PL" dirty="0"/>
+              <a:t>data are </a:t>
+            </a:r>
+            <a:r>
+              <a:rPr lang="en-US" dirty="0"/>
+              <a:t>index</a:t>
+            </a:r>
+            <a:r>
+              <a:rPr lang="pl-PL" dirty="0"/>
+              <a:t>ed</a:t>
+            </a:r>
+            <a:r>
+              <a:rPr lang="en-US" dirty="0"/>
+              <a:t>/update</a:t>
+            </a:r>
+            <a:r>
+              <a:rPr lang="pl-PL" dirty="0"/>
+              <a:t>d</a:t>
+            </a:r>
+            <a:r>
+              <a:rPr lang="en-US" dirty="0"/>
+              <a:t>/delete</a:t>
+            </a:r>
+            <a:r>
+              <a:rPr lang="pl-PL" dirty="0"/>
+              <a:t>d</a:t>
+            </a:r>
+            <a:r>
+              <a:rPr lang="en-US" dirty="0"/>
+              <a:t> until the time that it appears in </a:t>
+            </a:r>
+            <a:r>
+              <a:rPr lang="pl-PL" dirty="0"/>
+              <a:t>the</a:t>
+            </a:r>
+            <a:r>
+              <a:rPr lang="en-US" dirty="0"/>
+              <a:t> search results. </a:t>
+            </a:r>
+            <a:endParaRPr lang="pl-PL" dirty="0"/>
           </a:p>
           <a:p>
             <a:pPr marL="514350" indent="-514350">
               <a:buFont typeface="+mj-lt"/>
               <a:buAutoNum type="arabicPeriod"/>
             </a:pPr>
+            <a:r>
+              <a:rPr lang="pl-PL" dirty="0"/>
+              <a:t>D</a:t>
+            </a:r>
+            <a:r>
+              <a:rPr lang="en-US" dirty="0" err="1"/>
+              <a:t>istinction</a:t>
+            </a:r>
+            <a:r>
+              <a:rPr lang="en-US" dirty="0"/>
+              <a:t> from other platforms like SQL wherein data is immediately available after a transaction is completed.</a:t>
+            </a:r>
+          </a:p>
+          <a:p>
+            <a:br>
+              <a:rPr lang="en-US" dirty="0"/>
+            </a:br>
             <a:endParaRPr lang="pl-PL" dirty="0"/>
-          </a:p>
-          <a:p>
-            <a:r>
-              <a:rPr lang="pl-PL" dirty="0"/>
-              <a:t>POST /test/type HTTP/1.1</a:t>
-            </a:r>
-          </a:p>
-          <a:p>
-            <a:r>
-              <a:rPr lang="pl-PL" dirty="0"/>
-              <a:t>Host: localhost:9200</a:t>
-            </a:r>
-          </a:p>
-          <a:p>
-            <a:r>
-              <a:rPr lang="pl-PL" dirty="0"/>
-              <a:t>Content-Type: application/json</a:t>
-            </a:r>
-          </a:p>
-          <a:p>
-            <a:r>
-              <a:rPr lang="pl-PL" dirty="0"/>
-              <a:t>{ "textField" : "This is text field"}</a:t>
-            </a:r>
           </a:p>
         </p:txBody>
       </p:sp>
     </p:spTree>
     <p:extLst>
       <p:ext uri="{BB962C8B-B14F-4D97-AF65-F5344CB8AC3E}">
-        <p14:creationId xmlns:p14="http://schemas.microsoft.com/office/powerpoint/2010/main" val="687965556"/>
+        <p14:creationId xmlns:p14="http://schemas.microsoft.com/office/powerpoint/2010/main" val="3845917238"/>
       </p:ext>
     </p:extLst>
   </p:cSld>
@@ -5045,7 +5172,7 @@
           <p:cNvPr id="2" name="Text Placeholder 1">
             <a:extLst>
               <a:ext uri="{FF2B5EF4-FFF2-40B4-BE49-F238E27FC236}">
-                <a16:creationId xmlns:a16="http://schemas.microsoft.com/office/drawing/2014/main" id="{0666409E-3EDA-40A1-9B7F-38E1232F0C2E}"/>
+                <a16:creationId xmlns:a16="http://schemas.microsoft.com/office/drawing/2014/main" id="{C9DF8A16-A3A0-4CFC-9D7B-684076441BC2}"/>
               </a:ext>
             </a:extLst>
           </p:cNvPr>
@@ -5058,7 +5185,7 @@
         </p:nvSpPr>
         <p:spPr>
           <a:xfrm>
-            <a:off x="982718" y="358232"/>
+            <a:off x="957551" y="400177"/>
             <a:ext cx="10524898" cy="1080861"/>
           </a:xfrm>
         </p:spPr>
@@ -5068,7 +5195,7 @@
           <a:p>
             <a:r>
               <a:rPr lang="pl-PL" dirty="0"/>
-              <a:t>CRUD – delete document</a:t>
+              <a:t>CRUD – create index </a:t>
             </a:r>
           </a:p>
         </p:txBody>
@@ -5078,7 +5205,7 @@
           <p:cNvPr id="3" name="Text Placeholder 2">
             <a:extLst>
               <a:ext uri="{FF2B5EF4-FFF2-40B4-BE49-F238E27FC236}">
-                <a16:creationId xmlns:a16="http://schemas.microsoft.com/office/drawing/2014/main" id="{FD5FB16C-B30C-4D9E-9F3E-096E5D6C0B1C}"/>
+                <a16:creationId xmlns:a16="http://schemas.microsoft.com/office/drawing/2014/main" id="{17D120CB-1F4D-4EED-A678-4591783AB65F}"/>
               </a:ext>
             </a:extLst>
           </p:cNvPr>
@@ -5091,8 +5218,8 @@
         </p:nvSpPr>
         <p:spPr>
           <a:xfrm>
-            <a:off x="982718" y="2835478"/>
-            <a:ext cx="10199807" cy="1333851"/>
+            <a:off x="1057013" y="1573823"/>
+            <a:ext cx="10425436" cy="4415916"/>
           </a:xfrm>
         </p:spPr>
         <p:txBody>
@@ -5101,16 +5228,27 @@
           <a:p>
             <a:r>
               <a:rPr lang="pl-PL" dirty="0"/>
-              <a:t>DELETE /test/type/G8qPzGQB6Ajb09J74sPs HTTP/1.1</a:t>
-            </a:r>
-          </a:p>
-          <a:p>
-            <a:r>
-              <a:rPr lang="pl-PL" dirty="0"/>
+              <a:t>This is not obligatory, if you insert data to not existing collection it will create index automatically with default settings and mappings (based on inserted fields)</a:t>
+            </a:r>
+          </a:p>
+          <a:p>
+            <a:endParaRPr lang="pl-PL" dirty="0"/>
+          </a:p>
+          <a:p>
+            <a:endParaRPr lang="pl-PL" dirty="0"/>
+          </a:p>
+          <a:p>
+            <a:r>
+              <a:rPr lang="en-US" dirty="0"/>
+              <a:t>PUT /test HTTP/1.1</a:t>
+            </a:r>
+            <a:endParaRPr lang="pl-PL" dirty="0"/>
+          </a:p>
+          <a:p>
+            <a:r>
+              <a:rPr lang="en-US" dirty="0"/>
               <a:t>Host: localhost:9200</a:t>
             </a:r>
-          </a:p>
-          <a:p>
             <a:endParaRPr lang="pl-PL" dirty="0"/>
           </a:p>
           <a:p>
@@ -5121,10 +5259,40 @@
           </a:p>
         </p:txBody>
       </p:sp>
+      <p:pic>
+        <p:nvPicPr>
+          <p:cNvPr id="5" name="Picture 4">
+            <a:extLst>
+              <a:ext uri="{FF2B5EF4-FFF2-40B4-BE49-F238E27FC236}">
+                <a16:creationId xmlns:a16="http://schemas.microsoft.com/office/drawing/2014/main" id="{B933ADB9-B4B6-4714-8283-1A7FBB42B2ED}"/>
+              </a:ext>
+            </a:extLst>
+          </p:cNvPr>
+          <p:cNvPicPr>
+            <a:picLocks noChangeAspect="1"/>
+          </p:cNvPicPr>
+          <p:nvPr/>
+        </p:nvPicPr>
+        <p:blipFill>
+          <a:blip r:embed="rId2"/>
+          <a:stretch>
+            <a:fillRect/>
+          </a:stretch>
+        </p:blipFill>
+        <p:spPr>
+          <a:xfrm>
+            <a:off x="6096000" y="2736849"/>
+            <a:ext cx="3620005" cy="3505689"/>
+          </a:xfrm>
+          <a:prstGeom prst="rect">
+            <a:avLst/>
+          </a:prstGeom>
+        </p:spPr>
+      </p:pic>
     </p:spTree>
     <p:extLst>
       <p:ext uri="{BB962C8B-B14F-4D97-AF65-F5344CB8AC3E}">
-        <p14:creationId xmlns:p14="http://schemas.microsoft.com/office/powerpoint/2010/main" val="3246701872"/>
+        <p14:creationId xmlns:p14="http://schemas.microsoft.com/office/powerpoint/2010/main" val="521248468"/>
       </p:ext>
     </p:extLst>
   </p:cSld>
@@ -5159,6 +5327,1103 @@
           <p:cNvPr id="2" name="Text Placeholder 1">
             <a:extLst>
               <a:ext uri="{FF2B5EF4-FFF2-40B4-BE49-F238E27FC236}">
+                <a16:creationId xmlns:a16="http://schemas.microsoft.com/office/drawing/2014/main" id="{8BB1E443-5131-4503-822B-41BE7CEA9FAA}"/>
+              </a:ext>
+            </a:extLst>
+          </p:cNvPr>
+          <p:cNvSpPr>
+            <a:spLocks noGrp="1"/>
+          </p:cNvSpPr>
+          <p:nvPr>
+            <p:ph type="body" sz="quarter" idx="10"/>
+          </p:nvPr>
+        </p:nvSpPr>
+        <p:spPr>
+          <a:xfrm>
+            <a:off x="957551" y="383399"/>
+            <a:ext cx="10524898" cy="1080861"/>
+          </a:xfrm>
+        </p:spPr>
+        <p:txBody>
+          <a:bodyPr/>
+          <a:lstStyle/>
+          <a:p>
+            <a:r>
+              <a:rPr lang="pl-PL" dirty="0"/>
+              <a:t>CRUD – create document </a:t>
+            </a:r>
+          </a:p>
+        </p:txBody>
+      </p:sp>
+      <p:sp>
+        <p:nvSpPr>
+          <p:cNvPr id="3" name="Text Placeholder 2">
+            <a:extLst>
+              <a:ext uri="{FF2B5EF4-FFF2-40B4-BE49-F238E27FC236}">
+                <a16:creationId xmlns:a16="http://schemas.microsoft.com/office/drawing/2014/main" id="{67F9BE48-35E4-4E87-B2D6-28624CEFFF2F}"/>
+              </a:ext>
+            </a:extLst>
+          </p:cNvPr>
+          <p:cNvSpPr>
+            <a:spLocks noGrp="1"/>
+          </p:cNvSpPr>
+          <p:nvPr>
+            <p:ph type="body" sz="quarter" idx="11"/>
+          </p:nvPr>
+        </p:nvSpPr>
+        <p:spPr>
+          <a:xfrm>
+            <a:off x="1024663" y="1228317"/>
+            <a:ext cx="10524898" cy="4635588"/>
+          </a:xfrm>
+        </p:spPr>
+        <p:txBody>
+          <a:bodyPr/>
+          <a:lstStyle/>
+          <a:p>
+            <a:pPr marL="514350" indent="-514350">
+              <a:buFont typeface="+mj-lt"/>
+              <a:buAutoNum type="arabicPeriod"/>
+            </a:pPr>
+            <a:r>
+              <a:rPr lang="pl-PL" dirty="0"/>
+              <a:t>POST – auto generated id </a:t>
+            </a:r>
+          </a:p>
+          <a:p>
+            <a:pPr marL="514350" indent="-514350">
+              <a:buFont typeface="+mj-lt"/>
+              <a:buAutoNum type="arabicPeriod"/>
+            </a:pPr>
+            <a:r>
+              <a:rPr lang="pl-PL" dirty="0"/>
+              <a:t>PUT – option to manually create id </a:t>
+            </a:r>
+          </a:p>
+          <a:p>
+            <a:pPr marL="514350" indent="-514350">
+              <a:buFont typeface="+mj-lt"/>
+              <a:buAutoNum type="arabicPeriod"/>
+            </a:pPr>
+            <a:endParaRPr lang="pl-PL" dirty="0"/>
+          </a:p>
+        </p:txBody>
+      </p:sp>
+      <p:sp>
+        <p:nvSpPr>
+          <p:cNvPr id="4" name="TextBox 3">
+            <a:extLst>
+              <a:ext uri="{FF2B5EF4-FFF2-40B4-BE49-F238E27FC236}">
+                <a16:creationId xmlns:a16="http://schemas.microsoft.com/office/drawing/2014/main" id="{838F44A8-B970-4A78-961A-D743C8A61BF3}"/>
+              </a:ext>
+            </a:extLst>
+          </p:cNvPr>
+          <p:cNvSpPr txBox="1"/>
+          <p:nvPr/>
+        </p:nvSpPr>
+        <p:spPr>
+          <a:xfrm>
+            <a:off x="1396029" y="3079052"/>
+            <a:ext cx="3546389" cy="1754326"/>
+          </a:xfrm>
+          <a:prstGeom prst="rect">
+            <a:avLst/>
+          </a:prstGeom>
+          <a:noFill/>
+          <a:ln>
+            <a:solidFill>
+              <a:schemeClr val="tx1"/>
+            </a:solidFill>
+          </a:ln>
+        </p:spPr>
+        <p:txBody>
+          <a:bodyPr wrap="square" rtlCol="0">
+            <a:spAutoFit/>
+          </a:bodyPr>
+          <a:lstStyle/>
+          <a:p>
+            <a:r>
+              <a:rPr lang="pl-PL" b="1" dirty="0"/>
+              <a:t>POST</a:t>
+            </a:r>
+            <a:r>
+              <a:rPr lang="pl-PL" dirty="0"/>
+              <a:t> /test/type HTTP/1.1</a:t>
+            </a:r>
+          </a:p>
+          <a:p>
+            <a:r>
+              <a:rPr lang="pl-PL" dirty="0"/>
+              <a:t>Host: localhost:9200</a:t>
+            </a:r>
+          </a:p>
+          <a:p>
+            <a:r>
+              <a:rPr lang="pl-PL" dirty="0"/>
+              <a:t>Content-Type: application/json</a:t>
+            </a:r>
+          </a:p>
+          <a:p>
+            <a:r>
+              <a:rPr lang="pl-PL" dirty="0"/>
+              <a:t>{ "textField" : "This is text field"}</a:t>
+            </a:r>
+          </a:p>
+          <a:p>
+            <a:endParaRPr lang="pl-PL" dirty="0"/>
+          </a:p>
+          <a:p>
+            <a:endParaRPr lang="pl-PL" dirty="0"/>
+          </a:p>
+        </p:txBody>
+      </p:sp>
+      <p:sp>
+        <p:nvSpPr>
+          <p:cNvPr id="5" name="TextBox 4">
+            <a:extLst>
+              <a:ext uri="{FF2B5EF4-FFF2-40B4-BE49-F238E27FC236}">
+                <a16:creationId xmlns:a16="http://schemas.microsoft.com/office/drawing/2014/main" id="{1D1C863E-879E-4C30-8F5B-E317D45CFF99}"/>
+              </a:ext>
+            </a:extLst>
+          </p:cNvPr>
+          <p:cNvSpPr txBox="1"/>
+          <p:nvPr/>
+        </p:nvSpPr>
+        <p:spPr>
+          <a:xfrm>
+            <a:off x="5850678" y="3079052"/>
+            <a:ext cx="3546389" cy="1754326"/>
+          </a:xfrm>
+          <a:prstGeom prst="rect">
+            <a:avLst/>
+          </a:prstGeom>
+          <a:noFill/>
+          <a:ln>
+            <a:solidFill>
+              <a:schemeClr val="tx1"/>
+            </a:solidFill>
+          </a:ln>
+        </p:spPr>
+        <p:txBody>
+          <a:bodyPr wrap="square" rtlCol="0">
+            <a:spAutoFit/>
+          </a:bodyPr>
+          <a:lstStyle/>
+          <a:p>
+            <a:r>
+              <a:rPr lang="pl-PL" b="1" dirty="0"/>
+              <a:t>PUT</a:t>
+            </a:r>
+            <a:r>
+              <a:rPr lang="pl-PL" dirty="0"/>
+              <a:t> /test/type/</a:t>
+            </a:r>
+            <a:r>
+              <a:rPr lang="pl-PL" b="1" dirty="0"/>
+              <a:t>thisisID</a:t>
+            </a:r>
+            <a:r>
+              <a:rPr lang="pl-PL" dirty="0"/>
+              <a:t> HTTP/1.1</a:t>
+            </a:r>
+          </a:p>
+          <a:p>
+            <a:r>
+              <a:rPr lang="pl-PL" dirty="0"/>
+              <a:t>Host: localhost:9200</a:t>
+            </a:r>
+          </a:p>
+          <a:p>
+            <a:r>
+              <a:rPr lang="pl-PL" dirty="0"/>
+              <a:t>Content-Type: application/json</a:t>
+            </a:r>
+          </a:p>
+          <a:p>
+            <a:r>
+              <a:rPr lang="pl-PL" dirty="0"/>
+              <a:t>{ "textField" : "This is text field"}</a:t>
+            </a:r>
+          </a:p>
+          <a:p>
+            <a:endParaRPr lang="pl-PL" dirty="0"/>
+          </a:p>
+          <a:p>
+            <a:endParaRPr lang="pl-PL" dirty="0"/>
+          </a:p>
+        </p:txBody>
+      </p:sp>
+    </p:spTree>
+    <p:extLst>
+      <p:ext uri="{BB962C8B-B14F-4D97-AF65-F5344CB8AC3E}">
+        <p14:creationId xmlns:p14="http://schemas.microsoft.com/office/powerpoint/2010/main" val="687965556"/>
+      </p:ext>
+    </p:extLst>
+  </p:cSld>
+  <p:clrMapOvr>
+    <a:masterClrMapping/>
+  </p:clrMapOvr>
+  <p:transition>
+    <p:fade/>
+  </p:transition>
+</p:sld>
+</file>
+
+<file path=ppt/slides/slide16.xml><?xml version="1.0" encoding="utf-8"?>
+<p:sld xmlns:a="http://schemas.openxmlformats.org/drawingml/2006/main" xmlns:r="http://schemas.openxmlformats.org/officeDocument/2006/relationships" xmlns:p="http://schemas.openxmlformats.org/presentationml/2006/main">
+  <p:cSld>
+    <p:spTree>
+      <p:nvGrpSpPr>
+        <p:cNvPr id="1" name=""/>
+        <p:cNvGrpSpPr/>
+        <p:nvPr/>
+      </p:nvGrpSpPr>
+      <p:grpSpPr>
+        <a:xfrm>
+          <a:off x="0" y="0"/>
+          <a:ext cx="0" cy="0"/>
+          <a:chOff x="0" y="0"/>
+          <a:chExt cx="0" cy="0"/>
+        </a:xfrm>
+      </p:grpSpPr>
+      <p:sp>
+        <p:nvSpPr>
+          <p:cNvPr id="2" name="Text Placeholder 1">
+            <a:extLst>
+              <a:ext uri="{FF2B5EF4-FFF2-40B4-BE49-F238E27FC236}">
+                <a16:creationId xmlns:a16="http://schemas.microsoft.com/office/drawing/2014/main" id="{FD5A6B39-4BCD-4411-8036-C3667FF1E3BD}"/>
+              </a:ext>
+            </a:extLst>
+          </p:cNvPr>
+          <p:cNvSpPr>
+            <a:spLocks noGrp="1"/>
+          </p:cNvSpPr>
+          <p:nvPr>
+            <p:ph type="body" sz="quarter" idx="10"/>
+          </p:nvPr>
+        </p:nvSpPr>
+        <p:spPr>
+          <a:xfrm>
+            <a:off x="936631" y="373353"/>
+            <a:ext cx="10524898" cy="1080861"/>
+          </a:xfrm>
+        </p:spPr>
+        <p:txBody>
+          <a:bodyPr/>
+          <a:lstStyle/>
+          <a:p>
+            <a:r>
+              <a:rPr lang="pl-PL" dirty="0"/>
+              <a:t>CRUD  - read documents </a:t>
+            </a:r>
+          </a:p>
+        </p:txBody>
+      </p:sp>
+      <p:sp>
+        <p:nvSpPr>
+          <p:cNvPr id="3" name="Text Placeholder 2">
+            <a:extLst>
+              <a:ext uri="{FF2B5EF4-FFF2-40B4-BE49-F238E27FC236}">
+                <a16:creationId xmlns:a16="http://schemas.microsoft.com/office/drawing/2014/main" id="{79E54BDB-C818-41FF-A2F0-EE0711FB74E0}"/>
+              </a:ext>
+            </a:extLst>
+          </p:cNvPr>
+          <p:cNvSpPr>
+            <a:spLocks noGrp="1"/>
+          </p:cNvSpPr>
+          <p:nvPr>
+            <p:ph type="body" sz="quarter" idx="11"/>
+          </p:nvPr>
+        </p:nvSpPr>
+        <p:spPr>
+          <a:xfrm>
+            <a:off x="936631" y="1266118"/>
+            <a:ext cx="10524898" cy="4626682"/>
+          </a:xfrm>
+        </p:spPr>
+        <p:txBody>
+          <a:bodyPr/>
+          <a:lstStyle/>
+          <a:p>
+            <a:pPr marL="514350" indent="-514350">
+              <a:buFont typeface="+mj-lt"/>
+              <a:buAutoNum type="arabicPeriod"/>
+            </a:pPr>
+            <a:r>
+              <a:rPr lang="pl-PL" dirty="0"/>
+              <a:t>„bool” section –  more complex queries </a:t>
+            </a:r>
+          </a:p>
+          <a:p>
+            <a:pPr marL="514350" indent="-514350">
+              <a:buFont typeface="+mj-lt"/>
+              <a:buAutoNum type="arabicPeriod"/>
+            </a:pPr>
+            <a:r>
+              <a:rPr lang="pl-PL" dirty="0"/>
+              <a:t>Previous full-text-search example was only syntax sugar over it</a:t>
+            </a:r>
+          </a:p>
+          <a:p>
+            <a:pPr marL="514350" indent="-514350">
+              <a:buFont typeface="+mj-lt"/>
+              <a:buAutoNum type="arabicPeriod"/>
+            </a:pPr>
+            <a:r>
+              <a:rPr lang="pl-PL" dirty="0"/>
+              <a:t>Using sort will null scoring </a:t>
+            </a:r>
+          </a:p>
+          <a:p>
+            <a:endParaRPr lang="pl-PL" dirty="0"/>
+          </a:p>
+          <a:p>
+            <a:r>
+              <a:rPr lang="pl-PL" dirty="0"/>
+              <a:t> </a:t>
+            </a:r>
+          </a:p>
+          <a:p>
+            <a:pPr marL="514350" indent="-514350">
+              <a:buFont typeface="+mj-lt"/>
+              <a:buAutoNum type="arabicPeriod"/>
+            </a:pPr>
+            <a:endParaRPr lang="pl-PL" dirty="0"/>
+          </a:p>
+        </p:txBody>
+      </p:sp>
+      <p:sp>
+        <p:nvSpPr>
+          <p:cNvPr id="4" name="Slide Number Placeholder 3">
+            <a:extLst>
+              <a:ext uri="{FF2B5EF4-FFF2-40B4-BE49-F238E27FC236}">
+                <a16:creationId xmlns:a16="http://schemas.microsoft.com/office/drawing/2014/main" id="{C8A05C82-A1F7-41DA-B21F-C4634476B4D0}"/>
+              </a:ext>
+            </a:extLst>
+          </p:cNvPr>
+          <p:cNvSpPr>
+            <a:spLocks noGrp="1"/>
+          </p:cNvSpPr>
+          <p:nvPr>
+            <p:ph type="sldNum" sz="quarter" idx="12"/>
+          </p:nvPr>
+        </p:nvSpPr>
+        <p:spPr/>
+        <p:txBody>
+          <a:bodyPr/>
+          <a:lstStyle/>
+          <a:p>
+            <a:fld id="{3847DB54-D037-B84F-B6F1-2E8DA40D09AD}" type="slidenum">
+              <a:rPr lang="en-US" smtClean="0"/>
+              <a:pPr/>
+              <a:t>16</a:t>
+            </a:fld>
+            <a:endParaRPr lang="en-US"/>
+          </a:p>
+        </p:txBody>
+      </p:sp>
+      <p:sp>
+        <p:nvSpPr>
+          <p:cNvPr id="5" name="TextBox 4">
+            <a:extLst>
+              <a:ext uri="{FF2B5EF4-FFF2-40B4-BE49-F238E27FC236}">
+                <a16:creationId xmlns:a16="http://schemas.microsoft.com/office/drawing/2014/main" id="{86EF2EC1-ED41-4721-97FD-BFBB8A62131D}"/>
+              </a:ext>
+            </a:extLst>
+          </p:cNvPr>
+          <p:cNvSpPr txBox="1"/>
+          <p:nvPr/>
+        </p:nvSpPr>
+        <p:spPr>
+          <a:xfrm>
+            <a:off x="2705757" y="2891641"/>
+            <a:ext cx="8419443" cy="3693319"/>
+          </a:xfrm>
+          <a:prstGeom prst="rect">
+            <a:avLst/>
+          </a:prstGeom>
+          <a:noFill/>
+          <a:ln>
+            <a:solidFill>
+              <a:schemeClr val="tx1"/>
+            </a:solidFill>
+          </a:ln>
+        </p:spPr>
+        <p:txBody>
+          <a:bodyPr wrap="square" rtlCol="0">
+            <a:spAutoFit/>
+          </a:bodyPr>
+          <a:lstStyle/>
+          <a:p>
+            <a:r>
+              <a:rPr lang="pl-PL" dirty="0"/>
+              <a:t>{</a:t>
+            </a:r>
+          </a:p>
+          <a:p>
+            <a:r>
+              <a:rPr lang="pl-PL" dirty="0"/>
+              <a:t>	"query": {</a:t>
+            </a:r>
+          </a:p>
+          <a:p>
+            <a:r>
+              <a:rPr lang="pl-PL" dirty="0"/>
+              <a:t>		"bool": {</a:t>
+            </a:r>
+          </a:p>
+          <a:p>
+            <a:r>
+              <a:rPr lang="pl-PL" dirty="0"/>
+              <a:t>			"must": [</a:t>
+            </a:r>
+          </a:p>
+          <a:p>
+            <a:r>
+              <a:rPr lang="pl-PL" dirty="0"/>
+              <a:t>				{ "term": { "textField": "text" } },</a:t>
+            </a:r>
+          </a:p>
+          <a:p>
+            <a:r>
+              <a:rPr lang="pl-PL" dirty="0"/>
+              <a:t>				{ "range": { "age": { "gte": 10,  "lte": 20 } }}</a:t>
+            </a:r>
+          </a:p>
+          <a:p>
+            <a:r>
+              <a:rPr lang="pl-PL" dirty="0"/>
+              <a:t>			 ],</a:t>
+            </a:r>
+          </a:p>
+          <a:p>
+            <a:r>
+              <a:rPr lang="pl-PL" dirty="0"/>
+              <a:t>			"must_not": [ { "term": { "age": "13" }} ], </a:t>
+            </a:r>
+          </a:p>
+          <a:p>
+            <a:r>
+              <a:rPr lang="pl-PL" dirty="0"/>
+              <a:t>			"filter": [{ "term": { "_type": "type" } }]</a:t>
+            </a:r>
+          </a:p>
+          <a:p>
+            <a:r>
+              <a:rPr lang="pl-PL" dirty="0"/>
+              <a:t>		}</a:t>
+            </a:r>
+          </a:p>
+          <a:p>
+            <a:r>
+              <a:rPr lang="pl-PL" dirty="0"/>
+              <a:t>	},</a:t>
+            </a:r>
+          </a:p>
+          <a:p>
+            <a:r>
+              <a:rPr lang="pl-PL" dirty="0"/>
+              <a:t> 	"sort": [     {       "_id": {         "order": "desc„       }     }</a:t>
+            </a:r>
+          </a:p>
+          <a:p>
+            <a:r>
+              <a:rPr lang="pl-PL" dirty="0"/>
+              <a:t>}</a:t>
+            </a:r>
+          </a:p>
+        </p:txBody>
+      </p:sp>
+    </p:spTree>
+    <p:extLst>
+      <p:ext uri="{BB962C8B-B14F-4D97-AF65-F5344CB8AC3E}">
+        <p14:creationId xmlns:p14="http://schemas.microsoft.com/office/powerpoint/2010/main" val="2491964884"/>
+      </p:ext>
+    </p:extLst>
+  </p:cSld>
+  <p:clrMapOvr>
+    <a:masterClrMapping/>
+  </p:clrMapOvr>
+  <p:transition>
+    <p:fade/>
+  </p:transition>
+</p:sld>
+</file>
+
+<file path=ppt/slides/slide17.xml><?xml version="1.0" encoding="utf-8"?>
+<p:sld xmlns:a="http://schemas.openxmlformats.org/drawingml/2006/main" xmlns:r="http://schemas.openxmlformats.org/officeDocument/2006/relationships" xmlns:p="http://schemas.openxmlformats.org/presentationml/2006/main">
+  <p:cSld>
+    <p:spTree>
+      <p:nvGrpSpPr>
+        <p:cNvPr id="1" name=""/>
+        <p:cNvGrpSpPr/>
+        <p:nvPr/>
+      </p:nvGrpSpPr>
+      <p:grpSpPr>
+        <a:xfrm>
+          <a:off x="0" y="0"/>
+          <a:ext cx="0" cy="0"/>
+          <a:chOff x="0" y="0"/>
+          <a:chExt cx="0" cy="0"/>
+        </a:xfrm>
+      </p:grpSpPr>
+      <p:sp>
+        <p:nvSpPr>
+          <p:cNvPr id="2" name="Text Placeholder 1">
+            <a:extLst>
+              <a:ext uri="{FF2B5EF4-FFF2-40B4-BE49-F238E27FC236}">
+                <a16:creationId xmlns:a16="http://schemas.microsoft.com/office/drawing/2014/main" id="{10ED912E-031E-4134-8747-1D3491262589}"/>
+              </a:ext>
+            </a:extLst>
+          </p:cNvPr>
+          <p:cNvSpPr>
+            <a:spLocks noGrp="1"/>
+          </p:cNvSpPr>
+          <p:nvPr>
+            <p:ph type="body" sz="quarter" idx="10"/>
+          </p:nvPr>
+        </p:nvSpPr>
+        <p:spPr>
+          <a:xfrm>
+            <a:off x="1083386" y="307673"/>
+            <a:ext cx="10524898" cy="1080861"/>
+          </a:xfrm>
+        </p:spPr>
+        <p:txBody>
+          <a:bodyPr/>
+          <a:lstStyle/>
+          <a:p>
+            <a:r>
+              <a:rPr lang="pl-PL" dirty="0"/>
+              <a:t>CRUD  - read documents </a:t>
+            </a:r>
+          </a:p>
+          <a:p>
+            <a:endParaRPr lang="pl-PL" dirty="0"/>
+          </a:p>
+        </p:txBody>
+      </p:sp>
+      <p:sp>
+        <p:nvSpPr>
+          <p:cNvPr id="3" name="Text Placeholder 2">
+            <a:extLst>
+              <a:ext uri="{FF2B5EF4-FFF2-40B4-BE49-F238E27FC236}">
+                <a16:creationId xmlns:a16="http://schemas.microsoft.com/office/drawing/2014/main" id="{05A3B802-1CDB-49B7-94D6-1519B4B886ED}"/>
+              </a:ext>
+            </a:extLst>
+          </p:cNvPr>
+          <p:cNvSpPr>
+            <a:spLocks noGrp="1"/>
+          </p:cNvSpPr>
+          <p:nvPr>
+            <p:ph type="body" sz="quarter" idx="11"/>
+          </p:nvPr>
+        </p:nvSpPr>
+        <p:spPr>
+          <a:xfrm>
+            <a:off x="1083386" y="1388534"/>
+            <a:ext cx="10524898" cy="3860360"/>
+          </a:xfrm>
+        </p:spPr>
+        <p:txBody>
+          <a:bodyPr/>
+          <a:lstStyle/>
+          <a:p>
+            <a:r>
+              <a:rPr lang="pl-PL" dirty="0"/>
+              <a:t>GET and query string parameters – onlu Luceny query syntax </a:t>
+            </a:r>
+          </a:p>
+          <a:p>
+            <a:endParaRPr lang="pl-PL" dirty="0"/>
+          </a:p>
+        </p:txBody>
+      </p:sp>
+      <p:sp>
+        <p:nvSpPr>
+          <p:cNvPr id="4" name="Slide Number Placeholder 3">
+            <a:extLst>
+              <a:ext uri="{FF2B5EF4-FFF2-40B4-BE49-F238E27FC236}">
+                <a16:creationId xmlns:a16="http://schemas.microsoft.com/office/drawing/2014/main" id="{4421AF2F-6268-4E1F-A9F1-C9010DA54353}"/>
+              </a:ext>
+            </a:extLst>
+          </p:cNvPr>
+          <p:cNvSpPr>
+            <a:spLocks noGrp="1"/>
+          </p:cNvSpPr>
+          <p:nvPr>
+            <p:ph type="sldNum" sz="quarter" idx="12"/>
+          </p:nvPr>
+        </p:nvSpPr>
+        <p:spPr/>
+        <p:txBody>
+          <a:bodyPr/>
+          <a:lstStyle/>
+          <a:p>
+            <a:fld id="{3847DB54-D037-B84F-B6F1-2E8DA40D09AD}" type="slidenum">
+              <a:rPr lang="en-US" smtClean="0"/>
+              <a:pPr/>
+              <a:t>17</a:t>
+            </a:fld>
+            <a:endParaRPr lang="en-US"/>
+          </a:p>
+        </p:txBody>
+      </p:sp>
+      <p:sp>
+        <p:nvSpPr>
+          <p:cNvPr id="6" name="TextBox 5">
+            <a:extLst>
+              <a:ext uri="{FF2B5EF4-FFF2-40B4-BE49-F238E27FC236}">
+                <a16:creationId xmlns:a16="http://schemas.microsoft.com/office/drawing/2014/main" id="{CC39F5AE-3F67-4754-AB16-0603C297A5C2}"/>
+              </a:ext>
+            </a:extLst>
+          </p:cNvPr>
+          <p:cNvSpPr txBox="1"/>
+          <p:nvPr/>
+        </p:nvSpPr>
+        <p:spPr>
+          <a:xfrm>
+            <a:off x="1186466" y="2250012"/>
+            <a:ext cx="10318738" cy="3139321"/>
+          </a:xfrm>
+          <a:prstGeom prst="rect">
+            <a:avLst/>
+          </a:prstGeom>
+          <a:noFill/>
+          <a:ln>
+            <a:solidFill>
+              <a:schemeClr val="tx1"/>
+            </a:solidFill>
+          </a:ln>
+        </p:spPr>
+        <p:txBody>
+          <a:bodyPr wrap="square" rtlCol="0">
+            <a:spAutoFit/>
+          </a:bodyPr>
+          <a:lstStyle/>
+          <a:p>
+            <a:r>
+              <a:rPr lang="en-US" dirty="0"/>
+              <a:t>Search in the default _all field:</a:t>
+            </a:r>
+          </a:p>
+          <a:p>
+            <a:r>
+              <a:rPr lang="en-US" dirty="0"/>
+              <a:t>GET /_</a:t>
+            </a:r>
+            <a:r>
+              <a:rPr lang="en-US" dirty="0" err="1"/>
+              <a:t>search?q</a:t>
+            </a:r>
+            <a:r>
+              <a:rPr lang="en-US" dirty="0"/>
+              <a:t>=</a:t>
+            </a:r>
+            <a:r>
+              <a:rPr lang="pl-PL" dirty="0"/>
+              <a:t>test</a:t>
+            </a:r>
+          </a:p>
+          <a:p>
+            <a:endParaRPr lang="en-US" dirty="0"/>
+          </a:p>
+          <a:p>
+            <a:r>
+              <a:rPr lang="en-US" dirty="0"/>
+              <a:t>Complex search with operator and exact phrase search with boost:</a:t>
+            </a:r>
+          </a:p>
+          <a:p>
+            <a:r>
+              <a:rPr lang="en-US" dirty="0"/>
+              <a:t>GET /_</a:t>
+            </a:r>
+            <a:r>
+              <a:rPr lang="en-US" dirty="0" err="1"/>
+              <a:t>search?q</a:t>
+            </a:r>
+            <a:r>
+              <a:rPr lang="en-US" dirty="0"/>
+              <a:t>=title:(</a:t>
+            </a:r>
+            <a:r>
+              <a:rPr lang="en-US" dirty="0" err="1"/>
+              <a:t>joli</a:t>
+            </a:r>
+            <a:r>
+              <a:rPr lang="en-US" dirty="0"/>
+              <a:t> OR code) AND </a:t>
+            </a:r>
+            <a:r>
+              <a:rPr lang="en-US" dirty="0" err="1"/>
+              <a:t>author:"Damien</a:t>
+            </a:r>
+            <a:r>
+              <a:rPr lang="en-US" dirty="0"/>
+              <a:t> Alexandre"^2</a:t>
+            </a:r>
+            <a:endParaRPr lang="pl-PL" dirty="0"/>
+          </a:p>
+          <a:p>
+            <a:endParaRPr lang="en-US" dirty="0"/>
+          </a:p>
+          <a:p>
+            <a:r>
+              <a:rPr lang="en-US" dirty="0"/>
+              <a:t>Search with wildcard and special queries:</a:t>
+            </a:r>
+          </a:p>
+          <a:p>
+            <a:r>
+              <a:rPr lang="en-US" dirty="0"/>
+              <a:t>GET /_</a:t>
+            </a:r>
+            <a:r>
+              <a:rPr lang="en-US" dirty="0" err="1"/>
+              <a:t>search?q</a:t>
+            </a:r>
+            <a:r>
+              <a:rPr lang="en-US" dirty="0"/>
+              <a:t>=_</a:t>
+            </a:r>
+            <a:r>
+              <a:rPr lang="en-US" dirty="0" err="1"/>
+              <a:t>exists_:title</a:t>
+            </a:r>
+            <a:r>
+              <a:rPr lang="en-US" dirty="0"/>
+              <a:t> OR </a:t>
+            </a:r>
+            <a:r>
+              <a:rPr lang="en-US" dirty="0" err="1"/>
+              <a:t>title:singl</a:t>
+            </a:r>
+            <a:r>
+              <a:rPr lang="en-US" dirty="0"/>
+              <a:t>? </a:t>
+            </a:r>
+            <a:r>
+              <a:rPr lang="en-US" dirty="0" err="1"/>
+              <a:t>noneOrAnyChar</a:t>
+            </a:r>
+            <a:r>
+              <a:rPr lang="en-US" dirty="0"/>
+              <a:t>*</a:t>
+            </a:r>
+            <a:r>
+              <a:rPr lang="en-US" dirty="0" err="1"/>
+              <a:t>cter</a:t>
+            </a:r>
+            <a:endParaRPr lang="pl-PL" dirty="0"/>
+          </a:p>
+          <a:p>
+            <a:endParaRPr lang="en-US" dirty="0"/>
+          </a:p>
+          <a:p>
+            <a:r>
+              <a:rPr lang="en-US" dirty="0"/>
+              <a:t>Search with </a:t>
+            </a:r>
+            <a:r>
+              <a:rPr lang="en-US" dirty="0" err="1"/>
+              <a:t>fuzzyness</a:t>
+            </a:r>
+            <a:r>
+              <a:rPr lang="en-US" dirty="0"/>
+              <a:t> and range:</a:t>
+            </a:r>
+          </a:p>
+          <a:p>
+            <a:r>
+              <a:rPr lang="en-US" dirty="0"/>
+              <a:t>GET /_</a:t>
+            </a:r>
+            <a:r>
+              <a:rPr lang="en-US" dirty="0" err="1"/>
+              <a:t>search?q</a:t>
+            </a:r>
+            <a:r>
+              <a:rPr lang="en-US" dirty="0"/>
+              <a:t>=title:elastichurch~3 AND date:[2016-01-01 TO 2018-12-31]</a:t>
+            </a:r>
+          </a:p>
+        </p:txBody>
+      </p:sp>
+    </p:spTree>
+    <p:extLst>
+      <p:ext uri="{BB962C8B-B14F-4D97-AF65-F5344CB8AC3E}">
+        <p14:creationId xmlns:p14="http://schemas.microsoft.com/office/powerpoint/2010/main" val="2946625856"/>
+      </p:ext>
+    </p:extLst>
+  </p:cSld>
+  <p:clrMapOvr>
+    <a:masterClrMapping/>
+  </p:clrMapOvr>
+  <p:transition>
+    <p:fade/>
+  </p:transition>
+</p:sld>
+</file>
+
+<file path=ppt/slides/slide18.xml><?xml version="1.0" encoding="utf-8"?>
+<p:sld xmlns:a="http://schemas.openxmlformats.org/drawingml/2006/main" xmlns:r="http://schemas.openxmlformats.org/officeDocument/2006/relationships" xmlns:p="http://schemas.openxmlformats.org/presentationml/2006/main">
+  <p:cSld>
+    <p:spTree>
+      <p:nvGrpSpPr>
+        <p:cNvPr id="1" name=""/>
+        <p:cNvGrpSpPr/>
+        <p:nvPr/>
+      </p:nvGrpSpPr>
+      <p:grpSpPr>
+        <a:xfrm>
+          <a:off x="0" y="0"/>
+          <a:ext cx="0" cy="0"/>
+          <a:chOff x="0" y="0"/>
+          <a:chExt cx="0" cy="0"/>
+        </a:xfrm>
+      </p:grpSpPr>
+      <p:sp>
+        <p:nvSpPr>
+          <p:cNvPr id="2" name="Text Placeholder 1">
+            <a:extLst>
+              <a:ext uri="{FF2B5EF4-FFF2-40B4-BE49-F238E27FC236}">
+                <a16:creationId xmlns:a16="http://schemas.microsoft.com/office/drawing/2014/main" id="{0666409E-3EDA-40A1-9B7F-38E1232F0C2E}"/>
+              </a:ext>
+            </a:extLst>
+          </p:cNvPr>
+          <p:cNvSpPr>
+            <a:spLocks noGrp="1"/>
+          </p:cNvSpPr>
+          <p:nvPr>
+            <p:ph type="body" sz="quarter" idx="10"/>
+          </p:nvPr>
+        </p:nvSpPr>
+        <p:spPr>
+          <a:xfrm>
+            <a:off x="982718" y="358232"/>
+            <a:ext cx="10524898" cy="1080861"/>
+          </a:xfrm>
+        </p:spPr>
+        <p:txBody>
+          <a:bodyPr/>
+          <a:lstStyle/>
+          <a:p>
+            <a:r>
+              <a:rPr lang="pl-PL" dirty="0"/>
+              <a:t>CRUD – delete document or index</a:t>
+            </a:r>
+          </a:p>
+        </p:txBody>
+      </p:sp>
+      <p:sp>
+        <p:nvSpPr>
+          <p:cNvPr id="3" name="Text Placeholder 2">
+            <a:extLst>
+              <a:ext uri="{FF2B5EF4-FFF2-40B4-BE49-F238E27FC236}">
+                <a16:creationId xmlns:a16="http://schemas.microsoft.com/office/drawing/2014/main" id="{FD5FB16C-B30C-4D9E-9F3E-096E5D6C0B1C}"/>
+              </a:ext>
+            </a:extLst>
+          </p:cNvPr>
+          <p:cNvSpPr>
+            <a:spLocks noGrp="1"/>
+          </p:cNvSpPr>
+          <p:nvPr>
+            <p:ph type="body" sz="quarter" idx="11"/>
+          </p:nvPr>
+        </p:nvSpPr>
+        <p:spPr>
+          <a:xfrm>
+            <a:off x="1079433" y="1439093"/>
+            <a:ext cx="10199807" cy="4522092"/>
+          </a:xfrm>
+        </p:spPr>
+        <p:txBody>
+          <a:bodyPr/>
+          <a:lstStyle/>
+          <a:p>
+            <a:pPr marL="514350" indent="-514350">
+              <a:buFont typeface="+mj-lt"/>
+              <a:buAutoNum type="arabicPeriod"/>
+            </a:pPr>
+            <a:r>
+              <a:rPr lang="pl-PL" dirty="0"/>
+              <a:t>Delete index</a:t>
+            </a:r>
+          </a:p>
+          <a:p>
+            <a:pPr marL="514350" indent="-514350">
+              <a:buFont typeface="+mj-lt"/>
+              <a:buAutoNum type="arabicPeriod"/>
+            </a:pPr>
+            <a:endParaRPr lang="pl-PL" dirty="0"/>
+          </a:p>
+          <a:p>
+            <a:pPr marL="514350" indent="-514350">
+              <a:buFont typeface="+mj-lt"/>
+              <a:buAutoNum type="arabicPeriod"/>
+            </a:pPr>
+            <a:endParaRPr lang="pl-PL" dirty="0"/>
+          </a:p>
+          <a:p>
+            <a:pPr marL="514350" indent="-514350">
+              <a:buFont typeface="+mj-lt"/>
+              <a:buAutoNum type="arabicPeriod"/>
+            </a:pPr>
+            <a:r>
+              <a:rPr lang="pl-PL" dirty="0"/>
+              <a:t>Delete document from index</a:t>
+            </a:r>
+          </a:p>
+          <a:p>
+            <a:endParaRPr lang="pl-PL" dirty="0"/>
+          </a:p>
+          <a:p>
+            <a:endParaRPr lang="pl-PL" dirty="0"/>
+          </a:p>
+          <a:p>
+            <a:endParaRPr lang="pl-PL" dirty="0"/>
+          </a:p>
+        </p:txBody>
+      </p:sp>
+      <p:sp>
+        <p:nvSpPr>
+          <p:cNvPr id="4" name="TextBox 3">
+            <a:extLst>
+              <a:ext uri="{FF2B5EF4-FFF2-40B4-BE49-F238E27FC236}">
+                <a16:creationId xmlns:a16="http://schemas.microsoft.com/office/drawing/2014/main" id="{6BB235A0-B279-4439-BF01-498CC9F465C9}"/>
+              </a:ext>
+            </a:extLst>
+          </p:cNvPr>
+          <p:cNvSpPr txBox="1"/>
+          <p:nvPr/>
+        </p:nvSpPr>
+        <p:spPr>
+          <a:xfrm>
+            <a:off x="1231832" y="2126613"/>
+            <a:ext cx="8419443" cy="646331"/>
+          </a:xfrm>
+          <a:prstGeom prst="rect">
+            <a:avLst/>
+          </a:prstGeom>
+          <a:noFill/>
+          <a:ln>
+            <a:solidFill>
+              <a:schemeClr val="tx1"/>
+            </a:solidFill>
+          </a:ln>
+        </p:spPr>
+        <p:txBody>
+          <a:bodyPr wrap="square" rtlCol="0">
+            <a:spAutoFit/>
+          </a:bodyPr>
+          <a:lstStyle/>
+          <a:p>
+            <a:r>
+              <a:rPr lang="pl-PL" dirty="0"/>
+              <a:t>DELETE /test/type HTTP/1.1</a:t>
+            </a:r>
+          </a:p>
+          <a:p>
+            <a:r>
+              <a:rPr lang="pl-PL" dirty="0"/>
+              <a:t>Host: localhost:9200</a:t>
+            </a:r>
+          </a:p>
+        </p:txBody>
+      </p:sp>
+      <p:sp>
+        <p:nvSpPr>
+          <p:cNvPr id="5" name="TextBox 4">
+            <a:extLst>
+              <a:ext uri="{FF2B5EF4-FFF2-40B4-BE49-F238E27FC236}">
+                <a16:creationId xmlns:a16="http://schemas.microsoft.com/office/drawing/2014/main" id="{66BD1961-3369-4200-8362-3FE6B4B463D5}"/>
+              </a:ext>
+            </a:extLst>
+          </p:cNvPr>
+          <p:cNvSpPr txBox="1"/>
+          <p:nvPr/>
+        </p:nvSpPr>
+        <p:spPr>
+          <a:xfrm>
+            <a:off x="1231832" y="3666612"/>
+            <a:ext cx="8419443" cy="646331"/>
+          </a:xfrm>
+          <a:prstGeom prst="rect">
+            <a:avLst/>
+          </a:prstGeom>
+          <a:noFill/>
+          <a:ln>
+            <a:solidFill>
+              <a:schemeClr val="tx1"/>
+            </a:solidFill>
+          </a:ln>
+        </p:spPr>
+        <p:txBody>
+          <a:bodyPr wrap="square" rtlCol="0">
+            <a:spAutoFit/>
+          </a:bodyPr>
+          <a:lstStyle/>
+          <a:p>
+            <a:r>
+              <a:rPr lang="pl-PL" dirty="0"/>
+              <a:t>DELETE /test/type/</a:t>
+            </a:r>
+            <a:r>
+              <a:rPr lang="pl-PL" b="1" dirty="0"/>
+              <a:t>thisisID</a:t>
+            </a:r>
+            <a:r>
+              <a:rPr lang="pl-PL" dirty="0"/>
+              <a:t> HTTP/1.1</a:t>
+            </a:r>
+          </a:p>
+          <a:p>
+            <a:r>
+              <a:rPr lang="pl-PL" dirty="0"/>
+              <a:t>Host: localhost:9200</a:t>
+            </a:r>
+          </a:p>
+        </p:txBody>
+      </p:sp>
+    </p:spTree>
+    <p:extLst>
+      <p:ext uri="{BB962C8B-B14F-4D97-AF65-F5344CB8AC3E}">
+        <p14:creationId xmlns:p14="http://schemas.microsoft.com/office/powerpoint/2010/main" val="3246701872"/>
+      </p:ext>
+    </p:extLst>
+  </p:cSld>
+  <p:clrMapOvr>
+    <a:masterClrMapping/>
+  </p:clrMapOvr>
+  <p:transition>
+    <p:fade/>
+  </p:transition>
+</p:sld>
+</file>
+
+<file path=ppt/slides/slide19.xml><?xml version="1.0" encoding="utf-8"?>
+<p:sld xmlns:a="http://schemas.openxmlformats.org/drawingml/2006/main" xmlns:r="http://schemas.openxmlformats.org/officeDocument/2006/relationships" xmlns:p="http://schemas.openxmlformats.org/presentationml/2006/main">
+  <p:cSld>
+    <p:spTree>
+      <p:nvGrpSpPr>
+        <p:cNvPr id="1" name=""/>
+        <p:cNvGrpSpPr/>
+        <p:nvPr/>
+      </p:nvGrpSpPr>
+      <p:grpSpPr>
+        <a:xfrm>
+          <a:off x="0" y="0"/>
+          <a:ext cx="0" cy="0"/>
+          <a:chOff x="0" y="0"/>
+          <a:chExt cx="0" cy="0"/>
+        </a:xfrm>
+      </p:grpSpPr>
+      <p:sp>
+        <p:nvSpPr>
+          <p:cNvPr id="2" name="Text Placeholder 1">
+            <a:extLst>
+              <a:ext uri="{FF2B5EF4-FFF2-40B4-BE49-F238E27FC236}">
                 <a16:creationId xmlns:a16="http://schemas.microsoft.com/office/drawing/2014/main" id="{4A398FB1-AA8A-4C09-BC0B-38A769BED7E2}"/>
               </a:ext>
             </a:extLst>
@@ -5170,12 +6435,23 @@
             <p:ph type="body" sz="quarter" idx="10"/>
           </p:nvPr>
         </p:nvSpPr>
-        <p:spPr/>
+        <p:spPr>
+          <a:xfrm>
+            <a:off x="988136" y="401575"/>
+            <a:ext cx="10524898" cy="1080861"/>
+          </a:xfrm>
+        </p:spPr>
         <p:txBody>
           <a:bodyPr/>
           <a:lstStyle/>
           <a:p>
-            <a:endParaRPr lang="pl-PL"/>
+            <a:r>
+              <a:rPr lang="pl-PL" dirty="0"/>
+              <a:t>CRUD – update document</a:t>
+            </a:r>
+          </a:p>
+          <a:p>
+            <a:endParaRPr lang="pl-PL" dirty="0"/>
           </a:p>
         </p:txBody>
       </p:sp>
@@ -5195,12 +6471,245 @@
             <p:ph type="body" sz="quarter" idx="11"/>
           </p:nvPr>
         </p:nvSpPr>
-        <p:spPr/>
+        <p:spPr>
+          <a:xfrm>
+            <a:off x="1083386" y="1266738"/>
+            <a:ext cx="10524898" cy="4806891"/>
+          </a:xfrm>
+        </p:spPr>
         <p:txBody>
           <a:bodyPr/>
           <a:lstStyle/>
           <a:p>
-            <a:endParaRPr lang="pl-PL"/>
+            <a:pPr marL="514350" indent="-514350">
+              <a:buFont typeface="+mj-lt"/>
+              <a:buAutoNum type="arabicPeriod"/>
+            </a:pPr>
+            <a:r>
+              <a:rPr lang="pl-PL" dirty="0"/>
+              <a:t>Almost the same like create </a:t>
+            </a:r>
+          </a:p>
+          <a:p>
+            <a:pPr marL="514350" indent="-514350">
+              <a:buFont typeface="+mj-lt"/>
+              <a:buAutoNum type="arabicPeriod"/>
+            </a:pPr>
+            <a:r>
+              <a:rPr lang="pl-PL" dirty="0"/>
+              <a:t>PUT - replace document </a:t>
+            </a:r>
+          </a:p>
+          <a:p>
+            <a:pPr marL="514350" indent="-514350">
+              <a:buFont typeface="+mj-lt"/>
+              <a:buAutoNum type="arabicPeriod"/>
+            </a:pPr>
+            <a:r>
+              <a:rPr lang="pl-PL" dirty="0"/>
+              <a:t>POST + _update – update document</a:t>
+            </a:r>
+          </a:p>
+          <a:p>
+            <a:endParaRPr lang="pl-PL" dirty="0"/>
+          </a:p>
+        </p:txBody>
+      </p:sp>
+      <p:sp>
+        <p:nvSpPr>
+          <p:cNvPr id="4" name="TextBox 3">
+            <a:extLst>
+              <a:ext uri="{FF2B5EF4-FFF2-40B4-BE49-F238E27FC236}">
+                <a16:creationId xmlns:a16="http://schemas.microsoft.com/office/drawing/2014/main" id="{F96A83F5-B19E-4C4F-AA06-8B6B5F7C3366}"/>
+              </a:ext>
+            </a:extLst>
+          </p:cNvPr>
+          <p:cNvSpPr txBox="1"/>
+          <p:nvPr/>
+        </p:nvSpPr>
+        <p:spPr>
+          <a:xfrm>
+            <a:off x="1083386" y="3129386"/>
+            <a:ext cx="4369147" cy="2585323"/>
+          </a:xfrm>
+          <a:prstGeom prst="rect">
+            <a:avLst/>
+          </a:prstGeom>
+          <a:noFill/>
+          <a:ln>
+            <a:solidFill>
+              <a:schemeClr val="tx1"/>
+            </a:solidFill>
+          </a:ln>
+        </p:spPr>
+        <p:txBody>
+          <a:bodyPr wrap="square" rtlCol="0">
+            <a:spAutoFit/>
+          </a:bodyPr>
+          <a:lstStyle/>
+          <a:p>
+            <a:r>
+              <a:rPr lang="pl-PL" b="1" dirty="0"/>
+              <a:t>PUT</a:t>
+            </a:r>
+            <a:r>
+              <a:rPr lang="pl-PL" dirty="0"/>
+              <a:t> /test/type/</a:t>
+            </a:r>
+            <a:r>
+              <a:rPr lang="pl-PL" b="1" dirty="0"/>
+              <a:t>thisisID</a:t>
+            </a:r>
+            <a:r>
+              <a:rPr lang="pl-PL" dirty="0"/>
+              <a:t> HTTP/1.1</a:t>
+            </a:r>
+          </a:p>
+          <a:p>
+            <a:r>
+              <a:rPr lang="pl-PL" dirty="0"/>
+              <a:t>Host: localhost:9200</a:t>
+            </a:r>
+          </a:p>
+          <a:p>
+            <a:r>
+              <a:rPr lang="pl-PL" dirty="0"/>
+              <a:t>Content-Type: application/json</a:t>
+            </a:r>
+          </a:p>
+          <a:p>
+            <a:r>
+              <a:rPr lang="en-US" dirty="0"/>
+              <a:t>{</a:t>
+            </a:r>
+          </a:p>
+          <a:p>
+            <a:r>
+              <a:rPr lang="pl-PL" dirty="0"/>
+              <a:t>     </a:t>
+            </a:r>
+            <a:r>
+              <a:rPr lang="en-US" dirty="0"/>
+              <a:t>"</a:t>
+            </a:r>
+            <a:r>
+              <a:rPr lang="en-US" dirty="0" err="1"/>
+              <a:t>textField</a:t>
+            </a:r>
+            <a:r>
+              <a:rPr lang="en-US" dirty="0"/>
+              <a:t>": „This document will be replaced„</a:t>
+            </a:r>
+            <a:endParaRPr lang="pl-PL" dirty="0"/>
+          </a:p>
+          <a:p>
+            <a:r>
+              <a:rPr lang="en-US" dirty="0"/>
+              <a:t>}</a:t>
+            </a:r>
+          </a:p>
+          <a:p>
+            <a:endParaRPr lang="pl-PL" dirty="0"/>
+          </a:p>
+          <a:p>
+            <a:endParaRPr lang="pl-PL" dirty="0"/>
+          </a:p>
+        </p:txBody>
+      </p:sp>
+      <p:sp>
+        <p:nvSpPr>
+          <p:cNvPr id="5" name="TextBox 4">
+            <a:extLst>
+              <a:ext uri="{FF2B5EF4-FFF2-40B4-BE49-F238E27FC236}">
+                <a16:creationId xmlns:a16="http://schemas.microsoft.com/office/drawing/2014/main" id="{5AEA689F-0530-409F-91BC-4742052D9BC7}"/>
+              </a:ext>
+            </a:extLst>
+          </p:cNvPr>
+          <p:cNvSpPr txBox="1"/>
+          <p:nvPr/>
+        </p:nvSpPr>
+        <p:spPr>
+          <a:xfrm>
+            <a:off x="5850678" y="3079052"/>
+            <a:ext cx="5757606" cy="2585323"/>
+          </a:xfrm>
+          <a:prstGeom prst="rect">
+            <a:avLst/>
+          </a:prstGeom>
+          <a:noFill/>
+          <a:ln>
+            <a:solidFill>
+              <a:schemeClr val="tx1"/>
+            </a:solidFill>
+          </a:ln>
+        </p:spPr>
+        <p:txBody>
+          <a:bodyPr wrap="square" rtlCol="0">
+            <a:spAutoFit/>
+          </a:bodyPr>
+          <a:lstStyle/>
+          <a:p>
+            <a:r>
+              <a:rPr lang="pl-PL" b="1" dirty="0"/>
+              <a:t>POST</a:t>
+            </a:r>
+            <a:r>
+              <a:rPr lang="pl-PL" dirty="0"/>
+              <a:t> /test/type/</a:t>
+            </a:r>
+            <a:r>
+              <a:rPr lang="pl-PL" b="1" dirty="0"/>
+              <a:t>thisIsId</a:t>
+            </a:r>
+            <a:r>
+              <a:rPr lang="pl-PL" dirty="0"/>
+              <a:t>/_update HTTP/1.1</a:t>
+            </a:r>
+          </a:p>
+          <a:p>
+            <a:r>
+              <a:rPr lang="pl-PL" dirty="0"/>
+              <a:t>Host: localhost:9200</a:t>
+            </a:r>
+          </a:p>
+          <a:p>
+            <a:r>
+              <a:rPr lang="pl-PL" dirty="0"/>
+              <a:t>Content-Type: application/json</a:t>
+            </a:r>
+          </a:p>
+          <a:p>
+            <a:r>
+              <a:rPr lang="pl-PL" dirty="0"/>
+              <a:t>{	</a:t>
+            </a:r>
+          </a:p>
+          <a:p>
+            <a:r>
+              <a:rPr lang="pl-PL" dirty="0"/>
+              <a:t>	"doc" : {	</a:t>
+            </a:r>
+          </a:p>
+          <a:p>
+            <a:r>
+              <a:rPr lang="pl-PL" dirty="0"/>
+              <a:t>	"textField" : "This is text field 33"	</a:t>
+            </a:r>
+          </a:p>
+          <a:p>
+            <a:r>
+              <a:rPr lang="pl-PL" dirty="0"/>
+              <a:t>	}</a:t>
+            </a:r>
+          </a:p>
+          <a:p>
+            <a:r>
+              <a:rPr lang="pl-PL" dirty="0"/>
+              <a:t>}</a:t>
+            </a:r>
+          </a:p>
+          <a:p>
+            <a:endParaRPr lang="pl-PL" dirty="0"/>
           </a:p>
         </p:txBody>
       </p:sp>
@@ -5281,7 +6790,27 @@
             </a:pPr>
             <a:r>
               <a:rPr lang="pl-PL" dirty="0"/>
-              <a:t>Docker compose with elasticsearch cluster working on two nodes </a:t>
+              <a:t>Docker compose with </a:t>
+            </a:r>
+          </a:p>
+          <a:p>
+            <a:pPr marL="1200150" lvl="1" indent="-514350">
+              <a:buFont typeface="+mj-lt"/>
+              <a:buAutoNum type="alphaLcParenR"/>
+            </a:pPr>
+            <a:r>
+              <a:rPr lang="pl-PL" dirty="0"/>
+              <a:t>elasticsearch cluster working on two nodes </a:t>
+            </a:r>
+          </a:p>
+          <a:p>
+            <a:pPr marL="1200150" lvl="1" indent="-514350">
+              <a:buFont typeface="+mj-lt"/>
+              <a:buAutoNum type="alphaLcParenR"/>
+            </a:pPr>
+            <a:r>
+              <a:rPr lang="pl-PL" dirty="0"/>
+              <a:t>Kibana plugin</a:t>
             </a:r>
           </a:p>
           <a:p>
@@ -5291,7 +6820,7 @@
             </a:pPr>
             <a:r>
               <a:rPr lang="pl-PL" dirty="0"/>
-              <a:t>Sample collections data to insert </a:t>
+              <a:t>Sample data collections to insert </a:t>
             </a:r>
           </a:p>
           <a:p>
@@ -5311,13 +6840,22 @@
             </a:pPr>
             <a:r>
               <a:rPr lang="pl-PL" dirty="0"/>
-              <a:t>This presentation </a:t>
-            </a:r>
+              <a:t>This presentation</a:t>
+            </a:r>
+            <a:endParaRPr lang="pl-PL" dirty="0">
+              <a:sym typeface="Wingdings" panose="05000000000000000000" pitchFamily="2" charset="2"/>
+            </a:endParaRPr>
+          </a:p>
+          <a:p>
+            <a:pPr marL="514350" indent="-514350">
+              <a:buFont typeface="+mj-lt"/>
+              <a:buAutoNum type="arabicPeriod"/>
+            </a:pPr>
             <a:r>
               <a:rPr lang="pl-PL" dirty="0">
                 <a:sym typeface="Wingdings" panose="05000000000000000000" pitchFamily="2" charset="2"/>
               </a:rPr>
-              <a:t> </a:t>
+              <a:t>Use readme.md as a starting point</a:t>
             </a:r>
             <a:endParaRPr lang="pl-PL" dirty="0"/>
           </a:p>
@@ -5344,6 +6882,2259 @@
     <p:extLst>
       <p:ext uri="{BB962C8B-B14F-4D97-AF65-F5344CB8AC3E}">
         <p14:creationId xmlns:p14="http://schemas.microsoft.com/office/powerpoint/2010/main" val="2381219924"/>
+      </p:ext>
+    </p:extLst>
+  </p:cSld>
+  <p:clrMapOvr>
+    <a:masterClrMapping/>
+  </p:clrMapOvr>
+  <p:transition>
+    <p:fade/>
+  </p:transition>
+</p:sld>
+</file>
+
+<file path=ppt/slides/slide20.xml><?xml version="1.0" encoding="utf-8"?>
+<p:sld xmlns:a="http://schemas.openxmlformats.org/drawingml/2006/main" xmlns:r="http://schemas.openxmlformats.org/officeDocument/2006/relationships" xmlns:p="http://schemas.openxmlformats.org/presentationml/2006/main">
+  <p:cSld>
+    <p:spTree>
+      <p:nvGrpSpPr>
+        <p:cNvPr id="1" name=""/>
+        <p:cNvGrpSpPr/>
+        <p:nvPr/>
+      </p:nvGrpSpPr>
+      <p:grpSpPr>
+        <a:xfrm>
+          <a:off x="0" y="0"/>
+          <a:ext cx="0" cy="0"/>
+          <a:chOff x="0" y="0"/>
+          <a:chExt cx="0" cy="0"/>
+        </a:xfrm>
+      </p:grpSpPr>
+      <p:sp>
+        <p:nvSpPr>
+          <p:cNvPr id="2" name="Text Placeholder 1">
+            <a:extLst>
+              <a:ext uri="{FF2B5EF4-FFF2-40B4-BE49-F238E27FC236}">
+                <a16:creationId xmlns:a16="http://schemas.microsoft.com/office/drawing/2014/main" id="{1250692B-F03E-4937-BE72-0D996C314A0A}"/>
+              </a:ext>
+            </a:extLst>
+          </p:cNvPr>
+          <p:cNvSpPr>
+            <a:spLocks noGrp="1"/>
+          </p:cNvSpPr>
+          <p:nvPr>
+            <p:ph type="body" sz="quarter" idx="10"/>
+          </p:nvPr>
+        </p:nvSpPr>
+        <p:spPr>
+          <a:xfrm>
+            <a:off x="981786" y="429797"/>
+            <a:ext cx="10524898" cy="1080861"/>
+          </a:xfrm>
+        </p:spPr>
+        <p:txBody>
+          <a:bodyPr/>
+          <a:lstStyle/>
+          <a:p>
+            <a:r>
+              <a:rPr lang="pl-PL" dirty="0"/>
+              <a:t>Boost queries </a:t>
+            </a:r>
+          </a:p>
+        </p:txBody>
+      </p:sp>
+      <p:sp>
+        <p:nvSpPr>
+          <p:cNvPr id="3" name="Text Placeholder 2">
+            <a:extLst>
+              <a:ext uri="{FF2B5EF4-FFF2-40B4-BE49-F238E27FC236}">
+                <a16:creationId xmlns:a16="http://schemas.microsoft.com/office/drawing/2014/main" id="{9195BE05-A78E-469D-98F2-661BBF51016B}"/>
+              </a:ext>
+            </a:extLst>
+          </p:cNvPr>
+          <p:cNvSpPr>
+            <a:spLocks noGrp="1"/>
+          </p:cNvSpPr>
+          <p:nvPr>
+            <p:ph type="body" sz="quarter" idx="11"/>
+          </p:nvPr>
+        </p:nvSpPr>
+        <p:spPr>
+          <a:xfrm>
+            <a:off x="1083386" y="1185333"/>
+            <a:ext cx="10524898" cy="4842933"/>
+          </a:xfrm>
+        </p:spPr>
+        <p:txBody>
+          <a:bodyPr/>
+          <a:lstStyle/>
+          <a:p>
+            <a:pPr marL="514350" indent="-514350">
+              <a:buFont typeface="+mj-lt"/>
+              <a:buAutoNum type="arabicPeriod"/>
+            </a:pPr>
+            <a:r>
+              <a:rPr lang="pl-PL" dirty="0"/>
+              <a:t>We can have influence which part of the query are more imporant in scorring calculatation</a:t>
+            </a:r>
+          </a:p>
+          <a:p>
+            <a:pPr marL="514350" indent="-514350">
+              <a:buFont typeface="+mj-lt"/>
+              <a:buAutoNum type="arabicPeriod"/>
+            </a:pPr>
+            <a:r>
+              <a:rPr lang="pl-PL" dirty="0"/>
+              <a:t>Property „boost” has to be added to the query object </a:t>
+            </a:r>
+          </a:p>
+          <a:p>
+            <a:pPr marL="514350" indent="-514350">
+              <a:buFont typeface="+mj-lt"/>
+              <a:buAutoNum type="arabicPeriod"/>
+            </a:pPr>
+            <a:endParaRPr lang="pl-PL" dirty="0"/>
+          </a:p>
+          <a:p>
+            <a:pPr marL="514350" indent="-514350">
+              <a:buFont typeface="+mj-lt"/>
+              <a:buAutoNum type="arabicPeriod"/>
+            </a:pPr>
+            <a:endParaRPr lang="pl-PL" dirty="0"/>
+          </a:p>
+          <a:p>
+            <a:endParaRPr lang="pl-PL" dirty="0"/>
+          </a:p>
+        </p:txBody>
+      </p:sp>
+      <p:sp>
+        <p:nvSpPr>
+          <p:cNvPr id="4" name="Slide Number Placeholder 3">
+            <a:extLst>
+              <a:ext uri="{FF2B5EF4-FFF2-40B4-BE49-F238E27FC236}">
+                <a16:creationId xmlns:a16="http://schemas.microsoft.com/office/drawing/2014/main" id="{92D0B3BF-C20A-41A3-8674-B6B2395B6812}"/>
+              </a:ext>
+            </a:extLst>
+          </p:cNvPr>
+          <p:cNvSpPr>
+            <a:spLocks noGrp="1"/>
+          </p:cNvSpPr>
+          <p:nvPr>
+            <p:ph type="sldNum" sz="quarter" idx="12"/>
+          </p:nvPr>
+        </p:nvSpPr>
+        <p:spPr/>
+        <p:txBody>
+          <a:bodyPr/>
+          <a:lstStyle/>
+          <a:p>
+            <a:fld id="{3847DB54-D037-B84F-B6F1-2E8DA40D09AD}" type="slidenum">
+              <a:rPr lang="en-US" smtClean="0"/>
+              <a:pPr/>
+              <a:t>20</a:t>
+            </a:fld>
+            <a:endParaRPr lang="en-US"/>
+          </a:p>
+        </p:txBody>
+      </p:sp>
+      <p:sp>
+        <p:nvSpPr>
+          <p:cNvPr id="5" name="TextBox 4">
+            <a:extLst>
+              <a:ext uri="{FF2B5EF4-FFF2-40B4-BE49-F238E27FC236}">
+                <a16:creationId xmlns:a16="http://schemas.microsoft.com/office/drawing/2014/main" id="{A605644F-3C7E-42A7-BC93-5970D1E7FF18}"/>
+              </a:ext>
+            </a:extLst>
+          </p:cNvPr>
+          <p:cNvSpPr txBox="1"/>
+          <p:nvPr/>
+        </p:nvSpPr>
+        <p:spPr>
+          <a:xfrm>
+            <a:off x="1391146" y="2917034"/>
+            <a:ext cx="10318738" cy="2031325"/>
+          </a:xfrm>
+          <a:prstGeom prst="rect">
+            <a:avLst/>
+          </a:prstGeom>
+          <a:noFill/>
+          <a:ln>
+            <a:solidFill>
+              <a:schemeClr val="tx1"/>
+            </a:solidFill>
+          </a:ln>
+        </p:spPr>
+        <p:txBody>
+          <a:bodyPr wrap="square" rtlCol="0">
+            <a:spAutoFit/>
+          </a:bodyPr>
+          <a:lstStyle/>
+          <a:p>
+            <a:r>
+              <a:rPr lang="en-US" dirty="0"/>
+              <a:t>"match": {</a:t>
+            </a:r>
+          </a:p>
+          <a:p>
+            <a:r>
+              <a:rPr lang="en-US" dirty="0"/>
+              <a:t>	"</a:t>
+            </a:r>
+            <a:r>
+              <a:rPr lang="en-US" dirty="0" err="1"/>
+              <a:t>text_entry</a:t>
+            </a:r>
+            <a:r>
+              <a:rPr lang="en-US" dirty="0"/>
+              <a:t>" : {</a:t>
+            </a:r>
+          </a:p>
+          <a:p>
+            <a:r>
+              <a:rPr lang="en-US" dirty="0"/>
+              <a:t>		"boost": 2,</a:t>
+            </a:r>
+          </a:p>
+          <a:p>
+            <a:r>
+              <a:rPr lang="en-US" dirty="0"/>
+              <a:t>		"query" :  "To be, or not to be: that is the question:"</a:t>
+            </a:r>
+          </a:p>
+          <a:p>
+            <a:r>
+              <a:rPr lang="en-US" dirty="0"/>
+              <a:t>		}</a:t>
+            </a:r>
+          </a:p>
+          <a:p>
+            <a:r>
+              <a:rPr lang="en-US" dirty="0"/>
+              <a:t>} </a:t>
+            </a:r>
+          </a:p>
+          <a:p>
+            <a:endParaRPr lang="en-US" dirty="0"/>
+          </a:p>
+        </p:txBody>
+      </p:sp>
+    </p:spTree>
+    <p:extLst>
+      <p:ext uri="{BB962C8B-B14F-4D97-AF65-F5344CB8AC3E}">
+        <p14:creationId xmlns:p14="http://schemas.microsoft.com/office/powerpoint/2010/main" val="4023055025"/>
+      </p:ext>
+    </p:extLst>
+  </p:cSld>
+  <p:clrMapOvr>
+    <a:masterClrMapping/>
+  </p:clrMapOvr>
+  <p:transition>
+    <p:fade/>
+  </p:transition>
+</p:sld>
+</file>
+
+<file path=ppt/slides/slide21.xml><?xml version="1.0" encoding="utf-8"?>
+<p:sld xmlns:a="http://schemas.openxmlformats.org/drawingml/2006/main" xmlns:r="http://schemas.openxmlformats.org/officeDocument/2006/relationships" xmlns:p="http://schemas.openxmlformats.org/presentationml/2006/main">
+  <p:cSld>
+    <p:spTree>
+      <p:nvGrpSpPr>
+        <p:cNvPr id="1" name=""/>
+        <p:cNvGrpSpPr/>
+        <p:nvPr/>
+      </p:nvGrpSpPr>
+      <p:grpSpPr>
+        <a:xfrm>
+          <a:off x="0" y="0"/>
+          <a:ext cx="0" cy="0"/>
+          <a:chOff x="0" y="0"/>
+          <a:chExt cx="0" cy="0"/>
+        </a:xfrm>
+      </p:grpSpPr>
+      <p:sp>
+        <p:nvSpPr>
+          <p:cNvPr id="2" name="Text Placeholder 1">
+            <a:extLst>
+              <a:ext uri="{FF2B5EF4-FFF2-40B4-BE49-F238E27FC236}">
+                <a16:creationId xmlns:a16="http://schemas.microsoft.com/office/drawing/2014/main" id="{5CC6EB24-3300-4953-9D93-64B53FBA8CEB}"/>
+              </a:ext>
+            </a:extLst>
+          </p:cNvPr>
+          <p:cNvSpPr>
+            <a:spLocks noGrp="1"/>
+          </p:cNvSpPr>
+          <p:nvPr>
+            <p:ph type="body" sz="quarter" idx="10"/>
+          </p:nvPr>
+        </p:nvSpPr>
+        <p:spPr>
+          <a:xfrm>
+            <a:off x="925341" y="373352"/>
+            <a:ext cx="10524898" cy="1080861"/>
+          </a:xfrm>
+        </p:spPr>
+        <p:txBody>
+          <a:bodyPr/>
+          <a:lstStyle/>
+          <a:p>
+            <a:r>
+              <a:rPr lang="pl-PL" dirty="0"/>
+              <a:t>Aggregations </a:t>
+            </a:r>
+          </a:p>
+        </p:txBody>
+      </p:sp>
+      <p:sp>
+        <p:nvSpPr>
+          <p:cNvPr id="3" name="Text Placeholder 2">
+            <a:extLst>
+              <a:ext uri="{FF2B5EF4-FFF2-40B4-BE49-F238E27FC236}">
+                <a16:creationId xmlns:a16="http://schemas.microsoft.com/office/drawing/2014/main" id="{69B93C7E-9E9A-452D-8C39-D0FE3A2FA407}"/>
+              </a:ext>
+            </a:extLst>
+          </p:cNvPr>
+          <p:cNvSpPr>
+            <a:spLocks noGrp="1"/>
+          </p:cNvSpPr>
+          <p:nvPr>
+            <p:ph type="body" sz="quarter" idx="11"/>
+          </p:nvPr>
+        </p:nvSpPr>
+        <p:spPr>
+          <a:xfrm>
+            <a:off x="925341" y="1085496"/>
+            <a:ext cx="10524898" cy="2478971"/>
+          </a:xfrm>
+        </p:spPr>
+        <p:txBody>
+          <a:bodyPr/>
+          <a:lstStyle/>
+          <a:p>
+            <a:pPr marL="514350" indent="-514350">
+              <a:buFont typeface="+mj-lt"/>
+              <a:buAutoNum type="arabicPeriod"/>
+            </a:pPr>
+            <a:r>
+              <a:rPr lang="pl-PL" dirty="0"/>
+              <a:t>Freamwork which gives us </a:t>
+            </a:r>
+            <a:r>
+              <a:rPr lang="en-US" dirty="0"/>
+              <a:t> an overview of our data.</a:t>
+            </a:r>
+            <a:r>
+              <a:rPr lang="pl-PL" dirty="0"/>
+              <a:t> </a:t>
+            </a:r>
+          </a:p>
+          <a:p>
+            <a:pPr marL="514350" indent="-514350">
+              <a:buFont typeface="+mj-lt"/>
+              <a:buAutoNum type="arabicPeriod"/>
+            </a:pPr>
+            <a:r>
+              <a:rPr lang="en-US" dirty="0"/>
+              <a:t>It enables you to quickly calculate and summaries data that results from query</a:t>
+            </a:r>
+            <a:endParaRPr lang="pl-PL" dirty="0"/>
+          </a:p>
+          <a:p>
+            <a:pPr marL="514350" indent="-514350">
+              <a:buFont typeface="+mj-lt"/>
+              <a:buAutoNum type="arabicPeriod"/>
+            </a:pPr>
+            <a:r>
+              <a:rPr lang="pl-PL" dirty="0"/>
+              <a:t>Two main concepts : </a:t>
+            </a:r>
+          </a:p>
+          <a:p>
+            <a:pPr marL="1200150" lvl="1" indent="-514350">
+              <a:buFont typeface="+mj-lt"/>
+              <a:buAutoNum type="alphaLcParenR"/>
+            </a:pPr>
+            <a:r>
+              <a:rPr lang="en-US" dirty="0"/>
+              <a:t>Buckets: It is a collection of documents that meet a certain criteria.</a:t>
+            </a:r>
+          </a:p>
+          <a:p>
+            <a:pPr marL="1200150" lvl="1" indent="-514350">
+              <a:buFont typeface="+mj-lt"/>
+              <a:buAutoNum type="alphaLcParenR"/>
+            </a:pPr>
+            <a:r>
+              <a:rPr lang="en-US" dirty="0"/>
+              <a:t>Metrics: It is statistics calculated on the documents in a bucket like sum, </a:t>
+            </a:r>
+            <a:r>
+              <a:rPr lang="en-US" dirty="0" err="1"/>
+              <a:t>avg</a:t>
+            </a:r>
+            <a:r>
+              <a:rPr lang="en-US" dirty="0"/>
+              <a:t> etc.</a:t>
+            </a:r>
+            <a:endParaRPr lang="pl-PL" dirty="0"/>
+          </a:p>
+          <a:p>
+            <a:pPr marL="1200150" lvl="1" indent="-514350">
+              <a:buFont typeface="+mj-lt"/>
+              <a:buAutoNum type="alphaLcParenR"/>
+            </a:pPr>
+            <a:endParaRPr lang="pl-PL" dirty="0"/>
+          </a:p>
+          <a:p>
+            <a:pPr marL="1200150" lvl="1" indent="-514350">
+              <a:buFont typeface="+mj-lt"/>
+              <a:buAutoNum type="alphaLcParenR"/>
+            </a:pPr>
+            <a:endParaRPr lang="pl-PL" dirty="0"/>
+          </a:p>
+        </p:txBody>
+      </p:sp>
+      <p:sp>
+        <p:nvSpPr>
+          <p:cNvPr id="4" name="Slide Number Placeholder 3">
+            <a:extLst>
+              <a:ext uri="{FF2B5EF4-FFF2-40B4-BE49-F238E27FC236}">
+                <a16:creationId xmlns:a16="http://schemas.microsoft.com/office/drawing/2014/main" id="{497E05F6-EBA5-4317-BC16-B61569DB736D}"/>
+              </a:ext>
+            </a:extLst>
+          </p:cNvPr>
+          <p:cNvSpPr>
+            <a:spLocks noGrp="1"/>
+          </p:cNvSpPr>
+          <p:nvPr>
+            <p:ph type="sldNum" sz="quarter" idx="12"/>
+          </p:nvPr>
+        </p:nvSpPr>
+        <p:spPr/>
+        <p:txBody>
+          <a:bodyPr/>
+          <a:lstStyle/>
+          <a:p>
+            <a:fld id="{3847DB54-D037-B84F-B6F1-2E8DA40D09AD}" type="slidenum">
+              <a:rPr lang="en-US" smtClean="0"/>
+              <a:pPr/>
+              <a:t>21</a:t>
+            </a:fld>
+            <a:endParaRPr lang="en-US"/>
+          </a:p>
+        </p:txBody>
+      </p:sp>
+      <p:pic>
+        <p:nvPicPr>
+          <p:cNvPr id="5" name="Picture 4">
+            <a:extLst>
+              <a:ext uri="{FF2B5EF4-FFF2-40B4-BE49-F238E27FC236}">
+                <a16:creationId xmlns:a16="http://schemas.microsoft.com/office/drawing/2014/main" id="{D4159298-B2BF-4A46-9B0D-6BD73813A9ED}"/>
+              </a:ext>
+            </a:extLst>
+          </p:cNvPr>
+          <p:cNvPicPr>
+            <a:picLocks noChangeAspect="1"/>
+          </p:cNvPicPr>
+          <p:nvPr/>
+        </p:nvPicPr>
+        <p:blipFill>
+          <a:blip r:embed="rId2"/>
+          <a:stretch>
+            <a:fillRect/>
+          </a:stretch>
+        </p:blipFill>
+        <p:spPr>
+          <a:xfrm>
+            <a:off x="3024803" y="3564467"/>
+            <a:ext cx="7316221" cy="3048425"/>
+          </a:xfrm>
+          <a:prstGeom prst="rect">
+            <a:avLst/>
+          </a:prstGeom>
+        </p:spPr>
+      </p:pic>
+    </p:spTree>
+    <p:extLst>
+      <p:ext uri="{BB962C8B-B14F-4D97-AF65-F5344CB8AC3E}">
+        <p14:creationId xmlns:p14="http://schemas.microsoft.com/office/powerpoint/2010/main" val="653909674"/>
+      </p:ext>
+    </p:extLst>
+  </p:cSld>
+  <p:clrMapOvr>
+    <a:masterClrMapping/>
+  </p:clrMapOvr>
+  <p:transition>
+    <p:fade/>
+  </p:transition>
+</p:sld>
+</file>
+
+<file path=ppt/slides/slide22.xml><?xml version="1.0" encoding="utf-8"?>
+<p:sld xmlns:a="http://schemas.openxmlformats.org/drawingml/2006/main" xmlns:r="http://schemas.openxmlformats.org/officeDocument/2006/relationships" xmlns:p="http://schemas.openxmlformats.org/presentationml/2006/main">
+  <p:cSld>
+    <p:spTree>
+      <p:nvGrpSpPr>
+        <p:cNvPr id="1" name=""/>
+        <p:cNvGrpSpPr/>
+        <p:nvPr/>
+      </p:nvGrpSpPr>
+      <p:grpSpPr>
+        <a:xfrm>
+          <a:off x="0" y="0"/>
+          <a:ext cx="0" cy="0"/>
+          <a:chOff x="0" y="0"/>
+          <a:chExt cx="0" cy="0"/>
+        </a:xfrm>
+      </p:grpSpPr>
+      <p:sp>
+        <p:nvSpPr>
+          <p:cNvPr id="2" name="Text Placeholder 1">
+            <a:extLst>
+              <a:ext uri="{FF2B5EF4-FFF2-40B4-BE49-F238E27FC236}">
+                <a16:creationId xmlns:a16="http://schemas.microsoft.com/office/drawing/2014/main" id="{DA8525E7-B819-45A0-A5BA-FD46D181BF24}"/>
+              </a:ext>
+            </a:extLst>
+          </p:cNvPr>
+          <p:cNvSpPr>
+            <a:spLocks noGrp="1"/>
+          </p:cNvSpPr>
+          <p:nvPr>
+            <p:ph type="body" sz="quarter" idx="10"/>
+          </p:nvPr>
+        </p:nvSpPr>
+        <p:spPr>
+          <a:xfrm>
+            <a:off x="959208" y="384642"/>
+            <a:ext cx="10524898" cy="1080861"/>
+          </a:xfrm>
+        </p:spPr>
+        <p:txBody>
+          <a:bodyPr/>
+          <a:lstStyle/>
+          <a:p>
+            <a:r>
+              <a:rPr lang="pl-PL" dirty="0"/>
+              <a:t>Aggregations - example</a:t>
+            </a:r>
+          </a:p>
+        </p:txBody>
+      </p:sp>
+      <p:sp>
+        <p:nvSpPr>
+          <p:cNvPr id="4" name="Slide Number Placeholder 3">
+            <a:extLst>
+              <a:ext uri="{FF2B5EF4-FFF2-40B4-BE49-F238E27FC236}">
+                <a16:creationId xmlns:a16="http://schemas.microsoft.com/office/drawing/2014/main" id="{A516E0F2-7722-4BF4-A556-76F28C58A6B9}"/>
+              </a:ext>
+            </a:extLst>
+          </p:cNvPr>
+          <p:cNvSpPr>
+            <a:spLocks noGrp="1"/>
+          </p:cNvSpPr>
+          <p:nvPr>
+            <p:ph type="sldNum" sz="quarter" idx="12"/>
+          </p:nvPr>
+        </p:nvSpPr>
+        <p:spPr/>
+        <p:txBody>
+          <a:bodyPr/>
+          <a:lstStyle/>
+          <a:p>
+            <a:fld id="{3847DB54-D037-B84F-B6F1-2E8DA40D09AD}" type="slidenum">
+              <a:rPr lang="en-US" smtClean="0"/>
+              <a:pPr/>
+              <a:t>22</a:t>
+            </a:fld>
+            <a:endParaRPr lang="en-US"/>
+          </a:p>
+        </p:txBody>
+      </p:sp>
+      <p:sp>
+        <p:nvSpPr>
+          <p:cNvPr id="5" name="TextBox 4">
+            <a:extLst>
+              <a:ext uri="{FF2B5EF4-FFF2-40B4-BE49-F238E27FC236}">
+                <a16:creationId xmlns:a16="http://schemas.microsoft.com/office/drawing/2014/main" id="{61ADAC64-1BD6-4EF8-9E63-0237CCA4EE63}"/>
+              </a:ext>
+            </a:extLst>
+          </p:cNvPr>
+          <p:cNvSpPr txBox="1"/>
+          <p:nvPr/>
+        </p:nvSpPr>
+        <p:spPr>
+          <a:xfrm>
+            <a:off x="1062288" y="1509782"/>
+            <a:ext cx="10318738" cy="3416320"/>
+          </a:xfrm>
+          <a:prstGeom prst="rect">
+            <a:avLst/>
+          </a:prstGeom>
+          <a:noFill/>
+          <a:ln>
+            <a:solidFill>
+              <a:schemeClr val="tx1"/>
+            </a:solidFill>
+          </a:ln>
+        </p:spPr>
+        <p:txBody>
+          <a:bodyPr wrap="square" rtlCol="0">
+            <a:spAutoFit/>
+          </a:bodyPr>
+          <a:lstStyle/>
+          <a:p>
+            <a:r>
+              <a:rPr lang="en-US" b="1" dirty="0"/>
+              <a:t>POST</a:t>
+            </a:r>
+            <a:r>
+              <a:rPr lang="en-US" dirty="0"/>
+              <a:t> /</a:t>
+            </a:r>
+            <a:r>
+              <a:rPr lang="en-US" dirty="0" err="1"/>
+              <a:t>shakespeare</a:t>
+            </a:r>
+            <a:r>
+              <a:rPr lang="en-US" dirty="0"/>
+              <a:t>/_</a:t>
+            </a:r>
+            <a:r>
+              <a:rPr lang="en-US" dirty="0" err="1"/>
+              <a:t>search?size</a:t>
+            </a:r>
+            <a:r>
+              <a:rPr lang="en-US" dirty="0"/>
+              <a:t>=0 HTTP/1.1</a:t>
+            </a:r>
+            <a:endParaRPr lang="pl-PL" dirty="0"/>
+          </a:p>
+          <a:p>
+            <a:r>
+              <a:rPr lang="en-US" dirty="0"/>
+              <a:t>Host: localhost:9200</a:t>
+            </a:r>
+            <a:endParaRPr lang="pl-PL" dirty="0"/>
+          </a:p>
+          <a:p>
+            <a:r>
+              <a:rPr lang="en-US" dirty="0"/>
+              <a:t>{</a:t>
+            </a:r>
+          </a:p>
+          <a:p>
+            <a:r>
+              <a:rPr lang="en-US" dirty="0"/>
+              <a:t>    "</a:t>
+            </a:r>
+            <a:r>
+              <a:rPr lang="en-US" dirty="0" err="1"/>
+              <a:t>aggs</a:t>
+            </a:r>
+            <a:r>
+              <a:rPr lang="en-US" dirty="0"/>
+              <a:t>" : {</a:t>
+            </a:r>
+          </a:p>
+          <a:p>
+            <a:r>
+              <a:rPr lang="en-US" dirty="0"/>
+              <a:t>        „</a:t>
+            </a:r>
+            <a:r>
+              <a:rPr lang="pl-PL" dirty="0"/>
+              <a:t>plays</a:t>
+            </a:r>
+            <a:r>
+              <a:rPr lang="en-US" dirty="0"/>
+              <a:t>" : {</a:t>
+            </a:r>
+          </a:p>
+          <a:p>
+            <a:r>
+              <a:rPr lang="en-US" dirty="0"/>
+              <a:t>            "terms" : {</a:t>
+            </a:r>
+          </a:p>
+          <a:p>
+            <a:r>
+              <a:rPr lang="en-US" dirty="0"/>
+              <a:t>            	"field" : "</a:t>
+            </a:r>
+            <a:r>
+              <a:rPr lang="en-US" dirty="0" err="1"/>
+              <a:t>play_name</a:t>
+            </a:r>
+            <a:r>
+              <a:rPr lang="en-US" dirty="0"/>
+              <a:t>",</a:t>
+            </a:r>
+          </a:p>
+          <a:p>
+            <a:r>
+              <a:rPr lang="en-US" dirty="0"/>
+              <a:t>            	 "size" : 100</a:t>
+            </a:r>
+          </a:p>
+          <a:p>
+            <a:r>
+              <a:rPr lang="en-US" dirty="0"/>
+              <a:t>        	}</a:t>
+            </a:r>
+          </a:p>
+          <a:p>
+            <a:r>
+              <a:rPr lang="en-US" dirty="0"/>
+              <a:t>        }</a:t>
+            </a:r>
+          </a:p>
+          <a:p>
+            <a:r>
+              <a:rPr lang="en-US" dirty="0"/>
+              <a:t>    }</a:t>
+            </a:r>
+          </a:p>
+          <a:p>
+            <a:r>
+              <a:rPr lang="en-US" dirty="0"/>
+              <a:t>}</a:t>
+            </a:r>
+          </a:p>
+        </p:txBody>
+      </p:sp>
+    </p:spTree>
+    <p:extLst>
+      <p:ext uri="{BB962C8B-B14F-4D97-AF65-F5344CB8AC3E}">
+        <p14:creationId xmlns:p14="http://schemas.microsoft.com/office/powerpoint/2010/main" val="1216930548"/>
+      </p:ext>
+    </p:extLst>
+  </p:cSld>
+  <p:clrMapOvr>
+    <a:masterClrMapping/>
+  </p:clrMapOvr>
+  <p:transition>
+    <p:fade/>
+  </p:transition>
+</p:sld>
+</file>
+
+<file path=ppt/slides/slide23.xml><?xml version="1.0" encoding="utf-8"?>
+<p:sld xmlns:a="http://schemas.openxmlformats.org/drawingml/2006/main" xmlns:r="http://schemas.openxmlformats.org/officeDocument/2006/relationships" xmlns:p="http://schemas.openxmlformats.org/presentationml/2006/main">
+  <p:cSld>
+    <p:spTree>
+      <p:nvGrpSpPr>
+        <p:cNvPr id="1" name=""/>
+        <p:cNvGrpSpPr/>
+        <p:nvPr/>
+      </p:nvGrpSpPr>
+      <p:grpSpPr>
+        <a:xfrm>
+          <a:off x="0" y="0"/>
+          <a:ext cx="0" cy="0"/>
+          <a:chOff x="0" y="0"/>
+          <a:chExt cx="0" cy="0"/>
+        </a:xfrm>
+      </p:grpSpPr>
+      <p:sp>
+        <p:nvSpPr>
+          <p:cNvPr id="2" name="Text Placeholder 1">
+            <a:extLst>
+              <a:ext uri="{FF2B5EF4-FFF2-40B4-BE49-F238E27FC236}">
+                <a16:creationId xmlns:a16="http://schemas.microsoft.com/office/drawing/2014/main" id="{DCAC3D75-B3E1-4929-8762-741D6E43DEF0}"/>
+              </a:ext>
+            </a:extLst>
+          </p:cNvPr>
+          <p:cNvSpPr>
+            <a:spLocks noGrp="1"/>
+          </p:cNvSpPr>
+          <p:nvPr>
+            <p:ph type="body" sz="quarter" idx="10"/>
+          </p:nvPr>
+        </p:nvSpPr>
+        <p:spPr>
+          <a:xfrm>
+            <a:off x="982718" y="324676"/>
+            <a:ext cx="10524898" cy="1080861"/>
+          </a:xfrm>
+        </p:spPr>
+        <p:txBody>
+          <a:bodyPr/>
+          <a:lstStyle/>
+          <a:p>
+            <a:r>
+              <a:rPr lang="pl-PL" dirty="0"/>
+              <a:t>Aggregations over aggregated buckets </a:t>
+            </a:r>
+          </a:p>
+        </p:txBody>
+      </p:sp>
+      <p:sp>
+        <p:nvSpPr>
+          <p:cNvPr id="4" name="Slide Number Placeholder 3">
+            <a:extLst>
+              <a:ext uri="{FF2B5EF4-FFF2-40B4-BE49-F238E27FC236}">
+                <a16:creationId xmlns:a16="http://schemas.microsoft.com/office/drawing/2014/main" id="{5D1CAD26-D56A-41F3-9C07-DE4CE2CC5E46}"/>
+              </a:ext>
+            </a:extLst>
+          </p:cNvPr>
+          <p:cNvSpPr>
+            <a:spLocks noGrp="1"/>
+          </p:cNvSpPr>
+          <p:nvPr>
+            <p:ph type="sldNum" sz="quarter" idx="12"/>
+          </p:nvPr>
+        </p:nvSpPr>
+        <p:spPr/>
+        <p:txBody>
+          <a:bodyPr/>
+          <a:lstStyle/>
+          <a:p>
+            <a:fld id="{3847DB54-D037-B84F-B6F1-2E8DA40D09AD}" type="slidenum">
+              <a:rPr lang="en-US" smtClean="0"/>
+              <a:pPr/>
+              <a:t>23</a:t>
+            </a:fld>
+            <a:endParaRPr lang="en-US"/>
+          </a:p>
+        </p:txBody>
+      </p:sp>
+      <p:pic>
+        <p:nvPicPr>
+          <p:cNvPr id="8" name="Picture 7">
+            <a:extLst>
+              <a:ext uri="{FF2B5EF4-FFF2-40B4-BE49-F238E27FC236}">
+                <a16:creationId xmlns:a16="http://schemas.microsoft.com/office/drawing/2014/main" id="{647EAE1D-CAE0-4493-A4A1-0A12D870DFEC}"/>
+              </a:ext>
+            </a:extLst>
+          </p:cNvPr>
+          <p:cNvPicPr>
+            <a:picLocks noChangeAspect="1"/>
+          </p:cNvPicPr>
+          <p:nvPr/>
+        </p:nvPicPr>
+        <p:blipFill>
+          <a:blip r:embed="rId2"/>
+          <a:stretch>
+            <a:fillRect/>
+          </a:stretch>
+        </p:blipFill>
+        <p:spPr>
+          <a:xfrm>
+            <a:off x="811361" y="1512690"/>
+            <a:ext cx="5619370" cy="3665855"/>
+          </a:xfrm>
+          <a:prstGeom prst="rect">
+            <a:avLst/>
+          </a:prstGeom>
+        </p:spPr>
+      </p:pic>
+      <p:pic>
+        <p:nvPicPr>
+          <p:cNvPr id="9" name="Picture 8">
+            <a:extLst>
+              <a:ext uri="{FF2B5EF4-FFF2-40B4-BE49-F238E27FC236}">
+                <a16:creationId xmlns:a16="http://schemas.microsoft.com/office/drawing/2014/main" id="{151DD47F-634C-4770-B1F8-C0EB51950EBB}"/>
+              </a:ext>
+            </a:extLst>
+          </p:cNvPr>
+          <p:cNvPicPr>
+            <a:picLocks noChangeAspect="1"/>
+          </p:cNvPicPr>
+          <p:nvPr/>
+        </p:nvPicPr>
+        <p:blipFill>
+          <a:blip r:embed="rId3"/>
+          <a:stretch>
+            <a:fillRect/>
+          </a:stretch>
+        </p:blipFill>
+        <p:spPr>
+          <a:xfrm>
+            <a:off x="6430731" y="1619844"/>
+            <a:ext cx="4879774" cy="3451548"/>
+          </a:xfrm>
+          <a:prstGeom prst="rect">
+            <a:avLst/>
+          </a:prstGeom>
+        </p:spPr>
+      </p:pic>
+    </p:spTree>
+    <p:extLst>
+      <p:ext uri="{BB962C8B-B14F-4D97-AF65-F5344CB8AC3E}">
+        <p14:creationId xmlns:p14="http://schemas.microsoft.com/office/powerpoint/2010/main" val="3731926408"/>
+      </p:ext>
+    </p:extLst>
+  </p:cSld>
+  <p:clrMapOvr>
+    <a:masterClrMapping/>
+  </p:clrMapOvr>
+  <p:transition>
+    <p:fade/>
+  </p:transition>
+</p:sld>
+</file>
+
+<file path=ppt/slides/slide24.xml><?xml version="1.0" encoding="utf-8"?>
+<p:sld xmlns:a="http://schemas.openxmlformats.org/drawingml/2006/main" xmlns:r="http://schemas.openxmlformats.org/officeDocument/2006/relationships" xmlns:p="http://schemas.openxmlformats.org/presentationml/2006/main">
+  <p:cSld>
+    <p:spTree>
+      <p:nvGrpSpPr>
+        <p:cNvPr id="1" name=""/>
+        <p:cNvGrpSpPr/>
+        <p:nvPr/>
+      </p:nvGrpSpPr>
+      <p:grpSpPr>
+        <a:xfrm>
+          <a:off x="0" y="0"/>
+          <a:ext cx="0" cy="0"/>
+          <a:chOff x="0" y="0"/>
+          <a:chExt cx="0" cy="0"/>
+        </a:xfrm>
+      </p:grpSpPr>
+      <p:sp>
+        <p:nvSpPr>
+          <p:cNvPr id="2" name="Text Placeholder 1">
+            <a:extLst>
+              <a:ext uri="{FF2B5EF4-FFF2-40B4-BE49-F238E27FC236}">
+                <a16:creationId xmlns:a16="http://schemas.microsoft.com/office/drawing/2014/main" id="{84A92D08-FF23-43D7-B20A-FF185DF95E1F}"/>
+              </a:ext>
+            </a:extLst>
+          </p:cNvPr>
+          <p:cNvSpPr>
+            <a:spLocks noGrp="1"/>
+          </p:cNvSpPr>
+          <p:nvPr>
+            <p:ph type="body" sz="quarter" idx="10"/>
+          </p:nvPr>
+        </p:nvSpPr>
+        <p:spPr>
+          <a:xfrm>
+            <a:off x="925341" y="373353"/>
+            <a:ext cx="10524898" cy="1080861"/>
+          </a:xfrm>
+        </p:spPr>
+        <p:txBody>
+          <a:bodyPr/>
+          <a:lstStyle/>
+          <a:p>
+            <a:r>
+              <a:rPr lang="pl-PL" dirty="0"/>
+              <a:t>Geo queries – points </a:t>
+            </a:r>
+          </a:p>
+        </p:txBody>
+      </p:sp>
+      <p:sp>
+        <p:nvSpPr>
+          <p:cNvPr id="3" name="Text Placeholder 2">
+            <a:extLst>
+              <a:ext uri="{FF2B5EF4-FFF2-40B4-BE49-F238E27FC236}">
+                <a16:creationId xmlns:a16="http://schemas.microsoft.com/office/drawing/2014/main" id="{C00A35C1-F1DC-4CE9-BE7F-5B6D65D8A486}"/>
+              </a:ext>
+            </a:extLst>
+          </p:cNvPr>
+          <p:cNvSpPr>
+            <a:spLocks noGrp="1"/>
+          </p:cNvSpPr>
+          <p:nvPr>
+            <p:ph type="body" sz="quarter" idx="11"/>
+          </p:nvPr>
+        </p:nvSpPr>
+        <p:spPr>
+          <a:xfrm>
+            <a:off x="1083386" y="1213338"/>
+            <a:ext cx="10524898" cy="4765431"/>
+          </a:xfrm>
+        </p:spPr>
+        <p:txBody>
+          <a:bodyPr/>
+          <a:lstStyle/>
+          <a:p>
+            <a:r>
+              <a:rPr lang="pl-PL" dirty="0"/>
+              <a:t>Geo pont</a:t>
+            </a:r>
+            <a:r>
+              <a:rPr lang="en-US" dirty="0"/>
+              <a:t> can be saved in </a:t>
+            </a:r>
+            <a:r>
+              <a:rPr lang="en-US" dirty="0" err="1"/>
+              <a:t>elasticsearch</a:t>
+            </a:r>
+            <a:r>
+              <a:rPr lang="en-US" dirty="0"/>
+              <a:t> as a pair of numbers: latitude and longitude</a:t>
+            </a:r>
+            <a:r>
+              <a:rPr lang="pl-PL" dirty="0"/>
+              <a:t>. </a:t>
+            </a:r>
+          </a:p>
+          <a:p>
+            <a:r>
+              <a:rPr lang="pl-PL" dirty="0"/>
+              <a:t>Following filters can help:</a:t>
+            </a:r>
+          </a:p>
+          <a:p>
+            <a:endParaRPr lang="pl-PL" dirty="0"/>
+          </a:p>
+          <a:p>
+            <a:pPr marL="514350" indent="-514350">
+              <a:buFont typeface="+mj-lt"/>
+              <a:buAutoNum type="arabicPeriod"/>
+            </a:pPr>
+            <a:r>
+              <a:rPr lang="en-US" sz="2000" dirty="0" err="1"/>
+              <a:t>geo_distance</a:t>
+            </a:r>
+            <a:r>
+              <a:rPr lang="en-US" sz="2000" dirty="0"/>
+              <a:t> - Finds document with geo-points within the specified distance of a central point.</a:t>
+            </a:r>
+            <a:endParaRPr lang="pl-PL" sz="2000" dirty="0"/>
+          </a:p>
+          <a:p>
+            <a:pPr marL="514350" indent="-514350">
+              <a:buFont typeface="+mj-lt"/>
+              <a:buAutoNum type="arabicPeriod"/>
+            </a:pPr>
+            <a:r>
+              <a:rPr lang="en-US" sz="2000" dirty="0" err="1"/>
+              <a:t>geo_bounding_box</a:t>
+            </a:r>
+            <a:r>
+              <a:rPr lang="pl-PL" sz="2000" dirty="0"/>
+              <a:t> - f</a:t>
+            </a:r>
+            <a:r>
+              <a:rPr lang="en-US" sz="2000" dirty="0" err="1"/>
+              <a:t>inds</a:t>
+            </a:r>
+            <a:r>
+              <a:rPr lang="en-US" sz="2000" dirty="0"/>
+              <a:t> documents with geo-points that fall into the specified rectangle.</a:t>
+            </a:r>
+            <a:endParaRPr lang="pl-PL" sz="2000" dirty="0"/>
+          </a:p>
+          <a:p>
+            <a:pPr marL="514350" indent="-514350">
+              <a:buFont typeface="+mj-lt"/>
+              <a:buAutoNum type="arabicPeriod"/>
+            </a:pPr>
+            <a:r>
+              <a:rPr lang="en-US" sz="2000" dirty="0" err="1"/>
+              <a:t>geo_polygon</a:t>
+            </a:r>
+            <a:r>
+              <a:rPr lang="pl-PL" sz="2000" dirty="0"/>
+              <a:t> - f</a:t>
+            </a:r>
+            <a:r>
+              <a:rPr lang="en-US" sz="2000" dirty="0" err="1"/>
+              <a:t>ind</a:t>
+            </a:r>
+            <a:r>
+              <a:rPr lang="pl-PL" sz="2000" dirty="0"/>
+              <a:t>s</a:t>
+            </a:r>
+            <a:r>
+              <a:rPr lang="en-US" sz="2000" dirty="0"/>
+              <a:t> documents with geo-points within the specified polygon.</a:t>
+            </a:r>
+            <a:endParaRPr lang="pl-PL" sz="2000" dirty="0"/>
+          </a:p>
+        </p:txBody>
+      </p:sp>
+      <p:sp>
+        <p:nvSpPr>
+          <p:cNvPr id="4" name="Slide Number Placeholder 3">
+            <a:extLst>
+              <a:ext uri="{FF2B5EF4-FFF2-40B4-BE49-F238E27FC236}">
+                <a16:creationId xmlns:a16="http://schemas.microsoft.com/office/drawing/2014/main" id="{D94F83CF-6D59-4CC8-8274-73ECCFD94610}"/>
+              </a:ext>
+            </a:extLst>
+          </p:cNvPr>
+          <p:cNvSpPr>
+            <a:spLocks noGrp="1"/>
+          </p:cNvSpPr>
+          <p:nvPr>
+            <p:ph type="sldNum" sz="quarter" idx="12"/>
+          </p:nvPr>
+        </p:nvSpPr>
+        <p:spPr/>
+        <p:txBody>
+          <a:bodyPr/>
+          <a:lstStyle/>
+          <a:p>
+            <a:fld id="{3847DB54-D037-B84F-B6F1-2E8DA40D09AD}" type="slidenum">
+              <a:rPr lang="en-US" smtClean="0"/>
+              <a:pPr/>
+              <a:t>24</a:t>
+            </a:fld>
+            <a:endParaRPr lang="en-US"/>
+          </a:p>
+        </p:txBody>
+      </p:sp>
+      <p:sp>
+        <p:nvSpPr>
+          <p:cNvPr id="7" name="Rectangle 3">
+            <a:extLst>
+              <a:ext uri="{FF2B5EF4-FFF2-40B4-BE49-F238E27FC236}">
+                <a16:creationId xmlns:a16="http://schemas.microsoft.com/office/drawing/2014/main" id="{6E2489A4-566D-4EF5-9E85-7F22857577DC}"/>
+              </a:ext>
+            </a:extLst>
+          </p:cNvPr>
+          <p:cNvSpPr>
+            <a:spLocks noChangeArrowheads="1"/>
+          </p:cNvSpPr>
+          <p:nvPr/>
+        </p:nvSpPr>
+        <p:spPr bwMode="auto">
+          <a:xfrm>
+            <a:off x="0" y="0"/>
+            <a:ext cx="12192000" cy="0"/>
+          </a:xfrm>
+          <a:prstGeom prst="rect">
+            <a:avLst/>
+          </a:prstGeom>
+          <a:solidFill>
+            <a:srgbClr val="FFFFFF"/>
+          </a:solidFill>
+          <a:ln>
+            <a:noFill/>
+          </a:ln>
+          <a:effectLst/>
+          <a:extLst>
+            <a:ext uri="{91240B29-F687-4F45-9708-019B960494DF}">
+              <a14:hiddenLine xmlns:a14="http://schemas.microsoft.com/office/drawing/2010/main" w="9525">
+                <a:solidFill>
+                  <a:schemeClr val="tx1"/>
+                </a:solidFill>
+                <a:miter lim="800000"/>
+                <a:headEnd/>
+                <a:tailEnd/>
+              </a14:hiddenLine>
+            </a:ext>
+            <a:ext uri="{AF507438-7753-43E0-B8FC-AC1667EBCBE1}">
+              <a14:hiddenEffects xmlns:a14="http://schemas.microsoft.com/office/drawing/2010/main">
+                <a:effectLst>
+                  <a:outerShdw dist="35921" dir="2700000" algn="ctr" rotWithShape="0">
+                    <a:schemeClr val="bg2"/>
+                  </a:outerShdw>
+                </a:effectLst>
+              </a14:hiddenEffects>
+            </a:ext>
+          </a:extLst>
+        </p:spPr>
+        <p:txBody>
+          <a:bodyPr vert="horz" wrap="none" lIns="317400" tIns="0" rIns="0" bIns="79350" numCol="1" anchor="ctr" anchorCtr="0" compatLnSpc="1">
+            <a:prstTxWarp prst="textNoShape">
+              <a:avLst/>
+            </a:prstTxWarp>
+            <a:spAutoFit/>
+          </a:bodyPr>
+          <a:lstStyle/>
+          <a:p>
+            <a:pPr marL="0" marR="0" lvl="0" indent="0" algn="l" defTabSz="914400" rtl="0" eaLnBrk="0" fontAlgn="base" latinLnBrk="0" hangingPunct="0">
+              <a:lnSpc>
+                <a:spcPct val="100000"/>
+              </a:lnSpc>
+              <a:spcBef>
+                <a:spcPct val="0"/>
+              </a:spcBef>
+              <a:spcAft>
+                <a:spcPct val="0"/>
+              </a:spcAft>
+              <a:buClrTx/>
+              <a:buSzTx/>
+              <a:buFontTx/>
+              <a:buNone/>
+              <a:tabLst/>
+            </a:pPr>
+            <a:r>
+              <a:rPr kumimoji="0" lang="pl-PL" altLang="pl-PL" sz="1100" b="0" i="0" u="none" strike="noStrike" cap="none" normalizeH="0" baseline="0">
+                <a:ln>
+                  <a:noFill/>
+                </a:ln>
+                <a:solidFill>
+                  <a:srgbClr val="444444"/>
+                </a:solidFill>
+                <a:effectLst/>
+                <a:latin typeface="Open Sans"/>
+              </a:rPr>
+              <a:t>Find document with geo-shapes which either intersect, are contained by, or do not intersect with the specified geo-shape.</a:t>
+            </a:r>
+          </a:p>
+          <a:p>
+            <a:pPr marL="0" marR="0" lvl="0" indent="0" algn="l" defTabSz="914400" rtl="0" eaLnBrk="0" fontAlgn="base" latinLnBrk="0" hangingPunct="0">
+              <a:lnSpc>
+                <a:spcPct val="100000"/>
+              </a:lnSpc>
+              <a:spcBef>
+                <a:spcPct val="0"/>
+              </a:spcBef>
+              <a:spcAft>
+                <a:spcPct val="0"/>
+              </a:spcAft>
+              <a:buClrTx/>
+              <a:buSzTx/>
+              <a:buFontTx/>
+              <a:buNone/>
+              <a:tabLst/>
+            </a:pPr>
+            <a:br>
+              <a:rPr kumimoji="0" lang="pl-PL" altLang="pl-PL" sz="800" b="0" i="0" u="none" strike="noStrike" cap="none" normalizeH="0" baseline="0">
+                <a:ln>
+                  <a:noFill/>
+                </a:ln>
+                <a:solidFill>
+                  <a:schemeClr val="tx1"/>
+                </a:solidFill>
+                <a:effectLst/>
+              </a:rPr>
+            </a:br>
+            <a:endParaRPr kumimoji="0" lang="pl-PL" altLang="pl-PL" sz="1800" b="0" i="0" u="none" strike="noStrike" cap="none" normalizeH="0" baseline="0">
+              <a:ln>
+                <a:noFill/>
+              </a:ln>
+              <a:solidFill>
+                <a:schemeClr val="tx1"/>
+              </a:solidFill>
+              <a:effectLst/>
+              <a:latin typeface="Arial" panose="020B0604020202020204" pitchFamily="34" charset="0"/>
+            </a:endParaRPr>
+          </a:p>
+        </p:txBody>
+      </p:sp>
+      <p:sp>
+        <p:nvSpPr>
+          <p:cNvPr id="8" name="Rectangle 4">
+            <a:extLst>
+              <a:ext uri="{FF2B5EF4-FFF2-40B4-BE49-F238E27FC236}">
+                <a16:creationId xmlns:a16="http://schemas.microsoft.com/office/drawing/2014/main" id="{251C5725-AB24-4CCB-BFC1-ED90B76C31A5}"/>
+              </a:ext>
+            </a:extLst>
+          </p:cNvPr>
+          <p:cNvSpPr>
+            <a:spLocks noChangeArrowheads="1"/>
+          </p:cNvSpPr>
+          <p:nvPr/>
+        </p:nvSpPr>
+        <p:spPr bwMode="auto">
+          <a:xfrm>
+            <a:off x="152400" y="152400"/>
+            <a:ext cx="12192000" cy="0"/>
+          </a:xfrm>
+          <a:prstGeom prst="rect">
+            <a:avLst/>
+          </a:prstGeom>
+          <a:solidFill>
+            <a:srgbClr val="FFFFFF"/>
+          </a:solidFill>
+          <a:ln>
+            <a:noFill/>
+          </a:ln>
+          <a:effectLst/>
+          <a:extLst>
+            <a:ext uri="{91240B29-F687-4F45-9708-019B960494DF}">
+              <a14:hiddenLine xmlns:a14="http://schemas.microsoft.com/office/drawing/2010/main" w="9525">
+                <a:solidFill>
+                  <a:schemeClr val="tx1"/>
+                </a:solidFill>
+                <a:miter lim="800000"/>
+                <a:headEnd/>
+                <a:tailEnd/>
+              </a14:hiddenLine>
+            </a:ext>
+            <a:ext uri="{AF507438-7753-43E0-B8FC-AC1667EBCBE1}">
+              <a14:hiddenEffects xmlns:a14="http://schemas.microsoft.com/office/drawing/2010/main">
+                <a:effectLst>
+                  <a:outerShdw dist="35921" dir="2700000" algn="ctr" rotWithShape="0">
+                    <a:schemeClr val="bg2"/>
+                  </a:outerShdw>
+                </a:effectLst>
+              </a14:hiddenEffects>
+            </a:ext>
+          </a:extLst>
+        </p:spPr>
+        <p:txBody>
+          <a:bodyPr vert="horz" wrap="none" lIns="317400" tIns="0" rIns="0" bIns="79350" numCol="1" anchor="ctr" anchorCtr="0" compatLnSpc="1">
+            <a:prstTxWarp prst="textNoShape">
+              <a:avLst/>
+            </a:prstTxWarp>
+            <a:spAutoFit/>
+          </a:bodyPr>
+          <a:lstStyle/>
+          <a:p>
+            <a:pPr marL="0" marR="0" lvl="0" indent="0" algn="l" defTabSz="914400" rtl="0" eaLnBrk="0" fontAlgn="base" latinLnBrk="0" hangingPunct="0">
+              <a:lnSpc>
+                <a:spcPct val="100000"/>
+              </a:lnSpc>
+              <a:spcBef>
+                <a:spcPct val="0"/>
+              </a:spcBef>
+              <a:spcAft>
+                <a:spcPct val="0"/>
+              </a:spcAft>
+              <a:buClrTx/>
+              <a:buSzTx/>
+              <a:buFontTx/>
+              <a:buNone/>
+              <a:tabLst/>
+            </a:pPr>
+            <a:r>
+              <a:rPr kumimoji="0" lang="pl-PL" altLang="pl-PL" sz="1100" b="0" i="0" u="none" strike="noStrike" cap="none" normalizeH="0" baseline="0">
+                <a:ln>
+                  <a:noFill/>
+                </a:ln>
+                <a:solidFill>
+                  <a:srgbClr val="444444"/>
+                </a:solidFill>
+                <a:effectLst/>
+                <a:latin typeface="Open Sans"/>
+              </a:rPr>
+              <a:t>Find document with geo-shapes which either intersect, are contained by, or do not intersect with the specified geo-shape.</a:t>
+            </a:r>
+          </a:p>
+          <a:p>
+            <a:pPr marL="0" marR="0" lvl="0" indent="0" algn="l" defTabSz="914400" rtl="0" eaLnBrk="0" fontAlgn="base" latinLnBrk="0" hangingPunct="0">
+              <a:lnSpc>
+                <a:spcPct val="100000"/>
+              </a:lnSpc>
+              <a:spcBef>
+                <a:spcPct val="0"/>
+              </a:spcBef>
+              <a:spcAft>
+                <a:spcPct val="0"/>
+              </a:spcAft>
+              <a:buClrTx/>
+              <a:buSzTx/>
+              <a:buFontTx/>
+              <a:buNone/>
+              <a:tabLst/>
+            </a:pPr>
+            <a:br>
+              <a:rPr kumimoji="0" lang="pl-PL" altLang="pl-PL" sz="800" b="0" i="0" u="none" strike="noStrike" cap="none" normalizeH="0" baseline="0">
+                <a:ln>
+                  <a:noFill/>
+                </a:ln>
+                <a:solidFill>
+                  <a:schemeClr val="tx1"/>
+                </a:solidFill>
+                <a:effectLst/>
+              </a:rPr>
+            </a:br>
+            <a:endParaRPr kumimoji="0" lang="pl-PL" altLang="pl-PL" sz="1800" b="0" i="0" u="none" strike="noStrike" cap="none" normalizeH="0" baseline="0">
+              <a:ln>
+                <a:noFill/>
+              </a:ln>
+              <a:solidFill>
+                <a:schemeClr val="tx1"/>
+              </a:solidFill>
+              <a:effectLst/>
+              <a:latin typeface="Arial" panose="020B0604020202020204" pitchFamily="34" charset="0"/>
+            </a:endParaRPr>
+          </a:p>
+        </p:txBody>
+      </p:sp>
+    </p:spTree>
+    <p:extLst>
+      <p:ext uri="{BB962C8B-B14F-4D97-AF65-F5344CB8AC3E}">
+        <p14:creationId xmlns:p14="http://schemas.microsoft.com/office/powerpoint/2010/main" val="1565638105"/>
+      </p:ext>
+    </p:extLst>
+  </p:cSld>
+  <p:clrMapOvr>
+    <a:masterClrMapping/>
+  </p:clrMapOvr>
+  <p:transition>
+    <p:fade/>
+  </p:transition>
+</p:sld>
+</file>
+
+<file path=ppt/slides/slide25.xml><?xml version="1.0" encoding="utf-8"?>
+<p:sld xmlns:a="http://schemas.openxmlformats.org/drawingml/2006/main" xmlns:r="http://schemas.openxmlformats.org/officeDocument/2006/relationships" xmlns:p="http://schemas.openxmlformats.org/presentationml/2006/main">
+  <p:cSld>
+    <p:spTree>
+      <p:nvGrpSpPr>
+        <p:cNvPr id="1" name=""/>
+        <p:cNvGrpSpPr/>
+        <p:nvPr/>
+      </p:nvGrpSpPr>
+      <p:grpSpPr>
+        <a:xfrm>
+          <a:off x="0" y="0"/>
+          <a:ext cx="0" cy="0"/>
+          <a:chOff x="0" y="0"/>
+          <a:chExt cx="0" cy="0"/>
+        </a:xfrm>
+      </p:grpSpPr>
+      <p:sp>
+        <p:nvSpPr>
+          <p:cNvPr id="2" name="Text Placeholder 1">
+            <a:extLst>
+              <a:ext uri="{FF2B5EF4-FFF2-40B4-BE49-F238E27FC236}">
+                <a16:creationId xmlns:a16="http://schemas.microsoft.com/office/drawing/2014/main" id="{2855C420-F7C0-497F-B1E9-8604C76A7934}"/>
+              </a:ext>
+            </a:extLst>
+          </p:cNvPr>
+          <p:cNvSpPr>
+            <a:spLocks noGrp="1"/>
+          </p:cNvSpPr>
+          <p:nvPr>
+            <p:ph type="body" sz="quarter" idx="10"/>
+          </p:nvPr>
+        </p:nvSpPr>
+        <p:spPr>
+          <a:xfrm>
+            <a:off x="947920" y="362064"/>
+            <a:ext cx="10524898" cy="1080861"/>
+          </a:xfrm>
+        </p:spPr>
+        <p:txBody>
+          <a:bodyPr/>
+          <a:lstStyle/>
+          <a:p>
+            <a:r>
+              <a:rPr lang="pl-PL" dirty="0"/>
+              <a:t>Geo queries – shapes </a:t>
+            </a:r>
+          </a:p>
+        </p:txBody>
+      </p:sp>
+      <p:sp>
+        <p:nvSpPr>
+          <p:cNvPr id="3" name="Text Placeholder 2">
+            <a:extLst>
+              <a:ext uri="{FF2B5EF4-FFF2-40B4-BE49-F238E27FC236}">
+                <a16:creationId xmlns:a16="http://schemas.microsoft.com/office/drawing/2014/main" id="{F86BE965-1AF1-4942-8F23-6DD18C8CD5E6}"/>
+              </a:ext>
+            </a:extLst>
+          </p:cNvPr>
+          <p:cNvSpPr>
+            <a:spLocks noGrp="1"/>
+          </p:cNvSpPr>
+          <p:nvPr>
+            <p:ph type="body" sz="quarter" idx="11"/>
+          </p:nvPr>
+        </p:nvSpPr>
+        <p:spPr>
+          <a:xfrm>
+            <a:off x="947920" y="1162894"/>
+            <a:ext cx="10524898" cy="2266106"/>
+          </a:xfrm>
+        </p:spPr>
+        <p:txBody>
+          <a:bodyPr/>
+          <a:lstStyle/>
+          <a:p>
+            <a:r>
+              <a:rPr lang="pl-PL" dirty="0"/>
+              <a:t>Fi</a:t>
+            </a:r>
+            <a:r>
+              <a:rPr lang="en-US" dirty="0" err="1"/>
+              <a:t>nds</a:t>
+            </a:r>
+            <a:r>
+              <a:rPr lang="en-US" dirty="0"/>
+              <a:t> document</a:t>
+            </a:r>
+            <a:r>
+              <a:rPr lang="pl-PL" dirty="0"/>
+              <a:t>s</a:t>
+            </a:r>
+            <a:r>
+              <a:rPr lang="en-US" dirty="0"/>
+              <a:t> with geo-shape</a:t>
+            </a:r>
+            <a:r>
+              <a:rPr lang="pl-PL" dirty="0"/>
+              <a:t>, supports </a:t>
+            </a:r>
+          </a:p>
+          <a:p>
+            <a:pPr marL="1200150" lvl="1" indent="-514350">
+              <a:buFont typeface="+mj-lt"/>
+              <a:buAutoNum type="alphaLcParenR"/>
+            </a:pPr>
+            <a:r>
+              <a:rPr lang="en-US" dirty="0"/>
+              <a:t>INTERSECTS - (default) Return all documents whose </a:t>
+            </a:r>
+            <a:r>
+              <a:rPr lang="en-US" dirty="0" err="1"/>
+              <a:t>geo_shape</a:t>
+            </a:r>
+            <a:r>
+              <a:rPr lang="en-US" dirty="0"/>
+              <a:t> field intersects the query geometry.</a:t>
+            </a:r>
+          </a:p>
+          <a:p>
+            <a:pPr marL="1200150" lvl="1" indent="-514350">
+              <a:buFont typeface="+mj-lt"/>
+              <a:buAutoNum type="alphaLcParenR"/>
+            </a:pPr>
+            <a:r>
+              <a:rPr lang="en-US" dirty="0"/>
+              <a:t>DISJOINT - Return all documents whose </a:t>
+            </a:r>
+            <a:r>
+              <a:rPr lang="en-US" dirty="0" err="1"/>
+              <a:t>geo_shape</a:t>
+            </a:r>
+            <a:r>
+              <a:rPr lang="en-US" dirty="0"/>
+              <a:t> field has nothing in common with the query geometry.</a:t>
+            </a:r>
+          </a:p>
+          <a:p>
+            <a:pPr marL="1200150" lvl="1" indent="-514350">
+              <a:buFont typeface="+mj-lt"/>
+              <a:buAutoNum type="alphaLcParenR"/>
+            </a:pPr>
+            <a:r>
+              <a:rPr lang="en-US" dirty="0"/>
+              <a:t>WITHIN - Return all documents whose </a:t>
+            </a:r>
+            <a:r>
+              <a:rPr lang="en-US" dirty="0" err="1"/>
+              <a:t>geo_shape</a:t>
+            </a:r>
+            <a:r>
+              <a:rPr lang="en-US" dirty="0"/>
+              <a:t> field is within the query geometry.</a:t>
+            </a:r>
+          </a:p>
+          <a:p>
+            <a:pPr marL="1200150" lvl="1" indent="-514350">
+              <a:buFont typeface="+mj-lt"/>
+              <a:buAutoNum type="alphaLcParenR"/>
+            </a:pPr>
+            <a:r>
+              <a:rPr lang="en-US" dirty="0"/>
+              <a:t>CONTAINS - Return all documents whose </a:t>
+            </a:r>
+            <a:r>
+              <a:rPr lang="en-US" dirty="0" err="1"/>
+              <a:t>geo_shape</a:t>
+            </a:r>
+            <a:r>
+              <a:rPr lang="en-US" dirty="0"/>
+              <a:t> field contains the query </a:t>
+            </a:r>
+            <a:r>
+              <a:rPr lang="en-US" dirty="0" err="1"/>
+              <a:t>geometr</a:t>
+            </a:r>
+            <a:endParaRPr lang="pl-PL" dirty="0"/>
+          </a:p>
+          <a:p>
+            <a:endParaRPr lang="pl-PL" dirty="0"/>
+          </a:p>
+        </p:txBody>
+      </p:sp>
+      <p:sp>
+        <p:nvSpPr>
+          <p:cNvPr id="4" name="Slide Number Placeholder 3">
+            <a:extLst>
+              <a:ext uri="{FF2B5EF4-FFF2-40B4-BE49-F238E27FC236}">
+                <a16:creationId xmlns:a16="http://schemas.microsoft.com/office/drawing/2014/main" id="{45DB2050-1586-4162-A0A8-455EAB59CF79}"/>
+              </a:ext>
+            </a:extLst>
+          </p:cNvPr>
+          <p:cNvSpPr>
+            <a:spLocks noGrp="1"/>
+          </p:cNvSpPr>
+          <p:nvPr>
+            <p:ph type="sldNum" sz="quarter" idx="12"/>
+          </p:nvPr>
+        </p:nvSpPr>
+        <p:spPr/>
+        <p:txBody>
+          <a:bodyPr/>
+          <a:lstStyle/>
+          <a:p>
+            <a:fld id="{3847DB54-D037-B84F-B6F1-2E8DA40D09AD}" type="slidenum">
+              <a:rPr lang="en-US" smtClean="0"/>
+              <a:pPr/>
+              <a:t>25</a:t>
+            </a:fld>
+            <a:endParaRPr lang="en-US"/>
+          </a:p>
+        </p:txBody>
+      </p:sp>
+      <p:pic>
+        <p:nvPicPr>
+          <p:cNvPr id="5" name="Picture 4">
+            <a:extLst>
+              <a:ext uri="{FF2B5EF4-FFF2-40B4-BE49-F238E27FC236}">
+                <a16:creationId xmlns:a16="http://schemas.microsoft.com/office/drawing/2014/main" id="{561C72DA-A212-46E5-B529-D8666FDF8E23}"/>
+              </a:ext>
+            </a:extLst>
+          </p:cNvPr>
+          <p:cNvPicPr>
+            <a:picLocks noChangeAspect="1"/>
+          </p:cNvPicPr>
+          <p:nvPr/>
+        </p:nvPicPr>
+        <p:blipFill>
+          <a:blip r:embed="rId2"/>
+          <a:stretch>
+            <a:fillRect/>
+          </a:stretch>
+        </p:blipFill>
+        <p:spPr>
+          <a:xfrm>
+            <a:off x="7223568" y="3429000"/>
+            <a:ext cx="3818221" cy="2776321"/>
+          </a:xfrm>
+          <a:prstGeom prst="rect">
+            <a:avLst/>
+          </a:prstGeom>
+        </p:spPr>
+      </p:pic>
+      <p:pic>
+        <p:nvPicPr>
+          <p:cNvPr id="6" name="Picture 5">
+            <a:extLst>
+              <a:ext uri="{FF2B5EF4-FFF2-40B4-BE49-F238E27FC236}">
+                <a16:creationId xmlns:a16="http://schemas.microsoft.com/office/drawing/2014/main" id="{F4D4F8C4-1026-4813-BFB4-5C76E258EDA0}"/>
+              </a:ext>
+            </a:extLst>
+          </p:cNvPr>
+          <p:cNvPicPr>
+            <a:picLocks noChangeAspect="1"/>
+          </p:cNvPicPr>
+          <p:nvPr/>
+        </p:nvPicPr>
+        <p:blipFill>
+          <a:blip r:embed="rId3"/>
+          <a:stretch>
+            <a:fillRect/>
+          </a:stretch>
+        </p:blipFill>
+        <p:spPr>
+          <a:xfrm>
+            <a:off x="1332517" y="3557001"/>
+            <a:ext cx="5315692" cy="2648320"/>
+          </a:xfrm>
+          <a:prstGeom prst="rect">
+            <a:avLst/>
+          </a:prstGeom>
+        </p:spPr>
+      </p:pic>
+    </p:spTree>
+    <p:extLst>
+      <p:ext uri="{BB962C8B-B14F-4D97-AF65-F5344CB8AC3E}">
+        <p14:creationId xmlns:p14="http://schemas.microsoft.com/office/powerpoint/2010/main" val="3847044179"/>
+      </p:ext>
+    </p:extLst>
+  </p:cSld>
+  <p:clrMapOvr>
+    <a:masterClrMapping/>
+  </p:clrMapOvr>
+  <p:transition>
+    <p:fade/>
+  </p:transition>
+</p:sld>
+</file>
+
+<file path=ppt/slides/slide26.xml><?xml version="1.0" encoding="utf-8"?>
+<p:sld xmlns:a="http://schemas.openxmlformats.org/drawingml/2006/main" xmlns:r="http://schemas.openxmlformats.org/officeDocument/2006/relationships" xmlns:p="http://schemas.openxmlformats.org/presentationml/2006/main">
+  <p:cSld>
+    <p:spTree>
+      <p:nvGrpSpPr>
+        <p:cNvPr id="1" name=""/>
+        <p:cNvGrpSpPr/>
+        <p:nvPr/>
+      </p:nvGrpSpPr>
+      <p:grpSpPr>
+        <a:xfrm>
+          <a:off x="0" y="0"/>
+          <a:ext cx="0" cy="0"/>
+          <a:chOff x="0" y="0"/>
+          <a:chExt cx="0" cy="0"/>
+        </a:xfrm>
+      </p:grpSpPr>
+      <p:sp>
+        <p:nvSpPr>
+          <p:cNvPr id="2" name="Text Placeholder 1">
+            <a:extLst>
+              <a:ext uri="{FF2B5EF4-FFF2-40B4-BE49-F238E27FC236}">
+                <a16:creationId xmlns:a16="http://schemas.microsoft.com/office/drawing/2014/main" id="{46668DE7-A680-48FD-947B-4759C889CBA1}"/>
+              </a:ext>
+            </a:extLst>
+          </p:cNvPr>
+          <p:cNvSpPr>
+            <a:spLocks noGrp="1"/>
+          </p:cNvSpPr>
+          <p:nvPr>
+            <p:ph type="body" sz="quarter" idx="10"/>
+          </p:nvPr>
+        </p:nvSpPr>
+        <p:spPr>
+          <a:xfrm>
+            <a:off x="981786" y="418508"/>
+            <a:ext cx="10524898" cy="1080861"/>
+          </a:xfrm>
+        </p:spPr>
+        <p:txBody>
+          <a:bodyPr/>
+          <a:lstStyle/>
+          <a:p>
+            <a:r>
+              <a:rPr lang="pl-PL" dirty="0"/>
+              <a:t> Kibana</a:t>
+            </a:r>
+          </a:p>
+        </p:txBody>
+      </p:sp>
+      <p:sp>
+        <p:nvSpPr>
+          <p:cNvPr id="3" name="Text Placeholder 2">
+            <a:extLst>
+              <a:ext uri="{FF2B5EF4-FFF2-40B4-BE49-F238E27FC236}">
+                <a16:creationId xmlns:a16="http://schemas.microsoft.com/office/drawing/2014/main" id="{7C714147-8771-4BDB-B1C5-958B259CA372}"/>
+              </a:ext>
+            </a:extLst>
+          </p:cNvPr>
+          <p:cNvSpPr>
+            <a:spLocks noGrp="1"/>
+          </p:cNvSpPr>
+          <p:nvPr>
+            <p:ph type="body" sz="quarter" idx="11"/>
+          </p:nvPr>
+        </p:nvSpPr>
+        <p:spPr>
+          <a:xfrm>
+            <a:off x="1092178" y="1069974"/>
+            <a:ext cx="10524898" cy="1541341"/>
+          </a:xfrm>
+        </p:spPr>
+        <p:txBody>
+          <a:bodyPr/>
+          <a:lstStyle/>
+          <a:p>
+            <a:r>
+              <a:rPr lang="pl-PL" dirty="0"/>
+              <a:t>Elasticsearch plugin with provides real time rich visualizations, reports, dashbords etc.</a:t>
+            </a:r>
+          </a:p>
+          <a:p>
+            <a:r>
+              <a:rPr lang="pl-PL" dirty="0"/>
+              <a:t>It can use our searches and queries as a data feed for visualizations </a:t>
+            </a:r>
+          </a:p>
+        </p:txBody>
+      </p:sp>
+      <p:sp>
+        <p:nvSpPr>
+          <p:cNvPr id="4" name="Slide Number Placeholder 3">
+            <a:extLst>
+              <a:ext uri="{FF2B5EF4-FFF2-40B4-BE49-F238E27FC236}">
+                <a16:creationId xmlns:a16="http://schemas.microsoft.com/office/drawing/2014/main" id="{B8C91F45-5073-4110-B09E-7E5AFC0A00CF}"/>
+              </a:ext>
+            </a:extLst>
+          </p:cNvPr>
+          <p:cNvSpPr>
+            <a:spLocks noGrp="1"/>
+          </p:cNvSpPr>
+          <p:nvPr>
+            <p:ph type="sldNum" sz="quarter" idx="12"/>
+          </p:nvPr>
+        </p:nvSpPr>
+        <p:spPr/>
+        <p:txBody>
+          <a:bodyPr/>
+          <a:lstStyle/>
+          <a:p>
+            <a:fld id="{3847DB54-D037-B84F-B6F1-2E8DA40D09AD}" type="slidenum">
+              <a:rPr lang="en-US" smtClean="0"/>
+              <a:pPr/>
+              <a:t>26</a:t>
+            </a:fld>
+            <a:endParaRPr lang="en-US"/>
+          </a:p>
+        </p:txBody>
+      </p:sp>
+      <p:pic>
+        <p:nvPicPr>
+          <p:cNvPr id="1028" name="Picture 4" descr="Image result for kibana">
+            <a:extLst>
+              <a:ext uri="{FF2B5EF4-FFF2-40B4-BE49-F238E27FC236}">
+                <a16:creationId xmlns:a16="http://schemas.microsoft.com/office/drawing/2014/main" id="{6330F292-9AC2-4267-AD7D-FCFF902A41F4}"/>
+              </a:ext>
+            </a:extLst>
+          </p:cNvPr>
+          <p:cNvPicPr>
+            <a:picLocks noChangeAspect="1" noChangeArrowheads="1" noCrop="1"/>
+          </p:cNvPicPr>
+          <p:nvPr/>
+        </p:nvPicPr>
+        <p:blipFill>
+          <a:blip r:embed="rId2">
+            <a:extLst>
+              <a:ext uri="{28A0092B-C50C-407E-A947-70E740481C1C}">
+                <a14:useLocalDpi xmlns:a14="http://schemas.microsoft.com/office/drawing/2010/main" val="0"/>
+              </a:ext>
+            </a:extLst>
+          </a:blip>
+          <a:srcRect/>
+          <a:stretch>
+            <a:fillRect/>
+          </a:stretch>
+        </p:blipFill>
+        <p:spPr bwMode="auto">
+          <a:xfrm>
+            <a:off x="1092178" y="2864472"/>
+            <a:ext cx="5390729" cy="3018808"/>
+          </a:xfrm>
+          <a:prstGeom prst="rect">
+            <a:avLst/>
+          </a:prstGeom>
+          <a:noFill/>
+          <a:extLst>
+            <a:ext uri="{909E8E84-426E-40DD-AFC4-6F175D3DCCD1}">
+              <a14:hiddenFill xmlns:a14="http://schemas.microsoft.com/office/drawing/2010/main">
+                <a:solidFill>
+                  <a:srgbClr val="FFFFFF"/>
+                </a:solidFill>
+              </a14:hiddenFill>
+            </a:ext>
+          </a:extLst>
+        </p:spPr>
+      </p:pic>
+      <p:pic>
+        <p:nvPicPr>
+          <p:cNvPr id="1032" name="Picture 8" descr="Kibana">
+            <a:extLst>
+              <a:ext uri="{FF2B5EF4-FFF2-40B4-BE49-F238E27FC236}">
+                <a16:creationId xmlns:a16="http://schemas.microsoft.com/office/drawing/2014/main" id="{97B96098-8557-467C-80C6-196476FC962C}"/>
+              </a:ext>
+            </a:extLst>
+          </p:cNvPr>
+          <p:cNvPicPr>
+            <a:picLocks noChangeAspect="1" noChangeArrowheads="1"/>
+          </p:cNvPicPr>
+          <p:nvPr/>
+        </p:nvPicPr>
+        <p:blipFill>
+          <a:blip r:embed="rId3">
+            <a:extLst>
+              <a:ext uri="{28A0092B-C50C-407E-A947-70E740481C1C}">
+                <a14:useLocalDpi xmlns:a14="http://schemas.microsoft.com/office/drawing/2010/main" val="0"/>
+              </a:ext>
+            </a:extLst>
+          </a:blip>
+          <a:srcRect/>
+          <a:stretch>
+            <a:fillRect/>
+          </a:stretch>
+        </p:blipFill>
+        <p:spPr bwMode="auto">
+          <a:xfrm>
+            <a:off x="6482907" y="2864472"/>
+            <a:ext cx="5465963" cy="3149466"/>
+          </a:xfrm>
+          <a:prstGeom prst="rect">
+            <a:avLst/>
+          </a:prstGeom>
+          <a:noFill/>
+          <a:extLst>
+            <a:ext uri="{909E8E84-426E-40DD-AFC4-6F175D3DCCD1}">
+              <a14:hiddenFill xmlns:a14="http://schemas.microsoft.com/office/drawing/2010/main">
+                <a:solidFill>
+                  <a:srgbClr val="FFFFFF"/>
+                </a:solidFill>
+              </a14:hiddenFill>
+            </a:ext>
+          </a:extLst>
+        </p:spPr>
+      </p:pic>
+    </p:spTree>
+    <p:extLst>
+      <p:ext uri="{BB962C8B-B14F-4D97-AF65-F5344CB8AC3E}">
+        <p14:creationId xmlns:p14="http://schemas.microsoft.com/office/powerpoint/2010/main" val="100167608"/>
+      </p:ext>
+    </p:extLst>
+  </p:cSld>
+  <p:clrMapOvr>
+    <a:masterClrMapping/>
+  </p:clrMapOvr>
+  <p:transition>
+    <p:fade/>
+  </p:transition>
+</p:sld>
+</file>
+
+<file path=ppt/slides/slide27.xml><?xml version="1.0" encoding="utf-8"?>
+<p:sld xmlns:a="http://schemas.openxmlformats.org/drawingml/2006/main" xmlns:r="http://schemas.openxmlformats.org/officeDocument/2006/relationships" xmlns:p="http://schemas.openxmlformats.org/presentationml/2006/main">
+  <p:cSld>
+    <p:spTree>
+      <p:nvGrpSpPr>
+        <p:cNvPr id="1" name=""/>
+        <p:cNvGrpSpPr/>
+        <p:nvPr/>
+      </p:nvGrpSpPr>
+      <p:grpSpPr>
+        <a:xfrm>
+          <a:off x="0" y="0"/>
+          <a:ext cx="0" cy="0"/>
+          <a:chOff x="0" y="0"/>
+          <a:chExt cx="0" cy="0"/>
+        </a:xfrm>
+      </p:grpSpPr>
+      <p:sp>
+        <p:nvSpPr>
+          <p:cNvPr id="2" name="Text Placeholder 1">
+            <a:extLst>
+              <a:ext uri="{FF2B5EF4-FFF2-40B4-BE49-F238E27FC236}">
+                <a16:creationId xmlns:a16="http://schemas.microsoft.com/office/drawing/2014/main" id="{210B896C-B0FD-4542-905E-84CE8B92BD5D}"/>
+              </a:ext>
+            </a:extLst>
+          </p:cNvPr>
+          <p:cNvSpPr>
+            <a:spLocks noGrp="1"/>
+          </p:cNvSpPr>
+          <p:nvPr>
+            <p:ph type="body" sz="quarter" idx="10"/>
+          </p:nvPr>
+        </p:nvSpPr>
+        <p:spPr>
+          <a:xfrm>
+            <a:off x="900361" y="328709"/>
+            <a:ext cx="10524898" cy="1080861"/>
+          </a:xfrm>
+        </p:spPr>
+        <p:txBody>
+          <a:bodyPr/>
+          <a:lstStyle/>
+          <a:p>
+            <a:r>
+              <a:rPr lang="pl-PL" dirty="0"/>
+              <a:t>Not covered topics </a:t>
+            </a:r>
+          </a:p>
+        </p:txBody>
+      </p:sp>
+      <p:sp>
+        <p:nvSpPr>
+          <p:cNvPr id="3" name="Text Placeholder 2">
+            <a:extLst>
+              <a:ext uri="{FF2B5EF4-FFF2-40B4-BE49-F238E27FC236}">
+                <a16:creationId xmlns:a16="http://schemas.microsoft.com/office/drawing/2014/main" id="{628750D7-D783-409E-9C36-F3D8B2BCAA60}"/>
+              </a:ext>
+            </a:extLst>
+          </p:cNvPr>
+          <p:cNvSpPr>
+            <a:spLocks noGrp="1"/>
+          </p:cNvSpPr>
+          <p:nvPr>
+            <p:ph type="body" sz="quarter" idx="11"/>
+          </p:nvPr>
+        </p:nvSpPr>
+        <p:spPr>
+          <a:xfrm>
+            <a:off x="1083386" y="1300294"/>
+            <a:ext cx="10524898" cy="3948599"/>
+          </a:xfrm>
+        </p:spPr>
+        <p:txBody>
+          <a:bodyPr/>
+          <a:lstStyle/>
+          <a:p>
+            <a:pPr marL="514350" indent="-514350">
+              <a:buFont typeface="+mj-lt"/>
+              <a:buAutoNum type="arabicPeriod"/>
+            </a:pPr>
+            <a:r>
+              <a:rPr lang="pl-PL" dirty="0"/>
+              <a:t>Relationships </a:t>
+            </a:r>
+          </a:p>
+          <a:p>
+            <a:pPr marL="1200150" lvl="1" indent="-514350">
+              <a:buFont typeface="+mj-lt"/>
+              <a:buAutoNum type="alphaLcParenR"/>
+            </a:pPr>
+            <a:r>
+              <a:rPr lang="pl-PL" dirty="0"/>
+              <a:t>Nested </a:t>
+            </a:r>
+            <a:r>
+              <a:rPr lang="en-US" dirty="0" err="1"/>
+              <a:t>quer</a:t>
+            </a:r>
+            <a:r>
+              <a:rPr lang="pl-PL" dirty="0"/>
+              <a:t>ies – array inside of document which can be quried as seperate index</a:t>
+            </a:r>
+          </a:p>
+          <a:p>
+            <a:pPr marL="1200150" lvl="1" indent="-514350">
+              <a:buFont typeface="+mj-lt"/>
+              <a:buAutoNum type="alphaLcParenR"/>
+            </a:pPr>
+            <a:r>
+              <a:rPr lang="en-US" dirty="0" err="1"/>
+              <a:t>has_child</a:t>
+            </a:r>
+            <a:r>
+              <a:rPr lang="en-US" dirty="0"/>
+              <a:t> query returns parent documents whose child documents match the specified query</a:t>
+            </a:r>
+            <a:endParaRPr lang="pl-PL" dirty="0"/>
+          </a:p>
+          <a:p>
+            <a:pPr marL="1200150" lvl="1" indent="-514350">
+              <a:buFont typeface="+mj-lt"/>
+              <a:buAutoNum type="alphaLcParenR"/>
+            </a:pPr>
+            <a:r>
+              <a:rPr lang="en-US" dirty="0" err="1"/>
+              <a:t>has_parent</a:t>
+            </a:r>
+            <a:r>
+              <a:rPr lang="en-US" dirty="0"/>
+              <a:t> query returns child documents whose parent document matches the specified query.</a:t>
+            </a:r>
+            <a:endParaRPr lang="pl-PL" dirty="0"/>
+          </a:p>
+          <a:p>
+            <a:pPr marL="514350" indent="-514350">
+              <a:buFont typeface="+mj-lt"/>
+              <a:buAutoNum type="arabicPeriod"/>
+            </a:pPr>
+            <a:r>
+              <a:rPr lang="pl-PL" dirty="0"/>
+              <a:t>Aliases </a:t>
+            </a:r>
+          </a:p>
+          <a:p>
+            <a:pPr marL="1200150" lvl="1" indent="-514350">
+              <a:buFont typeface="+mj-lt"/>
+              <a:buAutoNum type="arabicPeriod"/>
+            </a:pPr>
+            <a:r>
+              <a:rPr lang="pl-PL" dirty="0"/>
+              <a:t>Each index can have multiple aliases</a:t>
+            </a:r>
+          </a:p>
+          <a:p>
+            <a:pPr marL="1200150" lvl="1" indent="-514350">
+              <a:buFont typeface="+mj-lt"/>
+              <a:buAutoNum type="arabicPeriod"/>
+            </a:pPr>
+            <a:r>
+              <a:rPr lang="pl-PL" dirty="0"/>
+              <a:t>using it we can replace index which users use</a:t>
+            </a:r>
+          </a:p>
+          <a:p>
+            <a:pPr marL="514350" indent="-514350">
+              <a:buFont typeface="+mj-lt"/>
+              <a:buAutoNum type="arabicPeriod"/>
+            </a:pPr>
+            <a:r>
+              <a:rPr lang="pl-PL" dirty="0"/>
+              <a:t>Logstash – collecting &amp; processing logs from multiple sources </a:t>
+            </a:r>
+          </a:p>
+          <a:p>
+            <a:pPr marL="514350" indent="-514350">
+              <a:buFont typeface="+mj-lt"/>
+              <a:buAutoNum type="arabicPeriod"/>
+            </a:pPr>
+            <a:r>
+              <a:rPr lang="pl-PL" dirty="0"/>
+              <a:t>SQL Access – consumes SQL queries and produces results in the tables </a:t>
+            </a:r>
+          </a:p>
+          <a:p>
+            <a:pPr marL="514350" indent="-514350">
+              <a:buFont typeface="+mj-lt"/>
+              <a:buAutoNum type="arabicPeriod"/>
+            </a:pPr>
+            <a:r>
+              <a:rPr lang="pl-PL" dirty="0"/>
+              <a:t>Many more </a:t>
+            </a:r>
+            <a:r>
+              <a:rPr lang="pl-PL" dirty="0">
+                <a:sym typeface="Wingdings" panose="05000000000000000000" pitchFamily="2" charset="2"/>
+              </a:rPr>
+              <a:t></a:t>
+            </a:r>
+            <a:r>
+              <a:rPr lang="pl-PL" dirty="0"/>
+              <a:t> </a:t>
+            </a:r>
+          </a:p>
+          <a:p>
+            <a:pPr marL="514350" indent="-514350">
+              <a:buFont typeface="+mj-lt"/>
+              <a:buAutoNum type="arabicPeriod"/>
+            </a:pPr>
+            <a:endParaRPr lang="pl-PL" dirty="0"/>
+          </a:p>
+        </p:txBody>
+      </p:sp>
+      <p:sp>
+        <p:nvSpPr>
+          <p:cNvPr id="4" name="Slide Number Placeholder 3">
+            <a:extLst>
+              <a:ext uri="{FF2B5EF4-FFF2-40B4-BE49-F238E27FC236}">
+                <a16:creationId xmlns:a16="http://schemas.microsoft.com/office/drawing/2014/main" id="{0DA9544F-00E6-4CF3-B221-07903FEC458F}"/>
+              </a:ext>
+            </a:extLst>
+          </p:cNvPr>
+          <p:cNvSpPr>
+            <a:spLocks noGrp="1"/>
+          </p:cNvSpPr>
+          <p:nvPr>
+            <p:ph type="sldNum" sz="quarter" idx="12"/>
+          </p:nvPr>
+        </p:nvSpPr>
+        <p:spPr/>
+        <p:txBody>
+          <a:bodyPr/>
+          <a:lstStyle/>
+          <a:p>
+            <a:fld id="{3847DB54-D037-B84F-B6F1-2E8DA40D09AD}" type="slidenum">
+              <a:rPr lang="en-US" smtClean="0"/>
+              <a:pPr/>
+              <a:t>27</a:t>
+            </a:fld>
+            <a:endParaRPr lang="en-US"/>
+          </a:p>
+        </p:txBody>
+      </p:sp>
+    </p:spTree>
+    <p:extLst>
+      <p:ext uri="{BB962C8B-B14F-4D97-AF65-F5344CB8AC3E}">
+        <p14:creationId xmlns:p14="http://schemas.microsoft.com/office/powerpoint/2010/main" val="4184855694"/>
+      </p:ext>
+    </p:extLst>
+  </p:cSld>
+  <p:clrMapOvr>
+    <a:masterClrMapping/>
+  </p:clrMapOvr>
+  <p:transition>
+    <p:fade/>
+  </p:transition>
+</p:sld>
+</file>
+
+<file path=ppt/slides/slide28.xml><?xml version="1.0" encoding="utf-8"?>
+<p:sld xmlns:a="http://schemas.openxmlformats.org/drawingml/2006/main" xmlns:r="http://schemas.openxmlformats.org/officeDocument/2006/relationships" xmlns:p="http://schemas.openxmlformats.org/presentationml/2006/main">
+  <p:cSld>
+    <p:spTree>
+      <p:nvGrpSpPr>
+        <p:cNvPr id="1" name=""/>
+        <p:cNvGrpSpPr/>
+        <p:nvPr/>
+      </p:nvGrpSpPr>
+      <p:grpSpPr>
+        <a:xfrm>
+          <a:off x="0" y="0"/>
+          <a:ext cx="0" cy="0"/>
+          <a:chOff x="0" y="0"/>
+          <a:chExt cx="0" cy="0"/>
+        </a:xfrm>
+      </p:grpSpPr>
+      <p:sp>
+        <p:nvSpPr>
+          <p:cNvPr id="2" name="Text Placeholder 1">
+            <a:extLst>
+              <a:ext uri="{FF2B5EF4-FFF2-40B4-BE49-F238E27FC236}">
+                <a16:creationId xmlns:a16="http://schemas.microsoft.com/office/drawing/2014/main" id="{2762F55E-9840-4280-842F-A07690412195}"/>
+              </a:ext>
+            </a:extLst>
+          </p:cNvPr>
+          <p:cNvSpPr>
+            <a:spLocks noGrp="1"/>
+          </p:cNvSpPr>
+          <p:nvPr>
+            <p:ph type="body" sz="quarter" idx="10"/>
+          </p:nvPr>
+        </p:nvSpPr>
+        <p:spPr/>
+        <p:txBody>
+          <a:bodyPr/>
+          <a:lstStyle/>
+          <a:p>
+            <a:r>
+              <a:rPr lang="pl-PL" dirty="0"/>
+              <a:t>Any questions ? </a:t>
+            </a:r>
+          </a:p>
+        </p:txBody>
+      </p:sp>
+      <p:sp>
+        <p:nvSpPr>
+          <p:cNvPr id="3" name="Text Placeholder 2">
+            <a:extLst>
+              <a:ext uri="{FF2B5EF4-FFF2-40B4-BE49-F238E27FC236}">
+                <a16:creationId xmlns:a16="http://schemas.microsoft.com/office/drawing/2014/main" id="{0FF0626E-F98A-4D5A-923A-F0FDADFC7C7E}"/>
+              </a:ext>
+            </a:extLst>
+          </p:cNvPr>
+          <p:cNvSpPr>
+            <a:spLocks noGrp="1"/>
+          </p:cNvSpPr>
+          <p:nvPr>
+            <p:ph type="body" sz="quarter" idx="11"/>
+          </p:nvPr>
+        </p:nvSpPr>
+        <p:spPr/>
+        <p:txBody>
+          <a:bodyPr/>
+          <a:lstStyle/>
+          <a:p>
+            <a:endParaRPr lang="pl-PL"/>
+          </a:p>
+        </p:txBody>
+      </p:sp>
+      <p:sp>
+        <p:nvSpPr>
+          <p:cNvPr id="4" name="Slide Number Placeholder 3">
+            <a:extLst>
+              <a:ext uri="{FF2B5EF4-FFF2-40B4-BE49-F238E27FC236}">
+                <a16:creationId xmlns:a16="http://schemas.microsoft.com/office/drawing/2014/main" id="{763F8A99-27EC-4561-8DE1-AC6A60BF6959}"/>
+              </a:ext>
+            </a:extLst>
+          </p:cNvPr>
+          <p:cNvSpPr>
+            <a:spLocks noGrp="1"/>
+          </p:cNvSpPr>
+          <p:nvPr>
+            <p:ph type="sldNum" sz="quarter" idx="12"/>
+          </p:nvPr>
+        </p:nvSpPr>
+        <p:spPr/>
+        <p:txBody>
+          <a:bodyPr/>
+          <a:lstStyle/>
+          <a:p>
+            <a:fld id="{3847DB54-D037-B84F-B6F1-2E8DA40D09AD}" type="slidenum">
+              <a:rPr lang="en-US" smtClean="0"/>
+              <a:pPr/>
+              <a:t>28</a:t>
+            </a:fld>
+            <a:endParaRPr lang="en-US"/>
+          </a:p>
+        </p:txBody>
+      </p:sp>
+    </p:spTree>
+    <p:extLst>
+      <p:ext uri="{BB962C8B-B14F-4D97-AF65-F5344CB8AC3E}">
+        <p14:creationId xmlns:p14="http://schemas.microsoft.com/office/powerpoint/2010/main" val="262554426"/>
       </p:ext>
     </p:extLst>
   </p:cSld>
@@ -7584,13 +11375,13 @@
 <file path=customXml/itemProps2.xml><?xml version="1.0" encoding="utf-8"?>
 <ds:datastoreItem xmlns:ds="http://schemas.openxmlformats.org/officeDocument/2006/customXml" ds:itemID="{2D640949-F722-4E85-A66F-2ADFE25CD1C4}">
   <ds:schemaRefs>
+    <ds:schemaRef ds:uri="71731efb-d95f-4b9c-81d3-edf9a8533796"/>
     <ds:schemaRef ds:uri="http://purl.org/dc/terms/"/>
     <ds:schemaRef ds:uri="http://schemas.openxmlformats.org/package/2006/metadata/core-properties"/>
     <ds:schemaRef ds:uri="http://schemas.microsoft.com/office/2006/documentManagement/types"/>
     <ds:schemaRef ds:uri="32d2e7c2-c546-45d1-9dfa-a2156753f9aa"/>
     <ds:schemaRef ds:uri="http://purl.org/dc/elements/1.1/"/>
     <ds:schemaRef ds:uri="http://schemas.microsoft.com/office/2006/metadata/properties"/>
-    <ds:schemaRef ds:uri="71731efb-d95f-4b9c-81d3-edf9a8533796"/>
     <ds:schemaRef ds:uri="http://schemas.microsoft.com/office/infopath/2007/PartnerControls"/>
     <ds:schemaRef ds:uri="http://www.w3.org/XML/1998/namespace"/>
     <ds:schemaRef ds:uri="http://purl.org/dc/dcmitype/"/>

--- a/elasticsearch short introduction.pptx
+++ b/elasticsearch short introduction.pptx
@@ -6,7 +6,7 @@
     <p:sldMasterId id="2147483662" r:id="rId5"/>
   </p:sldMasterIdLst>
   <p:notesMasterIdLst>
-    <p:notesMasterId r:id="rId34"/>
+    <p:notesMasterId r:id="rId36"/>
   </p:notesMasterIdLst>
   <p:sldIdLst>
     <p:sldId id="257" r:id="rId6"/>
@@ -16,27 +16,29 @@
     <p:sldId id="265" r:id="rId10"/>
     <p:sldId id="266" r:id="rId11"/>
     <p:sldId id="264" r:id="rId12"/>
-    <p:sldId id="261" r:id="rId13"/>
-    <p:sldId id="262" r:id="rId14"/>
+    <p:sldId id="262" r:id="rId13"/>
+    <p:sldId id="261" r:id="rId14"/>
     <p:sldId id="284" r:id="rId15"/>
     <p:sldId id="263" r:id="rId16"/>
     <p:sldId id="268" r:id="rId17"/>
     <p:sldId id="273" r:id="rId18"/>
-    <p:sldId id="269" r:id="rId19"/>
-    <p:sldId id="270" r:id="rId20"/>
-    <p:sldId id="278" r:id="rId21"/>
-    <p:sldId id="279" r:id="rId22"/>
-    <p:sldId id="271" r:id="rId23"/>
-    <p:sldId id="272" r:id="rId24"/>
-    <p:sldId id="280" r:id="rId25"/>
-    <p:sldId id="274" r:id="rId26"/>
-    <p:sldId id="281" r:id="rId27"/>
-    <p:sldId id="282" r:id="rId28"/>
-    <p:sldId id="275" r:id="rId29"/>
-    <p:sldId id="277" r:id="rId30"/>
-    <p:sldId id="276" r:id="rId31"/>
-    <p:sldId id="283" r:id="rId32"/>
-    <p:sldId id="285" r:id="rId33"/>
+    <p:sldId id="287" r:id="rId19"/>
+    <p:sldId id="269" r:id="rId20"/>
+    <p:sldId id="270" r:id="rId21"/>
+    <p:sldId id="278" r:id="rId22"/>
+    <p:sldId id="279" r:id="rId23"/>
+    <p:sldId id="271" r:id="rId24"/>
+    <p:sldId id="272" r:id="rId25"/>
+    <p:sldId id="280" r:id="rId26"/>
+    <p:sldId id="286" r:id="rId27"/>
+    <p:sldId id="274" r:id="rId28"/>
+    <p:sldId id="281" r:id="rId29"/>
+    <p:sldId id="282" r:id="rId30"/>
+    <p:sldId id="275" r:id="rId31"/>
+    <p:sldId id="277" r:id="rId32"/>
+    <p:sldId id="276" r:id="rId33"/>
+    <p:sldId id="283" r:id="rId34"/>
+    <p:sldId id="285" r:id="rId35"/>
   </p:sldIdLst>
   <p:sldSz cx="12192000" cy="6858000"/>
   <p:notesSz cx="6858000" cy="9144000"/>
@@ -192,7 +194,7 @@
             </a:lvl1pPr>
           </a:lstStyle>
           <a:p>
-            <a:endParaRPr lang="en-US"/>
+            <a:endParaRPr lang="en-US" dirty="0"/>
           </a:p>
         </p:txBody>
       </p:sp>
@@ -225,9 +227,9 @@
           <a:p>
             <a:fld id="{AF96A753-1D98-4AE6-8E67-140FF97975C3}" type="datetimeFigureOut">
               <a:rPr lang="en-US" smtClean="0"/>
-              <a:t>8/6/2018</a:t>
+              <a:t>8/9/2018</a:t>
             </a:fld>
-            <a:endParaRPr lang="en-US"/>
+            <a:endParaRPr lang="en-US" dirty="0"/>
           </a:p>
         </p:txBody>
       </p:sp>
@@ -260,7 +262,7 @@
           <a:bodyPr vert="horz" lIns="91440" tIns="45720" rIns="91440" bIns="45720" rtlCol="0" anchor="ctr"/>
           <a:lstStyle/>
           <a:p>
-            <a:endParaRPr lang="en-US"/>
+            <a:endParaRPr lang="en-US" dirty="0"/>
           </a:p>
         </p:txBody>
       </p:sp>
@@ -350,7 +352,7 @@
             </a:lvl1pPr>
           </a:lstStyle>
           <a:p>
-            <a:endParaRPr lang="en-US"/>
+            <a:endParaRPr lang="en-US" dirty="0"/>
           </a:p>
         </p:txBody>
       </p:sp>
@@ -385,7 +387,7 @@
               <a:rPr lang="en-US" smtClean="0"/>
               <a:t>‹#›</a:t>
             </a:fld>
-            <a:endParaRPr lang="en-US"/>
+            <a:endParaRPr lang="en-US" dirty="0"/>
           </a:p>
         </p:txBody>
       </p:sp>
@@ -571,7 +573,7 @@
               <a:rPr lang="en-US" smtClean="0"/>
               <a:t>3</a:t>
             </a:fld>
-            <a:endParaRPr lang="en-US"/>
+            <a:endParaRPr lang="en-US" dirty="0"/>
           </a:p>
         </p:txBody>
       </p:sp>
@@ -1454,7 +1456,7 @@
               <a:pPr/>
               <a:t>‹#›</a:t>
             </a:fld>
-            <a:endParaRPr lang="en-US"/>
+            <a:endParaRPr lang="en-US" dirty="0"/>
           </a:p>
         </p:txBody>
       </p:sp>
@@ -1697,7 +1699,7 @@
               <a:pPr/>
               <a:t>‹#›</a:t>
             </a:fld>
-            <a:endParaRPr lang="en-US"/>
+            <a:endParaRPr lang="en-US" dirty="0"/>
           </a:p>
         </p:txBody>
       </p:sp>
@@ -1901,7 +1903,7 @@
               <a:pPr/>
               <a:t>‹#›</a:t>
             </a:fld>
-            <a:endParaRPr lang="en-US"/>
+            <a:endParaRPr lang="en-US" dirty="0"/>
           </a:p>
         </p:txBody>
       </p:sp>
@@ -2224,7 +2226,7 @@
               <a:pPr/>
               <a:t>‹#›</a:t>
             </a:fld>
-            <a:endParaRPr lang="en-US"/>
+            <a:endParaRPr lang="en-US" dirty="0"/>
           </a:p>
         </p:txBody>
       </p:sp>
@@ -2355,7 +2357,7 @@
               <a:pPr/>
               <a:t>‹#›</a:t>
             </a:fld>
-            <a:endParaRPr lang="en-US"/>
+            <a:endParaRPr lang="en-US" dirty="0"/>
           </a:p>
         </p:txBody>
       </p:sp>
@@ -2492,7 +2494,7 @@
           <a:lstStyle/>
           <a:p>
             <a:pPr algn="ctr"/>
-            <a:endParaRPr lang="en-US"/>
+            <a:endParaRPr lang="en-US" dirty="0"/>
           </a:p>
         </p:txBody>
       </p:sp>
@@ -2535,7 +2537,7 @@
               <a:pPr/>
               <a:t>‹#›</a:t>
             </a:fld>
-            <a:endParaRPr lang="en-US"/>
+            <a:endParaRPr lang="en-US" dirty="0"/>
           </a:p>
         </p:txBody>
       </p:sp>
@@ -2858,7 +2860,7 @@
           <a:lstStyle/>
           <a:p>
             <a:pPr algn="ctr"/>
-            <a:endParaRPr lang="en-US"/>
+            <a:endParaRPr lang="en-US" dirty="0"/>
           </a:p>
         </p:txBody>
       </p:sp>
@@ -2901,7 +2903,7 @@
               <a:pPr/>
               <a:t>‹#›</a:t>
             </a:fld>
-            <a:endParaRPr lang="en-US"/>
+            <a:endParaRPr lang="en-US" dirty="0"/>
           </a:p>
         </p:txBody>
       </p:sp>
@@ -2937,7 +2939,7 @@
             </a:lvl1pPr>
           </a:lstStyle>
           <a:p>
-            <a:endParaRPr lang="en-US"/>
+            <a:endParaRPr lang="en-US" dirty="0"/>
           </a:p>
         </p:txBody>
       </p:sp>
@@ -3801,7 +3803,7 @@
               <a:pPr/>
               <a:t>‹#›</a:t>
             </a:fld>
-            <a:endParaRPr lang="en-US"/>
+            <a:endParaRPr lang="en-US" dirty="0"/>
           </a:p>
         </p:txBody>
       </p:sp>
@@ -3843,7 +3845,7 @@
               </a:spcAft>
             </a:pPr>
             <a:r>
-              <a:rPr lang="en-US" sz="700">
+              <a:rPr lang="en-US" sz="700" dirty="0">
                 <a:solidFill>
                   <a:schemeClr val="bg1">
                     <a:lumMod val="75000"/>
@@ -3907,7 +3909,7 @@
           <a:lstStyle/>
           <a:p>
             <a:pPr algn="ctr"/>
-            <a:endParaRPr lang="en-US"/>
+            <a:endParaRPr lang="en-US" dirty="0"/>
           </a:p>
         </p:txBody>
       </p:sp>
@@ -4263,6 +4265,206 @@
           </a:p>
         </p:txBody>
       </p:sp>
+      <p:sp>
+        <p:nvSpPr>
+          <p:cNvPr id="5" name="Text Placeholder 1">
+            <a:extLst>
+              <a:ext uri="{FF2B5EF4-FFF2-40B4-BE49-F238E27FC236}">
+                <a16:creationId xmlns:a16="http://schemas.microsoft.com/office/drawing/2014/main" id="{5D88B0EE-43C6-4ED7-AEA4-14B5656BEE74}"/>
+              </a:ext>
+            </a:extLst>
+          </p:cNvPr>
+          <p:cNvSpPr txBox="1">
+            <a:spLocks/>
+          </p:cNvSpPr>
+          <p:nvPr/>
+        </p:nvSpPr>
+        <p:spPr>
+          <a:xfrm>
+            <a:off x="9263163" y="5090746"/>
+            <a:ext cx="2799883" cy="663775"/>
+          </a:xfrm>
+          <a:prstGeom prst="rect">
+            <a:avLst/>
+          </a:prstGeom>
+        </p:spPr>
+        <p:txBody>
+          <a:bodyPr anchor="b">
+            <a:noAutofit/>
+          </a:bodyPr>
+          <a:lstStyle>
+            <a:lvl1pPr marL="0" indent="0" algn="l" defTabSz="914400" rtl="0" eaLnBrk="1" latinLnBrk="0" hangingPunct="1">
+              <a:lnSpc>
+                <a:spcPct val="90000"/>
+              </a:lnSpc>
+              <a:spcBef>
+                <a:spcPts val="1000"/>
+              </a:spcBef>
+              <a:buFont typeface="Arial"/>
+              <a:buNone/>
+              <a:defRPr sz="4400" b="0" i="0" kern="1200">
+                <a:solidFill>
+                  <a:schemeClr val="bg1"/>
+                </a:solidFill>
+                <a:latin typeface="Segoe UI" charset="0"/>
+                <a:ea typeface="Segoe UI" charset="0"/>
+                <a:cs typeface="Segoe UI" charset="0"/>
+              </a:defRPr>
+            </a:lvl1pPr>
+            <a:lvl2pPr marL="685800" indent="-228600" algn="l" defTabSz="914400" rtl="0" eaLnBrk="1" latinLnBrk="0" hangingPunct="1">
+              <a:lnSpc>
+                <a:spcPct val="90000"/>
+              </a:lnSpc>
+              <a:spcBef>
+                <a:spcPts val="500"/>
+              </a:spcBef>
+              <a:buFont typeface="Arial"/>
+              <a:buChar char="•"/>
+              <a:defRPr sz="1800" b="0" i="0" kern="1200">
+                <a:solidFill>
+                  <a:schemeClr val="tx1"/>
+                </a:solidFill>
+                <a:latin typeface="Segoe UI Light" charset="0"/>
+                <a:ea typeface="Segoe UI Light" charset="0"/>
+                <a:cs typeface="Segoe UI Light" charset="0"/>
+              </a:defRPr>
+            </a:lvl2pPr>
+            <a:lvl3pPr marL="1143000" indent="-228600" algn="l" defTabSz="914400" rtl="0" eaLnBrk="1" latinLnBrk="0" hangingPunct="1">
+              <a:lnSpc>
+                <a:spcPct val="90000"/>
+              </a:lnSpc>
+              <a:spcBef>
+                <a:spcPts val="500"/>
+              </a:spcBef>
+              <a:buFont typeface="Arial"/>
+              <a:buChar char="•"/>
+              <a:defRPr sz="1600" b="0" i="0" kern="1200">
+                <a:solidFill>
+                  <a:schemeClr val="tx1"/>
+                </a:solidFill>
+                <a:latin typeface="Segoe UI Light" charset="0"/>
+                <a:ea typeface="Segoe UI Light" charset="0"/>
+                <a:cs typeface="Segoe UI Light" charset="0"/>
+              </a:defRPr>
+            </a:lvl3pPr>
+            <a:lvl4pPr marL="1600200" indent="-228600" algn="l" defTabSz="914400" rtl="0" eaLnBrk="1" latinLnBrk="0" hangingPunct="1">
+              <a:lnSpc>
+                <a:spcPct val="90000"/>
+              </a:lnSpc>
+              <a:spcBef>
+                <a:spcPts val="500"/>
+              </a:spcBef>
+              <a:buFont typeface="Arial"/>
+              <a:buChar char="•"/>
+              <a:defRPr sz="1400" b="0" i="0" kern="1200">
+                <a:solidFill>
+                  <a:schemeClr val="tx1"/>
+                </a:solidFill>
+                <a:latin typeface="Segoe UI Light" charset="0"/>
+                <a:ea typeface="Segoe UI Light" charset="0"/>
+                <a:cs typeface="Segoe UI Light" charset="0"/>
+              </a:defRPr>
+            </a:lvl4pPr>
+            <a:lvl5pPr marL="2057400" indent="-228600" algn="l" defTabSz="914400" rtl="0" eaLnBrk="1" latinLnBrk="0" hangingPunct="1">
+              <a:lnSpc>
+                <a:spcPct val="90000"/>
+              </a:lnSpc>
+              <a:spcBef>
+                <a:spcPts val="500"/>
+              </a:spcBef>
+              <a:buFont typeface="Arial"/>
+              <a:buChar char="•"/>
+              <a:defRPr sz="1400" b="0" i="0" kern="1200">
+                <a:solidFill>
+                  <a:schemeClr val="tx1"/>
+                </a:solidFill>
+                <a:latin typeface="Segoe UI Light" charset="0"/>
+                <a:ea typeface="Segoe UI Light" charset="0"/>
+                <a:cs typeface="Segoe UI Light" charset="0"/>
+              </a:defRPr>
+            </a:lvl5pPr>
+            <a:lvl6pPr marL="2514600" indent="-228600" algn="l" defTabSz="914400" rtl="0" eaLnBrk="1" latinLnBrk="0" hangingPunct="1">
+              <a:lnSpc>
+                <a:spcPct val="90000"/>
+              </a:lnSpc>
+              <a:spcBef>
+                <a:spcPts val="500"/>
+              </a:spcBef>
+              <a:buFont typeface="Arial"/>
+              <a:buChar char="•"/>
+              <a:defRPr sz="1800" kern="1200">
+                <a:solidFill>
+                  <a:schemeClr val="tx1"/>
+                </a:solidFill>
+                <a:latin typeface="+mn-lt"/>
+                <a:ea typeface="+mn-ea"/>
+                <a:cs typeface="+mn-cs"/>
+              </a:defRPr>
+            </a:lvl6pPr>
+            <a:lvl7pPr marL="2971800" indent="-228600" algn="l" defTabSz="914400" rtl="0" eaLnBrk="1" latinLnBrk="0" hangingPunct="1">
+              <a:lnSpc>
+                <a:spcPct val="90000"/>
+              </a:lnSpc>
+              <a:spcBef>
+                <a:spcPts val="500"/>
+              </a:spcBef>
+              <a:buFont typeface="Arial"/>
+              <a:buChar char="•"/>
+              <a:defRPr sz="1800" kern="1200">
+                <a:solidFill>
+                  <a:schemeClr val="tx1"/>
+                </a:solidFill>
+                <a:latin typeface="+mn-lt"/>
+                <a:ea typeface="+mn-ea"/>
+                <a:cs typeface="+mn-cs"/>
+              </a:defRPr>
+            </a:lvl7pPr>
+            <a:lvl8pPr marL="3429000" indent="-228600" algn="l" defTabSz="914400" rtl="0" eaLnBrk="1" latinLnBrk="0" hangingPunct="1">
+              <a:lnSpc>
+                <a:spcPct val="90000"/>
+              </a:lnSpc>
+              <a:spcBef>
+                <a:spcPts val="500"/>
+              </a:spcBef>
+              <a:buFont typeface="Arial"/>
+              <a:buChar char="•"/>
+              <a:defRPr sz="1800" kern="1200">
+                <a:solidFill>
+                  <a:schemeClr val="tx1"/>
+                </a:solidFill>
+                <a:latin typeface="+mn-lt"/>
+                <a:ea typeface="+mn-ea"/>
+                <a:cs typeface="+mn-cs"/>
+              </a:defRPr>
+            </a:lvl8pPr>
+            <a:lvl9pPr marL="3886200" indent="-228600" algn="l" defTabSz="914400" rtl="0" eaLnBrk="1" latinLnBrk="0" hangingPunct="1">
+              <a:lnSpc>
+                <a:spcPct val="90000"/>
+              </a:lnSpc>
+              <a:spcBef>
+                <a:spcPts val="500"/>
+              </a:spcBef>
+              <a:buFont typeface="Arial"/>
+              <a:buChar char="•"/>
+              <a:defRPr sz="1800" kern="1200">
+                <a:solidFill>
+                  <a:schemeClr val="tx1"/>
+                </a:solidFill>
+                <a:latin typeface="+mn-lt"/>
+                <a:ea typeface="+mn-ea"/>
+                <a:cs typeface="+mn-cs"/>
+              </a:defRPr>
+            </a:lvl9pPr>
+          </a:lstStyle>
+          <a:p>
+            <a:r>
+              <a:rPr lang="pl-PL" sz="2800" dirty="0"/>
+              <a:t>Jakub Gwoźdź</a:t>
+            </a:r>
+            <a:endParaRPr lang="en-US" sz="2800" dirty="0"/>
+          </a:p>
+        </p:txBody>
+      </p:sp>
     </p:spTree>
     <p:extLst>
       <p:ext uri="{BB962C8B-B14F-4D97-AF65-F5344CB8AC3E}">
@@ -4388,7 +4590,7 @@
               <a:pPr/>
               <a:t>10</a:t>
             </a:fld>
-            <a:endParaRPr lang="en-US"/>
+            <a:endParaRPr lang="en-US" dirty="0"/>
           </a:p>
         </p:txBody>
       </p:sp>
@@ -4727,27 +4929,11 @@
           <a:p>
             <a:r>
               <a:rPr lang="en-US" dirty="0"/>
-              <a:t>localhost:9200/</a:t>
-            </a:r>
-            <a:r>
-              <a:rPr lang="en-US" dirty="0" err="1"/>
-              <a:t>shakespeare</a:t>
-            </a:r>
-            <a:r>
-              <a:rPr lang="en-US" dirty="0"/>
-              <a:t>/_</a:t>
-            </a:r>
-            <a:r>
-              <a:rPr lang="en-US" dirty="0" err="1"/>
-              <a:t>search?</a:t>
-            </a:r>
-            <a:r>
-              <a:rPr lang="en-US" b="1" dirty="0" err="1"/>
-              <a:t>explain</a:t>
+              <a:t>localhost:9200/shakespeare/_search?</a:t>
             </a:r>
             <a:r>
               <a:rPr lang="en-US" b="1" dirty="0"/>
-              <a:t>=true</a:t>
+              <a:t>explain=true</a:t>
             </a:r>
           </a:p>
         </p:txBody>
@@ -5118,12 +5304,8 @@
               <a:t>D</a:t>
             </a:r>
             <a:r>
-              <a:rPr lang="en-US" dirty="0" err="1"/>
-              <a:t>istinction</a:t>
-            </a:r>
-            <a:r>
               <a:rPr lang="en-US" dirty="0"/>
-              <a:t> from other platforms like SQL wherein data is immediately available after a transaction is completed.</a:t>
+              <a:t>istinction from other platforms like SQL wherein data is immediately available after a transaction is completed.</a:t>
             </a:r>
           </a:p>
           <a:p>
@@ -5151,6 +5333,159 @@
 </file>
 
 <file path=ppt/slides/slide14.xml><?xml version="1.0" encoding="utf-8"?>
+<p:sld xmlns:a="http://schemas.openxmlformats.org/drawingml/2006/main" xmlns:r="http://schemas.openxmlformats.org/officeDocument/2006/relationships" xmlns:p="http://schemas.openxmlformats.org/presentationml/2006/main">
+  <p:cSld>
+    <p:spTree>
+      <p:nvGrpSpPr>
+        <p:cNvPr id="1" name=""/>
+        <p:cNvGrpSpPr/>
+        <p:nvPr/>
+      </p:nvGrpSpPr>
+      <p:grpSpPr>
+        <a:xfrm>
+          <a:off x="0" y="0"/>
+          <a:ext cx="0" cy="0"/>
+          <a:chOff x="0" y="0"/>
+          <a:chExt cx="0" cy="0"/>
+        </a:xfrm>
+      </p:grpSpPr>
+      <p:sp>
+        <p:nvSpPr>
+          <p:cNvPr id="2" name="Text Placeholder 1">
+            <a:extLst>
+              <a:ext uri="{FF2B5EF4-FFF2-40B4-BE49-F238E27FC236}">
+                <a16:creationId xmlns:a16="http://schemas.microsoft.com/office/drawing/2014/main" id="{5037F774-3B26-4C45-9979-013B16ABAE34}"/>
+              </a:ext>
+            </a:extLst>
+          </p:cNvPr>
+          <p:cNvSpPr>
+            <a:spLocks noGrp="1"/>
+          </p:cNvSpPr>
+          <p:nvPr>
+            <p:ph type="body" sz="quarter" idx="10"/>
+          </p:nvPr>
+        </p:nvSpPr>
+        <p:spPr>
+          <a:xfrm>
+            <a:off x="991813" y="345891"/>
+            <a:ext cx="10524898" cy="1080861"/>
+          </a:xfrm>
+        </p:spPr>
+        <p:txBody>
+          <a:bodyPr/>
+          <a:lstStyle/>
+          <a:p>
+            <a:r>
+              <a:rPr lang="pl-PL" dirty="0"/>
+              <a:t>Create Read Update Delete</a:t>
+            </a:r>
+          </a:p>
+        </p:txBody>
+      </p:sp>
+      <p:sp>
+        <p:nvSpPr>
+          <p:cNvPr id="3" name="Text Placeholder 2">
+            <a:extLst>
+              <a:ext uri="{FF2B5EF4-FFF2-40B4-BE49-F238E27FC236}">
+                <a16:creationId xmlns:a16="http://schemas.microsoft.com/office/drawing/2014/main" id="{F6E799E9-BB78-4220-B879-ABFDEC72A767}"/>
+              </a:ext>
+            </a:extLst>
+          </p:cNvPr>
+          <p:cNvSpPr>
+            <a:spLocks noGrp="1"/>
+          </p:cNvSpPr>
+          <p:nvPr>
+            <p:ph type="body" sz="quarter" idx="11"/>
+          </p:nvPr>
+        </p:nvSpPr>
+        <p:spPr>
+          <a:xfrm>
+            <a:off x="1083386" y="2453055"/>
+            <a:ext cx="10524898" cy="3024554"/>
+          </a:xfrm>
+        </p:spPr>
+        <p:txBody>
+          <a:bodyPr/>
+          <a:lstStyle/>
+          <a:p>
+            <a:pPr marL="514350" indent="-514350">
+              <a:buFont typeface="+mj-lt"/>
+              <a:buAutoNum type="arabicPeriod"/>
+            </a:pPr>
+            <a:r>
+              <a:rPr lang="pl-PL" dirty="0"/>
+              <a:t>Elastic expose plain REST API </a:t>
+            </a:r>
+          </a:p>
+          <a:p>
+            <a:pPr marL="514350" indent="-514350">
+              <a:buFont typeface="+mj-lt"/>
+              <a:buAutoNum type="arabicPeriod"/>
+            </a:pPr>
+            <a:r>
+              <a:rPr lang="pl-PL" dirty="0"/>
+              <a:t>Oficial client libraries for : Java, JavaScript, Groovy, .NET, PHP, Perl, Python, Ruby</a:t>
+            </a:r>
+          </a:p>
+          <a:p>
+            <a:pPr marL="514350" indent="-514350">
+              <a:buFont typeface="+mj-lt"/>
+              <a:buAutoNum type="arabicPeriod"/>
+            </a:pPr>
+            <a:r>
+              <a:rPr lang="pl-PL" dirty="0"/>
+              <a:t>Comunity libraries for : B4J, C++, Clojure, ColdFusion (CFML), Erlang, Go, Groovy, Haskell, Java,JavaScript, kotlin, Lua, .NET, Ocaml, Perl, PHP, Python, R, Ruby, Rust, Scala,Smalltalk,Vert.x</a:t>
+            </a:r>
+          </a:p>
+        </p:txBody>
+      </p:sp>
+      <p:sp>
+        <p:nvSpPr>
+          <p:cNvPr id="4" name="Slide Number Placeholder 3">
+            <a:extLst>
+              <a:ext uri="{FF2B5EF4-FFF2-40B4-BE49-F238E27FC236}">
+                <a16:creationId xmlns:a16="http://schemas.microsoft.com/office/drawing/2014/main" id="{33B2B8C2-F102-4AF9-A40B-AE2FA55CE343}"/>
+              </a:ext>
+            </a:extLst>
+          </p:cNvPr>
+          <p:cNvSpPr>
+            <a:spLocks noGrp="1"/>
+          </p:cNvSpPr>
+          <p:nvPr>
+            <p:ph type="sldNum" sz="quarter" idx="12"/>
+          </p:nvPr>
+        </p:nvSpPr>
+        <p:spPr/>
+        <p:txBody>
+          <a:bodyPr/>
+          <a:lstStyle/>
+          <a:p>
+            <a:fld id="{3847DB54-D037-B84F-B6F1-2E8DA40D09AD}" type="slidenum">
+              <a:rPr lang="en-US" smtClean="0"/>
+              <a:pPr/>
+              <a:t>14</a:t>
+            </a:fld>
+            <a:endParaRPr lang="en-US" dirty="0"/>
+          </a:p>
+        </p:txBody>
+      </p:sp>
+    </p:spTree>
+    <p:extLst>
+      <p:ext uri="{BB962C8B-B14F-4D97-AF65-F5344CB8AC3E}">
+        <p14:creationId xmlns:p14="http://schemas.microsoft.com/office/powerpoint/2010/main" val="3328461729"/>
+      </p:ext>
+    </p:extLst>
+  </p:cSld>
+  <p:clrMapOvr>
+    <a:masterClrMapping/>
+  </p:clrMapOvr>
+  <p:transition>
+    <p:fade/>
+  </p:transition>
+</p:sld>
+</file>
+
+<file path=ppt/slides/slide15.xml><?xml version="1.0" encoding="utf-8"?>
 <p:sld xmlns:a="http://schemas.openxmlformats.org/drawingml/2006/main" xmlns:r="http://schemas.openxmlformats.org/officeDocument/2006/relationships" xmlns:p="http://schemas.openxmlformats.org/presentationml/2006/main">
   <p:cSld>
     <p:spTree>
@@ -5305,270 +5640,6 @@
 </p:sld>
 </file>
 
-<file path=ppt/slides/slide15.xml><?xml version="1.0" encoding="utf-8"?>
-<p:sld xmlns:a="http://schemas.openxmlformats.org/drawingml/2006/main" xmlns:r="http://schemas.openxmlformats.org/officeDocument/2006/relationships" xmlns:p="http://schemas.openxmlformats.org/presentationml/2006/main">
-  <p:cSld>
-    <p:spTree>
-      <p:nvGrpSpPr>
-        <p:cNvPr id="1" name=""/>
-        <p:cNvGrpSpPr/>
-        <p:nvPr/>
-      </p:nvGrpSpPr>
-      <p:grpSpPr>
-        <a:xfrm>
-          <a:off x="0" y="0"/>
-          <a:ext cx="0" cy="0"/>
-          <a:chOff x="0" y="0"/>
-          <a:chExt cx="0" cy="0"/>
-        </a:xfrm>
-      </p:grpSpPr>
-      <p:sp>
-        <p:nvSpPr>
-          <p:cNvPr id="2" name="Text Placeholder 1">
-            <a:extLst>
-              <a:ext uri="{FF2B5EF4-FFF2-40B4-BE49-F238E27FC236}">
-                <a16:creationId xmlns:a16="http://schemas.microsoft.com/office/drawing/2014/main" id="{8BB1E443-5131-4503-822B-41BE7CEA9FAA}"/>
-              </a:ext>
-            </a:extLst>
-          </p:cNvPr>
-          <p:cNvSpPr>
-            <a:spLocks noGrp="1"/>
-          </p:cNvSpPr>
-          <p:nvPr>
-            <p:ph type="body" sz="quarter" idx="10"/>
-          </p:nvPr>
-        </p:nvSpPr>
-        <p:spPr>
-          <a:xfrm>
-            <a:off x="957551" y="383399"/>
-            <a:ext cx="10524898" cy="1080861"/>
-          </a:xfrm>
-        </p:spPr>
-        <p:txBody>
-          <a:bodyPr/>
-          <a:lstStyle/>
-          <a:p>
-            <a:r>
-              <a:rPr lang="pl-PL" dirty="0"/>
-              <a:t>CRUD – create document </a:t>
-            </a:r>
-          </a:p>
-        </p:txBody>
-      </p:sp>
-      <p:sp>
-        <p:nvSpPr>
-          <p:cNvPr id="3" name="Text Placeholder 2">
-            <a:extLst>
-              <a:ext uri="{FF2B5EF4-FFF2-40B4-BE49-F238E27FC236}">
-                <a16:creationId xmlns:a16="http://schemas.microsoft.com/office/drawing/2014/main" id="{67F9BE48-35E4-4E87-B2D6-28624CEFFF2F}"/>
-              </a:ext>
-            </a:extLst>
-          </p:cNvPr>
-          <p:cNvSpPr>
-            <a:spLocks noGrp="1"/>
-          </p:cNvSpPr>
-          <p:nvPr>
-            <p:ph type="body" sz="quarter" idx="11"/>
-          </p:nvPr>
-        </p:nvSpPr>
-        <p:spPr>
-          <a:xfrm>
-            <a:off x="1024663" y="1228317"/>
-            <a:ext cx="10524898" cy="4635588"/>
-          </a:xfrm>
-        </p:spPr>
-        <p:txBody>
-          <a:bodyPr/>
-          <a:lstStyle/>
-          <a:p>
-            <a:pPr marL="514350" indent="-514350">
-              <a:buFont typeface="+mj-lt"/>
-              <a:buAutoNum type="arabicPeriod"/>
-            </a:pPr>
-            <a:r>
-              <a:rPr lang="pl-PL" dirty="0"/>
-              <a:t>POST – auto generated id </a:t>
-            </a:r>
-          </a:p>
-          <a:p>
-            <a:pPr marL="514350" indent="-514350">
-              <a:buFont typeface="+mj-lt"/>
-              <a:buAutoNum type="arabicPeriod"/>
-            </a:pPr>
-            <a:r>
-              <a:rPr lang="pl-PL" dirty="0"/>
-              <a:t>PUT – option to manually create id </a:t>
-            </a:r>
-          </a:p>
-          <a:p>
-            <a:pPr marL="514350" indent="-514350">
-              <a:buFont typeface="+mj-lt"/>
-              <a:buAutoNum type="arabicPeriod"/>
-            </a:pPr>
-            <a:endParaRPr lang="pl-PL" dirty="0"/>
-          </a:p>
-        </p:txBody>
-      </p:sp>
-      <p:sp>
-        <p:nvSpPr>
-          <p:cNvPr id="4" name="TextBox 3">
-            <a:extLst>
-              <a:ext uri="{FF2B5EF4-FFF2-40B4-BE49-F238E27FC236}">
-                <a16:creationId xmlns:a16="http://schemas.microsoft.com/office/drawing/2014/main" id="{838F44A8-B970-4A78-961A-D743C8A61BF3}"/>
-              </a:ext>
-            </a:extLst>
-          </p:cNvPr>
-          <p:cNvSpPr txBox="1"/>
-          <p:nvPr/>
-        </p:nvSpPr>
-        <p:spPr>
-          <a:xfrm>
-            <a:off x="1396029" y="3079052"/>
-            <a:ext cx="3546389" cy="1754326"/>
-          </a:xfrm>
-          <a:prstGeom prst="rect">
-            <a:avLst/>
-          </a:prstGeom>
-          <a:noFill/>
-          <a:ln>
-            <a:solidFill>
-              <a:schemeClr val="tx1"/>
-            </a:solidFill>
-          </a:ln>
-        </p:spPr>
-        <p:txBody>
-          <a:bodyPr wrap="square" rtlCol="0">
-            <a:spAutoFit/>
-          </a:bodyPr>
-          <a:lstStyle/>
-          <a:p>
-            <a:r>
-              <a:rPr lang="pl-PL" b="1" dirty="0"/>
-              <a:t>POST</a:t>
-            </a:r>
-            <a:r>
-              <a:rPr lang="pl-PL" dirty="0"/>
-              <a:t> /test/type HTTP/1.1</a:t>
-            </a:r>
-          </a:p>
-          <a:p>
-            <a:r>
-              <a:rPr lang="pl-PL" dirty="0"/>
-              <a:t>Host: localhost:9200</a:t>
-            </a:r>
-          </a:p>
-          <a:p>
-            <a:r>
-              <a:rPr lang="pl-PL" dirty="0"/>
-              <a:t>Content-Type: application/json</a:t>
-            </a:r>
-          </a:p>
-          <a:p>
-            <a:r>
-              <a:rPr lang="pl-PL" dirty="0"/>
-              <a:t>{ "textField" : "This is text field"}</a:t>
-            </a:r>
-          </a:p>
-          <a:p>
-            <a:endParaRPr lang="pl-PL" dirty="0"/>
-          </a:p>
-          <a:p>
-            <a:endParaRPr lang="pl-PL" dirty="0"/>
-          </a:p>
-        </p:txBody>
-      </p:sp>
-      <p:sp>
-        <p:nvSpPr>
-          <p:cNvPr id="5" name="TextBox 4">
-            <a:extLst>
-              <a:ext uri="{FF2B5EF4-FFF2-40B4-BE49-F238E27FC236}">
-                <a16:creationId xmlns:a16="http://schemas.microsoft.com/office/drawing/2014/main" id="{1D1C863E-879E-4C30-8F5B-E317D45CFF99}"/>
-              </a:ext>
-            </a:extLst>
-          </p:cNvPr>
-          <p:cNvSpPr txBox="1"/>
-          <p:nvPr/>
-        </p:nvSpPr>
-        <p:spPr>
-          <a:xfrm>
-            <a:off x="5850678" y="3079052"/>
-            <a:ext cx="3546389" cy="1754326"/>
-          </a:xfrm>
-          <a:prstGeom prst="rect">
-            <a:avLst/>
-          </a:prstGeom>
-          <a:noFill/>
-          <a:ln>
-            <a:solidFill>
-              <a:schemeClr val="tx1"/>
-            </a:solidFill>
-          </a:ln>
-        </p:spPr>
-        <p:txBody>
-          <a:bodyPr wrap="square" rtlCol="0">
-            <a:spAutoFit/>
-          </a:bodyPr>
-          <a:lstStyle/>
-          <a:p>
-            <a:r>
-              <a:rPr lang="pl-PL" b="1" dirty="0"/>
-              <a:t>PUT</a:t>
-            </a:r>
-            <a:r>
-              <a:rPr lang="pl-PL" dirty="0"/>
-              <a:t> /test/type/</a:t>
-            </a:r>
-            <a:r>
-              <a:rPr lang="pl-PL" b="1" dirty="0"/>
-              <a:t>thisisID</a:t>
-            </a:r>
-            <a:r>
-              <a:rPr lang="pl-PL" dirty="0"/>
-              <a:t> HTTP/1.1</a:t>
-            </a:r>
-          </a:p>
-          <a:p>
-            <a:r>
-              <a:rPr lang="pl-PL" dirty="0"/>
-              <a:t>Host: localhost:9200</a:t>
-            </a:r>
-          </a:p>
-          <a:p>
-            <a:r>
-              <a:rPr lang="pl-PL" dirty="0"/>
-              <a:t>Content-Type: application/json</a:t>
-            </a:r>
-          </a:p>
-          <a:p>
-            <a:r>
-              <a:rPr lang="pl-PL" dirty="0"/>
-              <a:t>{ "textField" : "This is text field"}</a:t>
-            </a:r>
-          </a:p>
-          <a:p>
-            <a:endParaRPr lang="pl-PL" dirty="0"/>
-          </a:p>
-          <a:p>
-            <a:endParaRPr lang="pl-PL" dirty="0"/>
-          </a:p>
-        </p:txBody>
-      </p:sp>
-    </p:spTree>
-    <p:extLst>
-      <p:ext uri="{BB962C8B-B14F-4D97-AF65-F5344CB8AC3E}">
-        <p14:creationId xmlns:p14="http://schemas.microsoft.com/office/powerpoint/2010/main" val="687965556"/>
-      </p:ext>
-    </p:extLst>
-  </p:cSld>
-  <p:clrMapOvr>
-    <a:masterClrMapping/>
-  </p:clrMapOvr>
-  <p:transition>
-    <p:fade/>
-  </p:transition>
-</p:sld>
-</file>
-
 <file path=ppt/slides/slide16.xml><?xml version="1.0" encoding="utf-8"?>
 <p:sld xmlns:a="http://schemas.openxmlformats.org/drawingml/2006/main" xmlns:r="http://schemas.openxmlformats.org/officeDocument/2006/relationships" xmlns:p="http://schemas.openxmlformats.org/presentationml/2006/main">
   <p:cSld>
@@ -5591,7 +5662,7 @@
           <p:cNvPr id="2" name="Text Placeholder 1">
             <a:extLst>
               <a:ext uri="{FF2B5EF4-FFF2-40B4-BE49-F238E27FC236}">
-                <a16:creationId xmlns:a16="http://schemas.microsoft.com/office/drawing/2014/main" id="{FD5A6B39-4BCD-4411-8036-C3667FF1E3BD}"/>
+                <a16:creationId xmlns:a16="http://schemas.microsoft.com/office/drawing/2014/main" id="{8BB1E443-5131-4503-822B-41BE7CEA9FAA}"/>
               </a:ext>
             </a:extLst>
           </p:cNvPr>
@@ -5604,7 +5675,7 @@
         </p:nvSpPr>
         <p:spPr>
           <a:xfrm>
-            <a:off x="936631" y="373353"/>
+            <a:off x="957551" y="383399"/>
             <a:ext cx="10524898" cy="1080861"/>
           </a:xfrm>
         </p:spPr>
@@ -5614,7 +5685,7 @@
           <a:p>
             <a:r>
               <a:rPr lang="pl-PL" dirty="0"/>
-              <a:t>CRUD  - read documents </a:t>
+              <a:t>CRUD – create document </a:t>
             </a:r>
           </a:p>
         </p:txBody>
@@ -5624,7 +5695,7 @@
           <p:cNvPr id="3" name="Text Placeholder 2">
             <a:extLst>
               <a:ext uri="{FF2B5EF4-FFF2-40B4-BE49-F238E27FC236}">
-                <a16:creationId xmlns:a16="http://schemas.microsoft.com/office/drawing/2014/main" id="{79E54BDB-C818-41FF-A2F0-EE0711FB74E0}"/>
+                <a16:creationId xmlns:a16="http://schemas.microsoft.com/office/drawing/2014/main" id="{67F9BE48-35E4-4E87-B2D6-28624CEFFF2F}"/>
               </a:ext>
             </a:extLst>
           </p:cNvPr>
@@ -5637,8 +5708,8 @@
         </p:nvSpPr>
         <p:spPr>
           <a:xfrm>
-            <a:off x="936631" y="1266118"/>
-            <a:ext cx="10524898" cy="4626682"/>
+            <a:off x="1024663" y="1228317"/>
+            <a:ext cx="10524898" cy="4635588"/>
           </a:xfrm>
         </p:spPr>
         <p:txBody>
@@ -5651,7 +5722,7 @@
             </a:pPr>
             <a:r>
               <a:rPr lang="pl-PL" dirty="0"/>
-              <a:t>„bool” section –  more complex queries </a:t>
+              <a:t>POST – auto generated id </a:t>
             </a:r>
           </a:p>
           <a:p>
@@ -5661,26 +5732,7 @@
             </a:pPr>
             <a:r>
               <a:rPr lang="pl-PL" dirty="0"/>
-              <a:t>Previous full-text-search example was only syntax sugar over it</a:t>
-            </a:r>
-          </a:p>
-          <a:p>
-            <a:pPr marL="514350" indent="-514350">
-              <a:buFont typeface="+mj-lt"/>
-              <a:buAutoNum type="arabicPeriod"/>
-            </a:pPr>
-            <a:r>
-              <a:rPr lang="pl-PL" dirty="0"/>
-              <a:t>Using sort will null scoring </a:t>
-            </a:r>
-          </a:p>
-          <a:p>
-            <a:endParaRPr lang="pl-PL" dirty="0"/>
-          </a:p>
-          <a:p>
-            <a:r>
-              <a:rPr lang="pl-PL" dirty="0"/>
-              <a:t> </a:t>
+              <a:t>PUT – option to manually create id </a:t>
             </a:r>
           </a:p>
           <a:p>
@@ -5694,40 +5746,10 @@
       </p:sp>
       <p:sp>
         <p:nvSpPr>
-          <p:cNvPr id="4" name="Slide Number Placeholder 3">
+          <p:cNvPr id="4" name="TextBox 3">
             <a:extLst>
               <a:ext uri="{FF2B5EF4-FFF2-40B4-BE49-F238E27FC236}">
-                <a16:creationId xmlns:a16="http://schemas.microsoft.com/office/drawing/2014/main" id="{C8A05C82-A1F7-41DA-B21F-C4634476B4D0}"/>
-              </a:ext>
-            </a:extLst>
-          </p:cNvPr>
-          <p:cNvSpPr>
-            <a:spLocks noGrp="1"/>
-          </p:cNvSpPr>
-          <p:nvPr>
-            <p:ph type="sldNum" sz="quarter" idx="12"/>
-          </p:nvPr>
-        </p:nvSpPr>
-        <p:spPr/>
-        <p:txBody>
-          <a:bodyPr/>
-          <a:lstStyle/>
-          <a:p>
-            <a:fld id="{3847DB54-D037-B84F-B6F1-2E8DA40D09AD}" type="slidenum">
-              <a:rPr lang="en-US" smtClean="0"/>
-              <a:pPr/>
-              <a:t>16</a:t>
-            </a:fld>
-            <a:endParaRPr lang="en-US"/>
-          </a:p>
-        </p:txBody>
-      </p:sp>
-      <p:sp>
-        <p:nvSpPr>
-          <p:cNvPr id="5" name="TextBox 4">
-            <a:extLst>
-              <a:ext uri="{FF2B5EF4-FFF2-40B4-BE49-F238E27FC236}">
-                <a16:creationId xmlns:a16="http://schemas.microsoft.com/office/drawing/2014/main" id="{86EF2EC1-ED41-4721-97FD-BFBB8A62131D}"/>
+                <a16:creationId xmlns:a16="http://schemas.microsoft.com/office/drawing/2014/main" id="{838F44A8-B970-4A78-961A-D743C8A61BF3}"/>
               </a:ext>
             </a:extLst>
           </p:cNvPr>
@@ -5736,8 +5758,8 @@
         </p:nvSpPr>
         <p:spPr>
           <a:xfrm>
-            <a:off x="2705757" y="2891641"/>
-            <a:ext cx="8419443" cy="3693319"/>
+            <a:off x="1396029" y="3079052"/>
+            <a:ext cx="3546389" cy="1754326"/>
           </a:xfrm>
           <a:prstGeom prst="rect">
             <a:avLst/>
@@ -5756,88 +5778,120 @@
           <a:lstStyle/>
           <a:p>
             <a:r>
-              <a:rPr lang="pl-PL" dirty="0"/>
-              <a:t>{</a:t>
-            </a:r>
-          </a:p>
-          <a:p>
-            <a:r>
-              <a:rPr lang="pl-PL" dirty="0"/>
-              <a:t>	"query": {</a:t>
-            </a:r>
-          </a:p>
-          <a:p>
-            <a:r>
-              <a:rPr lang="pl-PL" dirty="0"/>
-              <a:t>		"bool": {</a:t>
-            </a:r>
-          </a:p>
-          <a:p>
-            <a:r>
-              <a:rPr lang="pl-PL" dirty="0"/>
-              <a:t>			"must": [</a:t>
-            </a:r>
-          </a:p>
-          <a:p>
-            <a:r>
-              <a:rPr lang="pl-PL" dirty="0"/>
-              <a:t>				{ "term": { "textField": "text" } },</a:t>
-            </a:r>
-          </a:p>
-          <a:p>
-            <a:r>
-              <a:rPr lang="pl-PL" dirty="0"/>
-              <a:t>				{ "range": { "age": { "gte": 10,  "lte": 20 } }}</a:t>
-            </a:r>
-          </a:p>
-          <a:p>
-            <a:r>
-              <a:rPr lang="pl-PL" dirty="0"/>
-              <a:t>			 ],</a:t>
-            </a:r>
-          </a:p>
-          <a:p>
-            <a:r>
-              <a:rPr lang="pl-PL" dirty="0"/>
-              <a:t>			"must_not": [ { "term": { "age": "13" }} ], </a:t>
-            </a:r>
-          </a:p>
-          <a:p>
-            <a:r>
-              <a:rPr lang="pl-PL" dirty="0"/>
-              <a:t>			"filter": [{ "term": { "_type": "type" } }]</a:t>
-            </a:r>
-          </a:p>
-          <a:p>
-            <a:r>
-              <a:rPr lang="pl-PL" dirty="0"/>
-              <a:t>		}</a:t>
-            </a:r>
-          </a:p>
-          <a:p>
-            <a:r>
-              <a:rPr lang="pl-PL" dirty="0"/>
-              <a:t>	},</a:t>
-            </a:r>
-          </a:p>
-          <a:p>
-            <a:r>
-              <a:rPr lang="pl-PL" dirty="0"/>
-              <a:t> 	"sort": [     {       "_id": {         "order": "desc„       }     }</a:t>
-            </a:r>
-          </a:p>
-          <a:p>
-            <a:r>
-              <a:rPr lang="pl-PL" dirty="0"/>
-              <a:t>}</a:t>
-            </a:r>
+              <a:rPr lang="pl-PL" b="1" dirty="0"/>
+              <a:t>POST</a:t>
+            </a:r>
+            <a:r>
+              <a:rPr lang="pl-PL" dirty="0"/>
+              <a:t> /test/type HTTP/1.1</a:t>
+            </a:r>
+          </a:p>
+          <a:p>
+            <a:r>
+              <a:rPr lang="pl-PL" dirty="0"/>
+              <a:t>Host: localhost:9200</a:t>
+            </a:r>
+          </a:p>
+          <a:p>
+            <a:r>
+              <a:rPr lang="pl-PL" dirty="0"/>
+              <a:t>Content-Type: application/json</a:t>
+            </a:r>
+          </a:p>
+          <a:p>
+            <a:r>
+              <a:rPr lang="pl-PL" dirty="0"/>
+              <a:t>{ "textField" : "This is text field"}</a:t>
+            </a:r>
+          </a:p>
+          <a:p>
+            <a:endParaRPr lang="pl-PL" dirty="0"/>
+          </a:p>
+          <a:p>
+            <a:endParaRPr lang="pl-PL" dirty="0"/>
+          </a:p>
+        </p:txBody>
+      </p:sp>
+      <p:sp>
+        <p:nvSpPr>
+          <p:cNvPr id="5" name="TextBox 4">
+            <a:extLst>
+              <a:ext uri="{FF2B5EF4-FFF2-40B4-BE49-F238E27FC236}">
+                <a16:creationId xmlns:a16="http://schemas.microsoft.com/office/drawing/2014/main" id="{1D1C863E-879E-4C30-8F5B-E317D45CFF99}"/>
+              </a:ext>
+            </a:extLst>
+          </p:cNvPr>
+          <p:cNvSpPr txBox="1"/>
+          <p:nvPr/>
+        </p:nvSpPr>
+        <p:spPr>
+          <a:xfrm>
+            <a:off x="5850678" y="3079052"/>
+            <a:ext cx="3546389" cy="1754326"/>
+          </a:xfrm>
+          <a:prstGeom prst="rect">
+            <a:avLst/>
+          </a:prstGeom>
+          <a:noFill/>
+          <a:ln>
+            <a:solidFill>
+              <a:schemeClr val="tx1"/>
+            </a:solidFill>
+          </a:ln>
+        </p:spPr>
+        <p:txBody>
+          <a:bodyPr wrap="square" rtlCol="0">
+            <a:spAutoFit/>
+          </a:bodyPr>
+          <a:lstStyle/>
+          <a:p>
+            <a:r>
+              <a:rPr lang="pl-PL" b="1" dirty="0"/>
+              <a:t>PUT</a:t>
+            </a:r>
+            <a:r>
+              <a:rPr lang="pl-PL" dirty="0"/>
+              <a:t> /test/type/</a:t>
+            </a:r>
+            <a:r>
+              <a:rPr lang="pl-PL" b="1" dirty="0"/>
+              <a:t>thisisID</a:t>
+            </a:r>
+            <a:r>
+              <a:rPr lang="pl-PL" dirty="0"/>
+              <a:t> HTTP/1.1</a:t>
+            </a:r>
+          </a:p>
+          <a:p>
+            <a:r>
+              <a:rPr lang="pl-PL" dirty="0"/>
+              <a:t>Host: localhost:9200</a:t>
+            </a:r>
+          </a:p>
+          <a:p>
+            <a:r>
+              <a:rPr lang="pl-PL" dirty="0"/>
+              <a:t>Content-Type: application/json</a:t>
+            </a:r>
+          </a:p>
+          <a:p>
+            <a:r>
+              <a:rPr lang="pl-PL" dirty="0"/>
+              <a:t>{ "textField" : "This is text field"}</a:t>
+            </a:r>
+          </a:p>
+          <a:p>
+            <a:endParaRPr lang="pl-PL" dirty="0"/>
+          </a:p>
+          <a:p>
+            <a:endParaRPr lang="pl-PL" dirty="0"/>
           </a:p>
         </p:txBody>
       </p:sp>
     </p:spTree>
     <p:extLst>
       <p:ext uri="{BB962C8B-B14F-4D97-AF65-F5344CB8AC3E}">
-        <p14:creationId xmlns:p14="http://schemas.microsoft.com/office/powerpoint/2010/main" val="2491964884"/>
+        <p14:creationId xmlns:p14="http://schemas.microsoft.com/office/powerpoint/2010/main" val="687965556"/>
       </p:ext>
     </p:extLst>
   </p:cSld>
@@ -5872,7 +5926,7 @@
           <p:cNvPr id="2" name="Text Placeholder 1">
             <a:extLst>
               <a:ext uri="{FF2B5EF4-FFF2-40B4-BE49-F238E27FC236}">
-                <a16:creationId xmlns:a16="http://schemas.microsoft.com/office/drawing/2014/main" id="{10ED912E-031E-4134-8747-1D3491262589}"/>
+                <a16:creationId xmlns:a16="http://schemas.microsoft.com/office/drawing/2014/main" id="{FD5A6B39-4BCD-4411-8036-C3667FF1E3BD}"/>
               </a:ext>
             </a:extLst>
           </p:cNvPr>
@@ -5885,7 +5939,7 @@
         </p:nvSpPr>
         <p:spPr>
           <a:xfrm>
-            <a:off x="1083386" y="307673"/>
+            <a:off x="936631" y="373353"/>
             <a:ext cx="10524898" cy="1080861"/>
           </a:xfrm>
         </p:spPr>
@@ -5898,9 +5952,6 @@
               <a:t>CRUD  - read documents </a:t>
             </a:r>
           </a:p>
-          <a:p>
-            <a:endParaRPr lang="pl-PL" dirty="0"/>
-          </a:p>
         </p:txBody>
       </p:sp>
       <p:sp>
@@ -5908,7 +5959,7 @@
           <p:cNvPr id="3" name="Text Placeholder 2">
             <a:extLst>
               <a:ext uri="{FF2B5EF4-FFF2-40B4-BE49-F238E27FC236}">
-                <a16:creationId xmlns:a16="http://schemas.microsoft.com/office/drawing/2014/main" id="{05A3B802-1CDB-49B7-94D6-1519B4B886ED}"/>
+                <a16:creationId xmlns:a16="http://schemas.microsoft.com/office/drawing/2014/main" id="{79E54BDB-C818-41FF-A2F0-EE0711FB74E0}"/>
               </a:ext>
             </a:extLst>
           </p:cNvPr>
@@ -5921,20 +5972,57 @@
         </p:nvSpPr>
         <p:spPr>
           <a:xfrm>
-            <a:off x="1083386" y="1388534"/>
-            <a:ext cx="10524898" cy="3860360"/>
+            <a:off x="936631" y="1266118"/>
+            <a:ext cx="10524898" cy="4626682"/>
           </a:xfrm>
         </p:spPr>
         <p:txBody>
           <a:bodyPr/>
           <a:lstStyle/>
           <a:p>
-            <a:r>
-              <a:rPr lang="pl-PL" dirty="0"/>
-              <a:t>GET and query string parameters – onlu Luceny query syntax </a:t>
-            </a:r>
-          </a:p>
-          <a:p>
+            <a:pPr marL="514350" indent="-514350">
+              <a:buFont typeface="+mj-lt"/>
+              <a:buAutoNum type="arabicPeriod"/>
+            </a:pPr>
+            <a:r>
+              <a:rPr lang="pl-PL" dirty="0"/>
+              <a:t>„bool” section –  more complex queries </a:t>
+            </a:r>
+          </a:p>
+          <a:p>
+            <a:pPr marL="514350" indent="-514350">
+              <a:buFont typeface="+mj-lt"/>
+              <a:buAutoNum type="arabicPeriod"/>
+            </a:pPr>
+            <a:r>
+              <a:rPr lang="pl-PL" dirty="0"/>
+              <a:t>Previous full-text-search example was only syntax sugar over it</a:t>
+            </a:r>
+          </a:p>
+          <a:p>
+            <a:pPr marL="514350" indent="-514350">
+              <a:buFont typeface="+mj-lt"/>
+              <a:buAutoNum type="arabicPeriod"/>
+            </a:pPr>
+            <a:r>
+              <a:rPr lang="pl-PL" dirty="0"/>
+              <a:t>Using sort will null scoring </a:t>
+            </a:r>
+          </a:p>
+          <a:p>
+            <a:endParaRPr lang="pl-PL" dirty="0"/>
+          </a:p>
+          <a:p>
+            <a:r>
+              <a:rPr lang="pl-PL" dirty="0"/>
+              <a:t> </a:t>
+            </a:r>
+          </a:p>
+          <a:p>
+            <a:pPr marL="514350" indent="-514350">
+              <a:buFont typeface="+mj-lt"/>
+              <a:buAutoNum type="arabicPeriod"/>
+            </a:pPr>
             <a:endParaRPr lang="pl-PL" dirty="0"/>
           </a:p>
         </p:txBody>
@@ -5944,7 +6032,7 @@
           <p:cNvPr id="4" name="Slide Number Placeholder 3">
             <a:extLst>
               <a:ext uri="{FF2B5EF4-FFF2-40B4-BE49-F238E27FC236}">
-                <a16:creationId xmlns:a16="http://schemas.microsoft.com/office/drawing/2014/main" id="{4421AF2F-6268-4E1F-A9F1-C9010DA54353}"/>
+                <a16:creationId xmlns:a16="http://schemas.microsoft.com/office/drawing/2014/main" id="{C8A05C82-A1F7-41DA-B21F-C4634476B4D0}"/>
               </a:ext>
             </a:extLst>
           </p:cNvPr>
@@ -5965,16 +6053,16 @@
               <a:pPr/>
               <a:t>17</a:t>
             </a:fld>
-            <a:endParaRPr lang="en-US"/>
-          </a:p>
-        </p:txBody>
-      </p:sp>
-      <p:sp>
-        <p:nvSpPr>
-          <p:cNvPr id="6" name="TextBox 5">
+            <a:endParaRPr lang="en-US" dirty="0"/>
+          </a:p>
+        </p:txBody>
+      </p:sp>
+      <p:sp>
+        <p:nvSpPr>
+          <p:cNvPr id="5" name="TextBox 4">
             <a:extLst>
               <a:ext uri="{FF2B5EF4-FFF2-40B4-BE49-F238E27FC236}">
-                <a16:creationId xmlns:a16="http://schemas.microsoft.com/office/drawing/2014/main" id="{CC39F5AE-3F67-4754-AB16-0603C297A5C2}"/>
+                <a16:creationId xmlns:a16="http://schemas.microsoft.com/office/drawing/2014/main" id="{86EF2EC1-ED41-4721-97FD-BFBB8A62131D}"/>
               </a:ext>
             </a:extLst>
           </p:cNvPr>
@@ -5983,8 +6071,8 @@
         </p:nvSpPr>
         <p:spPr>
           <a:xfrm>
-            <a:off x="1186466" y="2250012"/>
-            <a:ext cx="10318738" cy="3139321"/>
+            <a:off x="2477157" y="2961980"/>
+            <a:ext cx="8419443" cy="3139321"/>
           </a:xfrm>
           <a:prstGeom prst="rect">
             <a:avLst/>
@@ -6004,148 +6092,67 @@
           <a:p>
             <a:r>
               <a:rPr lang="en-US" dirty="0"/>
-              <a:t>Search in the default _all field:</a:t>
+              <a:t>{</a:t>
             </a:r>
           </a:p>
           <a:p>
             <a:r>
               <a:rPr lang="en-US" dirty="0"/>
-              <a:t>GET /_</a:t>
-            </a:r>
-            <a:r>
-              <a:rPr lang="en-US" dirty="0" err="1"/>
-              <a:t>search?q</a:t>
-            </a:r>
+              <a:t>	"query": {</a:t>
+            </a:r>
+          </a:p>
+          <a:p>
             <a:r>
               <a:rPr lang="en-US" dirty="0"/>
-              <a:t>=</a:t>
-            </a:r>
-            <a:r>
-              <a:rPr lang="pl-PL" dirty="0"/>
-              <a:t>test</a:t>
-            </a:r>
-          </a:p>
-          <a:p>
-            <a:endParaRPr lang="en-US" dirty="0"/>
+              <a:t>		"bool": {</a:t>
+            </a:r>
           </a:p>
           <a:p>
             <a:r>
               <a:rPr lang="en-US" dirty="0"/>
-              <a:t>Complex search with operator and exact phrase search with boost:</a:t>
+              <a:t>			"must": [],</a:t>
             </a:r>
           </a:p>
           <a:p>
             <a:r>
               <a:rPr lang="en-US" dirty="0"/>
-              <a:t>GET /_</a:t>
-            </a:r>
-            <a:r>
-              <a:rPr lang="en-US" dirty="0" err="1"/>
-              <a:t>search?q</a:t>
-            </a:r>
+              <a:t>			"must_not": [],</a:t>
+            </a:r>
+          </a:p>
+          <a:p>
             <a:r>
               <a:rPr lang="en-US" dirty="0"/>
-              <a:t>=title:(</a:t>
-            </a:r>
-            <a:r>
-              <a:rPr lang="en-US" dirty="0" err="1"/>
-              <a:t>joli</a:t>
-            </a:r>
+              <a:t>			"filter": [],</a:t>
+            </a:r>
+          </a:p>
+          <a:p>
             <a:r>
               <a:rPr lang="en-US" dirty="0"/>
-              <a:t> OR code) AND </a:t>
-            </a:r>
-            <a:r>
-              <a:rPr lang="en-US" dirty="0" err="1"/>
-              <a:t>author:"Damien</a:t>
-            </a:r>
+              <a:t>			"should": [],</a:t>
+            </a:r>
+          </a:p>
+          <a:p>
             <a:r>
               <a:rPr lang="en-US" dirty="0"/>
-              <a:t> Alexandre"^2</a:t>
-            </a:r>
-            <a:endParaRPr lang="pl-PL" dirty="0"/>
-          </a:p>
-          <a:p>
-            <a:endParaRPr lang="en-US" dirty="0"/>
+              <a:t>			"minimum_should_match": 1</a:t>
+            </a:r>
           </a:p>
           <a:p>
             <a:r>
               <a:rPr lang="en-US" dirty="0"/>
-              <a:t>Search with wildcard and special queries:</a:t>
+              <a:t>		}</a:t>
             </a:r>
           </a:p>
           <a:p>
             <a:r>
               <a:rPr lang="en-US" dirty="0"/>
-              <a:t>GET /_</a:t>
-            </a:r>
-            <a:r>
-              <a:rPr lang="en-US" dirty="0" err="1"/>
-              <a:t>search?q</a:t>
-            </a:r>
+              <a:t>	}</a:t>
+            </a:r>
+          </a:p>
+          <a:p>
             <a:r>
               <a:rPr lang="en-US" dirty="0"/>
-              <a:t>=_</a:t>
-            </a:r>
-            <a:r>
-              <a:rPr lang="en-US" dirty="0" err="1"/>
-              <a:t>exists_:title</a:t>
-            </a:r>
-            <a:r>
-              <a:rPr lang="en-US" dirty="0"/>
-              <a:t> OR </a:t>
-            </a:r>
-            <a:r>
-              <a:rPr lang="en-US" dirty="0" err="1"/>
-              <a:t>title:singl</a:t>
-            </a:r>
-            <a:r>
-              <a:rPr lang="en-US" dirty="0"/>
-              <a:t>? </a:t>
-            </a:r>
-            <a:r>
-              <a:rPr lang="en-US" dirty="0" err="1"/>
-              <a:t>noneOrAnyChar</a:t>
-            </a:r>
-            <a:r>
-              <a:rPr lang="en-US" dirty="0"/>
-              <a:t>*</a:t>
-            </a:r>
-            <a:r>
-              <a:rPr lang="en-US" dirty="0" err="1"/>
-              <a:t>cter</a:t>
-            </a:r>
-            <a:endParaRPr lang="pl-PL" dirty="0"/>
-          </a:p>
-          <a:p>
-            <a:endParaRPr lang="en-US" dirty="0"/>
-          </a:p>
-          <a:p>
-            <a:r>
-              <a:rPr lang="en-US" dirty="0"/>
-              <a:t>Search with </a:t>
-            </a:r>
-            <a:r>
-              <a:rPr lang="en-US" dirty="0" err="1"/>
-              <a:t>fuzzyness</a:t>
-            </a:r>
-            <a:r>
-              <a:rPr lang="en-US" dirty="0"/>
-              <a:t> and range:</a:t>
-            </a:r>
-          </a:p>
-          <a:p>
-            <a:r>
-              <a:rPr lang="en-US" dirty="0"/>
-              <a:t>GET /_</a:t>
-            </a:r>
-            <a:r>
-              <a:rPr lang="en-US" dirty="0" err="1"/>
-              <a:t>search?q</a:t>
-            </a:r>
-            <a:r>
-              <a:rPr lang="en-US" dirty="0"/>
-              <a:t>=title:elastichurch~3 AND date:[2016-01-01 TO 2018-12-31]</a:t>
+              <a:t>}</a:t>
             </a:r>
           </a:p>
         </p:txBody>
@@ -6153,7 +6160,7 @@
     </p:spTree>
     <p:extLst>
       <p:ext uri="{BB962C8B-B14F-4D97-AF65-F5344CB8AC3E}">
-        <p14:creationId xmlns:p14="http://schemas.microsoft.com/office/powerpoint/2010/main" val="2946625856"/>
+        <p14:creationId xmlns:p14="http://schemas.microsoft.com/office/powerpoint/2010/main" val="2491964884"/>
       </p:ext>
     </p:extLst>
   </p:cSld>
@@ -6188,7 +6195,7 @@
           <p:cNvPr id="2" name="Text Placeholder 1">
             <a:extLst>
               <a:ext uri="{FF2B5EF4-FFF2-40B4-BE49-F238E27FC236}">
-                <a16:creationId xmlns:a16="http://schemas.microsoft.com/office/drawing/2014/main" id="{0666409E-3EDA-40A1-9B7F-38E1232F0C2E}"/>
+                <a16:creationId xmlns:a16="http://schemas.microsoft.com/office/drawing/2014/main" id="{10ED912E-031E-4134-8747-1D3491262589}"/>
               </a:ext>
             </a:extLst>
           </p:cNvPr>
@@ -6201,7 +6208,7 @@
         </p:nvSpPr>
         <p:spPr>
           <a:xfrm>
-            <a:off x="982718" y="358232"/>
+            <a:off x="1083386" y="307673"/>
             <a:ext cx="10524898" cy="1080861"/>
           </a:xfrm>
         </p:spPr>
@@ -6211,8 +6218,11 @@
           <a:p>
             <a:r>
               <a:rPr lang="pl-PL" dirty="0"/>
-              <a:t>CRUD – delete document or index</a:t>
-            </a:r>
+              <a:t>CRUD  - read documents </a:t>
+            </a:r>
+          </a:p>
+          <a:p>
+            <a:endParaRPr lang="pl-PL" dirty="0"/>
           </a:p>
         </p:txBody>
       </p:sp>
@@ -6221,7 +6231,7 @@
           <p:cNvPr id="3" name="Text Placeholder 2">
             <a:extLst>
               <a:ext uri="{FF2B5EF4-FFF2-40B4-BE49-F238E27FC236}">
-                <a16:creationId xmlns:a16="http://schemas.microsoft.com/office/drawing/2014/main" id="{FD5FB16C-B30C-4D9E-9F3E-096E5D6C0B1C}"/>
+                <a16:creationId xmlns:a16="http://schemas.microsoft.com/office/drawing/2014/main" id="{05A3B802-1CDB-49B7-94D6-1519B4B886ED}"/>
               </a:ext>
             </a:extLst>
           </p:cNvPr>
@@ -6234,64 +6244,60 @@
         </p:nvSpPr>
         <p:spPr>
           <a:xfrm>
-            <a:off x="1079433" y="1439093"/>
-            <a:ext cx="10199807" cy="4522092"/>
+            <a:off x="1083386" y="1388534"/>
+            <a:ext cx="10524898" cy="3860360"/>
           </a:xfrm>
         </p:spPr>
         <p:txBody>
           <a:bodyPr/>
           <a:lstStyle/>
           <a:p>
-            <a:pPr marL="514350" indent="-514350">
-              <a:buFont typeface="+mj-lt"/>
-              <a:buAutoNum type="arabicPeriod"/>
-            </a:pPr>
-            <a:r>
-              <a:rPr lang="pl-PL" dirty="0"/>
-              <a:t>Delete index</a:t>
-            </a:r>
-          </a:p>
-          <a:p>
-            <a:pPr marL="514350" indent="-514350">
-              <a:buFont typeface="+mj-lt"/>
-              <a:buAutoNum type="arabicPeriod"/>
-            </a:pPr>
+            <a:r>
+              <a:rPr lang="pl-PL" dirty="0"/>
+              <a:t>GET and query string parameters – only Luceny query syntax </a:t>
+            </a:r>
+          </a:p>
+          <a:p>
             <a:endParaRPr lang="pl-PL" dirty="0"/>
           </a:p>
-          <a:p>
-            <a:pPr marL="514350" indent="-514350">
-              <a:buFont typeface="+mj-lt"/>
-              <a:buAutoNum type="arabicPeriod"/>
-            </a:pPr>
-            <a:endParaRPr lang="pl-PL" dirty="0"/>
-          </a:p>
-          <a:p>
-            <a:pPr marL="514350" indent="-514350">
-              <a:buFont typeface="+mj-lt"/>
-              <a:buAutoNum type="arabicPeriod"/>
-            </a:pPr>
-            <a:r>
-              <a:rPr lang="pl-PL" dirty="0"/>
-              <a:t>Delete document from index</a:t>
-            </a:r>
-          </a:p>
-          <a:p>
-            <a:endParaRPr lang="pl-PL" dirty="0"/>
-          </a:p>
-          <a:p>
-            <a:endParaRPr lang="pl-PL" dirty="0"/>
-          </a:p>
-          <a:p>
-            <a:endParaRPr lang="pl-PL" dirty="0"/>
-          </a:p>
-        </p:txBody>
-      </p:sp>
-      <p:sp>
-        <p:nvSpPr>
-          <p:cNvPr id="4" name="TextBox 3">
+        </p:txBody>
+      </p:sp>
+      <p:sp>
+        <p:nvSpPr>
+          <p:cNvPr id="4" name="Slide Number Placeholder 3">
             <a:extLst>
               <a:ext uri="{FF2B5EF4-FFF2-40B4-BE49-F238E27FC236}">
-                <a16:creationId xmlns:a16="http://schemas.microsoft.com/office/drawing/2014/main" id="{6BB235A0-B279-4439-BF01-498CC9F465C9}"/>
+                <a16:creationId xmlns:a16="http://schemas.microsoft.com/office/drawing/2014/main" id="{4421AF2F-6268-4E1F-A9F1-C9010DA54353}"/>
+              </a:ext>
+            </a:extLst>
+          </p:cNvPr>
+          <p:cNvSpPr>
+            <a:spLocks noGrp="1"/>
+          </p:cNvSpPr>
+          <p:nvPr>
+            <p:ph type="sldNum" sz="quarter" idx="12"/>
+          </p:nvPr>
+        </p:nvSpPr>
+        <p:spPr/>
+        <p:txBody>
+          <a:bodyPr/>
+          <a:lstStyle/>
+          <a:p>
+            <a:fld id="{3847DB54-D037-B84F-B6F1-2E8DA40D09AD}" type="slidenum">
+              <a:rPr lang="en-US" smtClean="0"/>
+              <a:pPr/>
+              <a:t>18</a:t>
+            </a:fld>
+            <a:endParaRPr lang="en-US" dirty="0"/>
+          </a:p>
+        </p:txBody>
+      </p:sp>
+      <p:sp>
+        <p:nvSpPr>
+          <p:cNvPr id="6" name="TextBox 5">
+            <a:extLst>
+              <a:ext uri="{FF2B5EF4-FFF2-40B4-BE49-F238E27FC236}">
+                <a16:creationId xmlns:a16="http://schemas.microsoft.com/office/drawing/2014/main" id="{CC39F5AE-3F67-4754-AB16-0603C297A5C2}"/>
               </a:ext>
             </a:extLst>
           </p:cNvPr>
@@ -6300,8 +6306,8 @@
         </p:nvSpPr>
         <p:spPr>
           <a:xfrm>
-            <a:off x="1231832" y="2126613"/>
-            <a:ext cx="8419443" cy="646331"/>
+            <a:off x="1186466" y="2250012"/>
+            <a:ext cx="10318738" cy="3139321"/>
           </a:xfrm>
           <a:prstGeom prst="rect">
             <a:avLst/>
@@ -6320,68 +6326,65 @@
           <a:lstStyle/>
           <a:p>
             <a:r>
-              <a:rPr lang="pl-PL" dirty="0"/>
-              <a:t>DELETE /test/type HTTP/1.1</a:t>
-            </a:r>
-          </a:p>
-          <a:p>
-            <a:r>
-              <a:rPr lang="pl-PL" dirty="0"/>
-              <a:t>Host: localhost:9200</a:t>
-            </a:r>
-          </a:p>
-        </p:txBody>
-      </p:sp>
-      <p:sp>
-        <p:nvSpPr>
-          <p:cNvPr id="5" name="TextBox 4">
-            <a:extLst>
-              <a:ext uri="{FF2B5EF4-FFF2-40B4-BE49-F238E27FC236}">
-                <a16:creationId xmlns:a16="http://schemas.microsoft.com/office/drawing/2014/main" id="{66BD1961-3369-4200-8362-3FE6B4B463D5}"/>
-              </a:ext>
-            </a:extLst>
-          </p:cNvPr>
-          <p:cNvSpPr txBox="1"/>
-          <p:nvPr/>
-        </p:nvSpPr>
-        <p:spPr>
-          <a:xfrm>
-            <a:off x="1231832" y="3666612"/>
-            <a:ext cx="8419443" cy="646331"/>
-          </a:xfrm>
-          <a:prstGeom prst="rect">
-            <a:avLst/>
-          </a:prstGeom>
-          <a:noFill/>
-          <a:ln>
-            <a:solidFill>
-              <a:schemeClr val="tx1"/>
-            </a:solidFill>
-          </a:ln>
-        </p:spPr>
-        <p:txBody>
-          <a:bodyPr wrap="square" rtlCol="0">
-            <a:spAutoFit/>
-          </a:bodyPr>
-          <a:lstStyle/>
-          <a:p>
-            <a:r>
-              <a:rPr lang="pl-PL" dirty="0"/>
-              <a:t>DELETE /test/type/</a:t>
-            </a:r>
-            <a:r>
-              <a:rPr lang="pl-PL" b="1" dirty="0"/>
-              <a:t>thisisID</a:t>
-            </a:r>
-            <a:r>
-              <a:rPr lang="pl-PL" dirty="0"/>
-              <a:t> HTTP/1.1</a:t>
-            </a:r>
-          </a:p>
-          <a:p>
-            <a:r>
-              <a:rPr lang="pl-PL" dirty="0"/>
-              <a:t>Host: localhost:9200</a:t>
+              <a:rPr lang="en-US" dirty="0"/>
+              <a:t>Search in the default _all field:</a:t>
+            </a:r>
+          </a:p>
+          <a:p>
+            <a:r>
+              <a:rPr lang="en-US" dirty="0"/>
+              <a:t>GET /_search?q=</a:t>
+            </a:r>
+            <a:r>
+              <a:rPr lang="pl-PL" dirty="0"/>
+              <a:t>test</a:t>
+            </a:r>
+          </a:p>
+          <a:p>
+            <a:endParaRPr lang="en-US" dirty="0"/>
+          </a:p>
+          <a:p>
+            <a:r>
+              <a:rPr lang="en-US" dirty="0"/>
+              <a:t>Complex search with operator and exact phrase search with boost:</a:t>
+            </a:r>
+          </a:p>
+          <a:p>
+            <a:r>
+              <a:rPr lang="en-US" dirty="0"/>
+              <a:t>GET /_search?q=title:(joli OR code) AND author:"Damien Alexandre"^2</a:t>
+            </a:r>
+            <a:endParaRPr lang="pl-PL" dirty="0"/>
+          </a:p>
+          <a:p>
+            <a:endParaRPr lang="en-US" dirty="0"/>
+          </a:p>
+          <a:p>
+            <a:r>
+              <a:rPr lang="en-US" dirty="0"/>
+              <a:t>Search with wildcard and special queries:</a:t>
+            </a:r>
+          </a:p>
+          <a:p>
+            <a:r>
+              <a:rPr lang="en-US" dirty="0"/>
+              <a:t>GET /_search?q=_exists_:title OR title:singl? noneOrAnyChar*cter</a:t>
+            </a:r>
+            <a:endParaRPr lang="pl-PL" dirty="0"/>
+          </a:p>
+          <a:p>
+            <a:endParaRPr lang="en-US" dirty="0"/>
+          </a:p>
+          <a:p>
+            <a:r>
+              <a:rPr lang="en-US" dirty="0"/>
+              <a:t>Search with fuzzyness and range:</a:t>
+            </a:r>
+          </a:p>
+          <a:p>
+            <a:r>
+              <a:rPr lang="en-US" dirty="0"/>
+              <a:t>GET /_search?q=title:elastichurch~3 AND date:[2016-01-01 TO 2018-12-31]</a:t>
             </a:r>
           </a:p>
         </p:txBody>
@@ -6389,7 +6392,7 @@
     </p:spTree>
     <p:extLst>
       <p:ext uri="{BB962C8B-B14F-4D97-AF65-F5344CB8AC3E}">
-        <p14:creationId xmlns:p14="http://schemas.microsoft.com/office/powerpoint/2010/main" val="3246701872"/>
+        <p14:creationId xmlns:p14="http://schemas.microsoft.com/office/powerpoint/2010/main" val="2946625856"/>
       </p:ext>
     </p:extLst>
   </p:cSld>
@@ -6424,7 +6427,7 @@
           <p:cNvPr id="2" name="Text Placeholder 1">
             <a:extLst>
               <a:ext uri="{FF2B5EF4-FFF2-40B4-BE49-F238E27FC236}">
-                <a16:creationId xmlns:a16="http://schemas.microsoft.com/office/drawing/2014/main" id="{4A398FB1-AA8A-4C09-BC0B-38A769BED7E2}"/>
+                <a16:creationId xmlns:a16="http://schemas.microsoft.com/office/drawing/2014/main" id="{0666409E-3EDA-40A1-9B7F-38E1232F0C2E}"/>
               </a:ext>
             </a:extLst>
           </p:cNvPr>
@@ -6437,7 +6440,7 @@
         </p:nvSpPr>
         <p:spPr>
           <a:xfrm>
-            <a:off x="988136" y="401575"/>
+            <a:off x="982718" y="358232"/>
             <a:ext cx="10524898" cy="1080861"/>
           </a:xfrm>
         </p:spPr>
@@ -6447,11 +6450,8 @@
           <a:p>
             <a:r>
               <a:rPr lang="pl-PL" dirty="0"/>
-              <a:t>CRUD – update document</a:t>
-            </a:r>
-          </a:p>
-          <a:p>
-            <a:endParaRPr lang="pl-PL" dirty="0"/>
+              <a:t>CRUD – delete document or index</a:t>
+            </a:r>
           </a:p>
         </p:txBody>
       </p:sp>
@@ -6460,7 +6460,7 @@
           <p:cNvPr id="3" name="Text Placeholder 2">
             <a:extLst>
               <a:ext uri="{FF2B5EF4-FFF2-40B4-BE49-F238E27FC236}">
-                <a16:creationId xmlns:a16="http://schemas.microsoft.com/office/drawing/2014/main" id="{440E2B2C-AEFE-496C-A46C-6ACC01D8406F}"/>
+                <a16:creationId xmlns:a16="http://schemas.microsoft.com/office/drawing/2014/main" id="{FD5FB16C-B30C-4D9E-9F3E-096E5D6C0B1C}"/>
               </a:ext>
             </a:extLst>
           </p:cNvPr>
@@ -6473,8 +6473,8 @@
         </p:nvSpPr>
         <p:spPr>
           <a:xfrm>
-            <a:off x="1083386" y="1266738"/>
-            <a:ext cx="10524898" cy="4806891"/>
+            <a:off x="1079433" y="1439093"/>
+            <a:ext cx="10199807" cy="4522092"/>
           </a:xfrm>
         </p:spPr>
         <p:txBody>
@@ -6487,7 +6487,7 @@
             </a:pPr>
             <a:r>
               <a:rPr lang="pl-PL" dirty="0"/>
-              <a:t>Almost the same like create </a:t>
+              <a:t>Delete index</a:t>
             </a:r>
           </a:p>
           <a:p>
@@ -6495,20 +6495,30 @@
               <a:buFont typeface="+mj-lt"/>
               <a:buAutoNum type="arabicPeriod"/>
             </a:pPr>
-            <a:r>
-              <a:rPr lang="pl-PL" dirty="0"/>
-              <a:t>PUT - replace document </a:t>
-            </a:r>
+            <a:endParaRPr lang="pl-PL" dirty="0"/>
           </a:p>
           <a:p>
             <a:pPr marL="514350" indent="-514350">
               <a:buFont typeface="+mj-lt"/>
               <a:buAutoNum type="arabicPeriod"/>
             </a:pPr>
-            <a:r>
-              <a:rPr lang="pl-PL" dirty="0"/>
-              <a:t>POST + _update – update document</a:t>
-            </a:r>
+            <a:endParaRPr lang="pl-PL" dirty="0"/>
+          </a:p>
+          <a:p>
+            <a:pPr marL="514350" indent="-514350">
+              <a:buFont typeface="+mj-lt"/>
+              <a:buAutoNum type="arabicPeriod"/>
+            </a:pPr>
+            <a:r>
+              <a:rPr lang="pl-PL" dirty="0"/>
+              <a:t>Delete document from index</a:t>
+            </a:r>
+          </a:p>
+          <a:p>
+            <a:endParaRPr lang="pl-PL" dirty="0"/>
+          </a:p>
+          <a:p>
+            <a:endParaRPr lang="pl-PL" dirty="0"/>
           </a:p>
           <a:p>
             <a:endParaRPr lang="pl-PL" dirty="0"/>
@@ -6520,7 +6530,7 @@
           <p:cNvPr id="4" name="TextBox 3">
             <a:extLst>
               <a:ext uri="{FF2B5EF4-FFF2-40B4-BE49-F238E27FC236}">
-                <a16:creationId xmlns:a16="http://schemas.microsoft.com/office/drawing/2014/main" id="{F96A83F5-B19E-4C4F-AA06-8B6B5F7C3366}"/>
+                <a16:creationId xmlns:a16="http://schemas.microsoft.com/office/drawing/2014/main" id="{6BB235A0-B279-4439-BF01-498CC9F465C9}"/>
               </a:ext>
             </a:extLst>
           </p:cNvPr>
@@ -6529,8 +6539,8 @@
         </p:nvSpPr>
         <p:spPr>
           <a:xfrm>
-            <a:off x="1083386" y="3129386"/>
-            <a:ext cx="4369147" cy="2585323"/>
+            <a:off x="1231832" y="2126613"/>
+            <a:ext cx="8419443" cy="646331"/>
           </a:xfrm>
           <a:prstGeom prst="rect">
             <a:avLst/>
@@ -6549,20 +6559,8 @@
           <a:lstStyle/>
           <a:p>
             <a:r>
-              <a:rPr lang="pl-PL" b="1" dirty="0"/>
-              <a:t>PUT</a:t>
-            </a:r>
-            <a:r>
-              <a:rPr lang="pl-PL" dirty="0"/>
-              <a:t> /test/type/</a:t>
-            </a:r>
-            <a:r>
-              <a:rPr lang="pl-PL" b="1" dirty="0"/>
-              <a:t>thisisID</a:t>
-            </a:r>
-            <a:r>
-              <a:rPr lang="pl-PL" dirty="0"/>
-              <a:t> HTTP/1.1</a:t>
+              <a:rPr lang="pl-PL" dirty="0"/>
+              <a:t>DELETE /test/type HTTP/1.1</a:t>
             </a:r>
           </a:p>
           <a:p>
@@ -6570,49 +6568,6 @@
               <a:rPr lang="pl-PL" dirty="0"/>
               <a:t>Host: localhost:9200</a:t>
             </a:r>
-          </a:p>
-          <a:p>
-            <a:r>
-              <a:rPr lang="pl-PL" dirty="0"/>
-              <a:t>Content-Type: application/json</a:t>
-            </a:r>
-          </a:p>
-          <a:p>
-            <a:r>
-              <a:rPr lang="en-US" dirty="0"/>
-              <a:t>{</a:t>
-            </a:r>
-          </a:p>
-          <a:p>
-            <a:r>
-              <a:rPr lang="pl-PL" dirty="0"/>
-              <a:t>     </a:t>
-            </a:r>
-            <a:r>
-              <a:rPr lang="en-US" dirty="0"/>
-              <a:t>"</a:t>
-            </a:r>
-            <a:r>
-              <a:rPr lang="en-US" dirty="0" err="1"/>
-              <a:t>textField</a:t>
-            </a:r>
-            <a:r>
-              <a:rPr lang="en-US" dirty="0"/>
-              <a:t>": „This document will be replaced„</a:t>
-            </a:r>
-            <a:endParaRPr lang="pl-PL" dirty="0"/>
-          </a:p>
-          <a:p>
-            <a:r>
-              <a:rPr lang="en-US" dirty="0"/>
-              <a:t>}</a:t>
-            </a:r>
-          </a:p>
-          <a:p>
-            <a:endParaRPr lang="pl-PL" dirty="0"/>
-          </a:p>
-          <a:p>
-            <a:endParaRPr lang="pl-PL" dirty="0"/>
           </a:p>
         </p:txBody>
       </p:sp>
@@ -6621,7 +6576,7 @@
           <p:cNvPr id="5" name="TextBox 4">
             <a:extLst>
               <a:ext uri="{FF2B5EF4-FFF2-40B4-BE49-F238E27FC236}">
-                <a16:creationId xmlns:a16="http://schemas.microsoft.com/office/drawing/2014/main" id="{5AEA689F-0530-409F-91BC-4742052D9BC7}"/>
+                <a16:creationId xmlns:a16="http://schemas.microsoft.com/office/drawing/2014/main" id="{66BD1961-3369-4200-8362-3FE6B4B463D5}"/>
               </a:ext>
             </a:extLst>
           </p:cNvPr>
@@ -6630,8 +6585,8 @@
         </p:nvSpPr>
         <p:spPr>
           <a:xfrm>
-            <a:off x="5850678" y="3079052"/>
-            <a:ext cx="5757606" cy="2585323"/>
+            <a:off x="1231832" y="3666612"/>
+            <a:ext cx="8419443" cy="646331"/>
           </a:xfrm>
           <a:prstGeom prst="rect">
             <a:avLst/>
@@ -6650,20 +6605,16 @@
           <a:lstStyle/>
           <a:p>
             <a:r>
+              <a:rPr lang="pl-PL" dirty="0"/>
+              <a:t>DELETE /test/type/</a:t>
+            </a:r>
+            <a:r>
               <a:rPr lang="pl-PL" b="1" dirty="0"/>
-              <a:t>POST</a:t>
-            </a:r>
-            <a:r>
-              <a:rPr lang="pl-PL" dirty="0"/>
-              <a:t> /test/type/</a:t>
-            </a:r>
-            <a:r>
-              <a:rPr lang="pl-PL" b="1" dirty="0"/>
-              <a:t>thisIsId</a:t>
-            </a:r>
-            <a:r>
-              <a:rPr lang="pl-PL" dirty="0"/>
-              <a:t>/_update HTTP/1.1</a:t>
+              <a:t>thisisID</a:t>
+            </a:r>
+            <a:r>
+              <a:rPr lang="pl-PL" dirty="0"/>
+              <a:t> HTTP/1.1</a:t>
             </a:r>
           </a:p>
           <a:p>
@@ -6671,52 +6622,13 @@
               <a:rPr lang="pl-PL" dirty="0"/>
               <a:t>Host: localhost:9200</a:t>
             </a:r>
-          </a:p>
-          <a:p>
-            <a:r>
-              <a:rPr lang="pl-PL" dirty="0"/>
-              <a:t>Content-Type: application/json</a:t>
-            </a:r>
-          </a:p>
-          <a:p>
-            <a:r>
-              <a:rPr lang="pl-PL" dirty="0"/>
-              <a:t>{	</a:t>
-            </a:r>
-          </a:p>
-          <a:p>
-            <a:r>
-              <a:rPr lang="pl-PL" dirty="0"/>
-              <a:t>	"doc" : {	</a:t>
-            </a:r>
-          </a:p>
-          <a:p>
-            <a:r>
-              <a:rPr lang="pl-PL" dirty="0"/>
-              <a:t>	"textField" : "This is text field 33"	</a:t>
-            </a:r>
-          </a:p>
-          <a:p>
-            <a:r>
-              <a:rPr lang="pl-PL" dirty="0"/>
-              <a:t>	}</a:t>
-            </a:r>
-          </a:p>
-          <a:p>
-            <a:r>
-              <a:rPr lang="pl-PL" dirty="0"/>
-              <a:t>}</a:t>
-            </a:r>
-          </a:p>
-          <a:p>
-            <a:endParaRPr lang="pl-PL" dirty="0"/>
           </a:p>
         </p:txBody>
       </p:sp>
     </p:spTree>
     <p:extLst>
       <p:ext uri="{BB962C8B-B14F-4D97-AF65-F5344CB8AC3E}">
-        <p14:creationId xmlns:p14="http://schemas.microsoft.com/office/powerpoint/2010/main" val="1134642614"/>
+        <p14:creationId xmlns:p14="http://schemas.microsoft.com/office/powerpoint/2010/main" val="3246701872"/>
       </p:ext>
     </p:extLst>
   </p:cSld>
@@ -6916,7 +6828,7 @@
           <p:cNvPr id="2" name="Text Placeholder 1">
             <a:extLst>
               <a:ext uri="{FF2B5EF4-FFF2-40B4-BE49-F238E27FC236}">
-                <a16:creationId xmlns:a16="http://schemas.microsoft.com/office/drawing/2014/main" id="{1250692B-F03E-4937-BE72-0D996C314A0A}"/>
+                <a16:creationId xmlns:a16="http://schemas.microsoft.com/office/drawing/2014/main" id="{4A398FB1-AA8A-4C09-BC0B-38A769BED7E2}"/>
               </a:ext>
             </a:extLst>
           </p:cNvPr>
@@ -6929,7 +6841,7 @@
         </p:nvSpPr>
         <p:spPr>
           <a:xfrm>
-            <a:off x="981786" y="429797"/>
+            <a:off x="988136" y="401575"/>
             <a:ext cx="10524898" cy="1080861"/>
           </a:xfrm>
         </p:spPr>
@@ -6939,8 +6851,11 @@
           <a:p>
             <a:r>
               <a:rPr lang="pl-PL" dirty="0"/>
-              <a:t>Boost queries </a:t>
-            </a:r>
+              <a:t>CRUD – update document</a:t>
+            </a:r>
+          </a:p>
+          <a:p>
+            <a:endParaRPr lang="pl-PL" dirty="0"/>
           </a:p>
         </p:txBody>
       </p:sp>
@@ -6949,7 +6864,7 @@
           <p:cNvPr id="3" name="Text Placeholder 2">
             <a:extLst>
               <a:ext uri="{FF2B5EF4-FFF2-40B4-BE49-F238E27FC236}">
-                <a16:creationId xmlns:a16="http://schemas.microsoft.com/office/drawing/2014/main" id="{9195BE05-A78E-469D-98F2-661BBF51016B}"/>
+                <a16:creationId xmlns:a16="http://schemas.microsoft.com/office/drawing/2014/main" id="{440E2B2C-AEFE-496C-A46C-6ACC01D8406F}"/>
               </a:ext>
             </a:extLst>
           </p:cNvPr>
@@ -6962,8 +6877,8 @@
         </p:nvSpPr>
         <p:spPr>
           <a:xfrm>
-            <a:off x="1083386" y="1185333"/>
-            <a:ext cx="10524898" cy="4842933"/>
+            <a:off x="1083386" y="1266738"/>
+            <a:ext cx="10524898" cy="4806891"/>
           </a:xfrm>
         </p:spPr>
         <p:txBody>
@@ -6976,7 +6891,7 @@
             </a:pPr>
             <a:r>
               <a:rPr lang="pl-PL" dirty="0"/>
-              <a:t>We can have influence which part of the query are more imporant in scorring calculatation</a:t>
+              <a:t>Almost the same like create </a:t>
             </a:r>
           </a:p>
           <a:p>
@@ -6986,7 +6901,7 @@
             </a:pPr>
             <a:r>
               <a:rPr lang="pl-PL" dirty="0"/>
-              <a:t>Property „boost” has to be added to the query object </a:t>
+              <a:t>PUT - replace document </a:t>
             </a:r>
           </a:p>
           <a:p>
@@ -6994,56 +6909,22 @@
               <a:buFont typeface="+mj-lt"/>
               <a:buAutoNum type="arabicPeriod"/>
             </a:pPr>
+            <a:r>
+              <a:rPr lang="pl-PL" dirty="0"/>
+              <a:t>POST + _update – update document</a:t>
+            </a:r>
+          </a:p>
+          <a:p>
             <a:endParaRPr lang="pl-PL" dirty="0"/>
           </a:p>
-          <a:p>
-            <a:pPr marL="514350" indent="-514350">
-              <a:buFont typeface="+mj-lt"/>
-              <a:buAutoNum type="arabicPeriod"/>
-            </a:pPr>
-            <a:endParaRPr lang="pl-PL" dirty="0"/>
-          </a:p>
-          <a:p>
-            <a:endParaRPr lang="pl-PL" dirty="0"/>
-          </a:p>
-        </p:txBody>
-      </p:sp>
-      <p:sp>
-        <p:nvSpPr>
-          <p:cNvPr id="4" name="Slide Number Placeholder 3">
+        </p:txBody>
+      </p:sp>
+      <p:sp>
+        <p:nvSpPr>
+          <p:cNvPr id="4" name="TextBox 3">
             <a:extLst>
               <a:ext uri="{FF2B5EF4-FFF2-40B4-BE49-F238E27FC236}">
-                <a16:creationId xmlns:a16="http://schemas.microsoft.com/office/drawing/2014/main" id="{92D0B3BF-C20A-41A3-8674-B6B2395B6812}"/>
-              </a:ext>
-            </a:extLst>
-          </p:cNvPr>
-          <p:cNvSpPr>
-            <a:spLocks noGrp="1"/>
-          </p:cNvSpPr>
-          <p:nvPr>
-            <p:ph type="sldNum" sz="quarter" idx="12"/>
-          </p:nvPr>
-        </p:nvSpPr>
-        <p:spPr/>
-        <p:txBody>
-          <a:bodyPr/>
-          <a:lstStyle/>
-          <a:p>
-            <a:fld id="{3847DB54-D037-B84F-B6F1-2E8DA40D09AD}" type="slidenum">
-              <a:rPr lang="en-US" smtClean="0"/>
-              <a:pPr/>
-              <a:t>20</a:t>
-            </a:fld>
-            <a:endParaRPr lang="en-US"/>
-          </a:p>
-        </p:txBody>
-      </p:sp>
-      <p:sp>
-        <p:nvSpPr>
-          <p:cNvPr id="5" name="TextBox 4">
-            <a:extLst>
-              <a:ext uri="{FF2B5EF4-FFF2-40B4-BE49-F238E27FC236}">
-                <a16:creationId xmlns:a16="http://schemas.microsoft.com/office/drawing/2014/main" id="{A605644F-3C7E-42A7-BC93-5970D1E7FF18}"/>
+                <a16:creationId xmlns:a16="http://schemas.microsoft.com/office/drawing/2014/main" id="{F96A83F5-B19E-4C4F-AA06-8B6B5F7C3366}"/>
               </a:ext>
             </a:extLst>
           </p:cNvPr>
@@ -7052,8 +6933,8 @@
         </p:nvSpPr>
         <p:spPr>
           <a:xfrm>
-            <a:off x="1391146" y="2917034"/>
-            <a:ext cx="10318738" cy="2031325"/>
+            <a:off x="1083386" y="3129386"/>
+            <a:ext cx="4369147" cy="2585323"/>
           </a:xfrm>
           <a:prstGeom prst="rect">
             <a:avLst/>
@@ -7072,57 +6953,166 @@
           <a:lstStyle/>
           <a:p>
             <a:r>
+              <a:rPr lang="pl-PL" b="1" dirty="0"/>
+              <a:t>PUT</a:t>
+            </a:r>
+            <a:r>
+              <a:rPr lang="pl-PL" dirty="0"/>
+              <a:t> /test/type/</a:t>
+            </a:r>
+            <a:r>
+              <a:rPr lang="pl-PL" b="1" dirty="0"/>
+              <a:t>thisisID</a:t>
+            </a:r>
+            <a:r>
+              <a:rPr lang="pl-PL" dirty="0"/>
+              <a:t> HTTP/1.1</a:t>
+            </a:r>
+          </a:p>
+          <a:p>
+            <a:r>
+              <a:rPr lang="pl-PL" dirty="0"/>
+              <a:t>Host: localhost:9200</a:t>
+            </a:r>
+          </a:p>
+          <a:p>
+            <a:r>
+              <a:rPr lang="pl-PL" dirty="0"/>
+              <a:t>Content-Type: application/json</a:t>
+            </a:r>
+          </a:p>
+          <a:p>
+            <a:r>
               <a:rPr lang="en-US" dirty="0"/>
-              <a:t>"match": {</a:t>
-            </a:r>
-          </a:p>
-          <a:p>
+              <a:t>{</a:t>
+            </a:r>
+          </a:p>
+          <a:p>
+            <a:r>
+              <a:rPr lang="pl-PL" dirty="0"/>
+              <a:t>     </a:t>
+            </a:r>
             <a:r>
               <a:rPr lang="en-US" dirty="0"/>
-              <a:t>	"</a:t>
-            </a:r>
-            <a:r>
-              <a:rPr lang="en-US" dirty="0" err="1"/>
-              <a:t>text_entry</a:t>
-            </a:r>
+              <a:t>"textField": „This document will be replaced„</a:t>
+            </a:r>
+            <a:endParaRPr lang="pl-PL" dirty="0"/>
+          </a:p>
+          <a:p>
             <a:r>
               <a:rPr lang="en-US" dirty="0"/>
-              <a:t>" : {</a:t>
-            </a:r>
-          </a:p>
-          <a:p>
-            <a:r>
-              <a:rPr lang="en-US" dirty="0"/>
-              <a:t>		"boost": 2,</a:t>
-            </a:r>
-          </a:p>
-          <a:p>
-            <a:r>
-              <a:rPr lang="en-US" dirty="0"/>
-              <a:t>		"query" :  "To be, or not to be: that is the question:"</a:t>
-            </a:r>
-          </a:p>
-          <a:p>
-            <a:r>
-              <a:rPr lang="en-US" dirty="0"/>
-              <a:t>		}</a:t>
-            </a:r>
-          </a:p>
-          <a:p>
-            <a:r>
-              <a:rPr lang="en-US" dirty="0"/>
-              <a:t>} </a:t>
-            </a:r>
-          </a:p>
-          <a:p>
-            <a:endParaRPr lang="en-US" dirty="0"/>
+              <a:t>}</a:t>
+            </a:r>
+          </a:p>
+          <a:p>
+            <a:endParaRPr lang="pl-PL" dirty="0"/>
+          </a:p>
+          <a:p>
+            <a:endParaRPr lang="pl-PL" dirty="0"/>
+          </a:p>
+        </p:txBody>
+      </p:sp>
+      <p:sp>
+        <p:nvSpPr>
+          <p:cNvPr id="5" name="TextBox 4">
+            <a:extLst>
+              <a:ext uri="{FF2B5EF4-FFF2-40B4-BE49-F238E27FC236}">
+                <a16:creationId xmlns:a16="http://schemas.microsoft.com/office/drawing/2014/main" id="{5AEA689F-0530-409F-91BC-4742052D9BC7}"/>
+              </a:ext>
+            </a:extLst>
+          </p:cNvPr>
+          <p:cNvSpPr txBox="1"/>
+          <p:nvPr/>
+        </p:nvSpPr>
+        <p:spPr>
+          <a:xfrm>
+            <a:off x="5850678" y="3079052"/>
+            <a:ext cx="5757606" cy="2585323"/>
+          </a:xfrm>
+          <a:prstGeom prst="rect">
+            <a:avLst/>
+          </a:prstGeom>
+          <a:noFill/>
+          <a:ln>
+            <a:solidFill>
+              <a:schemeClr val="tx1"/>
+            </a:solidFill>
+          </a:ln>
+        </p:spPr>
+        <p:txBody>
+          <a:bodyPr wrap="square" rtlCol="0">
+            <a:spAutoFit/>
+          </a:bodyPr>
+          <a:lstStyle/>
+          <a:p>
+            <a:r>
+              <a:rPr lang="pl-PL" b="1" dirty="0"/>
+              <a:t>POST</a:t>
+            </a:r>
+            <a:r>
+              <a:rPr lang="pl-PL" dirty="0"/>
+              <a:t> /test/type/</a:t>
+            </a:r>
+            <a:r>
+              <a:rPr lang="pl-PL" b="1" dirty="0"/>
+              <a:t>thisIsId</a:t>
+            </a:r>
+            <a:r>
+              <a:rPr lang="pl-PL" dirty="0"/>
+              <a:t>/_update HTTP/1.1</a:t>
+            </a:r>
+          </a:p>
+          <a:p>
+            <a:r>
+              <a:rPr lang="pl-PL" dirty="0"/>
+              <a:t>Host: localhost:9200</a:t>
+            </a:r>
+          </a:p>
+          <a:p>
+            <a:r>
+              <a:rPr lang="pl-PL" dirty="0"/>
+              <a:t>Content-Type: application/json</a:t>
+            </a:r>
+          </a:p>
+          <a:p>
+            <a:r>
+              <a:rPr lang="pl-PL" dirty="0"/>
+              <a:t>{	</a:t>
+            </a:r>
+          </a:p>
+          <a:p>
+            <a:r>
+              <a:rPr lang="pl-PL" dirty="0"/>
+              <a:t>	"doc" : {	</a:t>
+            </a:r>
+          </a:p>
+          <a:p>
+            <a:r>
+              <a:rPr lang="pl-PL" dirty="0"/>
+              <a:t>	"textField" : "This is text field 33"	</a:t>
+            </a:r>
+          </a:p>
+          <a:p>
+            <a:r>
+              <a:rPr lang="pl-PL" dirty="0"/>
+              <a:t>	}</a:t>
+            </a:r>
+          </a:p>
+          <a:p>
+            <a:r>
+              <a:rPr lang="pl-PL" dirty="0"/>
+              <a:t>}</a:t>
+            </a:r>
+          </a:p>
+          <a:p>
+            <a:endParaRPr lang="pl-PL" dirty="0"/>
           </a:p>
         </p:txBody>
       </p:sp>
     </p:spTree>
     <p:extLst>
       <p:ext uri="{BB962C8B-B14F-4D97-AF65-F5344CB8AC3E}">
-        <p14:creationId xmlns:p14="http://schemas.microsoft.com/office/powerpoint/2010/main" val="4023055025"/>
+        <p14:creationId xmlns:p14="http://schemas.microsoft.com/office/powerpoint/2010/main" val="1134642614"/>
       </p:ext>
     </p:extLst>
   </p:cSld>
@@ -7157,6 +7147,1394 @@
           <p:cNvPr id="2" name="Text Placeholder 1">
             <a:extLst>
               <a:ext uri="{FF2B5EF4-FFF2-40B4-BE49-F238E27FC236}">
+                <a16:creationId xmlns:a16="http://schemas.microsoft.com/office/drawing/2014/main" id="{1250692B-F03E-4937-BE72-0D996C314A0A}"/>
+              </a:ext>
+            </a:extLst>
+          </p:cNvPr>
+          <p:cNvSpPr>
+            <a:spLocks noGrp="1"/>
+          </p:cNvSpPr>
+          <p:nvPr>
+            <p:ph type="body" sz="quarter" idx="10"/>
+          </p:nvPr>
+        </p:nvSpPr>
+        <p:spPr>
+          <a:xfrm>
+            <a:off x="981786" y="429797"/>
+            <a:ext cx="10524898" cy="1080861"/>
+          </a:xfrm>
+        </p:spPr>
+        <p:txBody>
+          <a:bodyPr/>
+          <a:lstStyle/>
+          <a:p>
+            <a:r>
+              <a:rPr lang="pl-PL" dirty="0"/>
+              <a:t>Boost queries </a:t>
+            </a:r>
+          </a:p>
+        </p:txBody>
+      </p:sp>
+      <p:sp>
+        <p:nvSpPr>
+          <p:cNvPr id="3" name="Text Placeholder 2">
+            <a:extLst>
+              <a:ext uri="{FF2B5EF4-FFF2-40B4-BE49-F238E27FC236}">
+                <a16:creationId xmlns:a16="http://schemas.microsoft.com/office/drawing/2014/main" id="{9195BE05-A78E-469D-98F2-661BBF51016B}"/>
+              </a:ext>
+            </a:extLst>
+          </p:cNvPr>
+          <p:cNvSpPr>
+            <a:spLocks noGrp="1"/>
+          </p:cNvSpPr>
+          <p:nvPr>
+            <p:ph type="body" sz="quarter" idx="11"/>
+          </p:nvPr>
+        </p:nvSpPr>
+        <p:spPr>
+          <a:xfrm>
+            <a:off x="1083386" y="1185333"/>
+            <a:ext cx="10524898" cy="4842933"/>
+          </a:xfrm>
+        </p:spPr>
+        <p:txBody>
+          <a:bodyPr/>
+          <a:lstStyle/>
+          <a:p>
+            <a:pPr marL="514350" indent="-514350">
+              <a:buFont typeface="+mj-lt"/>
+              <a:buAutoNum type="arabicPeriod"/>
+            </a:pPr>
+            <a:r>
+              <a:rPr lang="pl-PL" dirty="0"/>
+              <a:t>We can have influence which part of the query are more imporant in scorring calculatation</a:t>
+            </a:r>
+          </a:p>
+          <a:p>
+            <a:pPr marL="514350" indent="-514350">
+              <a:buFont typeface="+mj-lt"/>
+              <a:buAutoNum type="arabicPeriod"/>
+            </a:pPr>
+            <a:r>
+              <a:rPr lang="pl-PL" dirty="0"/>
+              <a:t>Property „boost” has to be added to the query object </a:t>
+            </a:r>
+          </a:p>
+          <a:p>
+            <a:pPr marL="514350" indent="-514350">
+              <a:buFont typeface="+mj-lt"/>
+              <a:buAutoNum type="arabicPeriod"/>
+            </a:pPr>
+            <a:endParaRPr lang="pl-PL" dirty="0"/>
+          </a:p>
+          <a:p>
+            <a:pPr marL="514350" indent="-514350">
+              <a:buFont typeface="+mj-lt"/>
+              <a:buAutoNum type="arabicPeriod"/>
+            </a:pPr>
+            <a:endParaRPr lang="pl-PL" dirty="0"/>
+          </a:p>
+          <a:p>
+            <a:endParaRPr lang="pl-PL" dirty="0"/>
+          </a:p>
+        </p:txBody>
+      </p:sp>
+      <p:sp>
+        <p:nvSpPr>
+          <p:cNvPr id="4" name="Slide Number Placeholder 3">
+            <a:extLst>
+              <a:ext uri="{FF2B5EF4-FFF2-40B4-BE49-F238E27FC236}">
+                <a16:creationId xmlns:a16="http://schemas.microsoft.com/office/drawing/2014/main" id="{92D0B3BF-C20A-41A3-8674-B6B2395B6812}"/>
+              </a:ext>
+            </a:extLst>
+          </p:cNvPr>
+          <p:cNvSpPr>
+            <a:spLocks noGrp="1"/>
+          </p:cNvSpPr>
+          <p:nvPr>
+            <p:ph type="sldNum" sz="quarter" idx="12"/>
+          </p:nvPr>
+        </p:nvSpPr>
+        <p:spPr/>
+        <p:txBody>
+          <a:bodyPr/>
+          <a:lstStyle/>
+          <a:p>
+            <a:fld id="{3847DB54-D037-B84F-B6F1-2E8DA40D09AD}" type="slidenum">
+              <a:rPr lang="en-US" smtClean="0"/>
+              <a:pPr/>
+              <a:t>21</a:t>
+            </a:fld>
+            <a:endParaRPr lang="en-US" dirty="0"/>
+          </a:p>
+        </p:txBody>
+      </p:sp>
+      <p:sp>
+        <p:nvSpPr>
+          <p:cNvPr id="5" name="TextBox 4">
+            <a:extLst>
+              <a:ext uri="{FF2B5EF4-FFF2-40B4-BE49-F238E27FC236}">
+                <a16:creationId xmlns:a16="http://schemas.microsoft.com/office/drawing/2014/main" id="{A605644F-3C7E-42A7-BC93-5970D1E7FF18}"/>
+              </a:ext>
+            </a:extLst>
+          </p:cNvPr>
+          <p:cNvSpPr txBox="1"/>
+          <p:nvPr/>
+        </p:nvSpPr>
+        <p:spPr>
+          <a:xfrm>
+            <a:off x="1391146" y="2917034"/>
+            <a:ext cx="10318738" cy="2031325"/>
+          </a:xfrm>
+          <a:prstGeom prst="rect">
+            <a:avLst/>
+          </a:prstGeom>
+          <a:noFill/>
+          <a:ln>
+            <a:solidFill>
+              <a:schemeClr val="tx1"/>
+            </a:solidFill>
+          </a:ln>
+        </p:spPr>
+        <p:txBody>
+          <a:bodyPr wrap="square" rtlCol="0">
+            <a:spAutoFit/>
+          </a:bodyPr>
+          <a:lstStyle/>
+          <a:p>
+            <a:r>
+              <a:rPr lang="en-US" dirty="0"/>
+              <a:t>"match": {</a:t>
+            </a:r>
+          </a:p>
+          <a:p>
+            <a:r>
+              <a:rPr lang="en-US" dirty="0"/>
+              <a:t>	"text_entry" : {</a:t>
+            </a:r>
+          </a:p>
+          <a:p>
+            <a:r>
+              <a:rPr lang="en-US" dirty="0"/>
+              <a:t>		"boost": 2,</a:t>
+            </a:r>
+          </a:p>
+          <a:p>
+            <a:r>
+              <a:rPr lang="en-US" dirty="0"/>
+              <a:t>		"query" :  "To be, or not to be: that is the question:"</a:t>
+            </a:r>
+          </a:p>
+          <a:p>
+            <a:r>
+              <a:rPr lang="en-US" dirty="0"/>
+              <a:t>		}</a:t>
+            </a:r>
+          </a:p>
+          <a:p>
+            <a:r>
+              <a:rPr lang="en-US" dirty="0"/>
+              <a:t>} </a:t>
+            </a:r>
+          </a:p>
+          <a:p>
+            <a:endParaRPr lang="en-US" dirty="0"/>
+          </a:p>
+        </p:txBody>
+      </p:sp>
+    </p:spTree>
+    <p:extLst>
+      <p:ext uri="{BB962C8B-B14F-4D97-AF65-F5344CB8AC3E}">
+        <p14:creationId xmlns:p14="http://schemas.microsoft.com/office/powerpoint/2010/main" val="4023055025"/>
+      </p:ext>
+    </p:extLst>
+  </p:cSld>
+  <p:clrMapOvr>
+    <a:masterClrMapping/>
+  </p:clrMapOvr>
+  <p:transition>
+    <p:fade/>
+  </p:transition>
+</p:sld>
+</file>
+
+<file path=ppt/slides/slide22.xml><?xml version="1.0" encoding="utf-8"?>
+<p:sld xmlns:a="http://schemas.openxmlformats.org/drawingml/2006/main" xmlns:r="http://schemas.openxmlformats.org/officeDocument/2006/relationships" xmlns:p="http://schemas.openxmlformats.org/presentationml/2006/main">
+  <p:cSld>
+    <p:spTree>
+      <p:nvGrpSpPr>
+        <p:cNvPr id="1" name=""/>
+        <p:cNvGrpSpPr/>
+        <p:nvPr/>
+      </p:nvGrpSpPr>
+      <p:grpSpPr>
+        <a:xfrm>
+          <a:off x="0" y="0"/>
+          <a:ext cx="0" cy="0"/>
+          <a:chOff x="0" y="0"/>
+          <a:chExt cx="0" cy="0"/>
+        </a:xfrm>
+      </p:grpSpPr>
+      <p:sp>
+        <p:nvSpPr>
+          <p:cNvPr id="2" name="Text Placeholder 1">
+            <a:extLst>
+              <a:ext uri="{FF2B5EF4-FFF2-40B4-BE49-F238E27FC236}">
+                <a16:creationId xmlns:a16="http://schemas.microsoft.com/office/drawing/2014/main" id="{22C9FEB3-577E-4907-94E3-69D41D67CA0C}"/>
+              </a:ext>
+            </a:extLst>
+          </p:cNvPr>
+          <p:cNvSpPr>
+            <a:spLocks noGrp="1"/>
+          </p:cNvSpPr>
+          <p:nvPr>
+            <p:ph type="body" sz="quarter" idx="10"/>
+          </p:nvPr>
+        </p:nvSpPr>
+        <p:spPr>
+          <a:xfrm>
+            <a:off x="1013048" y="389852"/>
+            <a:ext cx="10524898" cy="1080861"/>
+          </a:xfrm>
+        </p:spPr>
+        <p:txBody>
+          <a:bodyPr/>
+          <a:lstStyle/>
+          <a:p>
+            <a:r>
+              <a:rPr lang="pl-PL" dirty="0"/>
+              <a:t>Aliases</a:t>
+            </a:r>
+          </a:p>
+        </p:txBody>
+      </p:sp>
+      <p:sp>
+        <p:nvSpPr>
+          <p:cNvPr id="3" name="Text Placeholder 2">
+            <a:extLst>
+              <a:ext uri="{FF2B5EF4-FFF2-40B4-BE49-F238E27FC236}">
+                <a16:creationId xmlns:a16="http://schemas.microsoft.com/office/drawing/2014/main" id="{DE1BA5D3-16F6-4683-964F-BBC3159B7182}"/>
+              </a:ext>
+            </a:extLst>
+          </p:cNvPr>
+          <p:cNvSpPr>
+            <a:spLocks noGrp="1"/>
+          </p:cNvSpPr>
+          <p:nvPr>
+            <p:ph type="body" sz="quarter" idx="11"/>
+          </p:nvPr>
+        </p:nvSpPr>
+        <p:spPr>
+          <a:xfrm>
+            <a:off x="1083386" y="1177538"/>
+            <a:ext cx="10524898" cy="1309104"/>
+          </a:xfrm>
+        </p:spPr>
+        <p:txBody>
+          <a:bodyPr/>
+          <a:lstStyle/>
+          <a:p>
+            <a:r>
+              <a:rPr lang="en-US" dirty="0"/>
+              <a:t>The index aliases API allows aliasing an index with a name, with all APIs automatically converting the alias name to the actual index name. </a:t>
+            </a:r>
+            <a:endParaRPr lang="pl-PL" dirty="0"/>
+          </a:p>
+        </p:txBody>
+      </p:sp>
+      <p:sp>
+        <p:nvSpPr>
+          <p:cNvPr id="4" name="Slide Number Placeholder 3">
+            <a:extLst>
+              <a:ext uri="{FF2B5EF4-FFF2-40B4-BE49-F238E27FC236}">
+                <a16:creationId xmlns:a16="http://schemas.microsoft.com/office/drawing/2014/main" id="{A825A0B7-CD33-49AD-B914-88E60734DB78}"/>
+              </a:ext>
+            </a:extLst>
+          </p:cNvPr>
+          <p:cNvSpPr>
+            <a:spLocks noGrp="1"/>
+          </p:cNvSpPr>
+          <p:nvPr>
+            <p:ph type="sldNum" sz="quarter" idx="12"/>
+          </p:nvPr>
+        </p:nvSpPr>
+        <p:spPr/>
+        <p:txBody>
+          <a:bodyPr/>
+          <a:lstStyle/>
+          <a:p>
+            <a:fld id="{3847DB54-D037-B84F-B6F1-2E8DA40D09AD}" type="slidenum">
+              <a:rPr lang="en-US" smtClean="0"/>
+              <a:pPr/>
+              <a:t>22</a:t>
+            </a:fld>
+            <a:endParaRPr lang="en-US" dirty="0"/>
+          </a:p>
+        </p:txBody>
+      </p:sp>
+      <p:sp>
+        <p:nvSpPr>
+          <p:cNvPr id="5" name="TextBox 4">
+            <a:extLst>
+              <a:ext uri="{FF2B5EF4-FFF2-40B4-BE49-F238E27FC236}">
+                <a16:creationId xmlns:a16="http://schemas.microsoft.com/office/drawing/2014/main" id="{B69E5C22-033D-447C-81FB-51905B490A7F}"/>
+              </a:ext>
+            </a:extLst>
+          </p:cNvPr>
+          <p:cNvSpPr txBox="1"/>
+          <p:nvPr/>
+        </p:nvSpPr>
+        <p:spPr>
+          <a:xfrm>
+            <a:off x="1186466" y="2739417"/>
+            <a:ext cx="10318738" cy="2031325"/>
+          </a:xfrm>
+          <a:prstGeom prst="rect">
+            <a:avLst/>
+          </a:prstGeom>
+          <a:noFill/>
+          <a:ln>
+            <a:solidFill>
+              <a:schemeClr val="tx1"/>
+            </a:solidFill>
+          </a:ln>
+        </p:spPr>
+        <p:txBody>
+          <a:bodyPr wrap="square" rtlCol="0">
+            <a:spAutoFit/>
+          </a:bodyPr>
+          <a:lstStyle/>
+          <a:p>
+            <a:r>
+              <a:rPr lang="en-US" dirty="0"/>
+              <a:t>POST /_aliases</a:t>
+            </a:r>
+          </a:p>
+          <a:p>
+            <a:r>
+              <a:rPr lang="en-US" dirty="0"/>
+              <a:t>{</a:t>
+            </a:r>
+          </a:p>
+          <a:p>
+            <a:r>
+              <a:rPr lang="en-US" dirty="0"/>
+              <a:t>    "actions" : [</a:t>
+            </a:r>
+          </a:p>
+          <a:p>
+            <a:r>
+              <a:rPr lang="en-US" dirty="0"/>
+              <a:t>        { "remove" : { "index" : "test1", "alias" : "alias</a:t>
+            </a:r>
+            <a:r>
+              <a:rPr lang="pl-PL" dirty="0"/>
+              <a:t>-name</a:t>
+            </a:r>
+            <a:r>
+              <a:rPr lang="en-US" dirty="0"/>
+              <a:t>" } },</a:t>
+            </a:r>
+          </a:p>
+          <a:p>
+            <a:r>
+              <a:rPr lang="en-US" dirty="0"/>
+              <a:t>        { "add" : { "index" : "test2", "alias" : "alias</a:t>
+            </a:r>
+            <a:r>
+              <a:rPr lang="pl-PL" dirty="0"/>
+              <a:t>-name</a:t>
+            </a:r>
+            <a:r>
+              <a:rPr lang="en-US" dirty="0"/>
+              <a:t>" } }</a:t>
+            </a:r>
+          </a:p>
+          <a:p>
+            <a:r>
+              <a:rPr lang="en-US" dirty="0"/>
+              <a:t>    ]</a:t>
+            </a:r>
+          </a:p>
+          <a:p>
+            <a:r>
+              <a:rPr lang="en-US" dirty="0"/>
+              <a:t>}</a:t>
+            </a:r>
+          </a:p>
+        </p:txBody>
+      </p:sp>
+      <p:sp>
+        <p:nvSpPr>
+          <p:cNvPr id="6" name="Rectangle 1">
+            <a:extLst>
+              <a:ext uri="{FF2B5EF4-FFF2-40B4-BE49-F238E27FC236}">
+                <a16:creationId xmlns:a16="http://schemas.microsoft.com/office/drawing/2014/main" id="{F0EF81C8-70FF-4BEF-8AF7-171E9F278BD8}"/>
+              </a:ext>
+            </a:extLst>
+          </p:cNvPr>
+          <p:cNvSpPr>
+            <a:spLocks noChangeArrowheads="1"/>
+          </p:cNvSpPr>
+          <p:nvPr/>
+        </p:nvSpPr>
+        <p:spPr bwMode="auto">
+          <a:xfrm>
+            <a:off x="0" y="0"/>
+            <a:ext cx="12192000" cy="457200"/>
+          </a:xfrm>
+          <a:prstGeom prst="rect">
+            <a:avLst/>
+          </a:prstGeom>
+          <a:solidFill>
+            <a:srgbClr val="F0F0F0"/>
+          </a:solidFill>
+          <a:ln>
+            <a:noFill/>
+          </a:ln>
+          <a:effectLst/>
+          <a:extLst>
+            <a:ext uri="{91240B29-F687-4F45-9708-019B960494DF}">
+              <a14:hiddenLine xmlns:a14="http://schemas.microsoft.com/office/drawing/2010/main" w="9525">
+                <a:solidFill>
+                  <a:schemeClr val="tx1"/>
+                </a:solidFill>
+                <a:miter lim="800000"/>
+                <a:headEnd/>
+                <a:tailEnd/>
+              </a14:hiddenLine>
+            </a:ext>
+            <a:ext uri="{AF507438-7753-43E0-B8FC-AC1667EBCBE1}">
+              <a14:hiddenEffects xmlns:a14="http://schemas.microsoft.com/office/drawing/2010/main">
+                <a:effectLst>
+                  <a:outerShdw dist="35921" dir="2700000" algn="ctr" rotWithShape="0">
+                    <a:schemeClr val="bg2"/>
+                  </a:outerShdw>
+                </a:effectLst>
+              </a14:hiddenEffects>
+            </a:ext>
+          </a:extLst>
+        </p:spPr>
+        <p:txBody>
+          <a:bodyPr vert="horz" wrap="none" lIns="0" tIns="0" rIns="0" bIns="0" numCol="1" anchor="ctr" anchorCtr="0" compatLnSpc="1">
+            <a:prstTxWarp prst="textNoShape">
+              <a:avLst/>
+            </a:prstTxWarp>
+            <a:spAutoFit/>
+          </a:bodyPr>
+          <a:lstStyle/>
+          <a:p>
+            <a:pPr marL="0" marR="0" lvl="0" indent="0" algn="l" defTabSz="914400" rtl="0" eaLnBrk="0" fontAlgn="base" latinLnBrk="0" hangingPunct="0">
+              <a:lnSpc>
+                <a:spcPct val="100000"/>
+              </a:lnSpc>
+              <a:spcBef>
+                <a:spcPct val="0"/>
+              </a:spcBef>
+              <a:spcAft>
+                <a:spcPct val="0"/>
+              </a:spcAft>
+              <a:buClrTx/>
+              <a:buSzTx/>
+              <a:buFontTx/>
+              <a:buNone/>
+              <a:tabLst/>
+            </a:pPr>
+            <a:r>
+              <a:rPr kumimoji="0" lang="pl-PL" altLang="pl-PL" sz="1200" b="0" i="0" u="none" strike="noStrike" cap="none" normalizeH="0" baseline="0">
+                <a:ln>
+                  <a:noFill/>
+                </a:ln>
+                <a:solidFill>
+                  <a:srgbClr val="000000"/>
+                </a:solidFill>
+                <a:effectLst/>
+                <a:latin typeface="Consolas" panose="020B0609020204030204" pitchFamily="49" charset="0"/>
+              </a:rPr>
+              <a:t>POST </a:t>
+            </a:r>
+            <a:r>
+              <a:rPr kumimoji="0" lang="pl-PL" altLang="pl-PL" sz="1200" b="0" i="0" u="none" strike="noStrike" cap="none" normalizeH="0" baseline="0">
+                <a:ln>
+                  <a:noFill/>
+                </a:ln>
+                <a:solidFill>
+                  <a:srgbClr val="666600"/>
+                </a:solidFill>
+                <a:effectLst/>
+                <a:latin typeface="Consolas" panose="020B0609020204030204" pitchFamily="49" charset="0"/>
+              </a:rPr>
+              <a:t>/</a:t>
+            </a:r>
+            <a:r>
+              <a:rPr kumimoji="0" lang="pl-PL" altLang="pl-PL" sz="1200" b="0" i="0" u="none" strike="noStrike" cap="none" normalizeH="0" baseline="0">
+                <a:ln>
+                  <a:noFill/>
+                </a:ln>
+                <a:solidFill>
+                  <a:srgbClr val="000000"/>
+                </a:solidFill>
+                <a:effectLst/>
+                <a:latin typeface="Consolas" panose="020B0609020204030204" pitchFamily="49" charset="0"/>
+              </a:rPr>
+              <a:t>_aliases </a:t>
+            </a:r>
+            <a:r>
+              <a:rPr kumimoji="0" lang="pl-PL" altLang="pl-PL" sz="1200" b="0" i="0" u="none" strike="noStrike" cap="none" normalizeH="0" baseline="0">
+                <a:ln>
+                  <a:noFill/>
+                </a:ln>
+                <a:solidFill>
+                  <a:srgbClr val="666600"/>
+                </a:solidFill>
+                <a:effectLst/>
+                <a:latin typeface="Consolas" panose="020B0609020204030204" pitchFamily="49" charset="0"/>
+              </a:rPr>
+              <a:t>{</a:t>
+            </a:r>
+            <a:r>
+              <a:rPr kumimoji="0" lang="pl-PL" altLang="pl-PL" sz="1200" b="0" i="0" u="none" strike="noStrike" cap="none" normalizeH="0" baseline="0">
+                <a:ln>
+                  <a:noFill/>
+                </a:ln>
+                <a:solidFill>
+                  <a:srgbClr val="000000"/>
+                </a:solidFill>
+                <a:effectLst/>
+                <a:latin typeface="Consolas" panose="020B0609020204030204" pitchFamily="49" charset="0"/>
+              </a:rPr>
+              <a:t> </a:t>
+            </a:r>
+            <a:r>
+              <a:rPr kumimoji="0" lang="pl-PL" altLang="pl-PL" sz="1200" b="0" i="0" u="none" strike="noStrike" cap="none" normalizeH="0" baseline="0">
+                <a:ln>
+                  <a:noFill/>
+                </a:ln>
+                <a:solidFill>
+                  <a:srgbClr val="008800"/>
+                </a:solidFill>
+                <a:effectLst/>
+                <a:latin typeface="Consolas" panose="020B0609020204030204" pitchFamily="49" charset="0"/>
+              </a:rPr>
+              <a:t>"actions"</a:t>
+            </a:r>
+            <a:r>
+              <a:rPr kumimoji="0" lang="pl-PL" altLang="pl-PL" sz="1200" b="0" i="0" u="none" strike="noStrike" cap="none" normalizeH="0" baseline="0">
+                <a:ln>
+                  <a:noFill/>
+                </a:ln>
+                <a:solidFill>
+                  <a:srgbClr val="000000"/>
+                </a:solidFill>
+                <a:effectLst/>
+                <a:latin typeface="Consolas" panose="020B0609020204030204" pitchFamily="49" charset="0"/>
+              </a:rPr>
+              <a:t> </a:t>
+            </a:r>
+            <a:r>
+              <a:rPr kumimoji="0" lang="pl-PL" altLang="pl-PL" sz="1200" b="0" i="0" u="none" strike="noStrike" cap="none" normalizeH="0" baseline="0">
+                <a:ln>
+                  <a:noFill/>
+                </a:ln>
+                <a:solidFill>
+                  <a:srgbClr val="666600"/>
+                </a:solidFill>
+                <a:effectLst/>
+                <a:latin typeface="Consolas" panose="020B0609020204030204" pitchFamily="49" charset="0"/>
+              </a:rPr>
+              <a:t>:</a:t>
+            </a:r>
+            <a:r>
+              <a:rPr kumimoji="0" lang="pl-PL" altLang="pl-PL" sz="1200" b="0" i="0" u="none" strike="noStrike" cap="none" normalizeH="0" baseline="0">
+                <a:ln>
+                  <a:noFill/>
+                </a:ln>
+                <a:solidFill>
+                  <a:srgbClr val="000000"/>
+                </a:solidFill>
+                <a:effectLst/>
+                <a:latin typeface="Consolas" panose="020B0609020204030204" pitchFamily="49" charset="0"/>
+              </a:rPr>
+              <a:t> </a:t>
+            </a:r>
+            <a:r>
+              <a:rPr kumimoji="0" lang="pl-PL" altLang="pl-PL" sz="1200" b="0" i="0" u="none" strike="noStrike" cap="none" normalizeH="0" baseline="0">
+                <a:ln>
+                  <a:noFill/>
+                </a:ln>
+                <a:solidFill>
+                  <a:srgbClr val="666600"/>
+                </a:solidFill>
+                <a:effectLst/>
+                <a:latin typeface="Consolas" panose="020B0609020204030204" pitchFamily="49" charset="0"/>
+              </a:rPr>
+              <a:t>[</a:t>
+            </a:r>
+            <a:r>
+              <a:rPr kumimoji="0" lang="pl-PL" altLang="pl-PL" sz="1200" b="0" i="0" u="none" strike="noStrike" cap="none" normalizeH="0" baseline="0">
+                <a:ln>
+                  <a:noFill/>
+                </a:ln>
+                <a:solidFill>
+                  <a:srgbClr val="000000"/>
+                </a:solidFill>
+                <a:effectLst/>
+                <a:latin typeface="Consolas" panose="020B0609020204030204" pitchFamily="49" charset="0"/>
+              </a:rPr>
+              <a:t> </a:t>
+            </a:r>
+            <a:r>
+              <a:rPr kumimoji="0" lang="pl-PL" altLang="pl-PL" sz="1200" b="0" i="0" u="none" strike="noStrike" cap="none" normalizeH="0" baseline="0">
+                <a:ln>
+                  <a:noFill/>
+                </a:ln>
+                <a:solidFill>
+                  <a:srgbClr val="666600"/>
+                </a:solidFill>
+                <a:effectLst/>
+                <a:latin typeface="Consolas" panose="020B0609020204030204" pitchFamily="49" charset="0"/>
+              </a:rPr>
+              <a:t>{</a:t>
+            </a:r>
+            <a:r>
+              <a:rPr kumimoji="0" lang="pl-PL" altLang="pl-PL" sz="1200" b="0" i="0" u="none" strike="noStrike" cap="none" normalizeH="0" baseline="0">
+                <a:ln>
+                  <a:noFill/>
+                </a:ln>
+                <a:solidFill>
+                  <a:srgbClr val="000000"/>
+                </a:solidFill>
+                <a:effectLst/>
+                <a:latin typeface="Consolas" panose="020B0609020204030204" pitchFamily="49" charset="0"/>
+              </a:rPr>
+              <a:t> </a:t>
+            </a:r>
+            <a:r>
+              <a:rPr kumimoji="0" lang="pl-PL" altLang="pl-PL" sz="1200" b="0" i="0" u="none" strike="noStrike" cap="none" normalizeH="0" baseline="0">
+                <a:ln>
+                  <a:noFill/>
+                </a:ln>
+                <a:solidFill>
+                  <a:srgbClr val="008800"/>
+                </a:solidFill>
+                <a:effectLst/>
+                <a:latin typeface="Consolas" panose="020B0609020204030204" pitchFamily="49" charset="0"/>
+              </a:rPr>
+              <a:t>"remove"</a:t>
+            </a:r>
+            <a:r>
+              <a:rPr kumimoji="0" lang="pl-PL" altLang="pl-PL" sz="1200" b="0" i="0" u="none" strike="noStrike" cap="none" normalizeH="0" baseline="0">
+                <a:ln>
+                  <a:noFill/>
+                </a:ln>
+                <a:solidFill>
+                  <a:srgbClr val="000000"/>
+                </a:solidFill>
+                <a:effectLst/>
+                <a:latin typeface="Consolas" panose="020B0609020204030204" pitchFamily="49" charset="0"/>
+              </a:rPr>
+              <a:t> </a:t>
+            </a:r>
+            <a:r>
+              <a:rPr kumimoji="0" lang="pl-PL" altLang="pl-PL" sz="1200" b="0" i="0" u="none" strike="noStrike" cap="none" normalizeH="0" baseline="0">
+                <a:ln>
+                  <a:noFill/>
+                </a:ln>
+                <a:solidFill>
+                  <a:srgbClr val="666600"/>
+                </a:solidFill>
+                <a:effectLst/>
+                <a:latin typeface="Consolas" panose="020B0609020204030204" pitchFamily="49" charset="0"/>
+              </a:rPr>
+              <a:t>:</a:t>
+            </a:r>
+            <a:r>
+              <a:rPr kumimoji="0" lang="pl-PL" altLang="pl-PL" sz="1200" b="0" i="0" u="none" strike="noStrike" cap="none" normalizeH="0" baseline="0">
+                <a:ln>
+                  <a:noFill/>
+                </a:ln>
+                <a:solidFill>
+                  <a:srgbClr val="000000"/>
+                </a:solidFill>
+                <a:effectLst/>
+                <a:latin typeface="Consolas" panose="020B0609020204030204" pitchFamily="49" charset="0"/>
+              </a:rPr>
+              <a:t> </a:t>
+            </a:r>
+            <a:r>
+              <a:rPr kumimoji="0" lang="pl-PL" altLang="pl-PL" sz="1200" b="0" i="0" u="none" strike="noStrike" cap="none" normalizeH="0" baseline="0">
+                <a:ln>
+                  <a:noFill/>
+                </a:ln>
+                <a:solidFill>
+                  <a:srgbClr val="666600"/>
+                </a:solidFill>
+                <a:effectLst/>
+                <a:latin typeface="Consolas" panose="020B0609020204030204" pitchFamily="49" charset="0"/>
+              </a:rPr>
+              <a:t>{</a:t>
+            </a:r>
+            <a:r>
+              <a:rPr kumimoji="0" lang="pl-PL" altLang="pl-PL" sz="1200" b="0" i="0" u="none" strike="noStrike" cap="none" normalizeH="0" baseline="0">
+                <a:ln>
+                  <a:noFill/>
+                </a:ln>
+                <a:solidFill>
+                  <a:srgbClr val="000000"/>
+                </a:solidFill>
+                <a:effectLst/>
+                <a:latin typeface="Consolas" panose="020B0609020204030204" pitchFamily="49" charset="0"/>
+              </a:rPr>
+              <a:t> </a:t>
+            </a:r>
+            <a:r>
+              <a:rPr kumimoji="0" lang="pl-PL" altLang="pl-PL" sz="1200" b="0" i="0" u="none" strike="noStrike" cap="none" normalizeH="0" baseline="0">
+                <a:ln>
+                  <a:noFill/>
+                </a:ln>
+                <a:solidFill>
+                  <a:srgbClr val="008800"/>
+                </a:solidFill>
+                <a:effectLst/>
+                <a:latin typeface="Consolas" panose="020B0609020204030204" pitchFamily="49" charset="0"/>
+              </a:rPr>
+              <a:t>"index"</a:t>
+            </a:r>
+            <a:r>
+              <a:rPr kumimoji="0" lang="pl-PL" altLang="pl-PL" sz="1200" b="0" i="0" u="none" strike="noStrike" cap="none" normalizeH="0" baseline="0">
+                <a:ln>
+                  <a:noFill/>
+                </a:ln>
+                <a:solidFill>
+                  <a:srgbClr val="000000"/>
+                </a:solidFill>
+                <a:effectLst/>
+                <a:latin typeface="Consolas" panose="020B0609020204030204" pitchFamily="49" charset="0"/>
+              </a:rPr>
+              <a:t> </a:t>
+            </a:r>
+            <a:r>
+              <a:rPr kumimoji="0" lang="pl-PL" altLang="pl-PL" sz="1200" b="0" i="0" u="none" strike="noStrike" cap="none" normalizeH="0" baseline="0">
+                <a:ln>
+                  <a:noFill/>
+                </a:ln>
+                <a:solidFill>
+                  <a:srgbClr val="666600"/>
+                </a:solidFill>
+                <a:effectLst/>
+                <a:latin typeface="Consolas" panose="020B0609020204030204" pitchFamily="49" charset="0"/>
+              </a:rPr>
+              <a:t>:</a:t>
+            </a:r>
+            <a:r>
+              <a:rPr kumimoji="0" lang="pl-PL" altLang="pl-PL" sz="1200" b="0" i="0" u="none" strike="noStrike" cap="none" normalizeH="0" baseline="0">
+                <a:ln>
+                  <a:noFill/>
+                </a:ln>
+                <a:solidFill>
+                  <a:srgbClr val="000000"/>
+                </a:solidFill>
+                <a:effectLst/>
+                <a:latin typeface="Consolas" panose="020B0609020204030204" pitchFamily="49" charset="0"/>
+              </a:rPr>
+              <a:t> </a:t>
+            </a:r>
+            <a:r>
+              <a:rPr kumimoji="0" lang="pl-PL" altLang="pl-PL" sz="1200" b="0" i="0" u="none" strike="noStrike" cap="none" normalizeH="0" baseline="0">
+                <a:ln>
+                  <a:noFill/>
+                </a:ln>
+                <a:solidFill>
+                  <a:srgbClr val="008800"/>
+                </a:solidFill>
+                <a:effectLst/>
+                <a:latin typeface="Consolas" panose="020B0609020204030204" pitchFamily="49" charset="0"/>
+              </a:rPr>
+              <a:t>"test1"</a:t>
+            </a:r>
+            <a:r>
+              <a:rPr kumimoji="0" lang="pl-PL" altLang="pl-PL" sz="1200" b="0" i="0" u="none" strike="noStrike" cap="none" normalizeH="0" baseline="0">
+                <a:ln>
+                  <a:noFill/>
+                </a:ln>
+                <a:solidFill>
+                  <a:srgbClr val="666600"/>
+                </a:solidFill>
+                <a:effectLst/>
+                <a:latin typeface="Consolas" panose="020B0609020204030204" pitchFamily="49" charset="0"/>
+              </a:rPr>
+              <a:t>,</a:t>
+            </a:r>
+            <a:r>
+              <a:rPr kumimoji="0" lang="pl-PL" altLang="pl-PL" sz="1200" b="0" i="0" u="none" strike="noStrike" cap="none" normalizeH="0" baseline="0">
+                <a:ln>
+                  <a:noFill/>
+                </a:ln>
+                <a:solidFill>
+                  <a:srgbClr val="000000"/>
+                </a:solidFill>
+                <a:effectLst/>
+                <a:latin typeface="Consolas" panose="020B0609020204030204" pitchFamily="49" charset="0"/>
+              </a:rPr>
+              <a:t> </a:t>
+            </a:r>
+            <a:r>
+              <a:rPr kumimoji="0" lang="pl-PL" altLang="pl-PL" sz="1200" b="0" i="0" u="none" strike="noStrike" cap="none" normalizeH="0" baseline="0">
+                <a:ln>
+                  <a:noFill/>
+                </a:ln>
+                <a:solidFill>
+                  <a:srgbClr val="008800"/>
+                </a:solidFill>
+                <a:effectLst/>
+                <a:latin typeface="Consolas" panose="020B0609020204030204" pitchFamily="49" charset="0"/>
+              </a:rPr>
+              <a:t>"alias"</a:t>
+            </a:r>
+            <a:r>
+              <a:rPr kumimoji="0" lang="pl-PL" altLang="pl-PL" sz="1200" b="0" i="0" u="none" strike="noStrike" cap="none" normalizeH="0" baseline="0">
+                <a:ln>
+                  <a:noFill/>
+                </a:ln>
+                <a:solidFill>
+                  <a:srgbClr val="000000"/>
+                </a:solidFill>
+                <a:effectLst/>
+                <a:latin typeface="Consolas" panose="020B0609020204030204" pitchFamily="49" charset="0"/>
+              </a:rPr>
+              <a:t> </a:t>
+            </a:r>
+            <a:r>
+              <a:rPr kumimoji="0" lang="pl-PL" altLang="pl-PL" sz="1200" b="0" i="0" u="none" strike="noStrike" cap="none" normalizeH="0" baseline="0">
+                <a:ln>
+                  <a:noFill/>
+                </a:ln>
+                <a:solidFill>
+                  <a:srgbClr val="666600"/>
+                </a:solidFill>
+                <a:effectLst/>
+                <a:latin typeface="Consolas" panose="020B0609020204030204" pitchFamily="49" charset="0"/>
+              </a:rPr>
+              <a:t>:</a:t>
+            </a:r>
+            <a:r>
+              <a:rPr kumimoji="0" lang="pl-PL" altLang="pl-PL" sz="1200" b="0" i="0" u="none" strike="noStrike" cap="none" normalizeH="0" baseline="0">
+                <a:ln>
+                  <a:noFill/>
+                </a:ln>
+                <a:solidFill>
+                  <a:srgbClr val="000000"/>
+                </a:solidFill>
+                <a:effectLst/>
+                <a:latin typeface="Consolas" panose="020B0609020204030204" pitchFamily="49" charset="0"/>
+              </a:rPr>
+              <a:t> </a:t>
+            </a:r>
+            <a:r>
+              <a:rPr kumimoji="0" lang="pl-PL" altLang="pl-PL" sz="1200" b="0" i="0" u="none" strike="noStrike" cap="none" normalizeH="0" baseline="0">
+                <a:ln>
+                  <a:noFill/>
+                </a:ln>
+                <a:solidFill>
+                  <a:srgbClr val="008800"/>
+                </a:solidFill>
+                <a:effectLst/>
+                <a:latin typeface="Consolas" panose="020B0609020204030204" pitchFamily="49" charset="0"/>
+              </a:rPr>
+              <a:t>"alias1"</a:t>
+            </a:r>
+            <a:r>
+              <a:rPr kumimoji="0" lang="pl-PL" altLang="pl-PL" sz="1200" b="0" i="0" u="none" strike="noStrike" cap="none" normalizeH="0" baseline="0">
+                <a:ln>
+                  <a:noFill/>
+                </a:ln>
+                <a:solidFill>
+                  <a:srgbClr val="000000"/>
+                </a:solidFill>
+                <a:effectLst/>
+                <a:latin typeface="Consolas" panose="020B0609020204030204" pitchFamily="49" charset="0"/>
+              </a:rPr>
+              <a:t> </a:t>
+            </a:r>
+            <a:r>
+              <a:rPr kumimoji="0" lang="pl-PL" altLang="pl-PL" sz="1200" b="0" i="0" u="none" strike="noStrike" cap="none" normalizeH="0" baseline="0">
+                <a:ln>
+                  <a:noFill/>
+                </a:ln>
+                <a:solidFill>
+                  <a:srgbClr val="666600"/>
+                </a:solidFill>
+                <a:effectLst/>
+                <a:latin typeface="Consolas" panose="020B0609020204030204" pitchFamily="49" charset="0"/>
+              </a:rPr>
+              <a:t>}</a:t>
+            </a:r>
+            <a:r>
+              <a:rPr kumimoji="0" lang="pl-PL" altLang="pl-PL" sz="1200" b="0" i="0" u="none" strike="noStrike" cap="none" normalizeH="0" baseline="0">
+                <a:ln>
+                  <a:noFill/>
+                </a:ln>
+                <a:solidFill>
+                  <a:srgbClr val="000000"/>
+                </a:solidFill>
+                <a:effectLst/>
+                <a:latin typeface="Consolas" panose="020B0609020204030204" pitchFamily="49" charset="0"/>
+              </a:rPr>
+              <a:t> </a:t>
+            </a:r>
+            <a:r>
+              <a:rPr kumimoji="0" lang="pl-PL" altLang="pl-PL" sz="1200" b="0" i="0" u="none" strike="noStrike" cap="none" normalizeH="0" baseline="0">
+                <a:ln>
+                  <a:noFill/>
+                </a:ln>
+                <a:solidFill>
+                  <a:srgbClr val="666600"/>
+                </a:solidFill>
+                <a:effectLst/>
+                <a:latin typeface="Consolas" panose="020B0609020204030204" pitchFamily="49" charset="0"/>
+              </a:rPr>
+              <a:t>},</a:t>
+            </a:r>
+            <a:r>
+              <a:rPr kumimoji="0" lang="pl-PL" altLang="pl-PL" sz="1200" b="0" i="0" u="none" strike="noStrike" cap="none" normalizeH="0" baseline="0">
+                <a:ln>
+                  <a:noFill/>
+                </a:ln>
+                <a:solidFill>
+                  <a:srgbClr val="000000"/>
+                </a:solidFill>
+                <a:effectLst/>
+                <a:latin typeface="Consolas" panose="020B0609020204030204" pitchFamily="49" charset="0"/>
+              </a:rPr>
+              <a:t> </a:t>
+            </a:r>
+            <a:r>
+              <a:rPr kumimoji="0" lang="pl-PL" altLang="pl-PL" sz="1200" b="0" i="0" u="none" strike="noStrike" cap="none" normalizeH="0" baseline="0">
+                <a:ln>
+                  <a:noFill/>
+                </a:ln>
+                <a:solidFill>
+                  <a:srgbClr val="666600"/>
+                </a:solidFill>
+                <a:effectLst/>
+                <a:latin typeface="Consolas" panose="020B0609020204030204" pitchFamily="49" charset="0"/>
+              </a:rPr>
+              <a:t>{</a:t>
+            </a:r>
+            <a:r>
+              <a:rPr kumimoji="0" lang="pl-PL" altLang="pl-PL" sz="1200" b="0" i="0" u="none" strike="noStrike" cap="none" normalizeH="0" baseline="0">
+                <a:ln>
+                  <a:noFill/>
+                </a:ln>
+                <a:solidFill>
+                  <a:srgbClr val="000000"/>
+                </a:solidFill>
+                <a:effectLst/>
+                <a:latin typeface="Consolas" panose="020B0609020204030204" pitchFamily="49" charset="0"/>
+              </a:rPr>
+              <a:t> </a:t>
+            </a:r>
+            <a:r>
+              <a:rPr kumimoji="0" lang="pl-PL" altLang="pl-PL" sz="1200" b="0" i="0" u="none" strike="noStrike" cap="none" normalizeH="0" baseline="0">
+                <a:ln>
+                  <a:noFill/>
+                </a:ln>
+                <a:solidFill>
+                  <a:srgbClr val="008800"/>
+                </a:solidFill>
+                <a:effectLst/>
+                <a:latin typeface="Consolas" panose="020B0609020204030204" pitchFamily="49" charset="0"/>
+              </a:rPr>
+              <a:t>"add"</a:t>
+            </a:r>
+            <a:r>
+              <a:rPr kumimoji="0" lang="pl-PL" altLang="pl-PL" sz="1200" b="0" i="0" u="none" strike="noStrike" cap="none" normalizeH="0" baseline="0">
+                <a:ln>
+                  <a:noFill/>
+                </a:ln>
+                <a:solidFill>
+                  <a:srgbClr val="000000"/>
+                </a:solidFill>
+                <a:effectLst/>
+                <a:latin typeface="Consolas" panose="020B0609020204030204" pitchFamily="49" charset="0"/>
+              </a:rPr>
+              <a:t> </a:t>
+            </a:r>
+            <a:r>
+              <a:rPr kumimoji="0" lang="pl-PL" altLang="pl-PL" sz="1200" b="0" i="0" u="none" strike="noStrike" cap="none" normalizeH="0" baseline="0">
+                <a:ln>
+                  <a:noFill/>
+                </a:ln>
+                <a:solidFill>
+                  <a:srgbClr val="666600"/>
+                </a:solidFill>
+                <a:effectLst/>
+                <a:latin typeface="Consolas" panose="020B0609020204030204" pitchFamily="49" charset="0"/>
+              </a:rPr>
+              <a:t>:</a:t>
+            </a:r>
+            <a:r>
+              <a:rPr kumimoji="0" lang="pl-PL" altLang="pl-PL" sz="1200" b="0" i="0" u="none" strike="noStrike" cap="none" normalizeH="0" baseline="0">
+                <a:ln>
+                  <a:noFill/>
+                </a:ln>
+                <a:solidFill>
+                  <a:srgbClr val="000000"/>
+                </a:solidFill>
+                <a:effectLst/>
+                <a:latin typeface="Consolas" panose="020B0609020204030204" pitchFamily="49" charset="0"/>
+              </a:rPr>
+              <a:t> </a:t>
+            </a:r>
+            <a:r>
+              <a:rPr kumimoji="0" lang="pl-PL" altLang="pl-PL" sz="1200" b="0" i="0" u="none" strike="noStrike" cap="none" normalizeH="0" baseline="0">
+                <a:ln>
+                  <a:noFill/>
+                </a:ln>
+                <a:solidFill>
+                  <a:srgbClr val="666600"/>
+                </a:solidFill>
+                <a:effectLst/>
+                <a:latin typeface="Consolas" panose="020B0609020204030204" pitchFamily="49" charset="0"/>
+              </a:rPr>
+              <a:t>{</a:t>
+            </a:r>
+            <a:r>
+              <a:rPr kumimoji="0" lang="pl-PL" altLang="pl-PL" sz="1200" b="0" i="0" u="none" strike="noStrike" cap="none" normalizeH="0" baseline="0">
+                <a:ln>
+                  <a:noFill/>
+                </a:ln>
+                <a:solidFill>
+                  <a:srgbClr val="000000"/>
+                </a:solidFill>
+                <a:effectLst/>
+                <a:latin typeface="Consolas" panose="020B0609020204030204" pitchFamily="49" charset="0"/>
+              </a:rPr>
+              <a:t> </a:t>
+            </a:r>
+            <a:r>
+              <a:rPr kumimoji="0" lang="pl-PL" altLang="pl-PL" sz="1200" b="0" i="0" u="none" strike="noStrike" cap="none" normalizeH="0" baseline="0">
+                <a:ln>
+                  <a:noFill/>
+                </a:ln>
+                <a:solidFill>
+                  <a:srgbClr val="008800"/>
+                </a:solidFill>
+                <a:effectLst/>
+                <a:latin typeface="Consolas" panose="020B0609020204030204" pitchFamily="49" charset="0"/>
+              </a:rPr>
+              <a:t>"index"</a:t>
+            </a:r>
+            <a:r>
+              <a:rPr kumimoji="0" lang="pl-PL" altLang="pl-PL" sz="1200" b="0" i="0" u="none" strike="noStrike" cap="none" normalizeH="0" baseline="0">
+                <a:ln>
+                  <a:noFill/>
+                </a:ln>
+                <a:solidFill>
+                  <a:srgbClr val="000000"/>
+                </a:solidFill>
+                <a:effectLst/>
+                <a:latin typeface="Consolas" panose="020B0609020204030204" pitchFamily="49" charset="0"/>
+              </a:rPr>
+              <a:t> </a:t>
+            </a:r>
+            <a:r>
+              <a:rPr kumimoji="0" lang="pl-PL" altLang="pl-PL" sz="1200" b="0" i="0" u="none" strike="noStrike" cap="none" normalizeH="0" baseline="0">
+                <a:ln>
+                  <a:noFill/>
+                </a:ln>
+                <a:solidFill>
+                  <a:srgbClr val="666600"/>
+                </a:solidFill>
+                <a:effectLst/>
+                <a:latin typeface="Consolas" panose="020B0609020204030204" pitchFamily="49" charset="0"/>
+              </a:rPr>
+              <a:t>:</a:t>
+            </a:r>
+            <a:r>
+              <a:rPr kumimoji="0" lang="pl-PL" altLang="pl-PL" sz="1200" b="0" i="0" u="none" strike="noStrike" cap="none" normalizeH="0" baseline="0">
+                <a:ln>
+                  <a:noFill/>
+                </a:ln>
+                <a:solidFill>
+                  <a:srgbClr val="000000"/>
+                </a:solidFill>
+                <a:effectLst/>
+                <a:latin typeface="Consolas" panose="020B0609020204030204" pitchFamily="49" charset="0"/>
+              </a:rPr>
+              <a:t> </a:t>
+            </a:r>
+            <a:r>
+              <a:rPr kumimoji="0" lang="pl-PL" altLang="pl-PL" sz="1200" b="0" i="0" u="none" strike="noStrike" cap="none" normalizeH="0" baseline="0">
+                <a:ln>
+                  <a:noFill/>
+                </a:ln>
+                <a:solidFill>
+                  <a:srgbClr val="008800"/>
+                </a:solidFill>
+                <a:effectLst/>
+                <a:latin typeface="Consolas" panose="020B0609020204030204" pitchFamily="49" charset="0"/>
+              </a:rPr>
+              <a:t>"test2"</a:t>
+            </a:r>
+            <a:r>
+              <a:rPr kumimoji="0" lang="pl-PL" altLang="pl-PL" sz="1200" b="0" i="0" u="none" strike="noStrike" cap="none" normalizeH="0" baseline="0">
+                <a:ln>
+                  <a:noFill/>
+                </a:ln>
+                <a:solidFill>
+                  <a:srgbClr val="666600"/>
+                </a:solidFill>
+                <a:effectLst/>
+                <a:latin typeface="Consolas" panose="020B0609020204030204" pitchFamily="49" charset="0"/>
+              </a:rPr>
+              <a:t>,</a:t>
+            </a:r>
+            <a:r>
+              <a:rPr kumimoji="0" lang="pl-PL" altLang="pl-PL" sz="1200" b="0" i="0" u="none" strike="noStrike" cap="none" normalizeH="0" baseline="0">
+                <a:ln>
+                  <a:noFill/>
+                </a:ln>
+                <a:solidFill>
+                  <a:srgbClr val="000000"/>
+                </a:solidFill>
+                <a:effectLst/>
+                <a:latin typeface="Consolas" panose="020B0609020204030204" pitchFamily="49" charset="0"/>
+              </a:rPr>
+              <a:t> </a:t>
+            </a:r>
+            <a:r>
+              <a:rPr kumimoji="0" lang="pl-PL" altLang="pl-PL" sz="1200" b="0" i="0" u="none" strike="noStrike" cap="none" normalizeH="0" baseline="0">
+                <a:ln>
+                  <a:noFill/>
+                </a:ln>
+                <a:solidFill>
+                  <a:srgbClr val="008800"/>
+                </a:solidFill>
+                <a:effectLst/>
+                <a:latin typeface="Consolas" panose="020B0609020204030204" pitchFamily="49" charset="0"/>
+              </a:rPr>
+              <a:t>"alias"</a:t>
+            </a:r>
+            <a:r>
+              <a:rPr kumimoji="0" lang="pl-PL" altLang="pl-PL" sz="1200" b="0" i="0" u="none" strike="noStrike" cap="none" normalizeH="0" baseline="0">
+                <a:ln>
+                  <a:noFill/>
+                </a:ln>
+                <a:solidFill>
+                  <a:srgbClr val="000000"/>
+                </a:solidFill>
+                <a:effectLst/>
+                <a:latin typeface="Consolas" panose="020B0609020204030204" pitchFamily="49" charset="0"/>
+              </a:rPr>
+              <a:t> </a:t>
+            </a:r>
+            <a:r>
+              <a:rPr kumimoji="0" lang="pl-PL" altLang="pl-PL" sz="1200" b="0" i="0" u="none" strike="noStrike" cap="none" normalizeH="0" baseline="0">
+                <a:ln>
+                  <a:noFill/>
+                </a:ln>
+                <a:solidFill>
+                  <a:srgbClr val="666600"/>
+                </a:solidFill>
+                <a:effectLst/>
+                <a:latin typeface="Consolas" panose="020B0609020204030204" pitchFamily="49" charset="0"/>
+              </a:rPr>
+              <a:t>:</a:t>
+            </a:r>
+            <a:r>
+              <a:rPr kumimoji="0" lang="pl-PL" altLang="pl-PL" sz="1200" b="0" i="0" u="none" strike="noStrike" cap="none" normalizeH="0" baseline="0">
+                <a:ln>
+                  <a:noFill/>
+                </a:ln>
+                <a:solidFill>
+                  <a:srgbClr val="000000"/>
+                </a:solidFill>
+                <a:effectLst/>
+                <a:latin typeface="Consolas" panose="020B0609020204030204" pitchFamily="49" charset="0"/>
+              </a:rPr>
+              <a:t> </a:t>
+            </a:r>
+            <a:r>
+              <a:rPr kumimoji="0" lang="pl-PL" altLang="pl-PL" sz="1200" b="0" i="0" u="none" strike="noStrike" cap="none" normalizeH="0" baseline="0">
+                <a:ln>
+                  <a:noFill/>
+                </a:ln>
+                <a:solidFill>
+                  <a:srgbClr val="008800"/>
+                </a:solidFill>
+                <a:effectLst/>
+                <a:latin typeface="Consolas" panose="020B0609020204030204" pitchFamily="49" charset="0"/>
+              </a:rPr>
+              <a:t>"alias1"</a:t>
+            </a:r>
+            <a:r>
+              <a:rPr kumimoji="0" lang="pl-PL" altLang="pl-PL" sz="1200" b="0" i="0" u="none" strike="noStrike" cap="none" normalizeH="0" baseline="0">
+                <a:ln>
+                  <a:noFill/>
+                </a:ln>
+                <a:solidFill>
+                  <a:srgbClr val="000000"/>
+                </a:solidFill>
+                <a:effectLst/>
+                <a:latin typeface="Consolas" panose="020B0609020204030204" pitchFamily="49" charset="0"/>
+              </a:rPr>
+              <a:t> </a:t>
+            </a:r>
+            <a:r>
+              <a:rPr kumimoji="0" lang="pl-PL" altLang="pl-PL" sz="1200" b="0" i="0" u="none" strike="noStrike" cap="none" normalizeH="0" baseline="0">
+                <a:ln>
+                  <a:noFill/>
+                </a:ln>
+                <a:solidFill>
+                  <a:srgbClr val="666600"/>
+                </a:solidFill>
+                <a:effectLst/>
+                <a:latin typeface="Consolas" panose="020B0609020204030204" pitchFamily="49" charset="0"/>
+              </a:rPr>
+              <a:t>}</a:t>
+            </a:r>
+            <a:r>
+              <a:rPr kumimoji="0" lang="pl-PL" altLang="pl-PL" sz="1200" b="0" i="0" u="none" strike="noStrike" cap="none" normalizeH="0" baseline="0">
+                <a:ln>
+                  <a:noFill/>
+                </a:ln>
+                <a:solidFill>
+                  <a:srgbClr val="000000"/>
+                </a:solidFill>
+                <a:effectLst/>
+                <a:latin typeface="Consolas" panose="020B0609020204030204" pitchFamily="49" charset="0"/>
+              </a:rPr>
+              <a:t> </a:t>
+            </a:r>
+            <a:r>
+              <a:rPr kumimoji="0" lang="pl-PL" altLang="pl-PL" sz="1200" b="0" i="0" u="none" strike="noStrike" cap="none" normalizeH="0" baseline="0">
+                <a:ln>
+                  <a:noFill/>
+                </a:ln>
+                <a:solidFill>
+                  <a:srgbClr val="666600"/>
+                </a:solidFill>
+                <a:effectLst/>
+                <a:latin typeface="Consolas" panose="020B0609020204030204" pitchFamily="49" charset="0"/>
+              </a:rPr>
+              <a:t>}</a:t>
+            </a:r>
+            <a:r>
+              <a:rPr kumimoji="0" lang="pl-PL" altLang="pl-PL" sz="1200" b="0" i="0" u="none" strike="noStrike" cap="none" normalizeH="0" baseline="0">
+                <a:ln>
+                  <a:noFill/>
+                </a:ln>
+                <a:solidFill>
+                  <a:srgbClr val="000000"/>
+                </a:solidFill>
+                <a:effectLst/>
+                <a:latin typeface="Consolas" panose="020B0609020204030204" pitchFamily="49" charset="0"/>
+              </a:rPr>
+              <a:t> </a:t>
+            </a:r>
+            <a:r>
+              <a:rPr kumimoji="0" lang="pl-PL" altLang="pl-PL" sz="1200" b="0" i="0" u="none" strike="noStrike" cap="none" normalizeH="0" baseline="0">
+                <a:ln>
+                  <a:noFill/>
+                </a:ln>
+                <a:solidFill>
+                  <a:srgbClr val="666600"/>
+                </a:solidFill>
+                <a:effectLst/>
+                <a:latin typeface="Consolas" panose="020B0609020204030204" pitchFamily="49" charset="0"/>
+              </a:rPr>
+              <a:t>]</a:t>
+            </a:r>
+            <a:r>
+              <a:rPr kumimoji="0" lang="pl-PL" altLang="pl-PL" sz="1200" b="0" i="0" u="none" strike="noStrike" cap="none" normalizeH="0" baseline="0">
+                <a:ln>
+                  <a:noFill/>
+                </a:ln>
+                <a:solidFill>
+                  <a:srgbClr val="000000"/>
+                </a:solidFill>
+                <a:effectLst/>
+                <a:latin typeface="Consolas" panose="020B0609020204030204" pitchFamily="49" charset="0"/>
+              </a:rPr>
+              <a:t> </a:t>
+            </a:r>
+            <a:r>
+              <a:rPr kumimoji="0" lang="pl-PL" altLang="pl-PL" sz="1200" b="0" i="0" u="none" strike="noStrike" cap="none" normalizeH="0" baseline="0">
+                <a:ln>
+                  <a:noFill/>
+                </a:ln>
+                <a:solidFill>
+                  <a:srgbClr val="666600"/>
+                </a:solidFill>
+                <a:effectLst/>
+                <a:latin typeface="Consolas" panose="020B0609020204030204" pitchFamily="49" charset="0"/>
+              </a:rPr>
+              <a:t>}</a:t>
+            </a:r>
+            <a:r>
+              <a:rPr kumimoji="0" lang="pl-PL" altLang="pl-PL" sz="600" b="0" i="0" u="none" strike="noStrike" cap="none" normalizeH="0" baseline="0">
+                <a:ln>
+                  <a:noFill/>
+                </a:ln>
+                <a:solidFill>
+                  <a:schemeClr val="tx1"/>
+                </a:solidFill>
+                <a:effectLst/>
+              </a:rPr>
+              <a:t> </a:t>
+            </a:r>
+            <a:endParaRPr kumimoji="0" lang="pl-PL" altLang="pl-PL" sz="1800" b="0" i="0" u="none" strike="noStrike" cap="none" normalizeH="0" baseline="0">
+              <a:ln>
+                <a:noFill/>
+              </a:ln>
+              <a:solidFill>
+                <a:schemeClr val="tx1"/>
+              </a:solidFill>
+              <a:effectLst/>
+              <a:latin typeface="Arial" panose="020B0604020202020204" pitchFamily="34" charset="0"/>
+            </a:endParaRPr>
+          </a:p>
+        </p:txBody>
+      </p:sp>
+    </p:spTree>
+    <p:extLst>
+      <p:ext uri="{BB962C8B-B14F-4D97-AF65-F5344CB8AC3E}">
+        <p14:creationId xmlns:p14="http://schemas.microsoft.com/office/powerpoint/2010/main" val="377684602"/>
+      </p:ext>
+    </p:extLst>
+  </p:cSld>
+  <p:clrMapOvr>
+    <a:masterClrMapping/>
+  </p:clrMapOvr>
+  <p:transition>
+    <p:fade/>
+  </p:transition>
+</p:sld>
+</file>
+
+<file path=ppt/slides/slide23.xml><?xml version="1.0" encoding="utf-8"?>
+<p:sld xmlns:a="http://schemas.openxmlformats.org/drawingml/2006/main" xmlns:r="http://schemas.openxmlformats.org/officeDocument/2006/relationships" xmlns:p="http://schemas.openxmlformats.org/presentationml/2006/main">
+  <p:cSld>
+    <p:spTree>
+      <p:nvGrpSpPr>
+        <p:cNvPr id="1" name=""/>
+        <p:cNvGrpSpPr/>
+        <p:nvPr/>
+      </p:nvGrpSpPr>
+      <p:grpSpPr>
+        <a:xfrm>
+          <a:off x="0" y="0"/>
+          <a:ext cx="0" cy="0"/>
+          <a:chOff x="0" y="0"/>
+          <a:chExt cx="0" cy="0"/>
+        </a:xfrm>
+      </p:grpSpPr>
+      <p:sp>
+        <p:nvSpPr>
+          <p:cNvPr id="2" name="Text Placeholder 1">
+            <a:extLst>
+              <a:ext uri="{FF2B5EF4-FFF2-40B4-BE49-F238E27FC236}">
                 <a16:creationId xmlns:a16="http://schemas.microsoft.com/office/drawing/2014/main" id="{5CC6EB24-3300-4953-9D93-64B53FBA8CEB}"/>
               </a:ext>
             </a:extLst>
@@ -7266,15 +8644,7 @@
             </a:pPr>
             <a:r>
               <a:rPr lang="en-US" dirty="0"/>
-              <a:t>Metrics: It is statistics calculated on the documents in a bucket like sum, </a:t>
-            </a:r>
-            <a:r>
-              <a:rPr lang="en-US" dirty="0" err="1"/>
-              <a:t>avg</a:t>
-            </a:r>
-            <a:r>
-              <a:rPr lang="en-US" dirty="0"/>
-              <a:t> etc.</a:t>
+              <a:t>Metrics: It is statistics calculated on the documents in a bucket like sum, avg etc.</a:t>
             </a:r>
             <a:endParaRPr lang="pl-PL" dirty="0"/>
           </a:p>
@@ -7318,9 +8688,9 @@
             <a:fld id="{3847DB54-D037-B84F-B6F1-2E8DA40D09AD}" type="slidenum">
               <a:rPr lang="en-US" smtClean="0"/>
               <a:pPr/>
-              <a:t>21</a:t>
+              <a:t>23</a:t>
             </a:fld>
-            <a:endParaRPr lang="en-US"/>
+            <a:endParaRPr lang="en-US" dirty="0"/>
           </a:p>
         </p:txBody>
       </p:sp>
@@ -7370,7 +8740,7 @@
 </p:sld>
 </file>
 
-<file path=ppt/slides/slide22.xml><?xml version="1.0" encoding="utf-8"?>
+<file path=ppt/slides/slide24.xml><?xml version="1.0" encoding="utf-8"?>
 <p:sld xmlns:a="http://schemas.openxmlformats.org/drawingml/2006/main" xmlns:r="http://schemas.openxmlformats.org/officeDocument/2006/relationships" xmlns:p="http://schemas.openxmlformats.org/presentationml/2006/main">
   <p:cSld>
     <p:spTree>
@@ -7444,9 +8814,9 @@
             <a:fld id="{3847DB54-D037-B84F-B6F1-2E8DA40D09AD}" type="slidenum">
               <a:rPr lang="en-US" smtClean="0"/>
               <a:pPr/>
-              <a:t>22</a:t>
+              <a:t>24</a:t>
             </a:fld>
-            <a:endParaRPr lang="en-US"/>
+            <a:endParaRPr lang="en-US" dirty="0"/>
           </a:p>
         </p:txBody>
       </p:sp>
@@ -7489,23 +8859,7 @@
             </a:r>
             <a:r>
               <a:rPr lang="en-US" dirty="0"/>
-              <a:t> /</a:t>
-            </a:r>
-            <a:r>
-              <a:rPr lang="en-US" dirty="0" err="1"/>
-              <a:t>shakespeare</a:t>
-            </a:r>
-            <a:r>
-              <a:rPr lang="en-US" dirty="0"/>
-              <a:t>/_</a:t>
-            </a:r>
-            <a:r>
-              <a:rPr lang="en-US" dirty="0" err="1"/>
-              <a:t>search?size</a:t>
-            </a:r>
-            <a:r>
-              <a:rPr lang="en-US" dirty="0"/>
-              <a:t>=0 HTTP/1.1</a:t>
+              <a:t> /shakespeare/_search?size=0 HTTP/1.1</a:t>
             </a:r>
             <a:endParaRPr lang="pl-PL" dirty="0"/>
           </a:p>
@@ -7525,11 +8879,17 @@
           <a:p>
             <a:r>
               <a:rPr lang="en-US" dirty="0"/>
-              <a:t>    "</a:t>
-            </a:r>
-            <a:r>
-              <a:rPr lang="en-US" dirty="0" err="1"/>
-              <a:t>aggs</a:t>
+              <a:t>    "aggs" : {</a:t>
+            </a:r>
+          </a:p>
+          <a:p>
+            <a:r>
+              <a:rPr lang="en-US" dirty="0"/>
+              <a:t>        „</a:t>
+            </a:r>
+            <a:r>
+              <a:rPr lang="pl-PL" dirty="0"/>
+              <a:t>plays</a:t>
             </a:r>
             <a:r>
               <a:rPr lang="en-US" dirty="0"/>
@@ -7539,35 +8899,13 @@
           <a:p>
             <a:r>
               <a:rPr lang="en-US" dirty="0"/>
-              <a:t>        „</a:t>
-            </a:r>
-            <a:r>
-              <a:rPr lang="pl-PL" dirty="0"/>
-              <a:t>plays</a:t>
-            </a:r>
+              <a:t>            "terms" : {</a:t>
+            </a:r>
+          </a:p>
+          <a:p>
             <a:r>
               <a:rPr lang="en-US" dirty="0"/>
-              <a:t>" : {</a:t>
-            </a:r>
-          </a:p>
-          <a:p>
-            <a:r>
-              <a:rPr lang="en-US" dirty="0"/>
-              <a:t>            "terms" : {</a:t>
-            </a:r>
-          </a:p>
-          <a:p>
-            <a:r>
-              <a:rPr lang="en-US" dirty="0"/>
-              <a:t>            	"field" : "</a:t>
-            </a:r>
-            <a:r>
-              <a:rPr lang="en-US" dirty="0" err="1"/>
-              <a:t>play_name</a:t>
-            </a:r>
-            <a:r>
-              <a:rPr lang="en-US" dirty="0"/>
-              <a:t>",</a:t>
+              <a:t>            	"field" : "play_name",</a:t>
             </a:r>
           </a:p>
           <a:p>
@@ -7618,7 +8956,7 @@
 </p:sld>
 </file>
 
-<file path=ppt/slides/slide23.xml><?xml version="1.0" encoding="utf-8"?>
+<file path=ppt/slides/slide25.xml><?xml version="1.0" encoding="utf-8"?>
 <p:sld xmlns:a="http://schemas.openxmlformats.org/drawingml/2006/main" xmlns:r="http://schemas.openxmlformats.org/officeDocument/2006/relationships" xmlns:p="http://schemas.openxmlformats.org/presentationml/2006/main">
   <p:cSld>
     <p:spTree>
@@ -7692,9 +9030,9 @@
             <a:fld id="{3847DB54-D037-B84F-B6F1-2E8DA40D09AD}" type="slidenum">
               <a:rPr lang="en-US" smtClean="0"/>
               <a:pPr/>
-              <a:t>23</a:t>
+              <a:t>25</a:t>
             </a:fld>
-            <a:endParaRPr lang="en-US"/>
+            <a:endParaRPr lang="en-US" dirty="0"/>
           </a:p>
         </p:txBody>
       </p:sp>
@@ -7774,7 +9112,7 @@
 </p:sld>
 </file>
 
-<file path=ppt/slides/slide24.xml><?xml version="1.0" encoding="utf-8"?>
+<file path=ppt/slides/slide26.xml><?xml version="1.0" encoding="utf-8"?>
 <p:sld xmlns:a="http://schemas.openxmlformats.org/drawingml/2006/main" xmlns:r="http://schemas.openxmlformats.org/officeDocument/2006/relationships" xmlns:p="http://schemas.openxmlformats.org/presentationml/2006/main">
   <p:cSld>
     <p:spTree>
@@ -7856,15 +9194,7 @@
             </a:r>
             <a:r>
               <a:rPr lang="en-US" dirty="0"/>
-              <a:t> can be saved in </a:t>
-            </a:r>
-            <a:r>
-              <a:rPr lang="en-US" dirty="0" err="1"/>
-              <a:t>elasticsearch</a:t>
-            </a:r>
-            <a:r>
-              <a:rPr lang="en-US" dirty="0"/>
-              <a:t> as a pair of numbers: latitude and longitude</a:t>
+              <a:t> can be saved in elasticsearch as a pair of numbers: latitude and longitude</a:t>
             </a:r>
             <a:r>
               <a:rPr lang="pl-PL" dirty="0"/>
@@ -7971,7 +9301,7 @@
             <a:fld id="{3847DB54-D037-B84F-B6F1-2E8DA40D09AD}" type="slidenum">
               <a:rPr lang="en-US" smtClean="0"/>
               <a:pPr/>
-              <a:t>24</a:t>
+              <a:t>26</a:t>
             </a:fld>
             <a:endParaRPr lang="en-US"/>
           </a:p>
@@ -8255,7 +9585,7 @@
 </p:sld>
 </file>
 
-<file path=ppt/slides/slide25.xml><?xml version="1.0" encoding="utf-8"?>
+<file path=ppt/slides/slide27.xml><?xml version="1.0" encoding="utf-8"?>
 <p:sld xmlns:a="http://schemas.openxmlformats.org/drawingml/2006/main" xmlns:r="http://schemas.openxmlformats.org/officeDocument/2006/relationships" xmlns:p="http://schemas.openxmlformats.org/presentationml/2006/main">
   <p:cSld>
     <p:spTree>
@@ -8462,7 +9792,7 @@
             <a:fld id="{3847DB54-D037-B84F-B6F1-2E8DA40D09AD}" type="slidenum">
               <a:rPr lang="en-US" smtClean="0"/>
               <a:pPr/>
-              <a:t>25</a:t>
+              <a:t>27</a:t>
             </a:fld>
             <a:endParaRPr lang="en-US"/>
           </a:p>
@@ -8544,7 +9874,7 @@
 </p:sld>
 </file>
 
-<file path=ppt/slides/slide26.xml><?xml version="1.0" encoding="utf-8"?>
+<file path=ppt/slides/slide28.xml><?xml version="1.0" encoding="utf-8"?>
 <p:sld xmlns:a="http://schemas.openxmlformats.org/drawingml/2006/main" xmlns:r="http://schemas.openxmlformats.org/officeDocument/2006/relationships" xmlns:p="http://schemas.openxmlformats.org/presentationml/2006/main">
   <p:cSld>
     <p:spTree>
@@ -8657,7 +9987,7 @@
             <a:fld id="{3847DB54-D037-B84F-B6F1-2E8DA40D09AD}" type="slidenum">
               <a:rPr lang="en-US" smtClean="0"/>
               <a:pPr/>
-              <a:t>26</a:t>
+              <a:t>28</a:t>
             </a:fld>
             <a:endParaRPr lang="en-US"/>
           </a:p>
@@ -8693,7 +10023,7 @@
         <p:spPr bwMode="auto">
           <a:xfrm>
             <a:off x="1092178" y="2864472"/>
-            <a:ext cx="5390729" cy="3018808"/>
+            <a:ext cx="5390729" cy="3149466"/>
           </a:xfrm>
           <a:prstGeom prst="rect">
             <a:avLst/>
@@ -8773,7 +10103,7 @@
 </p:sld>
 </file>
 
-<file path=ppt/slides/slide27.xml><?xml version="1.0" encoding="utf-8"?>
+<file path=ppt/slides/slide29.xml><?xml version="1.0" encoding="utf-8"?>
 <p:sld xmlns:a="http://schemas.openxmlformats.org/drawingml/2006/main" xmlns:r="http://schemas.openxmlformats.org/officeDocument/2006/relationships" xmlns:p="http://schemas.openxmlformats.org/presentationml/2006/main">
   <p:cSld>
     <p:spTree>
@@ -8913,27 +10243,7 @@
             </a:pPr>
             <a:r>
               <a:rPr lang="pl-PL" dirty="0"/>
-              <a:t>Aliases </a:t>
-            </a:r>
-          </a:p>
-          <a:p>
-            <a:pPr marL="1200150" lvl="1" indent="-514350">
-              <a:buFont typeface="+mj-lt"/>
-              <a:buAutoNum type="arabicPeriod"/>
-            </a:pPr>
-            <a:r>
-              <a:rPr lang="pl-PL" dirty="0"/>
-              <a:t>Each index can have multiple aliases</a:t>
-            </a:r>
-          </a:p>
-          <a:p>
-            <a:pPr marL="1200150" lvl="1" indent="-514350">
-              <a:buFont typeface="+mj-lt"/>
-              <a:buAutoNum type="arabicPeriod"/>
-            </a:pPr>
-            <a:r>
-              <a:rPr lang="pl-PL" dirty="0"/>
-              <a:t>using it we can replace index which users use</a:t>
+              <a:t>Logstash – collecting &amp; processing logs from multiple sources </a:t>
             </a:r>
           </a:p>
           <a:p>
@@ -8943,7 +10253,17 @@
             </a:pPr>
             <a:r>
               <a:rPr lang="pl-PL" dirty="0"/>
-              <a:t>Logstash – collecting &amp; processing logs from multiple sources </a:t>
+              <a:t>Suggestions – based on ngrams analyzers elastic can provide suggestions for the query </a:t>
+            </a:r>
+          </a:p>
+          <a:p>
+            <a:pPr marL="514350" indent="-514350">
+              <a:buFont typeface="+mj-lt"/>
+              <a:buAutoNum type="arabicPeriod"/>
+            </a:pPr>
+            <a:r>
+              <a:rPr lang="pl-PL" dirty="0"/>
+              <a:t>More advance analyzers </a:t>
             </a:r>
           </a:p>
           <a:p>
@@ -9009,9 +10329,9 @@
             <a:fld id="{3847DB54-D037-B84F-B6F1-2E8DA40D09AD}" type="slidenum">
               <a:rPr lang="en-US" smtClean="0"/>
               <a:pPr/>
-              <a:t>27</a:t>
+              <a:t>29</a:t>
             </a:fld>
-            <a:endParaRPr lang="en-US"/>
+            <a:endParaRPr lang="en-US" dirty="0"/>
           </a:p>
         </p:txBody>
       </p:sp>
@@ -9019,122 +10339,6 @@
     <p:extLst>
       <p:ext uri="{BB962C8B-B14F-4D97-AF65-F5344CB8AC3E}">
         <p14:creationId xmlns:p14="http://schemas.microsoft.com/office/powerpoint/2010/main" val="4184855694"/>
-      </p:ext>
-    </p:extLst>
-  </p:cSld>
-  <p:clrMapOvr>
-    <a:masterClrMapping/>
-  </p:clrMapOvr>
-  <p:transition>
-    <p:fade/>
-  </p:transition>
-</p:sld>
-</file>
-
-<file path=ppt/slides/slide28.xml><?xml version="1.0" encoding="utf-8"?>
-<p:sld xmlns:a="http://schemas.openxmlformats.org/drawingml/2006/main" xmlns:r="http://schemas.openxmlformats.org/officeDocument/2006/relationships" xmlns:p="http://schemas.openxmlformats.org/presentationml/2006/main">
-  <p:cSld>
-    <p:spTree>
-      <p:nvGrpSpPr>
-        <p:cNvPr id="1" name=""/>
-        <p:cNvGrpSpPr/>
-        <p:nvPr/>
-      </p:nvGrpSpPr>
-      <p:grpSpPr>
-        <a:xfrm>
-          <a:off x="0" y="0"/>
-          <a:ext cx="0" cy="0"/>
-          <a:chOff x="0" y="0"/>
-          <a:chExt cx="0" cy="0"/>
-        </a:xfrm>
-      </p:grpSpPr>
-      <p:sp>
-        <p:nvSpPr>
-          <p:cNvPr id="2" name="Text Placeholder 1">
-            <a:extLst>
-              <a:ext uri="{FF2B5EF4-FFF2-40B4-BE49-F238E27FC236}">
-                <a16:creationId xmlns:a16="http://schemas.microsoft.com/office/drawing/2014/main" id="{2762F55E-9840-4280-842F-A07690412195}"/>
-              </a:ext>
-            </a:extLst>
-          </p:cNvPr>
-          <p:cNvSpPr>
-            <a:spLocks noGrp="1"/>
-          </p:cNvSpPr>
-          <p:nvPr>
-            <p:ph type="body" sz="quarter" idx="10"/>
-          </p:nvPr>
-        </p:nvSpPr>
-        <p:spPr/>
-        <p:txBody>
-          <a:bodyPr/>
-          <a:lstStyle/>
-          <a:p>
-            <a:r>
-              <a:rPr lang="pl-PL" dirty="0"/>
-              <a:t>Any questions ? </a:t>
-            </a:r>
-          </a:p>
-        </p:txBody>
-      </p:sp>
-      <p:sp>
-        <p:nvSpPr>
-          <p:cNvPr id="3" name="Text Placeholder 2">
-            <a:extLst>
-              <a:ext uri="{FF2B5EF4-FFF2-40B4-BE49-F238E27FC236}">
-                <a16:creationId xmlns:a16="http://schemas.microsoft.com/office/drawing/2014/main" id="{0FF0626E-F98A-4D5A-923A-F0FDADFC7C7E}"/>
-              </a:ext>
-            </a:extLst>
-          </p:cNvPr>
-          <p:cNvSpPr>
-            <a:spLocks noGrp="1"/>
-          </p:cNvSpPr>
-          <p:nvPr>
-            <p:ph type="body" sz="quarter" idx="11"/>
-          </p:nvPr>
-        </p:nvSpPr>
-        <p:spPr/>
-        <p:txBody>
-          <a:bodyPr/>
-          <a:lstStyle/>
-          <a:p>
-            <a:endParaRPr lang="pl-PL"/>
-          </a:p>
-        </p:txBody>
-      </p:sp>
-      <p:sp>
-        <p:nvSpPr>
-          <p:cNvPr id="4" name="Slide Number Placeholder 3">
-            <a:extLst>
-              <a:ext uri="{FF2B5EF4-FFF2-40B4-BE49-F238E27FC236}">
-                <a16:creationId xmlns:a16="http://schemas.microsoft.com/office/drawing/2014/main" id="{763F8A99-27EC-4561-8DE1-AC6A60BF6959}"/>
-              </a:ext>
-            </a:extLst>
-          </p:cNvPr>
-          <p:cNvSpPr>
-            <a:spLocks noGrp="1"/>
-          </p:cNvSpPr>
-          <p:nvPr>
-            <p:ph type="sldNum" sz="quarter" idx="12"/>
-          </p:nvPr>
-        </p:nvSpPr>
-        <p:spPr/>
-        <p:txBody>
-          <a:bodyPr/>
-          <a:lstStyle/>
-          <a:p>
-            <a:fld id="{3847DB54-D037-B84F-B6F1-2E8DA40D09AD}" type="slidenum">
-              <a:rPr lang="en-US" smtClean="0"/>
-              <a:pPr/>
-              <a:t>28</a:t>
-            </a:fld>
-            <a:endParaRPr lang="en-US"/>
-          </a:p>
-        </p:txBody>
-      </p:sp>
-    </p:spTree>
-    <p:extLst>
-      <p:ext uri="{BB962C8B-B14F-4D97-AF65-F5344CB8AC3E}">
-        <p14:creationId xmlns:p14="http://schemas.microsoft.com/office/powerpoint/2010/main" val="262554426"/>
       </p:ext>
     </p:extLst>
   </p:cSld>
@@ -9184,7 +10388,7 @@
               <a:pPr/>
               <a:t>3</a:t>
             </a:fld>
-            <a:endParaRPr lang="en-US"/>
+            <a:endParaRPr lang="en-US" dirty="0"/>
           </a:p>
         </p:txBody>
       </p:sp>
@@ -9200,7 +10404,7 @@
         </p:nvSpPr>
         <p:spPr>
           <a:xfrm>
-            <a:off x="1031130" y="2325026"/>
+            <a:off x="1120648" y="1331495"/>
             <a:ext cx="10270415" cy="998344"/>
           </a:xfrm>
         </p:spPr>
@@ -9224,6 +10428,12 @@
               <a:rPr lang="en-US" dirty="0"/>
               <a:t> you to store, search, and analyze big volumes of data quickly and in near real time.</a:t>
             </a:r>
+            <a:br>
+              <a:rPr lang="pl-PL" dirty="0"/>
+            </a:br>
+            <a:br>
+              <a:rPr lang="pl-PL" dirty="0"/>
+            </a:br>
             <a:endParaRPr lang="en-US" sz="2800" dirty="0"/>
           </a:p>
         </p:txBody>
@@ -9440,10 +10650,181 @@
           </a:p>
         </p:txBody>
       </p:sp>
+      <p:sp>
+        <p:nvSpPr>
+          <p:cNvPr id="5" name="Title 3">
+            <a:extLst>
+              <a:ext uri="{FF2B5EF4-FFF2-40B4-BE49-F238E27FC236}">
+                <a16:creationId xmlns:a16="http://schemas.microsoft.com/office/drawing/2014/main" id="{69DCCD5E-DE60-4529-B0CE-3DF64ED0ED77}"/>
+              </a:ext>
+            </a:extLst>
+          </p:cNvPr>
+          <p:cNvSpPr txBox="1">
+            <a:spLocks/>
+          </p:cNvSpPr>
+          <p:nvPr/>
+        </p:nvSpPr>
+        <p:spPr>
+          <a:xfrm>
+            <a:off x="8080132" y="4137532"/>
+            <a:ext cx="2686678" cy="411125"/>
+          </a:xfrm>
+          <a:prstGeom prst="rect">
+            <a:avLst/>
+          </a:prstGeom>
+        </p:spPr>
+        <p:txBody>
+          <a:bodyPr vert="horz" lIns="91440" tIns="45720" rIns="91440" bIns="45720" rtlCol="0" anchor="t">
+            <a:noAutofit/>
+          </a:bodyPr>
+          <a:lstStyle>
+            <a:lvl1pPr algn="l" defTabSz="914400" rtl="0" eaLnBrk="1" latinLnBrk="0" hangingPunct="1">
+              <a:lnSpc>
+                <a:spcPct val="90000"/>
+              </a:lnSpc>
+              <a:spcBef>
+                <a:spcPct val="0"/>
+              </a:spcBef>
+              <a:buNone/>
+              <a:defRPr sz="3600" b="0" i="0" kern="1200">
+                <a:solidFill>
+                  <a:schemeClr val="tx1"/>
+                </a:solidFill>
+                <a:latin typeface="Segoe UI Light" charset="0"/>
+                <a:ea typeface="Segoe UI Light" charset="0"/>
+                <a:cs typeface="Segoe UI Light" charset="0"/>
+              </a:defRPr>
+            </a:lvl1pPr>
+          </a:lstStyle>
+          <a:p>
+            <a:r>
+              <a:rPr lang="pl-PL" sz="2400" i="1" dirty="0"/>
+              <a:t> http://elastic.co/</a:t>
+            </a:r>
+            <a:endParaRPr lang="en-US" sz="2400" i="1" dirty="0"/>
+          </a:p>
+        </p:txBody>
+      </p:sp>
     </p:spTree>
     <p:extLst>
       <p:ext uri="{BB962C8B-B14F-4D97-AF65-F5344CB8AC3E}">
         <p14:creationId xmlns:p14="http://schemas.microsoft.com/office/powerpoint/2010/main" val="796813655"/>
+      </p:ext>
+    </p:extLst>
+  </p:cSld>
+  <p:clrMapOvr>
+    <a:masterClrMapping/>
+  </p:clrMapOvr>
+  <p:transition>
+    <p:fade/>
+  </p:transition>
+</p:sld>
+</file>
+
+<file path=ppt/slides/slide30.xml><?xml version="1.0" encoding="utf-8"?>
+<p:sld xmlns:a="http://schemas.openxmlformats.org/drawingml/2006/main" xmlns:r="http://schemas.openxmlformats.org/officeDocument/2006/relationships" xmlns:p="http://schemas.openxmlformats.org/presentationml/2006/main">
+  <p:cSld>
+    <p:spTree>
+      <p:nvGrpSpPr>
+        <p:cNvPr id="1" name=""/>
+        <p:cNvGrpSpPr/>
+        <p:nvPr/>
+      </p:nvGrpSpPr>
+      <p:grpSpPr>
+        <a:xfrm>
+          <a:off x="0" y="0"/>
+          <a:ext cx="0" cy="0"/>
+          <a:chOff x="0" y="0"/>
+          <a:chExt cx="0" cy="0"/>
+        </a:xfrm>
+      </p:grpSpPr>
+      <p:sp>
+        <p:nvSpPr>
+          <p:cNvPr id="2" name="Text Placeholder 1">
+            <a:extLst>
+              <a:ext uri="{FF2B5EF4-FFF2-40B4-BE49-F238E27FC236}">
+                <a16:creationId xmlns:a16="http://schemas.microsoft.com/office/drawing/2014/main" id="{2762F55E-9840-4280-842F-A07690412195}"/>
+              </a:ext>
+            </a:extLst>
+          </p:cNvPr>
+          <p:cNvSpPr>
+            <a:spLocks noGrp="1"/>
+          </p:cNvSpPr>
+          <p:nvPr>
+            <p:ph type="body" sz="quarter" idx="10"/>
+          </p:nvPr>
+        </p:nvSpPr>
+        <p:spPr/>
+        <p:txBody>
+          <a:bodyPr/>
+          <a:lstStyle/>
+          <a:p>
+            <a:r>
+              <a:rPr lang="pl-PL" dirty="0"/>
+              <a:t>Any questions ? </a:t>
+            </a:r>
+          </a:p>
+        </p:txBody>
+      </p:sp>
+      <p:sp>
+        <p:nvSpPr>
+          <p:cNvPr id="3" name="Text Placeholder 2">
+            <a:extLst>
+              <a:ext uri="{FF2B5EF4-FFF2-40B4-BE49-F238E27FC236}">
+                <a16:creationId xmlns:a16="http://schemas.microsoft.com/office/drawing/2014/main" id="{0FF0626E-F98A-4D5A-923A-F0FDADFC7C7E}"/>
+              </a:ext>
+            </a:extLst>
+          </p:cNvPr>
+          <p:cNvSpPr>
+            <a:spLocks noGrp="1"/>
+          </p:cNvSpPr>
+          <p:nvPr>
+            <p:ph type="body" sz="quarter" idx="11"/>
+          </p:nvPr>
+        </p:nvSpPr>
+        <p:spPr/>
+        <p:txBody>
+          <a:bodyPr/>
+          <a:lstStyle/>
+          <a:p>
+            <a:endParaRPr lang="pl-PL"/>
+          </a:p>
+        </p:txBody>
+      </p:sp>
+      <p:sp>
+        <p:nvSpPr>
+          <p:cNvPr id="4" name="Slide Number Placeholder 3">
+            <a:extLst>
+              <a:ext uri="{FF2B5EF4-FFF2-40B4-BE49-F238E27FC236}">
+                <a16:creationId xmlns:a16="http://schemas.microsoft.com/office/drawing/2014/main" id="{763F8A99-27EC-4561-8DE1-AC6A60BF6959}"/>
+              </a:ext>
+            </a:extLst>
+          </p:cNvPr>
+          <p:cNvSpPr>
+            <a:spLocks noGrp="1"/>
+          </p:cNvSpPr>
+          <p:nvPr>
+            <p:ph type="sldNum" sz="quarter" idx="12"/>
+          </p:nvPr>
+        </p:nvSpPr>
+        <p:spPr/>
+        <p:txBody>
+          <a:bodyPr/>
+          <a:lstStyle/>
+          <a:p>
+            <a:fld id="{3847DB54-D037-B84F-B6F1-2E8DA40D09AD}" type="slidenum">
+              <a:rPr lang="en-US" smtClean="0"/>
+              <a:pPr/>
+              <a:t>30</a:t>
+            </a:fld>
+            <a:endParaRPr lang="en-US" dirty="0"/>
+          </a:p>
+        </p:txBody>
+      </p:sp>
+    </p:spTree>
+    <p:extLst>
+      <p:ext uri="{BB962C8B-B14F-4D97-AF65-F5344CB8AC3E}">
+        <p14:creationId xmlns:p14="http://schemas.microsoft.com/office/powerpoint/2010/main" val="262554426"/>
       </p:ext>
     </p:extLst>
   </p:cSld>
@@ -9501,7 +10882,7 @@
           <a:p>
             <a:r>
               <a:rPr lang="pl-PL" dirty="0"/>
-              <a:t>Uses cases </a:t>
+              <a:t>Example uses cases </a:t>
             </a:r>
           </a:p>
         </p:txBody>
@@ -9701,7 +11082,15 @@
           <a:p>
             <a:r>
               <a:rPr lang="en-US" dirty="0"/>
-              <a:t>A cluster is a collection of one or more nodes (servers) that together holds entire data and provides indexing and search capabilities across all nodes. </a:t>
+              <a:t>A cluster is a collection of one or more </a:t>
+            </a:r>
+            <a:r>
+              <a:rPr lang="en-US" b="1" dirty="0"/>
+              <a:t>nodes</a:t>
+            </a:r>
+            <a:r>
+              <a:rPr lang="en-US" dirty="0"/>
+              <a:t> (servers) that together holds entire data and provides indexing and search capabilities across all nodes. </a:t>
             </a:r>
             <a:endParaRPr lang="pl-PL" dirty="0"/>
           </a:p>
@@ -9851,12 +11240,8 @@
               <a:t>Under the hood e</a:t>
             </a:r>
             <a:r>
-              <a:rPr lang="en-US" dirty="0" err="1"/>
-              <a:t>ach</a:t>
-            </a:r>
-            <a:r>
               <a:rPr lang="en-US" dirty="0"/>
-              <a:t> shard is a Lucene index</a:t>
+              <a:t>ach shard is a Lucene index</a:t>
             </a:r>
             <a:r>
               <a:rPr lang="pl-PL" dirty="0"/>
@@ -10132,15 +11517,7 @@
           <a:p>
             <a:r>
               <a:rPr lang="en-US" dirty="0"/>
-              <a:t>			"</a:t>
-            </a:r>
-            <a:r>
-              <a:rPr lang="en-US" dirty="0" err="1"/>
-              <a:t>text_entry</a:t>
-            </a:r>
-            <a:r>
-              <a:rPr lang="en-US" dirty="0"/>
-              <a:t>": "to be or not to be"</a:t>
+              <a:t>			"text_entry": "to be or not to be"</a:t>
             </a:r>
           </a:p>
           <a:p>
@@ -10199,12 +11576,42 @@
           <a:chExt cx="0" cy="0"/>
         </a:xfrm>
       </p:grpSpPr>
-      <p:sp>
-        <p:nvSpPr>
-          <p:cNvPr id="2" name="Text Placeholder 1">
+      <p:pic>
+        <p:nvPicPr>
+          <p:cNvPr id="4" name="Picture 3">
             <a:extLst>
               <a:ext uri="{FF2B5EF4-FFF2-40B4-BE49-F238E27FC236}">
-                <a16:creationId xmlns:a16="http://schemas.microsoft.com/office/drawing/2014/main" id="{DDCE911D-F98A-4B54-A2AF-5FB4418807D6}"/>
+                <a16:creationId xmlns:a16="http://schemas.microsoft.com/office/drawing/2014/main" id="{F15CBFAB-E828-4E53-8FC2-7270B601764E}"/>
+              </a:ext>
+            </a:extLst>
+          </p:cNvPr>
+          <p:cNvPicPr>
+            <a:picLocks noChangeAspect="1"/>
+          </p:cNvPicPr>
+          <p:nvPr/>
+        </p:nvPicPr>
+        <p:blipFill>
+          <a:blip r:embed="rId2"/>
+          <a:stretch>
+            <a:fillRect/>
+          </a:stretch>
+        </p:blipFill>
+        <p:spPr>
+          <a:xfrm>
+            <a:off x="1295679" y="2072225"/>
+            <a:ext cx="10750941" cy="4785775"/>
+          </a:xfrm>
+          <a:prstGeom prst="rect">
+            <a:avLst/>
+          </a:prstGeom>
+        </p:spPr>
+      </p:pic>
+      <p:sp>
+        <p:nvSpPr>
+          <p:cNvPr id="5" name="Text Placeholder 1">
+            <a:extLst>
+              <a:ext uri="{FF2B5EF4-FFF2-40B4-BE49-F238E27FC236}">
+                <a16:creationId xmlns:a16="http://schemas.microsoft.com/office/drawing/2014/main" id="{2B47F3A0-A485-427E-B109-B1901EDD38EE}"/>
               </a:ext>
             </a:extLst>
           </p:cNvPr>
@@ -10226,37 +11633,204 @@
           <a:lstStyle/>
           <a:p>
             <a:r>
-              <a:rPr lang="pl-PL" dirty="0"/>
+              <a:rPr lang="pl-PL"/>
               <a:t>Inverted index </a:t>
             </a:r>
-          </a:p>
-        </p:txBody>
-      </p:sp>
-      <p:sp>
-        <p:nvSpPr>
-          <p:cNvPr id="3" name="Text Placeholder 2">
+            <a:endParaRPr lang="pl-PL" dirty="0"/>
+          </a:p>
+        </p:txBody>
+      </p:sp>
+      <p:sp>
+        <p:nvSpPr>
+          <p:cNvPr id="6" name="Text Placeholder 2">
             <a:extLst>
               <a:ext uri="{FF2B5EF4-FFF2-40B4-BE49-F238E27FC236}">
-                <a16:creationId xmlns:a16="http://schemas.microsoft.com/office/drawing/2014/main" id="{20937A16-D441-4581-A6B8-987EBEBAF47F}"/>
+                <a16:creationId xmlns:a16="http://schemas.microsoft.com/office/drawing/2014/main" id="{5348C358-E0B2-4880-988A-598D925C5EE6}"/>
               </a:ext>
             </a:extLst>
           </p:cNvPr>
-          <p:cNvSpPr>
-            <a:spLocks noGrp="1"/>
+          <p:cNvSpPr txBox="1">
+            <a:spLocks/>
           </p:cNvSpPr>
-          <p:nvPr>
-            <p:ph type="body" sz="quarter" idx="11"/>
-          </p:nvPr>
+          <p:nvPr/>
         </p:nvSpPr>
         <p:spPr>
           <a:xfrm>
-            <a:off x="1083386" y="1149104"/>
+            <a:off x="1083386" y="1075713"/>
             <a:ext cx="10524898" cy="4706573"/>
           </a:xfrm>
+          <a:prstGeom prst="rect">
+            <a:avLst/>
+          </a:prstGeom>
         </p:spPr>
         <p:txBody>
-          <a:bodyPr/>
-          <a:lstStyle/>
+          <a:bodyPr vert="horz" lIns="91440" tIns="45720" rIns="91440" bIns="45720" rtlCol="0">
+            <a:noAutofit/>
+          </a:bodyPr>
+          <a:lstStyle>
+            <a:lvl1pPr marL="0" indent="0" algn="l" defTabSz="914400" rtl="0" eaLnBrk="1" latinLnBrk="0" hangingPunct="1">
+              <a:lnSpc>
+                <a:spcPct val="90000"/>
+              </a:lnSpc>
+              <a:spcBef>
+                <a:spcPts val="1000"/>
+              </a:spcBef>
+              <a:buFont typeface="Arial"/>
+              <a:buNone/>
+              <a:defRPr sz="2800" b="0" i="0" kern="1200">
+                <a:solidFill>
+                  <a:schemeClr val="tx1"/>
+                </a:solidFill>
+                <a:latin typeface="Segoe UI Light" charset="0"/>
+                <a:ea typeface="Segoe UI Light" charset="0"/>
+                <a:cs typeface="Segoe UI Light" charset="0"/>
+              </a:defRPr>
+            </a:lvl1pPr>
+            <a:lvl2pPr marL="685800" indent="-228600" algn="l" defTabSz="914400" rtl="0" eaLnBrk="1" latinLnBrk="0" hangingPunct="1">
+              <a:lnSpc>
+                <a:spcPct val="90000"/>
+              </a:lnSpc>
+              <a:spcBef>
+                <a:spcPts val="500"/>
+              </a:spcBef>
+              <a:buFont typeface="Arial"/>
+              <a:buChar char="•"/>
+              <a:defRPr sz="1800" b="0" i="0" kern="1200">
+                <a:solidFill>
+                  <a:schemeClr val="tx1"/>
+                </a:solidFill>
+                <a:latin typeface="Segoe UI Light" charset="0"/>
+                <a:ea typeface="Segoe UI Light" charset="0"/>
+                <a:cs typeface="Segoe UI Light" charset="0"/>
+              </a:defRPr>
+            </a:lvl2pPr>
+            <a:lvl3pPr marL="1143000" indent="-228600" algn="l" defTabSz="914400" rtl="0" eaLnBrk="1" latinLnBrk="0" hangingPunct="1">
+              <a:lnSpc>
+                <a:spcPct val="90000"/>
+              </a:lnSpc>
+              <a:spcBef>
+                <a:spcPts val="500"/>
+              </a:spcBef>
+              <a:buFont typeface="Arial"/>
+              <a:buChar char="•"/>
+              <a:defRPr sz="1600" b="0" i="0" kern="1200">
+                <a:solidFill>
+                  <a:schemeClr val="tx1"/>
+                </a:solidFill>
+                <a:latin typeface="Segoe UI Light" charset="0"/>
+                <a:ea typeface="Segoe UI Light" charset="0"/>
+                <a:cs typeface="Segoe UI Light" charset="0"/>
+              </a:defRPr>
+            </a:lvl3pPr>
+            <a:lvl4pPr marL="1600200" indent="-228600" algn="l" defTabSz="914400" rtl="0" eaLnBrk="1" latinLnBrk="0" hangingPunct="1">
+              <a:lnSpc>
+                <a:spcPct val="90000"/>
+              </a:lnSpc>
+              <a:spcBef>
+                <a:spcPts val="500"/>
+              </a:spcBef>
+              <a:buFont typeface="Arial"/>
+              <a:buChar char="•"/>
+              <a:defRPr sz="1400" b="0" i="0" kern="1200">
+                <a:solidFill>
+                  <a:schemeClr val="tx1"/>
+                </a:solidFill>
+                <a:latin typeface="Segoe UI Light" charset="0"/>
+                <a:ea typeface="Segoe UI Light" charset="0"/>
+                <a:cs typeface="Segoe UI Light" charset="0"/>
+              </a:defRPr>
+            </a:lvl4pPr>
+            <a:lvl5pPr marL="2057400" indent="-228600" algn="l" defTabSz="914400" rtl="0" eaLnBrk="1" latinLnBrk="0" hangingPunct="1">
+              <a:lnSpc>
+                <a:spcPct val="90000"/>
+              </a:lnSpc>
+              <a:spcBef>
+                <a:spcPts val="500"/>
+              </a:spcBef>
+              <a:buFont typeface="Arial"/>
+              <a:buChar char="•"/>
+              <a:defRPr sz="1400" b="0" i="0" kern="1200">
+                <a:solidFill>
+                  <a:schemeClr val="tx1"/>
+                </a:solidFill>
+                <a:latin typeface="Segoe UI Light" charset="0"/>
+                <a:ea typeface="Segoe UI Light" charset="0"/>
+                <a:cs typeface="Segoe UI Light" charset="0"/>
+              </a:defRPr>
+            </a:lvl5pPr>
+            <a:lvl6pPr marL="2514600" indent="-228600" algn="l" defTabSz="914400" rtl="0" eaLnBrk="1" latinLnBrk="0" hangingPunct="1">
+              <a:lnSpc>
+                <a:spcPct val="90000"/>
+              </a:lnSpc>
+              <a:spcBef>
+                <a:spcPts val="500"/>
+              </a:spcBef>
+              <a:buFont typeface="Arial"/>
+              <a:buChar char="•"/>
+              <a:defRPr sz="1800" kern="1200">
+                <a:solidFill>
+                  <a:schemeClr val="tx1"/>
+                </a:solidFill>
+                <a:latin typeface="+mn-lt"/>
+                <a:ea typeface="+mn-ea"/>
+                <a:cs typeface="+mn-cs"/>
+              </a:defRPr>
+            </a:lvl6pPr>
+            <a:lvl7pPr marL="2971800" indent="-228600" algn="l" defTabSz="914400" rtl="0" eaLnBrk="1" latinLnBrk="0" hangingPunct="1">
+              <a:lnSpc>
+                <a:spcPct val="90000"/>
+              </a:lnSpc>
+              <a:spcBef>
+                <a:spcPts val="500"/>
+              </a:spcBef>
+              <a:buFont typeface="Arial"/>
+              <a:buChar char="•"/>
+              <a:defRPr sz="1800" kern="1200">
+                <a:solidFill>
+                  <a:schemeClr val="tx1"/>
+                </a:solidFill>
+                <a:latin typeface="+mn-lt"/>
+                <a:ea typeface="+mn-ea"/>
+                <a:cs typeface="+mn-cs"/>
+              </a:defRPr>
+            </a:lvl7pPr>
+            <a:lvl8pPr marL="3429000" indent="-228600" algn="l" defTabSz="914400" rtl="0" eaLnBrk="1" latinLnBrk="0" hangingPunct="1">
+              <a:lnSpc>
+                <a:spcPct val="90000"/>
+              </a:lnSpc>
+              <a:spcBef>
+                <a:spcPts val="500"/>
+              </a:spcBef>
+              <a:buFont typeface="Arial"/>
+              <a:buChar char="•"/>
+              <a:defRPr sz="1800" kern="1200">
+                <a:solidFill>
+                  <a:schemeClr val="tx1"/>
+                </a:solidFill>
+                <a:latin typeface="+mn-lt"/>
+                <a:ea typeface="+mn-ea"/>
+                <a:cs typeface="+mn-cs"/>
+              </a:defRPr>
+            </a:lvl8pPr>
+            <a:lvl9pPr marL="3886200" indent="-228600" algn="l" defTabSz="914400" rtl="0" eaLnBrk="1" latinLnBrk="0" hangingPunct="1">
+              <a:lnSpc>
+                <a:spcPct val="90000"/>
+              </a:lnSpc>
+              <a:spcBef>
+                <a:spcPts val="500"/>
+              </a:spcBef>
+              <a:buFont typeface="Arial"/>
+              <a:buChar char="•"/>
+              <a:defRPr sz="1800" kern="1200">
+                <a:solidFill>
+                  <a:schemeClr val="tx1"/>
+                </a:solidFill>
+                <a:latin typeface="+mn-lt"/>
+                <a:ea typeface="+mn-ea"/>
+                <a:cs typeface="+mn-cs"/>
+              </a:defRPr>
+            </a:lvl9pPr>
+          </a:lstStyle>
           <a:p>
             <a:r>
               <a:rPr lang="pl-PL" dirty="0"/>
@@ -10264,119 +11838,11 @@
             </a:r>
           </a:p>
           <a:p>
+            <a:endParaRPr lang="pl-PL" dirty="0"/>
+          </a:p>
+          <a:p>
             <a:pPr marL="514350" indent="-514350">
-              <a:buAutoNum type="arabicPeriod"/>
-            </a:pPr>
-            <a:r>
-              <a:rPr lang="pl-PL" dirty="0"/>
-              <a:t>Get the document</a:t>
-            </a:r>
-          </a:p>
-          <a:p>
-            <a:pPr marL="514350" indent="-514350">
-              <a:buAutoNum type="arabicPeriod"/>
-            </a:pPr>
-            <a:r>
-              <a:rPr lang="pl-PL" dirty="0"/>
-              <a:t>Tokenize text into single worlds </a:t>
-            </a:r>
-          </a:p>
-          <a:p>
-            <a:pPr marL="514350" indent="-514350">
-              <a:buAutoNum type="arabicPeriod"/>
-            </a:pPr>
-            <a:r>
-              <a:rPr lang="pl-PL" dirty="0"/>
-              <a:t>Normalize, lowercase, remove punctioations, special characters and other noises </a:t>
-            </a:r>
-          </a:p>
-          <a:p>
-            <a:pPr marL="514350" indent="-514350">
-              <a:buAutoNum type="arabicPeriod"/>
-            </a:pPr>
-            <a:r>
-              <a:rPr lang="pl-PL" dirty="0"/>
-              <a:t>Analize worlds, depends on needs for example : </a:t>
-            </a:r>
-          </a:p>
-          <a:p>
-            <a:pPr marL="1028700" lvl="1" indent="-342900">
-              <a:buFont typeface="+mj-lt"/>
-              <a:buAutoNum type="alphaLcParenR"/>
-            </a:pPr>
-            <a:r>
-              <a:rPr lang="pl-PL" dirty="0"/>
-              <a:t>To find endinds reverse "fantastic" → "citsatnaf„</a:t>
-            </a:r>
-          </a:p>
-          <a:p>
-            <a:pPr marL="1028700" lvl="1" indent="-342900">
-              <a:buFont typeface="+mj-lt"/>
-              <a:buAutoNum type="alphaLcParenR"/>
-            </a:pPr>
-            <a:r>
-              <a:rPr lang="pl-PL" dirty="0"/>
-              <a:t>To find substrings build n-grams „</a:t>
-            </a:r>
-            <a:r>
-              <a:rPr lang="en-US" dirty="0"/>
-              <a:t> yours" </a:t>
-            </a:r>
-            <a:r>
-              <a:rPr lang="pl-PL" dirty="0"/>
-              <a:t>→</a:t>
-            </a:r>
-            <a:r>
-              <a:rPr lang="en-US" dirty="0"/>
-              <a:t> "^</a:t>
-            </a:r>
-            <a:r>
-              <a:rPr lang="en-US" dirty="0" err="1"/>
-              <a:t>yo</a:t>
-            </a:r>
-            <a:r>
-              <a:rPr lang="en-US" dirty="0"/>
-              <a:t>", "you", "our", "</a:t>
-            </a:r>
-            <a:r>
-              <a:rPr lang="en-US" dirty="0" err="1"/>
-              <a:t>urs</a:t>
-            </a:r>
-            <a:r>
-              <a:rPr lang="en-US" dirty="0"/>
-              <a:t>", "</a:t>
-            </a:r>
-            <a:r>
-              <a:rPr lang="en-US" dirty="0" err="1"/>
-              <a:t>rs</a:t>
-            </a:r>
-            <a:r>
-              <a:rPr lang="en-US" dirty="0"/>
-              <a:t>$„</a:t>
-            </a:r>
-            <a:endParaRPr lang="pl-PL" dirty="0"/>
-          </a:p>
-          <a:p>
-            <a:pPr marL="1028700" lvl="1" indent="-342900">
-              <a:buFont typeface="+mj-lt"/>
-              <a:buAutoNum type="alphaLcParenR"/>
-            </a:pPr>
-            <a:r>
-              <a:rPr lang="pl-PL" dirty="0"/>
-              <a:t>To finds cooridante points create heo hashes (60.6384, 6.5017)  → „u4u8gyykk”</a:t>
-            </a:r>
-          </a:p>
-          <a:p>
-            <a:pPr marL="514350" indent="-514350">
-              <a:buAutoNum type="arabicPeriod"/>
-            </a:pPr>
-            <a:r>
-              <a:rPr lang="pl-PL" dirty="0"/>
-              <a:t>Sort and put into dictionary </a:t>
-            </a:r>
-          </a:p>
-          <a:p>
-            <a:pPr marL="514350" indent="-514350">
+              <a:buFont typeface="Arial"/>
               <a:buAutoNum type="arabicPeriod"/>
             </a:pPr>
             <a:endParaRPr lang="pl-PL" dirty="0"/>
@@ -10386,7 +11852,7 @@
     </p:spTree>
     <p:extLst>
       <p:ext uri="{BB962C8B-B14F-4D97-AF65-F5344CB8AC3E}">
-        <p14:creationId xmlns:p14="http://schemas.microsoft.com/office/powerpoint/2010/main" val="2784545074"/>
+        <p14:creationId xmlns:p14="http://schemas.microsoft.com/office/powerpoint/2010/main" val="3895638589"/>
       </p:ext>
     </p:extLst>
   </p:cSld>
@@ -10418,10 +11884,43 @@
       </p:grpSpPr>
       <p:sp>
         <p:nvSpPr>
+          <p:cNvPr id="2" name="Text Placeholder 1">
+            <a:extLst>
+              <a:ext uri="{FF2B5EF4-FFF2-40B4-BE49-F238E27FC236}">
+                <a16:creationId xmlns:a16="http://schemas.microsoft.com/office/drawing/2014/main" id="{DDCE911D-F98A-4B54-A2AF-5FB4418807D6}"/>
+              </a:ext>
+            </a:extLst>
+          </p:cNvPr>
+          <p:cNvSpPr>
+            <a:spLocks noGrp="1"/>
+          </p:cNvSpPr>
+          <p:nvPr>
+            <p:ph type="body" sz="quarter" idx="10"/>
+          </p:nvPr>
+        </p:nvSpPr>
+        <p:spPr>
+          <a:xfrm>
+            <a:off x="1083386" y="293136"/>
+            <a:ext cx="10524898" cy="1080861"/>
+          </a:xfrm>
+        </p:spPr>
+        <p:txBody>
+          <a:bodyPr/>
+          <a:lstStyle/>
+          <a:p>
+            <a:r>
+              <a:rPr lang="pl-PL" dirty="0"/>
+              <a:t>Inverted index </a:t>
+            </a:r>
+          </a:p>
+        </p:txBody>
+      </p:sp>
+      <p:sp>
+        <p:nvSpPr>
           <p:cNvPr id="3" name="Text Placeholder 2">
             <a:extLst>
               <a:ext uri="{FF2B5EF4-FFF2-40B4-BE49-F238E27FC236}">
-                <a16:creationId xmlns:a16="http://schemas.microsoft.com/office/drawing/2014/main" id="{33399046-0AB3-446E-BD7A-ED9A9E46EE6F}"/>
+                <a16:creationId xmlns:a16="http://schemas.microsoft.com/office/drawing/2014/main" id="{20937A16-D441-4581-A6B8-987EBEBAF47F}"/>
               </a:ext>
             </a:extLst>
           </p:cNvPr>
@@ -10432,49 +11931,115 @@
             <p:ph type="body" sz="quarter" idx="11"/>
           </p:nvPr>
         </p:nvSpPr>
-        <p:spPr/>
+        <p:spPr>
+          <a:xfrm>
+            <a:off x="1083386" y="1149104"/>
+            <a:ext cx="10524898" cy="4706573"/>
+          </a:xfrm>
+        </p:spPr>
         <p:txBody>
           <a:bodyPr/>
           <a:lstStyle/>
           <a:p>
+            <a:pPr marL="514350" indent="-514350">
+              <a:buAutoNum type="arabicPeriod"/>
+            </a:pPr>
+            <a:r>
+              <a:rPr lang="pl-PL" dirty="0"/>
+              <a:t>Get the document</a:t>
+            </a:r>
+          </a:p>
+          <a:p>
+            <a:pPr marL="514350" indent="-514350">
+              <a:buAutoNum type="arabicPeriod"/>
+            </a:pPr>
+            <a:r>
+              <a:rPr lang="pl-PL" dirty="0"/>
+              <a:t>Tokenize text into single worlds </a:t>
+            </a:r>
+          </a:p>
+          <a:p>
+            <a:pPr marL="514350" indent="-514350">
+              <a:buAutoNum type="arabicPeriod"/>
+            </a:pPr>
+            <a:r>
+              <a:rPr lang="pl-PL" dirty="0"/>
+              <a:t>Normalize, lowercase, remove punctioations, special characters and other noises </a:t>
+            </a:r>
+          </a:p>
+          <a:p>
+            <a:pPr marL="514350" indent="-514350">
+              <a:buAutoNum type="arabicPeriod"/>
+            </a:pPr>
+            <a:r>
+              <a:rPr lang="pl-PL" dirty="0"/>
+              <a:t>Analize worlds, depends on needs for example : </a:t>
+            </a:r>
+          </a:p>
+          <a:p>
+            <a:pPr marL="1028700" lvl="1" indent="-342900">
+              <a:buFont typeface="+mj-lt"/>
+              <a:buAutoNum type="alphaLcParenR"/>
+            </a:pPr>
+            <a:r>
+              <a:rPr lang="pl-PL" dirty="0"/>
+              <a:t>To find endinds reverse "fantastic" → "citsatnaf„</a:t>
+            </a:r>
+          </a:p>
+          <a:p>
+            <a:pPr marL="1028700" lvl="1" indent="-342900">
+              <a:buFont typeface="+mj-lt"/>
+              <a:buAutoNum type="alphaLcParenR"/>
+            </a:pPr>
+            <a:r>
+              <a:rPr lang="pl-PL" dirty="0"/>
+              <a:t>To find substrings build n-grams „</a:t>
+            </a:r>
+            <a:r>
+              <a:rPr lang="en-US" dirty="0"/>
+              <a:t> yours" </a:t>
+            </a:r>
+            <a:r>
+              <a:rPr lang="pl-PL" dirty="0"/>
+              <a:t>→</a:t>
+            </a:r>
+            <a:r>
+              <a:rPr lang="en-US" dirty="0"/>
+              <a:t> "^yo", "you", "our", "urs", "rs$„</a:t>
+            </a:r>
             <a:endParaRPr lang="pl-PL" dirty="0"/>
           </a:p>
-        </p:txBody>
-      </p:sp>
-      <p:pic>
-        <p:nvPicPr>
-          <p:cNvPr id="4" name="Picture 3">
-            <a:extLst>
-              <a:ext uri="{FF2B5EF4-FFF2-40B4-BE49-F238E27FC236}">
-                <a16:creationId xmlns:a16="http://schemas.microsoft.com/office/drawing/2014/main" id="{F15CBFAB-E828-4E53-8FC2-7270B601764E}"/>
-              </a:ext>
-            </a:extLst>
-          </p:cNvPr>
-          <p:cNvPicPr>
-            <a:picLocks noChangeAspect="1"/>
-          </p:cNvPicPr>
-          <p:nvPr/>
-        </p:nvPicPr>
-        <p:blipFill>
-          <a:blip r:embed="rId2"/>
-          <a:stretch>
-            <a:fillRect/>
-          </a:stretch>
-        </p:blipFill>
-        <p:spPr>
-          <a:xfrm>
-            <a:off x="961132" y="1036112"/>
-            <a:ext cx="10463167" cy="4785775"/>
-          </a:xfrm>
-          <a:prstGeom prst="rect">
-            <a:avLst/>
-          </a:prstGeom>
-        </p:spPr>
-      </p:pic>
+          <a:p>
+            <a:pPr marL="1028700" lvl="1" indent="-342900">
+              <a:buFont typeface="+mj-lt"/>
+              <a:buAutoNum type="alphaLcParenR"/>
+            </a:pPr>
+            <a:r>
+              <a:rPr lang="pl-PL" dirty="0"/>
+              <a:t>To finds cooridante points create heo hashes (60.6384, 6.5017)  → „u4u8gyykk”</a:t>
+            </a:r>
+          </a:p>
+          <a:p>
+            <a:pPr marL="514350" indent="-514350">
+              <a:buAutoNum type="arabicPeriod"/>
+            </a:pPr>
+            <a:r>
+              <a:rPr lang="pl-PL" dirty="0"/>
+              <a:t>Sort and put into dictionary </a:t>
+            </a:r>
+          </a:p>
+          <a:p>
+            <a:pPr marL="514350" indent="-514350">
+              <a:buAutoNum type="arabicPeriod"/>
+            </a:pPr>
+            <a:endParaRPr lang="pl-PL" dirty="0"/>
+          </a:p>
+        </p:txBody>
+      </p:sp>
     </p:spTree>
     <p:extLst>
       <p:ext uri="{BB962C8B-B14F-4D97-AF65-F5344CB8AC3E}">
-        <p14:creationId xmlns:p14="http://schemas.microsoft.com/office/powerpoint/2010/main" val="3895638589"/>
+        <p14:creationId xmlns:p14="http://schemas.microsoft.com/office/powerpoint/2010/main" val="2784545074"/>
       </p:ext>
     </p:extLst>
   </p:cSld>
@@ -11375,16 +12940,16 @@
 <file path=customXml/itemProps2.xml><?xml version="1.0" encoding="utf-8"?>
 <ds:datastoreItem xmlns:ds="http://schemas.openxmlformats.org/officeDocument/2006/customXml" ds:itemID="{2D640949-F722-4E85-A66F-2ADFE25CD1C4}">
   <ds:schemaRefs>
-    <ds:schemaRef ds:uri="71731efb-d95f-4b9c-81d3-edf9a8533796"/>
     <ds:schemaRef ds:uri="http://purl.org/dc/terms/"/>
     <ds:schemaRef ds:uri="http://schemas.openxmlformats.org/package/2006/metadata/core-properties"/>
-    <ds:schemaRef ds:uri="http://schemas.microsoft.com/office/2006/documentManagement/types"/>
+    <ds:schemaRef ds:uri="http://purl.org/dc/dcmitype/"/>
     <ds:schemaRef ds:uri="32d2e7c2-c546-45d1-9dfa-a2156753f9aa"/>
     <ds:schemaRef ds:uri="http://purl.org/dc/elements/1.1/"/>
     <ds:schemaRef ds:uri="http://schemas.microsoft.com/office/2006/metadata/properties"/>
+    <ds:schemaRef ds:uri="71731efb-d95f-4b9c-81d3-edf9a8533796"/>
+    <ds:schemaRef ds:uri="http://schemas.microsoft.com/office/2006/documentManagement/types"/>
     <ds:schemaRef ds:uri="http://schemas.microsoft.com/office/infopath/2007/PartnerControls"/>
     <ds:schemaRef ds:uri="http://www.w3.org/XML/1998/namespace"/>
-    <ds:schemaRef ds:uri="http://purl.org/dc/dcmitype/"/>
   </ds:schemaRefs>
 </ds:datastoreItem>
 </file>
